--- a/_doc/readme.pptx
+++ b/_doc/readme.pptx
@@ -11,11 +11,13 @@
     <p:sldId id="259" r:id="rId6"/>
     <p:sldId id="260" r:id="rId7"/>
     <p:sldId id="261" r:id="rId8"/>
+    <p:sldId id="262" r:id="rId9"/>
+    <p:sldId id="265" r:id="rId10"/>
   </p:sldIdLst>
   <p:sldSz cx="12192000" cy="6858000"/>
   <p:notesSz cx="6858000" cy="9144000"/>
   <p:custDataLst>
-    <p:tags r:id="rId12"/>
+    <p:tags r:id="rId14"/>
   </p:custDataLst>
   <p:defaultTextStyle>
     <a:defPPr>
@@ -115,12 +117,12 @@
   <p:extLst>
     <p:ext uri="{EFAFB233-063F-42B5-8137-9DF3F51BA10A}">
       <p15:sldGuideLst xmlns:p15="http://schemas.microsoft.com/office/powerpoint/2012/main">
-        <p15:guide id="1" orient="horz" pos="2214" userDrawn="1">
+        <p15:guide id="1" orient="horz" pos="2270" userDrawn="1">
           <p15:clr>
             <a:srgbClr val="A4A3A4"/>
           </p15:clr>
         </p15:guide>
-        <p15:guide id="2" pos="3820" userDrawn="1">
+        <p15:guide id="2" pos="3858" userDrawn="1">
           <p15:clr>
             <a:srgbClr val="A4A3A4"/>
           </p15:clr>
@@ -9972,6 +9974,3262 @@
 </p:sld>
 </file>
 
+<file path=ppt/slides/slide7.xml><?xml version="1.0" encoding="utf-8"?>
+<p:sld xmlns:a="http://schemas.openxmlformats.org/drawingml/2006/main" xmlns:r="http://schemas.openxmlformats.org/officeDocument/2006/relationships" xmlns:p="http://schemas.openxmlformats.org/presentationml/2006/main">
+  <p:cSld>
+    <p:spTree>
+      <p:nvGrpSpPr>
+        <p:cNvPr id="1" name=""/>
+        <p:cNvGrpSpPr/>
+        <p:nvPr/>
+      </p:nvGrpSpPr>
+      <p:grpSpPr/>
+      <p:sp>
+        <p:nvSpPr>
+          <p:cNvPr id="94" name="矩形 93"/>
+          <p:cNvSpPr/>
+          <p:nvPr/>
+        </p:nvSpPr>
+        <p:spPr>
+          <a:xfrm>
+            <a:off x="4479925" y="3310255"/>
+            <a:ext cx="3753485" cy="1852930"/>
+          </a:xfrm>
+          <a:prstGeom prst="rect">
+            <a:avLst/>
+          </a:prstGeom>
+          <a:solidFill>
+            <a:schemeClr val="bg1"/>
+          </a:solidFill>
+          <a:ln w="28575" cmpd="sng">
+            <a:solidFill>
+              <a:schemeClr val="accent1">
+                <a:shade val="50000"/>
+              </a:schemeClr>
+            </a:solidFill>
+            <a:prstDash val="sysDot"/>
+          </a:ln>
+        </p:spPr>
+        <p:style>
+          <a:lnRef idx="2">
+            <a:schemeClr val="accent1">
+              <a:lumMod val="75000"/>
+            </a:schemeClr>
+          </a:lnRef>
+          <a:fillRef idx="1">
+            <a:schemeClr val="accent1"/>
+          </a:fillRef>
+          <a:effectRef idx="0">
+            <a:srgbClr val="FFFFFF"/>
+          </a:effectRef>
+          <a:fontRef idx="minor">
+            <a:schemeClr val="lt1"/>
+          </a:fontRef>
+        </p:style>
+        <p:txBody>
+          <a:bodyPr rtlCol="0" anchor="ctr"/>
+          <a:p>
+            <a:pPr algn="ctr"/>
+            <a:endParaRPr lang="zh-CN" altLang="en-US"/>
+          </a:p>
+        </p:txBody>
+      </p:sp>
+      <p:sp>
+        <p:nvSpPr>
+          <p:cNvPr id="93" name="矩形 92"/>
+          <p:cNvSpPr/>
+          <p:nvPr/>
+        </p:nvSpPr>
+        <p:spPr>
+          <a:xfrm>
+            <a:off x="222250" y="3183255"/>
+            <a:ext cx="3753485" cy="1852930"/>
+          </a:xfrm>
+          <a:prstGeom prst="rect">
+            <a:avLst/>
+          </a:prstGeom>
+          <a:solidFill>
+            <a:schemeClr val="bg1"/>
+          </a:solidFill>
+          <a:ln w="28575" cmpd="sng">
+            <a:solidFill>
+              <a:schemeClr val="accent1">
+                <a:shade val="50000"/>
+              </a:schemeClr>
+            </a:solidFill>
+            <a:prstDash val="sysDot"/>
+          </a:ln>
+        </p:spPr>
+        <p:style>
+          <a:lnRef idx="2">
+            <a:schemeClr val="accent1">
+              <a:lumMod val="75000"/>
+            </a:schemeClr>
+          </a:lnRef>
+          <a:fillRef idx="1">
+            <a:schemeClr val="accent1"/>
+          </a:fillRef>
+          <a:effectRef idx="0">
+            <a:srgbClr val="FFFFFF"/>
+          </a:effectRef>
+          <a:fontRef idx="minor">
+            <a:schemeClr val="lt1"/>
+          </a:fontRef>
+        </p:style>
+        <p:txBody>
+          <a:bodyPr rtlCol="0" anchor="ctr"/>
+          <a:p>
+            <a:pPr algn="ctr"/>
+            <a:endParaRPr lang="zh-CN" altLang="en-US"/>
+          </a:p>
+        </p:txBody>
+      </p:sp>
+      <p:sp>
+        <p:nvSpPr>
+          <p:cNvPr id="66" name="矩形 65"/>
+          <p:cNvSpPr/>
+          <p:nvPr/>
+        </p:nvSpPr>
+        <p:spPr>
+          <a:xfrm>
+            <a:off x="433705" y="819785"/>
+            <a:ext cx="7998460" cy="1852930"/>
+          </a:xfrm>
+          <a:prstGeom prst="rect">
+            <a:avLst/>
+          </a:prstGeom>
+          <a:solidFill>
+            <a:schemeClr val="bg1"/>
+          </a:solidFill>
+          <a:ln w="28575" cmpd="sng">
+            <a:solidFill>
+              <a:schemeClr val="accent1">
+                <a:shade val="50000"/>
+              </a:schemeClr>
+            </a:solidFill>
+            <a:prstDash val="sysDot"/>
+          </a:ln>
+        </p:spPr>
+        <p:style>
+          <a:lnRef idx="2">
+            <a:schemeClr val="accent1">
+              <a:lumMod val="75000"/>
+            </a:schemeClr>
+          </a:lnRef>
+          <a:fillRef idx="1">
+            <a:schemeClr val="accent1"/>
+          </a:fillRef>
+          <a:effectRef idx="0">
+            <a:srgbClr val="FFFFFF"/>
+          </a:effectRef>
+          <a:fontRef idx="minor">
+            <a:schemeClr val="lt1"/>
+          </a:fontRef>
+        </p:style>
+        <p:txBody>
+          <a:bodyPr rtlCol="0" anchor="ctr"/>
+          <a:p>
+            <a:pPr algn="ctr"/>
+            <a:endParaRPr lang="zh-CN" altLang="en-US"/>
+          </a:p>
+        </p:txBody>
+      </p:sp>
+      <p:sp>
+        <p:nvSpPr>
+          <p:cNvPr id="56" name="圆角矩形 55"/>
+          <p:cNvSpPr/>
+          <p:nvPr>
+            <p:custDataLst>
+              <p:tags r:id="rId1"/>
+            </p:custDataLst>
+          </p:nvPr>
+        </p:nvSpPr>
+        <p:spPr>
+          <a:xfrm>
+            <a:off x="3475355" y="1066800"/>
+            <a:ext cx="1915160" cy="402590"/>
+          </a:xfrm>
+          <a:prstGeom prst="roundRect">
+            <a:avLst/>
+          </a:prstGeom>
+          <a:solidFill>
+            <a:schemeClr val="accent4"/>
+          </a:solidFill>
+        </p:spPr>
+        <p:style>
+          <a:lnRef idx="2">
+            <a:schemeClr val="accent1">
+              <a:lumMod val="75000"/>
+            </a:schemeClr>
+          </a:lnRef>
+          <a:fillRef idx="1">
+            <a:schemeClr val="accent1"/>
+          </a:fillRef>
+          <a:effectRef idx="0">
+            <a:srgbClr val="FFFFFF"/>
+          </a:effectRef>
+          <a:fontRef idx="minor">
+            <a:schemeClr val="lt1"/>
+          </a:fontRef>
+        </p:style>
+        <p:txBody>
+          <a:bodyPr rtlCol="0" anchor="ctr"/>
+          <a:p>
+            <a:pPr algn="ctr"/>
+            <a:r>
+              <a:rPr lang="zh-CN" altLang="en-US"/>
+              <a:t>TransmitServer</a:t>
+            </a:r>
+            <a:endParaRPr lang="zh-CN" altLang="en-US"/>
+          </a:p>
+        </p:txBody>
+      </p:sp>
+      <p:sp>
+        <p:nvSpPr>
+          <p:cNvPr id="59" name="圆角矩形 58"/>
+          <p:cNvSpPr/>
+          <p:nvPr>
+            <p:custDataLst>
+              <p:tags r:id="rId2"/>
+            </p:custDataLst>
+          </p:nvPr>
+        </p:nvSpPr>
+        <p:spPr>
+          <a:xfrm>
+            <a:off x="433705" y="4088765"/>
+            <a:ext cx="1915160" cy="402590"/>
+          </a:xfrm>
+          <a:prstGeom prst="roundRect">
+            <a:avLst/>
+          </a:prstGeom>
+          <a:solidFill>
+            <a:schemeClr val="accent4"/>
+          </a:solidFill>
+        </p:spPr>
+        <p:style>
+          <a:lnRef idx="2">
+            <a:schemeClr val="accent1">
+              <a:lumMod val="75000"/>
+            </a:schemeClr>
+          </a:lnRef>
+          <a:fillRef idx="1">
+            <a:schemeClr val="accent1"/>
+          </a:fillRef>
+          <a:effectRef idx="0">
+            <a:srgbClr val="FFFFFF"/>
+          </a:effectRef>
+          <a:fontRef idx="minor">
+            <a:schemeClr val="lt1"/>
+          </a:fontRef>
+        </p:style>
+        <p:txBody>
+          <a:bodyPr rtlCol="0" anchor="ctr"/>
+          <a:p>
+            <a:pPr algn="ctr"/>
+            <a:r>
+              <a:rPr lang="en-US" altLang="zh-CN"/>
+              <a:t>TransmitClient</a:t>
+            </a:r>
+            <a:endParaRPr lang="en-US" altLang="zh-CN"/>
+          </a:p>
+        </p:txBody>
+      </p:sp>
+      <p:sp>
+        <p:nvSpPr>
+          <p:cNvPr id="60" name="圆角矩形 59"/>
+          <p:cNvSpPr/>
+          <p:nvPr>
+            <p:custDataLst>
+              <p:tags r:id="rId3"/>
+            </p:custDataLst>
+          </p:nvPr>
+        </p:nvSpPr>
+        <p:spPr>
+          <a:xfrm>
+            <a:off x="1485900" y="2121535"/>
+            <a:ext cx="2489835" cy="345440"/>
+          </a:xfrm>
+          <a:prstGeom prst="roundRect">
+            <a:avLst/>
+          </a:prstGeom>
+          <a:solidFill>
+            <a:schemeClr val="accent5"/>
+          </a:solidFill>
+        </p:spPr>
+        <p:style>
+          <a:lnRef idx="2">
+            <a:schemeClr val="accent1">
+              <a:lumMod val="75000"/>
+            </a:schemeClr>
+          </a:lnRef>
+          <a:fillRef idx="1">
+            <a:schemeClr val="accent1"/>
+          </a:fillRef>
+          <a:effectRef idx="0">
+            <a:srgbClr val="FFFFFF"/>
+          </a:effectRef>
+          <a:fontRef idx="minor">
+            <a:schemeClr val="lt1"/>
+          </a:fontRef>
+        </p:style>
+        <p:txBody>
+          <a:bodyPr rtlCol="0" anchor="ctr"/>
+          <a:p>
+            <a:pPr algn="ctr"/>
+            <a:r>
+              <a:rPr lang="en-US"/>
+              <a:t>T</a:t>
+            </a:r>
+            <a:r>
+              <a:t>ransport</a:t>
+            </a:r>
+            <a:endParaRPr lang="en-US"/>
+          </a:p>
+        </p:txBody>
+      </p:sp>
+      <p:sp>
+        <p:nvSpPr>
+          <p:cNvPr id="61" name="圆角矩形 60"/>
+          <p:cNvSpPr/>
+          <p:nvPr>
+            <p:custDataLst>
+              <p:tags r:id="rId4"/>
+            </p:custDataLst>
+          </p:nvPr>
+        </p:nvSpPr>
+        <p:spPr>
+          <a:xfrm>
+            <a:off x="5922010" y="4088765"/>
+            <a:ext cx="1915160" cy="402590"/>
+          </a:xfrm>
+          <a:prstGeom prst="roundRect">
+            <a:avLst/>
+          </a:prstGeom>
+          <a:solidFill>
+            <a:schemeClr val="accent4"/>
+          </a:solidFill>
+        </p:spPr>
+        <p:style>
+          <a:lnRef idx="2">
+            <a:schemeClr val="accent1">
+              <a:lumMod val="75000"/>
+            </a:schemeClr>
+          </a:lnRef>
+          <a:fillRef idx="1">
+            <a:schemeClr val="accent1"/>
+          </a:fillRef>
+          <a:effectRef idx="0">
+            <a:srgbClr val="FFFFFF"/>
+          </a:effectRef>
+          <a:fontRef idx="minor">
+            <a:schemeClr val="lt1"/>
+          </a:fontRef>
+        </p:style>
+        <p:txBody>
+          <a:bodyPr rtlCol="0" anchor="ctr"/>
+          <a:p>
+            <a:pPr algn="ctr"/>
+            <a:r>
+              <a:rPr lang="en-US" altLang="zh-CN"/>
+              <a:t>TransmitClient</a:t>
+            </a:r>
+            <a:endParaRPr lang="en-US" altLang="zh-CN"/>
+          </a:p>
+        </p:txBody>
+      </p:sp>
+      <p:sp>
+        <p:nvSpPr>
+          <p:cNvPr id="63" name="圆角矩形 62"/>
+          <p:cNvSpPr/>
+          <p:nvPr>
+            <p:custDataLst>
+              <p:tags r:id="rId5"/>
+            </p:custDataLst>
+          </p:nvPr>
+        </p:nvSpPr>
+        <p:spPr>
+          <a:xfrm>
+            <a:off x="1141095" y="3472815"/>
+            <a:ext cx="2489835" cy="345440"/>
+          </a:xfrm>
+          <a:prstGeom prst="roundRect">
+            <a:avLst/>
+          </a:prstGeom>
+          <a:solidFill>
+            <a:schemeClr val="accent5"/>
+          </a:solidFill>
+        </p:spPr>
+        <p:style>
+          <a:lnRef idx="2">
+            <a:schemeClr val="accent1">
+              <a:lumMod val="75000"/>
+            </a:schemeClr>
+          </a:lnRef>
+          <a:fillRef idx="1">
+            <a:schemeClr val="accent1"/>
+          </a:fillRef>
+          <a:effectRef idx="0">
+            <a:srgbClr val="FFFFFF"/>
+          </a:effectRef>
+          <a:fontRef idx="minor">
+            <a:schemeClr val="lt1"/>
+          </a:fontRef>
+        </p:style>
+        <p:txBody>
+          <a:bodyPr rtlCol="0" anchor="ctr"/>
+          <a:p>
+            <a:pPr algn="ctr"/>
+            <a:r>
+              <a:rPr lang="en-US"/>
+              <a:t>T</a:t>
+            </a:r>
+            <a:r>
+              <a:t>ransport</a:t>
+            </a:r>
+            <a:endParaRPr lang="en-US"/>
+          </a:p>
+        </p:txBody>
+      </p:sp>
+      <p:sp>
+        <p:nvSpPr>
+          <p:cNvPr id="64" name="圆角矩形 63"/>
+          <p:cNvSpPr/>
+          <p:nvPr>
+            <p:custDataLst>
+              <p:tags r:id="rId6"/>
+            </p:custDataLst>
+          </p:nvPr>
+        </p:nvSpPr>
+        <p:spPr>
+          <a:xfrm>
+            <a:off x="5053330" y="2121535"/>
+            <a:ext cx="2489835" cy="345440"/>
+          </a:xfrm>
+          <a:prstGeom prst="roundRect">
+            <a:avLst/>
+          </a:prstGeom>
+          <a:solidFill>
+            <a:schemeClr val="accent5"/>
+          </a:solidFill>
+        </p:spPr>
+        <p:style>
+          <a:lnRef idx="2">
+            <a:schemeClr val="accent1">
+              <a:lumMod val="75000"/>
+            </a:schemeClr>
+          </a:lnRef>
+          <a:fillRef idx="1">
+            <a:schemeClr val="accent1"/>
+          </a:fillRef>
+          <a:effectRef idx="0">
+            <a:srgbClr val="FFFFFF"/>
+          </a:effectRef>
+          <a:fontRef idx="minor">
+            <a:schemeClr val="lt1"/>
+          </a:fontRef>
+        </p:style>
+        <p:txBody>
+          <a:bodyPr rtlCol="0" anchor="ctr"/>
+          <a:p>
+            <a:pPr algn="ctr"/>
+            <a:r>
+              <a:rPr lang="en-US"/>
+              <a:t>T</a:t>
+            </a:r>
+            <a:r>
+              <a:t>ransport</a:t>
+            </a:r>
+            <a:endParaRPr lang="en-US"/>
+          </a:p>
+        </p:txBody>
+      </p:sp>
+      <p:sp>
+        <p:nvSpPr>
+          <p:cNvPr id="65" name="圆角矩形 64"/>
+          <p:cNvSpPr/>
+          <p:nvPr>
+            <p:custDataLst>
+              <p:tags r:id="rId7"/>
+            </p:custDataLst>
+          </p:nvPr>
+        </p:nvSpPr>
+        <p:spPr>
+          <a:xfrm>
+            <a:off x="4697730" y="3547110"/>
+            <a:ext cx="2489835" cy="345440"/>
+          </a:xfrm>
+          <a:prstGeom prst="roundRect">
+            <a:avLst/>
+          </a:prstGeom>
+          <a:solidFill>
+            <a:schemeClr val="accent5"/>
+          </a:solidFill>
+        </p:spPr>
+        <p:style>
+          <a:lnRef idx="2">
+            <a:schemeClr val="accent1">
+              <a:lumMod val="75000"/>
+            </a:schemeClr>
+          </a:lnRef>
+          <a:fillRef idx="1">
+            <a:schemeClr val="accent1"/>
+          </a:fillRef>
+          <a:effectRef idx="0">
+            <a:srgbClr val="FFFFFF"/>
+          </a:effectRef>
+          <a:fontRef idx="minor">
+            <a:schemeClr val="lt1"/>
+          </a:fontRef>
+        </p:style>
+        <p:txBody>
+          <a:bodyPr rtlCol="0" anchor="ctr"/>
+          <a:p>
+            <a:pPr algn="ctr"/>
+            <a:r>
+              <a:rPr lang="en-US"/>
+              <a:t>T</a:t>
+            </a:r>
+            <a:r>
+              <a:t>ransport</a:t>
+            </a:r>
+            <a:endParaRPr lang="en-US"/>
+          </a:p>
+        </p:txBody>
+      </p:sp>
+      <p:cxnSp>
+        <p:nvCxnSpPr>
+          <p:cNvPr id="68" name="曲线连接符 67"/>
+          <p:cNvCxnSpPr>
+            <a:stCxn id="59" idx="1"/>
+            <a:endCxn id="56" idx="1"/>
+          </p:cNvCxnSpPr>
+          <p:nvPr/>
+        </p:nvCxnSpPr>
+        <p:spPr>
+          <a:xfrm rot="10800000" flipH="1">
+            <a:off x="433705" y="1267460"/>
+            <a:ext cx="3041650" cy="3021965"/>
+          </a:xfrm>
+          <a:prstGeom prst="curvedConnector3">
+            <a:avLst>
+              <a:gd name="adj1" fmla="val -7829"/>
+            </a:avLst>
+          </a:prstGeom>
+          <a:ln>
+            <a:solidFill>
+              <a:srgbClr val="FF0000"/>
+            </a:solidFill>
+            <a:tailEnd type="arrow"/>
+          </a:ln>
+        </p:spPr>
+        <p:style>
+          <a:lnRef idx="2">
+            <a:schemeClr val="accent1"/>
+          </a:lnRef>
+          <a:fillRef idx="0">
+            <a:srgbClr val="FFFFFF"/>
+          </a:fillRef>
+          <a:effectRef idx="0">
+            <a:srgbClr val="FFFFFF"/>
+          </a:effectRef>
+          <a:fontRef idx="minor">
+            <a:schemeClr val="tx1"/>
+          </a:fontRef>
+        </p:style>
+      </p:cxnSp>
+      <p:cxnSp>
+        <p:nvCxnSpPr>
+          <p:cNvPr id="69" name="曲线连接符 68"/>
+          <p:cNvCxnSpPr>
+            <a:stCxn id="61" idx="3"/>
+            <a:endCxn id="56" idx="3"/>
+          </p:cNvCxnSpPr>
+          <p:nvPr/>
+        </p:nvCxnSpPr>
+        <p:spPr>
+          <a:xfrm flipH="1" flipV="1">
+            <a:off x="5390515" y="1268095"/>
+            <a:ext cx="2446655" cy="3021965"/>
+          </a:xfrm>
+          <a:prstGeom prst="curvedConnector3">
+            <a:avLst>
+              <a:gd name="adj1" fmla="val -9733"/>
+            </a:avLst>
+          </a:prstGeom>
+          <a:ln>
+            <a:solidFill>
+              <a:srgbClr val="FF0000"/>
+            </a:solidFill>
+            <a:tailEnd type="arrow"/>
+          </a:ln>
+        </p:spPr>
+        <p:style>
+          <a:lnRef idx="2">
+            <a:schemeClr val="accent1"/>
+          </a:lnRef>
+          <a:fillRef idx="0">
+            <a:srgbClr val="FFFFFF"/>
+          </a:fillRef>
+          <a:effectRef idx="0">
+            <a:srgbClr val="FFFFFF"/>
+          </a:effectRef>
+          <a:fontRef idx="minor">
+            <a:schemeClr val="tx1"/>
+          </a:fontRef>
+        </p:style>
+      </p:cxnSp>
+      <p:cxnSp>
+        <p:nvCxnSpPr>
+          <p:cNvPr id="72" name="直接箭头连接符 71"/>
+          <p:cNvCxnSpPr>
+            <a:stCxn id="60" idx="2"/>
+            <a:endCxn id="63" idx="0"/>
+          </p:cNvCxnSpPr>
+          <p:nvPr/>
+        </p:nvCxnSpPr>
+        <p:spPr>
+          <a:xfrm flipH="1">
+            <a:off x="2386330" y="2466975"/>
+            <a:ext cx="344805" cy="1005840"/>
+          </a:xfrm>
+          <a:prstGeom prst="straightConnector1">
+            <a:avLst/>
+          </a:prstGeom>
+          <a:ln>
+            <a:headEnd type="arrow"/>
+            <a:tailEnd type="arrow"/>
+          </a:ln>
+        </p:spPr>
+        <p:style>
+          <a:lnRef idx="2">
+            <a:schemeClr val="accent1"/>
+          </a:lnRef>
+          <a:fillRef idx="0">
+            <a:srgbClr val="FFFFFF"/>
+          </a:fillRef>
+          <a:effectRef idx="0">
+            <a:srgbClr val="FFFFFF"/>
+          </a:effectRef>
+          <a:fontRef idx="minor">
+            <a:schemeClr val="tx1"/>
+          </a:fontRef>
+        </p:style>
+      </p:cxnSp>
+      <p:cxnSp>
+        <p:nvCxnSpPr>
+          <p:cNvPr id="73" name="直接箭头连接符 72"/>
+          <p:cNvCxnSpPr>
+            <a:stCxn id="64" idx="2"/>
+            <a:endCxn id="65" idx="0"/>
+          </p:cNvCxnSpPr>
+          <p:nvPr/>
+        </p:nvCxnSpPr>
+        <p:spPr>
+          <a:xfrm flipH="1">
+            <a:off x="5942965" y="2466975"/>
+            <a:ext cx="355600" cy="1080135"/>
+          </a:xfrm>
+          <a:prstGeom prst="straightConnector1">
+            <a:avLst/>
+          </a:prstGeom>
+          <a:ln>
+            <a:headEnd type="arrow"/>
+            <a:tailEnd type="arrow"/>
+          </a:ln>
+        </p:spPr>
+        <p:style>
+          <a:lnRef idx="2">
+            <a:schemeClr val="accent1"/>
+          </a:lnRef>
+          <a:fillRef idx="0">
+            <a:srgbClr val="FFFFFF"/>
+          </a:fillRef>
+          <a:effectRef idx="0">
+            <a:srgbClr val="FFFFFF"/>
+          </a:effectRef>
+          <a:fontRef idx="minor">
+            <a:schemeClr val="tx1"/>
+          </a:fontRef>
+        </p:style>
+      </p:cxnSp>
+      <p:sp>
+        <p:nvSpPr>
+          <p:cNvPr id="74" name="圆角矩形 73"/>
+          <p:cNvSpPr/>
+          <p:nvPr>
+            <p:custDataLst>
+              <p:tags r:id="rId8"/>
+            </p:custDataLst>
+          </p:nvPr>
+        </p:nvSpPr>
+        <p:spPr>
+          <a:xfrm>
+            <a:off x="985520" y="5547360"/>
+            <a:ext cx="2489835" cy="345440"/>
+          </a:xfrm>
+          <a:prstGeom prst="roundRect">
+            <a:avLst/>
+          </a:prstGeom>
+          <a:solidFill>
+            <a:schemeClr val="accent2"/>
+          </a:solidFill>
+        </p:spPr>
+        <p:style>
+          <a:lnRef idx="2">
+            <a:schemeClr val="accent1">
+              <a:lumMod val="75000"/>
+            </a:schemeClr>
+          </a:lnRef>
+          <a:fillRef idx="1">
+            <a:schemeClr val="accent1"/>
+          </a:fillRef>
+          <a:effectRef idx="0">
+            <a:srgbClr val="FFFFFF"/>
+          </a:effectRef>
+          <a:fontRef idx="minor">
+            <a:schemeClr val="lt1"/>
+          </a:fontRef>
+        </p:style>
+        <p:txBody>
+          <a:bodyPr rtlCol="0" anchor="ctr"/>
+          <a:p>
+            <a:pPr algn="ctr"/>
+            <a:r>
+              <a:rPr lang="zh-CN" altLang="en-US"/>
+              <a:t>用户</a:t>
+            </a:r>
+            <a:r>
+              <a:rPr lang="en-US" altLang="zh-CN"/>
+              <a:t>/</a:t>
+            </a:r>
+            <a:r>
+              <a:rPr lang="zh-CN" altLang="en-US"/>
+              <a:t>目标端口</a:t>
+            </a:r>
+            <a:endParaRPr lang="zh-CN" altLang="en-US"/>
+          </a:p>
+        </p:txBody>
+      </p:sp>
+      <p:sp>
+        <p:nvSpPr>
+          <p:cNvPr id="75" name="圆角矩形 74"/>
+          <p:cNvSpPr/>
+          <p:nvPr>
+            <p:custDataLst>
+              <p:tags r:id="rId9"/>
+            </p:custDataLst>
+          </p:nvPr>
+        </p:nvSpPr>
+        <p:spPr>
+          <a:xfrm>
+            <a:off x="5499100" y="5471160"/>
+            <a:ext cx="2489835" cy="345440"/>
+          </a:xfrm>
+          <a:prstGeom prst="roundRect">
+            <a:avLst/>
+          </a:prstGeom>
+          <a:solidFill>
+            <a:schemeClr val="accent2"/>
+          </a:solidFill>
+        </p:spPr>
+        <p:style>
+          <a:lnRef idx="2">
+            <a:schemeClr val="accent1">
+              <a:lumMod val="75000"/>
+            </a:schemeClr>
+          </a:lnRef>
+          <a:fillRef idx="1">
+            <a:schemeClr val="accent1"/>
+          </a:fillRef>
+          <a:effectRef idx="0">
+            <a:srgbClr val="FFFFFF"/>
+          </a:effectRef>
+          <a:fontRef idx="minor">
+            <a:schemeClr val="lt1"/>
+          </a:fontRef>
+        </p:style>
+        <p:txBody>
+          <a:bodyPr rtlCol="0" anchor="ctr"/>
+          <a:p>
+            <a:pPr algn="ctr"/>
+            <a:r>
+              <a:rPr lang="zh-CN" altLang="en-US">
+                <a:sym typeface="+mn-ea"/>
+              </a:rPr>
+              <a:t>用户</a:t>
+            </a:r>
+            <a:r>
+              <a:rPr lang="en-US" altLang="zh-CN">
+                <a:sym typeface="+mn-ea"/>
+              </a:rPr>
+              <a:t>/</a:t>
+            </a:r>
+            <a:r>
+              <a:rPr lang="zh-CN" altLang="en-US">
+                <a:sym typeface="+mn-ea"/>
+              </a:rPr>
+              <a:t>目标端口</a:t>
+            </a:r>
+            <a:endParaRPr lang="en-US"/>
+          </a:p>
+        </p:txBody>
+      </p:sp>
+      <p:sp>
+        <p:nvSpPr>
+          <p:cNvPr id="76" name="圆角矩形 75"/>
+          <p:cNvSpPr/>
+          <p:nvPr>
+            <p:custDataLst>
+              <p:tags r:id="rId10"/>
+            </p:custDataLst>
+          </p:nvPr>
+        </p:nvSpPr>
+        <p:spPr>
+          <a:xfrm>
+            <a:off x="1485900" y="4618355"/>
+            <a:ext cx="1763395" cy="345440"/>
+          </a:xfrm>
+          <a:prstGeom prst="roundRect">
+            <a:avLst/>
+          </a:prstGeom>
+          <a:solidFill>
+            <a:schemeClr val="accent2"/>
+          </a:solidFill>
+        </p:spPr>
+        <p:style>
+          <a:lnRef idx="2">
+            <a:schemeClr val="accent1">
+              <a:lumMod val="75000"/>
+            </a:schemeClr>
+          </a:lnRef>
+          <a:fillRef idx="1">
+            <a:schemeClr val="accent1"/>
+          </a:fillRef>
+          <a:effectRef idx="0">
+            <a:srgbClr val="FFFFFF"/>
+          </a:effectRef>
+          <a:fontRef idx="minor">
+            <a:schemeClr val="lt1"/>
+          </a:fontRef>
+        </p:style>
+        <p:txBody>
+          <a:bodyPr rtlCol="0" anchor="ctr"/>
+          <a:p>
+            <a:pPr algn="ctr"/>
+            <a:r>
+              <a:rPr lang="en-US" altLang="zh-CN"/>
+              <a:t>point</a:t>
+            </a:r>
+            <a:endParaRPr lang="en-US" altLang="zh-CN"/>
+          </a:p>
+        </p:txBody>
+      </p:sp>
+      <p:sp>
+        <p:nvSpPr>
+          <p:cNvPr id="78" name="圆角矩形 77"/>
+          <p:cNvSpPr/>
+          <p:nvPr>
+            <p:custDataLst>
+              <p:tags r:id="rId11"/>
+            </p:custDataLst>
+          </p:nvPr>
+        </p:nvSpPr>
+        <p:spPr>
+          <a:xfrm>
+            <a:off x="4768215" y="4618355"/>
+            <a:ext cx="1763395" cy="345440"/>
+          </a:xfrm>
+          <a:prstGeom prst="roundRect">
+            <a:avLst/>
+          </a:prstGeom>
+          <a:solidFill>
+            <a:schemeClr val="accent2"/>
+          </a:solidFill>
+        </p:spPr>
+        <p:style>
+          <a:lnRef idx="2">
+            <a:schemeClr val="accent1">
+              <a:lumMod val="75000"/>
+            </a:schemeClr>
+          </a:lnRef>
+          <a:fillRef idx="1">
+            <a:schemeClr val="accent1"/>
+          </a:fillRef>
+          <a:effectRef idx="0">
+            <a:srgbClr val="FFFFFF"/>
+          </a:effectRef>
+          <a:fontRef idx="minor">
+            <a:schemeClr val="lt1"/>
+          </a:fontRef>
+        </p:style>
+        <p:txBody>
+          <a:bodyPr rtlCol="0" anchor="ctr"/>
+          <a:p>
+            <a:pPr algn="ctr"/>
+            <a:r>
+              <a:rPr lang="en-US" altLang="zh-CN">
+                <a:sym typeface="+mn-ea"/>
+              </a:rPr>
+              <a:t>point</a:t>
+            </a:r>
+            <a:endParaRPr lang="en-US" altLang="zh-CN"/>
+          </a:p>
+        </p:txBody>
+      </p:sp>
+      <p:cxnSp>
+        <p:nvCxnSpPr>
+          <p:cNvPr id="79" name="直接箭头连接符 78"/>
+          <p:cNvCxnSpPr>
+            <a:stCxn id="63" idx="2"/>
+            <a:endCxn id="76" idx="0"/>
+          </p:cNvCxnSpPr>
+          <p:nvPr/>
+        </p:nvCxnSpPr>
+        <p:spPr>
+          <a:xfrm flipH="1">
+            <a:off x="2367915" y="3818255"/>
+            <a:ext cx="18415" cy="800100"/>
+          </a:xfrm>
+          <a:prstGeom prst="straightConnector1">
+            <a:avLst/>
+          </a:prstGeom>
+          <a:ln>
+            <a:headEnd type="arrow"/>
+            <a:tailEnd type="arrow"/>
+          </a:ln>
+        </p:spPr>
+        <p:style>
+          <a:lnRef idx="2">
+            <a:schemeClr val="accent1"/>
+          </a:lnRef>
+          <a:fillRef idx="0">
+            <a:srgbClr val="FFFFFF"/>
+          </a:fillRef>
+          <a:effectRef idx="0">
+            <a:srgbClr val="FFFFFF"/>
+          </a:effectRef>
+          <a:fontRef idx="minor">
+            <a:schemeClr val="tx1"/>
+          </a:fontRef>
+        </p:style>
+      </p:cxnSp>
+      <p:cxnSp>
+        <p:nvCxnSpPr>
+          <p:cNvPr id="80" name="直接箭头连接符 79"/>
+          <p:cNvCxnSpPr>
+            <a:stCxn id="65" idx="2"/>
+            <a:endCxn id="78" idx="0"/>
+          </p:cNvCxnSpPr>
+          <p:nvPr/>
+        </p:nvCxnSpPr>
+        <p:spPr>
+          <a:xfrm flipH="1">
+            <a:off x="5650230" y="3892550"/>
+            <a:ext cx="292735" cy="725805"/>
+          </a:xfrm>
+          <a:prstGeom prst="straightConnector1">
+            <a:avLst/>
+          </a:prstGeom>
+          <a:ln>
+            <a:headEnd type="arrow"/>
+            <a:tailEnd type="arrow"/>
+          </a:ln>
+        </p:spPr>
+        <p:style>
+          <a:lnRef idx="2">
+            <a:schemeClr val="accent1"/>
+          </a:lnRef>
+          <a:fillRef idx="0">
+            <a:srgbClr val="FFFFFF"/>
+          </a:fillRef>
+          <a:effectRef idx="0">
+            <a:srgbClr val="FFFFFF"/>
+          </a:effectRef>
+          <a:fontRef idx="minor">
+            <a:schemeClr val="tx1"/>
+          </a:fontRef>
+        </p:style>
+      </p:cxnSp>
+      <p:cxnSp>
+        <p:nvCxnSpPr>
+          <p:cNvPr id="81" name="直接箭头连接符 80"/>
+          <p:cNvCxnSpPr>
+            <a:stCxn id="76" idx="2"/>
+            <a:endCxn id="74" idx="0"/>
+          </p:cNvCxnSpPr>
+          <p:nvPr/>
+        </p:nvCxnSpPr>
+        <p:spPr>
+          <a:xfrm flipH="1">
+            <a:off x="2230755" y="4963795"/>
+            <a:ext cx="137160" cy="583565"/>
+          </a:xfrm>
+          <a:prstGeom prst="straightConnector1">
+            <a:avLst/>
+          </a:prstGeom>
+          <a:ln>
+            <a:headEnd type="arrow"/>
+            <a:tailEnd type="arrow"/>
+          </a:ln>
+        </p:spPr>
+        <p:style>
+          <a:lnRef idx="2">
+            <a:schemeClr val="accent1"/>
+          </a:lnRef>
+          <a:fillRef idx="0">
+            <a:srgbClr val="FFFFFF"/>
+          </a:fillRef>
+          <a:effectRef idx="0">
+            <a:srgbClr val="FFFFFF"/>
+          </a:effectRef>
+          <a:fontRef idx="minor">
+            <a:schemeClr val="tx1"/>
+          </a:fontRef>
+        </p:style>
+      </p:cxnSp>
+      <p:cxnSp>
+        <p:nvCxnSpPr>
+          <p:cNvPr id="82" name="直接箭头连接符 81"/>
+          <p:cNvCxnSpPr>
+            <a:stCxn id="78" idx="2"/>
+            <a:endCxn id="75" idx="0"/>
+          </p:cNvCxnSpPr>
+          <p:nvPr/>
+        </p:nvCxnSpPr>
+        <p:spPr>
+          <a:xfrm>
+            <a:off x="5650230" y="4963795"/>
+            <a:ext cx="1094105" cy="507365"/>
+          </a:xfrm>
+          <a:prstGeom prst="straightConnector1">
+            <a:avLst/>
+          </a:prstGeom>
+          <a:ln>
+            <a:headEnd type="arrow"/>
+            <a:tailEnd type="arrow"/>
+          </a:ln>
+        </p:spPr>
+        <p:style>
+          <a:lnRef idx="2">
+            <a:schemeClr val="accent1"/>
+          </a:lnRef>
+          <a:fillRef idx="0">
+            <a:srgbClr val="FFFFFF"/>
+          </a:fillRef>
+          <a:effectRef idx="0">
+            <a:srgbClr val="FFFFFF"/>
+          </a:effectRef>
+          <a:fontRef idx="minor">
+            <a:schemeClr val="tx1"/>
+          </a:fontRef>
+        </p:style>
+      </p:cxnSp>
+      <p:cxnSp>
+        <p:nvCxnSpPr>
+          <p:cNvPr id="83" name="直接箭头连接符 82"/>
+          <p:cNvCxnSpPr>
+            <a:stCxn id="60" idx="3"/>
+            <a:endCxn id="64" idx="1"/>
+          </p:cNvCxnSpPr>
+          <p:nvPr/>
+        </p:nvCxnSpPr>
+        <p:spPr>
+          <a:xfrm>
+            <a:off x="3975735" y="2294255"/>
+            <a:ext cx="1077595" cy="0"/>
+          </a:xfrm>
+          <a:prstGeom prst="straightConnector1">
+            <a:avLst/>
+          </a:prstGeom>
+          <a:ln>
+            <a:headEnd type="arrow"/>
+            <a:tailEnd type="arrow"/>
+          </a:ln>
+        </p:spPr>
+        <p:style>
+          <a:lnRef idx="2">
+            <a:schemeClr val="accent1"/>
+          </a:lnRef>
+          <a:fillRef idx="0">
+            <a:srgbClr val="FFFFFF"/>
+          </a:fillRef>
+          <a:effectRef idx="0">
+            <a:srgbClr val="FFFFFF"/>
+          </a:effectRef>
+          <a:fontRef idx="minor">
+            <a:schemeClr val="tx1"/>
+          </a:fontRef>
+        </p:style>
+      </p:cxnSp>
+      <p:graphicFrame>
+        <p:nvGraphicFramePr>
+          <p:cNvPr id="84" name="表格 83"/>
+          <p:cNvGraphicFramePr/>
+          <p:nvPr>
+            <p:custDataLst>
+              <p:tags r:id="rId12"/>
+            </p:custDataLst>
+          </p:nvPr>
+        </p:nvGraphicFramePr>
+        <p:xfrm>
+          <a:off x="8737600" y="3603625"/>
+          <a:ext cx="3320415" cy="1360170"/>
+        </p:xfrm>
+        <a:graphic>
+          <a:graphicData uri="http://schemas.openxmlformats.org/drawingml/2006/table">
+            <a:tbl>
+              <a:tblPr firstRow="1" bandRow="1">
+                <a:tableStyleId>{5C22544A-7EE6-4342-B048-85BDC9FD1C3A}</a:tableStyleId>
+              </a:tblPr>
+              <a:tblGrid>
+                <a:gridCol w="3320415"/>
+              </a:tblGrid>
+              <a:tr h="0">
+                <a:tc>
+                  <a:txBody>
+                    <a:bodyPr/>
+                    <a:p>
+                      <a:pPr>
+                        <a:buNone/>
+                      </a:pPr>
+                      <a:r>
+                        <a:rPr lang="en-US" sz="1400">
+                          <a:sym typeface="+mn-ea"/>
+                        </a:rPr>
+                        <a:t>T</a:t>
+                      </a:r>
+                      <a:r>
+                        <a:rPr sz="1400">
+                          <a:sym typeface="+mn-ea"/>
+                        </a:rPr>
+                        <a:t>ransport</a:t>
+                      </a:r>
+                      <a:endParaRPr lang="zh-CN" altLang="en-US" sz="1400">
+                        <a:sym typeface="+mn-ea"/>
+                      </a:endParaRPr>
+                    </a:p>
+                  </a:txBody>
+                  <a:tcPr/>
+                </a:tc>
+              </a:tr>
+              <a:tr h="351790">
+                <a:tc>
+                  <a:txBody>
+                    <a:bodyPr/>
+                    <a:p>
+                      <a:pPr>
+                        <a:buNone/>
+                      </a:pPr>
+                      <a:r>
+                        <a:rPr lang="en-US" sz="1400">
+                          <a:sym typeface="+mn-ea"/>
+                        </a:rPr>
+                        <a:t>receiver</a:t>
+                      </a:r>
+                      <a:r>
+                        <a:rPr lang="zh-CN" altLang="en-US" sz="1400">
+                          <a:sym typeface="+mn-ea"/>
+                        </a:rPr>
+                        <a:t>；</a:t>
+                      </a:r>
+                      <a:endParaRPr lang="zh-CN" altLang="en-US" sz="1400">
+                        <a:sym typeface="+mn-ea"/>
+                      </a:endParaRPr>
+                    </a:p>
+                  </a:txBody>
+                  <a:tcPr/>
+                </a:tc>
+              </a:tr>
+              <a:tr h="351790">
+                <a:tc>
+                  <a:txBody>
+                    <a:bodyPr/>
+                    <a:p>
+                      <a:pPr>
+                        <a:buNone/>
+                      </a:pPr>
+                      <a:r>
+                        <a:rPr lang="zh-CN" altLang="en-US" sz="1400">
+                          <a:sym typeface="+mn-ea"/>
+                        </a:rPr>
+                        <a:t> abstract void send</a:t>
+                      </a:r>
+                      <a:r>
+                        <a:rPr lang="en-US" altLang="zh-CN" sz="1400">
+                          <a:sym typeface="+mn-ea"/>
+                        </a:rPr>
+                        <a:t>(bts);</a:t>
+                      </a:r>
+                      <a:endParaRPr lang="en-US" altLang="zh-CN" sz="1400">
+                        <a:sym typeface="+mn-ea"/>
+                      </a:endParaRPr>
+                    </a:p>
+                  </a:txBody>
+                  <a:tcPr/>
+                </a:tc>
+              </a:tr>
+              <a:tr h="351790">
+                <a:tc>
+                  <a:txBody>
+                    <a:bodyPr/>
+                    <a:p>
+                      <a:pPr>
+                        <a:buNone/>
+                      </a:pPr>
+                      <a:r>
+                        <a:rPr lang="en-US" altLang="zh-CN" sz="1400">
+                          <a:sym typeface="+mn-ea"/>
+                        </a:rPr>
+                        <a:t>void receive(bts);</a:t>
+                      </a:r>
+                      <a:endParaRPr lang="en-US" altLang="zh-CN" sz="1400">
+                        <a:sym typeface="+mn-ea"/>
+                      </a:endParaRPr>
+                    </a:p>
+                  </a:txBody>
+                  <a:tcPr/>
+                </a:tc>
+              </a:tr>
+            </a:tbl>
+          </a:graphicData>
+        </a:graphic>
+      </p:graphicFrame>
+      <p:sp>
+        <p:nvSpPr>
+          <p:cNvPr id="86" name="文本框 85"/>
+          <p:cNvSpPr txBox="1"/>
+          <p:nvPr/>
+        </p:nvSpPr>
+        <p:spPr>
+          <a:xfrm>
+            <a:off x="4859020" y="4097655"/>
+            <a:ext cx="1062990" cy="315595"/>
+          </a:xfrm>
+          <a:prstGeom prst="rect">
+            <a:avLst/>
+          </a:prstGeom>
+          <a:noFill/>
+        </p:spPr>
+        <p:txBody>
+          <a:bodyPr wrap="square" rtlCol="0">
+            <a:noAutofit/>
+          </a:bodyPr>
+          <a:p>
+            <a:r>
+              <a:rPr lang="zh-CN" altLang="en-US"/>
+              <a:t>receive</a:t>
+            </a:r>
+            <a:endParaRPr lang="zh-CN" altLang="en-US"/>
+          </a:p>
+        </p:txBody>
+      </p:sp>
+      <p:sp>
+        <p:nvSpPr>
+          <p:cNvPr id="88" name="文本框 87"/>
+          <p:cNvSpPr txBox="1"/>
+          <p:nvPr/>
+        </p:nvSpPr>
+        <p:spPr>
+          <a:xfrm>
+            <a:off x="2567940" y="2886075"/>
+            <a:ext cx="1062990" cy="315595"/>
+          </a:xfrm>
+          <a:prstGeom prst="rect">
+            <a:avLst/>
+          </a:prstGeom>
+          <a:noFill/>
+        </p:spPr>
+        <p:txBody>
+          <a:bodyPr wrap="square" rtlCol="0">
+            <a:noAutofit/>
+          </a:bodyPr>
+          <a:p>
+            <a:r>
+              <a:rPr lang="zh-CN" altLang="en-US">
+                <a:sym typeface="+mn-ea"/>
+              </a:rPr>
+              <a:t>send</a:t>
+            </a:r>
+            <a:endParaRPr lang="zh-CN" altLang="en-US"/>
+          </a:p>
+        </p:txBody>
+      </p:sp>
+      <p:sp>
+        <p:nvSpPr>
+          <p:cNvPr id="89" name="文本框 88"/>
+          <p:cNvSpPr txBox="1"/>
+          <p:nvPr/>
+        </p:nvSpPr>
+        <p:spPr>
+          <a:xfrm>
+            <a:off x="6124575" y="2894965"/>
+            <a:ext cx="1062990" cy="315595"/>
+          </a:xfrm>
+          <a:prstGeom prst="rect">
+            <a:avLst/>
+          </a:prstGeom>
+          <a:noFill/>
+        </p:spPr>
+        <p:txBody>
+          <a:bodyPr wrap="square" rtlCol="0">
+            <a:noAutofit/>
+          </a:bodyPr>
+          <a:p>
+            <a:r>
+              <a:rPr lang="zh-CN" altLang="en-US">
+                <a:sym typeface="+mn-ea"/>
+              </a:rPr>
+              <a:t>send</a:t>
+            </a:r>
+            <a:endParaRPr lang="zh-CN" altLang="en-US"/>
+          </a:p>
+        </p:txBody>
+      </p:sp>
+      <p:sp>
+        <p:nvSpPr>
+          <p:cNvPr id="90" name="文本框 89"/>
+          <p:cNvSpPr txBox="1"/>
+          <p:nvPr/>
+        </p:nvSpPr>
+        <p:spPr>
+          <a:xfrm>
+            <a:off x="3975735" y="1978660"/>
+            <a:ext cx="1062990" cy="315595"/>
+          </a:xfrm>
+          <a:prstGeom prst="rect">
+            <a:avLst/>
+          </a:prstGeom>
+          <a:noFill/>
+        </p:spPr>
+        <p:txBody>
+          <a:bodyPr wrap="square" rtlCol="0">
+            <a:noAutofit/>
+          </a:bodyPr>
+          <a:p>
+            <a:r>
+              <a:rPr lang="zh-CN" altLang="en-US"/>
+              <a:t>receive</a:t>
+            </a:r>
+            <a:endParaRPr lang="zh-CN" altLang="en-US"/>
+          </a:p>
+        </p:txBody>
+      </p:sp>
+      <p:sp>
+        <p:nvSpPr>
+          <p:cNvPr id="92" name="文本框 91"/>
+          <p:cNvSpPr txBox="1"/>
+          <p:nvPr/>
+        </p:nvSpPr>
+        <p:spPr>
+          <a:xfrm>
+            <a:off x="2405380" y="4083050"/>
+            <a:ext cx="1062990" cy="315595"/>
+          </a:xfrm>
+          <a:prstGeom prst="rect">
+            <a:avLst/>
+          </a:prstGeom>
+          <a:noFill/>
+        </p:spPr>
+        <p:txBody>
+          <a:bodyPr wrap="square" rtlCol="0">
+            <a:noAutofit/>
+          </a:bodyPr>
+          <a:p>
+            <a:r>
+              <a:rPr lang="zh-CN" altLang="en-US"/>
+              <a:t>receive</a:t>
+            </a:r>
+            <a:endParaRPr lang="zh-CN" altLang="en-US"/>
+          </a:p>
+        </p:txBody>
+      </p:sp>
+      <p:sp>
+        <p:nvSpPr>
+          <p:cNvPr id="95" name="文本框 94"/>
+          <p:cNvSpPr txBox="1"/>
+          <p:nvPr/>
+        </p:nvSpPr>
+        <p:spPr>
+          <a:xfrm>
+            <a:off x="8913495" y="4963795"/>
+            <a:ext cx="2878455" cy="1753235"/>
+          </a:xfrm>
+          <a:prstGeom prst="rect">
+            <a:avLst/>
+          </a:prstGeom>
+          <a:noFill/>
+        </p:spPr>
+        <p:txBody>
+          <a:bodyPr wrap="square" rtlCol="0">
+            <a:spAutoFit/>
+          </a:bodyPr>
+          <a:p>
+            <a:r>
+              <a:rPr lang="zh-CN" altLang="en-US">
+                <a:sym typeface="+mn-ea"/>
+              </a:rPr>
+              <a:t>send把字节发送出去</a:t>
+            </a:r>
+            <a:endParaRPr lang="zh-CN" altLang="en-US">
+              <a:sym typeface="+mn-ea"/>
+            </a:endParaRPr>
+          </a:p>
+          <a:p>
+            <a:r>
+              <a:rPr lang="en-US" altLang="zh-CN">
+                <a:sym typeface="+mn-ea"/>
+              </a:rPr>
+              <a:t>receive</a:t>
+            </a:r>
+            <a:r>
+              <a:rPr lang="zh-CN" altLang="en-US">
+                <a:sym typeface="+mn-ea"/>
+              </a:rPr>
+              <a:t>把字节交给</a:t>
+            </a:r>
+            <a:r>
+              <a:rPr lang="en-US">
+                <a:sym typeface="+mn-ea"/>
+              </a:rPr>
+              <a:t>receiver</a:t>
+            </a:r>
+            <a:r>
+              <a:rPr lang="zh-CN" altLang="en-US">
+                <a:sym typeface="+mn-ea"/>
+              </a:rPr>
+              <a:t>去处理。</a:t>
+            </a:r>
+            <a:endParaRPr lang="zh-CN" altLang="en-US">
+              <a:sym typeface="+mn-ea"/>
+            </a:endParaRPr>
+          </a:p>
+          <a:p>
+            <a:endParaRPr lang="en-US" altLang="zh-CN">
+              <a:sym typeface="+mn-ea"/>
+            </a:endParaRPr>
+          </a:p>
+          <a:p>
+            <a:r>
+              <a:rPr lang="en-US">
+                <a:sym typeface="+mn-ea"/>
+              </a:rPr>
+              <a:t>receiver</a:t>
+            </a:r>
+            <a:r>
+              <a:rPr lang="zh-CN" altLang="en-US">
+                <a:sym typeface="+mn-ea"/>
+              </a:rPr>
+              <a:t>可以是</a:t>
+            </a:r>
+            <a:r>
+              <a:rPr lang="en-US" altLang="zh-CN">
+                <a:sym typeface="+mn-ea"/>
+              </a:rPr>
+              <a:t>point</a:t>
+            </a:r>
+            <a:r>
+              <a:rPr lang="zh-CN" altLang="en-US">
+                <a:sym typeface="+mn-ea"/>
+              </a:rPr>
+              <a:t>或另一个</a:t>
+            </a:r>
+            <a:r>
+              <a:rPr lang="en-US" altLang="zh-CN">
+                <a:sym typeface="+mn-ea"/>
+              </a:rPr>
+              <a:t>Transport</a:t>
+            </a:r>
+            <a:endParaRPr lang="en-US" altLang="zh-CN">
+              <a:sym typeface="+mn-ea"/>
+            </a:endParaRPr>
+          </a:p>
+        </p:txBody>
+      </p:sp>
+      <p:sp>
+        <p:nvSpPr>
+          <p:cNvPr id="96" name="文本框 95"/>
+          <p:cNvSpPr txBox="1"/>
+          <p:nvPr/>
+        </p:nvSpPr>
+        <p:spPr>
+          <a:xfrm>
+            <a:off x="8620760" y="919480"/>
+            <a:ext cx="3498215" cy="1722120"/>
+          </a:xfrm>
+          <a:prstGeom prst="rect">
+            <a:avLst/>
+          </a:prstGeom>
+          <a:noFill/>
+        </p:spPr>
+        <p:txBody>
+          <a:bodyPr wrap="square" rtlCol="0">
+            <a:spAutoFit/>
+          </a:bodyPr>
+          <a:p>
+            <a:r>
+              <a:rPr lang="zh-CN" altLang="en-US" sz="1400">
+                <a:sym typeface="+mn-ea"/>
+              </a:rPr>
+              <a:t>TransmitServer</a:t>
+            </a:r>
+            <a:r>
+              <a:rPr lang="en-US" altLang="zh-CN" sz="1400">
+                <a:sym typeface="+mn-ea"/>
+              </a:rPr>
+              <a:t>/Client</a:t>
+            </a:r>
+            <a:r>
+              <a:rPr lang="zh-CN" altLang="en-US" sz="1400">
+                <a:sym typeface="+mn-ea"/>
+              </a:rPr>
+              <a:t>负责调度</a:t>
+            </a:r>
+            <a:r>
+              <a:rPr lang="en-US" sz="1400">
+                <a:sym typeface="+mn-ea"/>
+              </a:rPr>
+              <a:t>T</a:t>
+            </a:r>
+            <a:r>
+              <a:rPr sz="1400">
+                <a:sym typeface="+mn-ea"/>
+              </a:rPr>
+              <a:t>ransport</a:t>
+            </a:r>
+            <a:endParaRPr sz="1400">
+              <a:sym typeface="+mn-ea"/>
+            </a:endParaRPr>
+          </a:p>
+          <a:p>
+            <a:endParaRPr lang="en-US" sz="1400">
+              <a:sym typeface="+mn-ea"/>
+            </a:endParaRPr>
+          </a:p>
+          <a:p>
+            <a:r>
+              <a:rPr lang="en-US" sz="1400">
+                <a:sym typeface="+mn-ea"/>
+              </a:rPr>
+              <a:t>T</a:t>
+            </a:r>
+            <a:r>
+              <a:rPr sz="1400">
+                <a:sym typeface="+mn-ea"/>
+              </a:rPr>
+              <a:t>ransport</a:t>
+            </a:r>
+            <a:r>
+              <a:rPr lang="zh-CN" sz="1400">
+                <a:sym typeface="+mn-ea"/>
+              </a:rPr>
+              <a:t>负责字节传输</a:t>
+            </a:r>
+            <a:endParaRPr lang="zh-CN" sz="1400">
+              <a:sym typeface="+mn-ea"/>
+            </a:endParaRPr>
+          </a:p>
+          <a:p>
+            <a:endParaRPr lang="zh-CN" sz="1400">
+              <a:sym typeface="+mn-ea"/>
+            </a:endParaRPr>
+          </a:p>
+          <a:p>
+            <a:r>
+              <a:rPr lang="en-US" altLang="zh-CN" sz="1400">
+                <a:sym typeface="+mn-ea"/>
+              </a:rPr>
+              <a:t>point</a:t>
+            </a:r>
+            <a:r>
+              <a:rPr lang="zh-CN" altLang="en-US" sz="1400">
+                <a:sym typeface="+mn-ea"/>
+              </a:rPr>
+              <a:t>负责对接用户</a:t>
+            </a:r>
+            <a:r>
+              <a:rPr lang="en-US" altLang="zh-CN" sz="1400">
+                <a:sym typeface="+mn-ea"/>
+              </a:rPr>
+              <a:t>/</a:t>
+            </a:r>
+            <a:r>
+              <a:rPr lang="zh-CN" altLang="en-US" sz="1400">
+                <a:sym typeface="+mn-ea"/>
+              </a:rPr>
+              <a:t>目标端口</a:t>
+            </a:r>
+            <a:r>
+              <a:rPr lang="en-US" altLang="zh-CN" sz="1400">
+                <a:sym typeface="+mn-ea"/>
+              </a:rPr>
+              <a:t>/sc/ss</a:t>
+            </a:r>
+            <a:endParaRPr sz="1400">
+              <a:sym typeface="+mn-ea"/>
+            </a:endParaRPr>
+          </a:p>
+          <a:p>
+            <a:endParaRPr lang="zh-CN" altLang="en-US">
+              <a:sym typeface="+mn-ea"/>
+            </a:endParaRPr>
+          </a:p>
+          <a:p>
+            <a:endParaRPr lang="zh-CN" altLang="en-US">
+              <a:sym typeface="+mn-ea"/>
+            </a:endParaRPr>
+          </a:p>
+        </p:txBody>
+      </p:sp>
+    </p:spTree>
+  </p:cSld>
+  <p:clrMapOvr>
+    <a:masterClrMapping/>
+  </p:clrMapOvr>
+  <mc:AlternateContent xmlns:mc="http://schemas.openxmlformats.org/markup-compatibility/2006">
+    <mc:Choice xmlns:p14="http://schemas.microsoft.com/office/powerpoint/2010/main" Requires="p14">
+      <p:transition p14:dur="500"/>
+    </mc:Choice>
+    <mc:Fallback>
+      <p:transition/>
+    </mc:Fallback>
+  </mc:AlternateContent>
+</p:sld>
+</file>
+
+<file path=ppt/slides/slide8.xml><?xml version="1.0" encoding="utf-8"?>
+<p:sld xmlns:a="http://schemas.openxmlformats.org/drawingml/2006/main" xmlns:r="http://schemas.openxmlformats.org/officeDocument/2006/relationships" xmlns:p="http://schemas.openxmlformats.org/presentationml/2006/main">
+  <p:cSld>
+    <p:spTree>
+      <p:nvGrpSpPr>
+        <p:cNvPr id="1" name=""/>
+        <p:cNvGrpSpPr/>
+        <p:nvPr/>
+      </p:nvGrpSpPr>
+      <p:grpSpPr/>
+      <p:sp>
+        <p:nvSpPr>
+          <p:cNvPr id="29" name="矩形 28"/>
+          <p:cNvSpPr/>
+          <p:nvPr/>
+        </p:nvSpPr>
+        <p:spPr>
+          <a:xfrm>
+            <a:off x="6939280" y="819785"/>
+            <a:ext cx="4828540" cy="1852930"/>
+          </a:xfrm>
+          <a:prstGeom prst="rect">
+            <a:avLst/>
+          </a:prstGeom>
+          <a:solidFill>
+            <a:schemeClr val="bg1"/>
+          </a:solidFill>
+          <a:ln w="28575" cmpd="sng">
+            <a:solidFill>
+              <a:schemeClr val="accent1">
+                <a:shade val="50000"/>
+              </a:schemeClr>
+            </a:solidFill>
+            <a:prstDash val="sysDot"/>
+          </a:ln>
+        </p:spPr>
+        <p:style>
+          <a:lnRef idx="2">
+            <a:schemeClr val="accent1">
+              <a:lumMod val="75000"/>
+            </a:schemeClr>
+          </a:lnRef>
+          <a:fillRef idx="1">
+            <a:schemeClr val="accent1"/>
+          </a:fillRef>
+          <a:effectRef idx="0">
+            <a:srgbClr val="FFFFFF"/>
+          </a:effectRef>
+          <a:fontRef idx="minor">
+            <a:schemeClr val="lt1"/>
+          </a:fontRef>
+        </p:style>
+        <p:txBody>
+          <a:bodyPr rtlCol="0" anchor="ctr"/>
+          <a:p>
+            <a:pPr algn="ctr"/>
+            <a:endParaRPr lang="zh-CN" altLang="en-US"/>
+          </a:p>
+        </p:txBody>
+      </p:sp>
+      <p:sp>
+        <p:nvSpPr>
+          <p:cNvPr id="94" name="矩形 93"/>
+          <p:cNvSpPr/>
+          <p:nvPr/>
+        </p:nvSpPr>
+        <p:spPr>
+          <a:xfrm>
+            <a:off x="7983855" y="3174365"/>
+            <a:ext cx="3753485" cy="1852930"/>
+          </a:xfrm>
+          <a:prstGeom prst="rect">
+            <a:avLst/>
+          </a:prstGeom>
+          <a:solidFill>
+            <a:schemeClr val="bg1"/>
+          </a:solidFill>
+          <a:ln w="28575" cmpd="sng">
+            <a:solidFill>
+              <a:schemeClr val="accent1">
+                <a:shade val="50000"/>
+              </a:schemeClr>
+            </a:solidFill>
+            <a:prstDash val="sysDot"/>
+          </a:ln>
+        </p:spPr>
+        <p:style>
+          <a:lnRef idx="2">
+            <a:schemeClr val="accent1">
+              <a:lumMod val="75000"/>
+            </a:schemeClr>
+          </a:lnRef>
+          <a:fillRef idx="1">
+            <a:schemeClr val="accent1"/>
+          </a:fillRef>
+          <a:effectRef idx="0">
+            <a:srgbClr val="FFFFFF"/>
+          </a:effectRef>
+          <a:fontRef idx="minor">
+            <a:schemeClr val="lt1"/>
+          </a:fontRef>
+        </p:style>
+        <p:txBody>
+          <a:bodyPr rtlCol="0" anchor="ctr"/>
+          <a:p>
+            <a:pPr algn="ctr"/>
+            <a:endParaRPr lang="zh-CN" altLang="en-US"/>
+          </a:p>
+        </p:txBody>
+      </p:sp>
+      <p:sp>
+        <p:nvSpPr>
+          <p:cNvPr id="93" name="矩形 92"/>
+          <p:cNvSpPr/>
+          <p:nvPr/>
+        </p:nvSpPr>
+        <p:spPr>
+          <a:xfrm>
+            <a:off x="155575" y="3183255"/>
+            <a:ext cx="3753485" cy="1852930"/>
+          </a:xfrm>
+          <a:prstGeom prst="rect">
+            <a:avLst/>
+          </a:prstGeom>
+          <a:solidFill>
+            <a:schemeClr val="bg1"/>
+          </a:solidFill>
+          <a:ln w="28575" cmpd="sng">
+            <a:solidFill>
+              <a:schemeClr val="accent1">
+                <a:shade val="50000"/>
+              </a:schemeClr>
+            </a:solidFill>
+            <a:prstDash val="sysDot"/>
+          </a:ln>
+        </p:spPr>
+        <p:style>
+          <a:lnRef idx="2">
+            <a:schemeClr val="accent1">
+              <a:lumMod val="75000"/>
+            </a:schemeClr>
+          </a:lnRef>
+          <a:fillRef idx="1">
+            <a:schemeClr val="accent1"/>
+          </a:fillRef>
+          <a:effectRef idx="0">
+            <a:srgbClr val="FFFFFF"/>
+          </a:effectRef>
+          <a:fontRef idx="minor">
+            <a:schemeClr val="lt1"/>
+          </a:fontRef>
+        </p:style>
+        <p:txBody>
+          <a:bodyPr rtlCol="0" anchor="ctr"/>
+          <a:p>
+            <a:pPr algn="ctr"/>
+            <a:endParaRPr lang="zh-CN" altLang="en-US"/>
+          </a:p>
+        </p:txBody>
+      </p:sp>
+      <p:sp>
+        <p:nvSpPr>
+          <p:cNvPr id="66" name="矩形 65"/>
+          <p:cNvSpPr/>
+          <p:nvPr/>
+        </p:nvSpPr>
+        <p:spPr>
+          <a:xfrm>
+            <a:off x="86360" y="819785"/>
+            <a:ext cx="4828540" cy="1852930"/>
+          </a:xfrm>
+          <a:prstGeom prst="rect">
+            <a:avLst/>
+          </a:prstGeom>
+          <a:solidFill>
+            <a:schemeClr val="bg1"/>
+          </a:solidFill>
+          <a:ln w="28575" cmpd="sng">
+            <a:solidFill>
+              <a:schemeClr val="accent1">
+                <a:shade val="50000"/>
+              </a:schemeClr>
+            </a:solidFill>
+            <a:prstDash val="sysDot"/>
+          </a:ln>
+        </p:spPr>
+        <p:style>
+          <a:lnRef idx="2">
+            <a:schemeClr val="accent1">
+              <a:lumMod val="75000"/>
+            </a:schemeClr>
+          </a:lnRef>
+          <a:fillRef idx="1">
+            <a:schemeClr val="accent1"/>
+          </a:fillRef>
+          <a:effectRef idx="0">
+            <a:srgbClr val="FFFFFF"/>
+          </a:effectRef>
+          <a:fontRef idx="minor">
+            <a:schemeClr val="lt1"/>
+          </a:fontRef>
+        </p:style>
+        <p:txBody>
+          <a:bodyPr rtlCol="0" anchor="ctr"/>
+          <a:p>
+            <a:pPr algn="ctr"/>
+            <a:endParaRPr lang="zh-CN" altLang="en-US"/>
+          </a:p>
+        </p:txBody>
+      </p:sp>
+      <p:sp>
+        <p:nvSpPr>
+          <p:cNvPr id="56" name="圆角矩形 55"/>
+          <p:cNvSpPr/>
+          <p:nvPr>
+            <p:custDataLst>
+              <p:tags r:id="rId1"/>
+            </p:custDataLst>
+          </p:nvPr>
+        </p:nvSpPr>
+        <p:spPr>
+          <a:xfrm>
+            <a:off x="1206500" y="1066800"/>
+            <a:ext cx="1915160" cy="402590"/>
+          </a:xfrm>
+          <a:prstGeom prst="roundRect">
+            <a:avLst/>
+          </a:prstGeom>
+          <a:solidFill>
+            <a:schemeClr val="accent4"/>
+          </a:solidFill>
+        </p:spPr>
+        <p:style>
+          <a:lnRef idx="2">
+            <a:schemeClr val="accent1">
+              <a:lumMod val="75000"/>
+            </a:schemeClr>
+          </a:lnRef>
+          <a:fillRef idx="1">
+            <a:schemeClr val="accent1"/>
+          </a:fillRef>
+          <a:effectRef idx="0">
+            <a:srgbClr val="FFFFFF"/>
+          </a:effectRef>
+          <a:fontRef idx="minor">
+            <a:schemeClr val="lt1"/>
+          </a:fontRef>
+        </p:style>
+        <p:txBody>
+          <a:bodyPr rtlCol="0" anchor="ctr"/>
+          <a:p>
+            <a:pPr algn="ctr"/>
+            <a:r>
+              <a:rPr lang="zh-CN" altLang="en-US"/>
+              <a:t>TransmitServer</a:t>
+            </a:r>
+            <a:endParaRPr lang="zh-CN" altLang="en-US"/>
+          </a:p>
+        </p:txBody>
+      </p:sp>
+      <p:sp>
+        <p:nvSpPr>
+          <p:cNvPr id="59" name="圆角矩形 58"/>
+          <p:cNvSpPr/>
+          <p:nvPr>
+            <p:custDataLst>
+              <p:tags r:id="rId2"/>
+            </p:custDataLst>
+          </p:nvPr>
+        </p:nvSpPr>
+        <p:spPr>
+          <a:xfrm>
+            <a:off x="367030" y="4088765"/>
+            <a:ext cx="1915160" cy="402590"/>
+          </a:xfrm>
+          <a:prstGeom prst="roundRect">
+            <a:avLst/>
+          </a:prstGeom>
+          <a:solidFill>
+            <a:schemeClr val="accent4"/>
+          </a:solidFill>
+        </p:spPr>
+        <p:style>
+          <a:lnRef idx="2">
+            <a:schemeClr val="accent1">
+              <a:lumMod val="75000"/>
+            </a:schemeClr>
+          </a:lnRef>
+          <a:fillRef idx="1">
+            <a:schemeClr val="accent1"/>
+          </a:fillRef>
+          <a:effectRef idx="0">
+            <a:srgbClr val="FFFFFF"/>
+          </a:effectRef>
+          <a:fontRef idx="minor">
+            <a:schemeClr val="lt1"/>
+          </a:fontRef>
+        </p:style>
+        <p:txBody>
+          <a:bodyPr rtlCol="0" anchor="ctr"/>
+          <a:p>
+            <a:pPr algn="ctr"/>
+            <a:r>
+              <a:rPr lang="en-US" altLang="zh-CN"/>
+              <a:t>TransmitClient</a:t>
+            </a:r>
+            <a:endParaRPr lang="en-US" altLang="zh-CN"/>
+          </a:p>
+        </p:txBody>
+      </p:sp>
+      <p:sp>
+        <p:nvSpPr>
+          <p:cNvPr id="60" name="圆角矩形 59"/>
+          <p:cNvSpPr/>
+          <p:nvPr>
+            <p:custDataLst>
+              <p:tags r:id="rId3"/>
+            </p:custDataLst>
+          </p:nvPr>
+        </p:nvSpPr>
+        <p:spPr>
+          <a:xfrm>
+            <a:off x="174625" y="2122170"/>
+            <a:ext cx="1879600" cy="345440"/>
+          </a:xfrm>
+          <a:prstGeom prst="roundRect">
+            <a:avLst/>
+          </a:prstGeom>
+          <a:solidFill>
+            <a:schemeClr val="accent5"/>
+          </a:solidFill>
+        </p:spPr>
+        <p:style>
+          <a:lnRef idx="2">
+            <a:schemeClr val="accent1">
+              <a:lumMod val="75000"/>
+            </a:schemeClr>
+          </a:lnRef>
+          <a:fillRef idx="1">
+            <a:schemeClr val="accent1"/>
+          </a:fillRef>
+          <a:effectRef idx="0">
+            <a:srgbClr val="FFFFFF"/>
+          </a:effectRef>
+          <a:fontRef idx="minor">
+            <a:schemeClr val="lt1"/>
+          </a:fontRef>
+        </p:style>
+        <p:txBody>
+          <a:bodyPr rtlCol="0" anchor="ctr"/>
+          <a:p>
+            <a:pPr algn="ctr"/>
+            <a:r>
+              <a:rPr lang="en-US"/>
+              <a:t>T</a:t>
+            </a:r>
+            <a:r>
+              <a:t>ransport</a:t>
+            </a:r>
+            <a:endParaRPr lang="en-US"/>
+          </a:p>
+        </p:txBody>
+      </p:sp>
+      <p:sp>
+        <p:nvSpPr>
+          <p:cNvPr id="61" name="圆角矩形 60"/>
+          <p:cNvSpPr/>
+          <p:nvPr>
+            <p:custDataLst>
+              <p:tags r:id="rId4"/>
+            </p:custDataLst>
+          </p:nvPr>
+        </p:nvSpPr>
+        <p:spPr>
+          <a:xfrm>
+            <a:off x="9425940" y="3952875"/>
+            <a:ext cx="1915160" cy="402590"/>
+          </a:xfrm>
+          <a:prstGeom prst="roundRect">
+            <a:avLst/>
+          </a:prstGeom>
+          <a:solidFill>
+            <a:schemeClr val="accent4"/>
+          </a:solidFill>
+        </p:spPr>
+        <p:style>
+          <a:lnRef idx="2">
+            <a:schemeClr val="accent1">
+              <a:lumMod val="75000"/>
+            </a:schemeClr>
+          </a:lnRef>
+          <a:fillRef idx="1">
+            <a:schemeClr val="accent1"/>
+          </a:fillRef>
+          <a:effectRef idx="0">
+            <a:srgbClr val="FFFFFF"/>
+          </a:effectRef>
+          <a:fontRef idx="minor">
+            <a:schemeClr val="lt1"/>
+          </a:fontRef>
+        </p:style>
+        <p:txBody>
+          <a:bodyPr rtlCol="0" anchor="ctr"/>
+          <a:p>
+            <a:pPr algn="ctr"/>
+            <a:r>
+              <a:rPr lang="en-US" altLang="zh-CN"/>
+              <a:t>TransmitClient</a:t>
+            </a:r>
+            <a:endParaRPr lang="en-US" altLang="zh-CN"/>
+          </a:p>
+        </p:txBody>
+      </p:sp>
+      <p:sp>
+        <p:nvSpPr>
+          <p:cNvPr id="63" name="圆角矩形 62"/>
+          <p:cNvSpPr/>
+          <p:nvPr>
+            <p:custDataLst>
+              <p:tags r:id="rId5"/>
+            </p:custDataLst>
+          </p:nvPr>
+        </p:nvSpPr>
+        <p:spPr>
+          <a:xfrm>
+            <a:off x="1074420" y="3472815"/>
+            <a:ext cx="2489835" cy="345440"/>
+          </a:xfrm>
+          <a:prstGeom prst="roundRect">
+            <a:avLst/>
+          </a:prstGeom>
+          <a:solidFill>
+            <a:schemeClr val="accent5"/>
+          </a:solidFill>
+        </p:spPr>
+        <p:style>
+          <a:lnRef idx="2">
+            <a:schemeClr val="accent1">
+              <a:lumMod val="75000"/>
+            </a:schemeClr>
+          </a:lnRef>
+          <a:fillRef idx="1">
+            <a:schemeClr val="accent1"/>
+          </a:fillRef>
+          <a:effectRef idx="0">
+            <a:srgbClr val="FFFFFF"/>
+          </a:effectRef>
+          <a:fontRef idx="minor">
+            <a:schemeClr val="lt1"/>
+          </a:fontRef>
+        </p:style>
+        <p:txBody>
+          <a:bodyPr rtlCol="0" anchor="ctr"/>
+          <a:p>
+            <a:pPr algn="ctr"/>
+            <a:r>
+              <a:rPr lang="en-US"/>
+              <a:t>T</a:t>
+            </a:r>
+            <a:r>
+              <a:t>ransport</a:t>
+            </a:r>
+            <a:endParaRPr lang="en-US"/>
+          </a:p>
+        </p:txBody>
+      </p:sp>
+      <p:sp>
+        <p:nvSpPr>
+          <p:cNvPr id="64" name="圆角矩形 63"/>
+          <p:cNvSpPr/>
+          <p:nvPr>
+            <p:custDataLst>
+              <p:tags r:id="rId6"/>
+            </p:custDataLst>
+          </p:nvPr>
+        </p:nvSpPr>
+        <p:spPr>
+          <a:xfrm>
+            <a:off x="2963545" y="2122170"/>
+            <a:ext cx="1874520" cy="345440"/>
+          </a:xfrm>
+          <a:prstGeom prst="roundRect">
+            <a:avLst/>
+          </a:prstGeom>
+          <a:solidFill>
+            <a:schemeClr val="accent5"/>
+          </a:solidFill>
+        </p:spPr>
+        <p:style>
+          <a:lnRef idx="2">
+            <a:schemeClr val="accent1">
+              <a:lumMod val="75000"/>
+            </a:schemeClr>
+          </a:lnRef>
+          <a:fillRef idx="1">
+            <a:schemeClr val="accent1"/>
+          </a:fillRef>
+          <a:effectRef idx="0">
+            <a:srgbClr val="FFFFFF"/>
+          </a:effectRef>
+          <a:fontRef idx="minor">
+            <a:schemeClr val="lt1"/>
+          </a:fontRef>
+        </p:style>
+        <p:txBody>
+          <a:bodyPr rtlCol="0" anchor="ctr"/>
+          <a:p>
+            <a:pPr algn="ctr"/>
+            <a:r>
+              <a:rPr lang="en-US"/>
+              <a:t>T</a:t>
+            </a:r>
+            <a:r>
+              <a:t>ransport</a:t>
+            </a:r>
+            <a:endParaRPr lang="en-US"/>
+          </a:p>
+        </p:txBody>
+      </p:sp>
+      <p:sp>
+        <p:nvSpPr>
+          <p:cNvPr id="65" name="圆角矩形 64"/>
+          <p:cNvSpPr/>
+          <p:nvPr>
+            <p:custDataLst>
+              <p:tags r:id="rId7"/>
+            </p:custDataLst>
+          </p:nvPr>
+        </p:nvSpPr>
+        <p:spPr>
+          <a:xfrm>
+            <a:off x="8201660" y="3411220"/>
+            <a:ext cx="2489835" cy="345440"/>
+          </a:xfrm>
+          <a:prstGeom prst="roundRect">
+            <a:avLst/>
+          </a:prstGeom>
+          <a:solidFill>
+            <a:schemeClr val="accent5"/>
+          </a:solidFill>
+        </p:spPr>
+        <p:style>
+          <a:lnRef idx="2">
+            <a:schemeClr val="accent1">
+              <a:lumMod val="75000"/>
+            </a:schemeClr>
+          </a:lnRef>
+          <a:fillRef idx="1">
+            <a:schemeClr val="accent1"/>
+          </a:fillRef>
+          <a:effectRef idx="0">
+            <a:srgbClr val="FFFFFF"/>
+          </a:effectRef>
+          <a:fontRef idx="minor">
+            <a:schemeClr val="lt1"/>
+          </a:fontRef>
+        </p:style>
+        <p:txBody>
+          <a:bodyPr rtlCol="0" anchor="ctr"/>
+          <a:p>
+            <a:pPr algn="ctr"/>
+            <a:r>
+              <a:rPr lang="en-US"/>
+              <a:t>T</a:t>
+            </a:r>
+            <a:r>
+              <a:t>ransport</a:t>
+            </a:r>
+            <a:endParaRPr lang="en-US"/>
+          </a:p>
+        </p:txBody>
+      </p:sp>
+      <p:cxnSp>
+        <p:nvCxnSpPr>
+          <p:cNvPr id="72" name="直接箭头连接符 71"/>
+          <p:cNvCxnSpPr>
+            <a:stCxn id="60" idx="2"/>
+            <a:endCxn id="63" idx="0"/>
+          </p:cNvCxnSpPr>
+          <p:nvPr/>
+        </p:nvCxnSpPr>
+        <p:spPr>
+          <a:xfrm>
+            <a:off x="1114425" y="2467610"/>
+            <a:ext cx="1205230" cy="1005205"/>
+          </a:xfrm>
+          <a:prstGeom prst="straightConnector1">
+            <a:avLst/>
+          </a:prstGeom>
+          <a:ln>
+            <a:headEnd type="arrow"/>
+            <a:tailEnd type="arrow"/>
+          </a:ln>
+        </p:spPr>
+        <p:style>
+          <a:lnRef idx="2">
+            <a:schemeClr val="accent1"/>
+          </a:lnRef>
+          <a:fillRef idx="0">
+            <a:srgbClr val="FFFFFF"/>
+          </a:fillRef>
+          <a:effectRef idx="0">
+            <a:srgbClr val="FFFFFF"/>
+          </a:effectRef>
+          <a:fontRef idx="minor">
+            <a:schemeClr val="tx1"/>
+          </a:fontRef>
+        </p:style>
+      </p:cxnSp>
+      <p:cxnSp>
+        <p:nvCxnSpPr>
+          <p:cNvPr id="73" name="直接箭头连接符 72"/>
+          <p:cNvCxnSpPr>
+            <a:stCxn id="64" idx="3"/>
+            <a:endCxn id="31" idx="1"/>
+          </p:cNvCxnSpPr>
+          <p:nvPr/>
+        </p:nvCxnSpPr>
+        <p:spPr>
+          <a:xfrm>
+            <a:off x="4838065" y="2294890"/>
+            <a:ext cx="2189480" cy="0"/>
+          </a:xfrm>
+          <a:prstGeom prst="straightConnector1">
+            <a:avLst/>
+          </a:prstGeom>
+          <a:ln>
+            <a:headEnd type="arrow"/>
+            <a:tailEnd type="arrow"/>
+          </a:ln>
+        </p:spPr>
+        <p:style>
+          <a:lnRef idx="2">
+            <a:schemeClr val="accent1"/>
+          </a:lnRef>
+          <a:fillRef idx="0">
+            <a:srgbClr val="FFFFFF"/>
+          </a:fillRef>
+          <a:effectRef idx="0">
+            <a:srgbClr val="FFFFFF"/>
+          </a:effectRef>
+          <a:fontRef idx="minor">
+            <a:schemeClr val="tx1"/>
+          </a:fontRef>
+        </p:style>
+      </p:cxnSp>
+      <p:sp>
+        <p:nvSpPr>
+          <p:cNvPr id="74" name="圆角矩形 73"/>
+          <p:cNvSpPr/>
+          <p:nvPr>
+            <p:custDataLst>
+              <p:tags r:id="rId8"/>
+            </p:custDataLst>
+          </p:nvPr>
+        </p:nvSpPr>
+        <p:spPr>
+          <a:xfrm>
+            <a:off x="918845" y="5547360"/>
+            <a:ext cx="2489835" cy="345440"/>
+          </a:xfrm>
+          <a:prstGeom prst="roundRect">
+            <a:avLst/>
+          </a:prstGeom>
+          <a:solidFill>
+            <a:schemeClr val="accent2"/>
+          </a:solidFill>
+        </p:spPr>
+        <p:style>
+          <a:lnRef idx="2">
+            <a:schemeClr val="accent1">
+              <a:lumMod val="75000"/>
+            </a:schemeClr>
+          </a:lnRef>
+          <a:fillRef idx="1">
+            <a:schemeClr val="accent1"/>
+          </a:fillRef>
+          <a:effectRef idx="0">
+            <a:srgbClr val="FFFFFF"/>
+          </a:effectRef>
+          <a:fontRef idx="minor">
+            <a:schemeClr val="lt1"/>
+          </a:fontRef>
+        </p:style>
+        <p:txBody>
+          <a:bodyPr rtlCol="0" anchor="ctr"/>
+          <a:p>
+            <a:pPr algn="ctr"/>
+            <a:r>
+              <a:rPr lang="zh-CN" altLang="en-US"/>
+              <a:t>用户</a:t>
+            </a:r>
+            <a:r>
+              <a:rPr lang="en-US" altLang="zh-CN"/>
+              <a:t>/</a:t>
+            </a:r>
+            <a:r>
+              <a:rPr lang="zh-CN" altLang="en-US"/>
+              <a:t>目标端口</a:t>
+            </a:r>
+            <a:endParaRPr lang="zh-CN" altLang="en-US"/>
+          </a:p>
+        </p:txBody>
+      </p:sp>
+      <p:sp>
+        <p:nvSpPr>
+          <p:cNvPr id="75" name="圆角矩形 74"/>
+          <p:cNvSpPr/>
+          <p:nvPr>
+            <p:custDataLst>
+              <p:tags r:id="rId9"/>
+            </p:custDataLst>
+          </p:nvPr>
+        </p:nvSpPr>
+        <p:spPr>
+          <a:xfrm>
+            <a:off x="9003030" y="5335270"/>
+            <a:ext cx="2489835" cy="345440"/>
+          </a:xfrm>
+          <a:prstGeom prst="roundRect">
+            <a:avLst/>
+          </a:prstGeom>
+          <a:solidFill>
+            <a:schemeClr val="accent2"/>
+          </a:solidFill>
+        </p:spPr>
+        <p:style>
+          <a:lnRef idx="2">
+            <a:schemeClr val="accent1">
+              <a:lumMod val="75000"/>
+            </a:schemeClr>
+          </a:lnRef>
+          <a:fillRef idx="1">
+            <a:schemeClr val="accent1"/>
+          </a:fillRef>
+          <a:effectRef idx="0">
+            <a:srgbClr val="FFFFFF"/>
+          </a:effectRef>
+          <a:fontRef idx="minor">
+            <a:schemeClr val="lt1"/>
+          </a:fontRef>
+        </p:style>
+        <p:txBody>
+          <a:bodyPr rtlCol="0" anchor="ctr"/>
+          <a:p>
+            <a:pPr algn="ctr"/>
+            <a:r>
+              <a:rPr lang="zh-CN" altLang="en-US">
+                <a:sym typeface="+mn-ea"/>
+              </a:rPr>
+              <a:t>用户</a:t>
+            </a:r>
+            <a:r>
+              <a:rPr lang="en-US" altLang="zh-CN">
+                <a:sym typeface="+mn-ea"/>
+              </a:rPr>
+              <a:t>/</a:t>
+            </a:r>
+            <a:r>
+              <a:rPr lang="zh-CN" altLang="en-US">
+                <a:sym typeface="+mn-ea"/>
+              </a:rPr>
+              <a:t>目标端口</a:t>
+            </a:r>
+            <a:endParaRPr lang="en-US"/>
+          </a:p>
+        </p:txBody>
+      </p:sp>
+      <p:sp>
+        <p:nvSpPr>
+          <p:cNvPr id="76" name="圆角矩形 75"/>
+          <p:cNvSpPr/>
+          <p:nvPr>
+            <p:custDataLst>
+              <p:tags r:id="rId10"/>
+            </p:custDataLst>
+          </p:nvPr>
+        </p:nvSpPr>
+        <p:spPr>
+          <a:xfrm>
+            <a:off x="1419225" y="4618355"/>
+            <a:ext cx="1763395" cy="345440"/>
+          </a:xfrm>
+          <a:prstGeom prst="roundRect">
+            <a:avLst/>
+          </a:prstGeom>
+          <a:solidFill>
+            <a:schemeClr val="accent2"/>
+          </a:solidFill>
+        </p:spPr>
+        <p:style>
+          <a:lnRef idx="2">
+            <a:schemeClr val="accent1">
+              <a:lumMod val="75000"/>
+            </a:schemeClr>
+          </a:lnRef>
+          <a:fillRef idx="1">
+            <a:schemeClr val="accent1"/>
+          </a:fillRef>
+          <a:effectRef idx="0">
+            <a:srgbClr val="FFFFFF"/>
+          </a:effectRef>
+          <a:fontRef idx="minor">
+            <a:schemeClr val="lt1"/>
+          </a:fontRef>
+        </p:style>
+        <p:txBody>
+          <a:bodyPr rtlCol="0" anchor="ctr"/>
+          <a:p>
+            <a:pPr algn="ctr"/>
+            <a:r>
+              <a:rPr lang="en-US" altLang="zh-CN">
+                <a:sym typeface="+mn-ea"/>
+              </a:rPr>
+              <a:t>point</a:t>
+            </a:r>
+            <a:endParaRPr lang="en-US" altLang="zh-CN"/>
+          </a:p>
+        </p:txBody>
+      </p:sp>
+      <p:sp>
+        <p:nvSpPr>
+          <p:cNvPr id="78" name="圆角矩形 77"/>
+          <p:cNvSpPr/>
+          <p:nvPr>
+            <p:custDataLst>
+              <p:tags r:id="rId11"/>
+            </p:custDataLst>
+          </p:nvPr>
+        </p:nvSpPr>
+        <p:spPr>
+          <a:xfrm>
+            <a:off x="8272145" y="4482465"/>
+            <a:ext cx="1763395" cy="345440"/>
+          </a:xfrm>
+          <a:prstGeom prst="roundRect">
+            <a:avLst/>
+          </a:prstGeom>
+          <a:solidFill>
+            <a:schemeClr val="accent2"/>
+          </a:solidFill>
+        </p:spPr>
+        <p:style>
+          <a:lnRef idx="2">
+            <a:schemeClr val="accent1">
+              <a:lumMod val="75000"/>
+            </a:schemeClr>
+          </a:lnRef>
+          <a:fillRef idx="1">
+            <a:schemeClr val="accent1"/>
+          </a:fillRef>
+          <a:effectRef idx="0">
+            <a:srgbClr val="FFFFFF"/>
+          </a:effectRef>
+          <a:fontRef idx="minor">
+            <a:schemeClr val="lt1"/>
+          </a:fontRef>
+        </p:style>
+        <p:txBody>
+          <a:bodyPr rtlCol="0" anchor="ctr"/>
+          <a:p>
+            <a:pPr algn="ctr"/>
+            <a:r>
+              <a:rPr lang="en-US" altLang="zh-CN">
+                <a:sym typeface="+mn-ea"/>
+              </a:rPr>
+              <a:t>point</a:t>
+            </a:r>
+            <a:endParaRPr lang="en-US" altLang="zh-CN"/>
+          </a:p>
+        </p:txBody>
+      </p:sp>
+      <p:cxnSp>
+        <p:nvCxnSpPr>
+          <p:cNvPr id="79" name="直接箭头连接符 78"/>
+          <p:cNvCxnSpPr>
+            <a:stCxn id="63" idx="2"/>
+            <a:endCxn id="76" idx="0"/>
+          </p:cNvCxnSpPr>
+          <p:nvPr/>
+        </p:nvCxnSpPr>
+        <p:spPr>
+          <a:xfrm flipH="1">
+            <a:off x="2301240" y="3818255"/>
+            <a:ext cx="18415" cy="800100"/>
+          </a:xfrm>
+          <a:prstGeom prst="straightConnector1">
+            <a:avLst/>
+          </a:prstGeom>
+          <a:ln>
+            <a:headEnd type="arrow"/>
+            <a:tailEnd type="arrow"/>
+          </a:ln>
+        </p:spPr>
+        <p:style>
+          <a:lnRef idx="2">
+            <a:schemeClr val="accent1"/>
+          </a:lnRef>
+          <a:fillRef idx="0">
+            <a:srgbClr val="FFFFFF"/>
+          </a:fillRef>
+          <a:effectRef idx="0">
+            <a:srgbClr val="FFFFFF"/>
+          </a:effectRef>
+          <a:fontRef idx="minor">
+            <a:schemeClr val="tx1"/>
+          </a:fontRef>
+        </p:style>
+      </p:cxnSp>
+      <p:cxnSp>
+        <p:nvCxnSpPr>
+          <p:cNvPr id="80" name="直接箭头连接符 79"/>
+          <p:cNvCxnSpPr>
+            <a:stCxn id="65" idx="2"/>
+            <a:endCxn id="78" idx="0"/>
+          </p:cNvCxnSpPr>
+          <p:nvPr/>
+        </p:nvCxnSpPr>
+        <p:spPr>
+          <a:xfrm flipH="1">
+            <a:off x="9154160" y="3756660"/>
+            <a:ext cx="292735" cy="725805"/>
+          </a:xfrm>
+          <a:prstGeom prst="straightConnector1">
+            <a:avLst/>
+          </a:prstGeom>
+          <a:ln>
+            <a:headEnd type="arrow"/>
+            <a:tailEnd type="arrow"/>
+          </a:ln>
+        </p:spPr>
+        <p:style>
+          <a:lnRef idx="2">
+            <a:schemeClr val="accent1"/>
+          </a:lnRef>
+          <a:fillRef idx="0">
+            <a:srgbClr val="FFFFFF"/>
+          </a:fillRef>
+          <a:effectRef idx="0">
+            <a:srgbClr val="FFFFFF"/>
+          </a:effectRef>
+          <a:fontRef idx="minor">
+            <a:schemeClr val="tx1"/>
+          </a:fontRef>
+        </p:style>
+      </p:cxnSp>
+      <p:cxnSp>
+        <p:nvCxnSpPr>
+          <p:cNvPr id="81" name="直接箭头连接符 80"/>
+          <p:cNvCxnSpPr>
+            <a:stCxn id="76" idx="2"/>
+            <a:endCxn id="74" idx="0"/>
+          </p:cNvCxnSpPr>
+          <p:nvPr/>
+        </p:nvCxnSpPr>
+        <p:spPr>
+          <a:xfrm flipH="1">
+            <a:off x="2164080" y="4963795"/>
+            <a:ext cx="137160" cy="583565"/>
+          </a:xfrm>
+          <a:prstGeom prst="straightConnector1">
+            <a:avLst/>
+          </a:prstGeom>
+          <a:ln>
+            <a:headEnd type="arrow"/>
+            <a:tailEnd type="arrow"/>
+          </a:ln>
+        </p:spPr>
+        <p:style>
+          <a:lnRef idx="2">
+            <a:schemeClr val="accent1"/>
+          </a:lnRef>
+          <a:fillRef idx="0">
+            <a:srgbClr val="FFFFFF"/>
+          </a:fillRef>
+          <a:effectRef idx="0">
+            <a:srgbClr val="FFFFFF"/>
+          </a:effectRef>
+          <a:fontRef idx="minor">
+            <a:schemeClr val="tx1"/>
+          </a:fontRef>
+        </p:style>
+      </p:cxnSp>
+      <p:cxnSp>
+        <p:nvCxnSpPr>
+          <p:cNvPr id="82" name="直接箭头连接符 81"/>
+          <p:cNvCxnSpPr>
+            <a:stCxn id="78" idx="2"/>
+            <a:endCxn id="75" idx="0"/>
+          </p:cNvCxnSpPr>
+          <p:nvPr/>
+        </p:nvCxnSpPr>
+        <p:spPr>
+          <a:xfrm>
+            <a:off x="9154160" y="4827905"/>
+            <a:ext cx="1094105" cy="507365"/>
+          </a:xfrm>
+          <a:prstGeom prst="straightConnector1">
+            <a:avLst/>
+          </a:prstGeom>
+          <a:ln>
+            <a:headEnd type="arrow"/>
+            <a:tailEnd type="arrow"/>
+          </a:ln>
+        </p:spPr>
+        <p:style>
+          <a:lnRef idx="2">
+            <a:schemeClr val="accent1"/>
+          </a:lnRef>
+          <a:fillRef idx="0">
+            <a:srgbClr val="FFFFFF"/>
+          </a:fillRef>
+          <a:effectRef idx="0">
+            <a:srgbClr val="FFFFFF"/>
+          </a:effectRef>
+          <a:fontRef idx="minor">
+            <a:schemeClr val="tx1"/>
+          </a:fontRef>
+        </p:style>
+      </p:cxnSp>
+      <p:cxnSp>
+        <p:nvCxnSpPr>
+          <p:cNvPr id="83" name="直接箭头连接符 82"/>
+          <p:cNvCxnSpPr>
+            <a:stCxn id="60" idx="3"/>
+            <a:endCxn id="64" idx="1"/>
+          </p:cNvCxnSpPr>
+          <p:nvPr/>
+        </p:nvCxnSpPr>
+        <p:spPr>
+          <a:xfrm>
+            <a:off x="2054225" y="2294890"/>
+            <a:ext cx="909320" cy="0"/>
+          </a:xfrm>
+          <a:prstGeom prst="straightConnector1">
+            <a:avLst/>
+          </a:prstGeom>
+          <a:ln>
+            <a:headEnd type="arrow"/>
+            <a:tailEnd type="arrow"/>
+          </a:ln>
+        </p:spPr>
+        <p:style>
+          <a:lnRef idx="2">
+            <a:schemeClr val="accent1"/>
+          </a:lnRef>
+          <a:fillRef idx="0">
+            <a:srgbClr val="FFFFFF"/>
+          </a:fillRef>
+          <a:effectRef idx="0">
+            <a:srgbClr val="FFFFFF"/>
+          </a:effectRef>
+          <a:fontRef idx="minor">
+            <a:schemeClr val="tx1"/>
+          </a:fontRef>
+        </p:style>
+      </p:cxnSp>
+      <p:sp>
+        <p:nvSpPr>
+          <p:cNvPr id="86" name="文本框 85"/>
+          <p:cNvSpPr txBox="1"/>
+          <p:nvPr/>
+        </p:nvSpPr>
+        <p:spPr>
+          <a:xfrm>
+            <a:off x="8362950" y="3961765"/>
+            <a:ext cx="1062990" cy="315595"/>
+          </a:xfrm>
+          <a:prstGeom prst="rect">
+            <a:avLst/>
+          </a:prstGeom>
+          <a:noFill/>
+        </p:spPr>
+        <p:txBody>
+          <a:bodyPr wrap="square" rtlCol="0">
+            <a:noAutofit/>
+          </a:bodyPr>
+          <a:p>
+            <a:r>
+              <a:rPr lang="zh-CN" altLang="en-US"/>
+              <a:t>receive</a:t>
+            </a:r>
+            <a:endParaRPr lang="zh-CN" altLang="en-US"/>
+          </a:p>
+        </p:txBody>
+      </p:sp>
+      <p:sp>
+        <p:nvSpPr>
+          <p:cNvPr id="88" name="文本框 87"/>
+          <p:cNvSpPr txBox="1"/>
+          <p:nvPr/>
+        </p:nvSpPr>
+        <p:spPr>
+          <a:xfrm>
+            <a:off x="1701165" y="2769870"/>
+            <a:ext cx="1062990" cy="315595"/>
+          </a:xfrm>
+          <a:prstGeom prst="rect">
+            <a:avLst/>
+          </a:prstGeom>
+          <a:noFill/>
+        </p:spPr>
+        <p:txBody>
+          <a:bodyPr wrap="square" rtlCol="0">
+            <a:noAutofit/>
+          </a:bodyPr>
+          <a:p>
+            <a:r>
+              <a:rPr lang="zh-CN" altLang="en-US">
+                <a:sym typeface="+mn-ea"/>
+              </a:rPr>
+              <a:t>send</a:t>
+            </a:r>
+            <a:endParaRPr lang="zh-CN" altLang="en-US"/>
+          </a:p>
+        </p:txBody>
+      </p:sp>
+      <p:sp>
+        <p:nvSpPr>
+          <p:cNvPr id="89" name="文本框 88"/>
+          <p:cNvSpPr txBox="1"/>
+          <p:nvPr/>
+        </p:nvSpPr>
+        <p:spPr>
+          <a:xfrm>
+            <a:off x="5330825" y="1979295"/>
+            <a:ext cx="1062990" cy="315595"/>
+          </a:xfrm>
+          <a:prstGeom prst="rect">
+            <a:avLst/>
+          </a:prstGeom>
+          <a:noFill/>
+        </p:spPr>
+        <p:txBody>
+          <a:bodyPr wrap="square" rtlCol="0">
+            <a:noAutofit/>
+          </a:bodyPr>
+          <a:p>
+            <a:r>
+              <a:rPr lang="zh-CN" altLang="en-US">
+                <a:sym typeface="+mn-ea"/>
+              </a:rPr>
+              <a:t>send</a:t>
+            </a:r>
+            <a:endParaRPr lang="zh-CN" altLang="en-US"/>
+          </a:p>
+        </p:txBody>
+      </p:sp>
+      <p:sp>
+        <p:nvSpPr>
+          <p:cNvPr id="90" name="文本框 89"/>
+          <p:cNvSpPr txBox="1"/>
+          <p:nvPr/>
+        </p:nvSpPr>
+        <p:spPr>
+          <a:xfrm>
+            <a:off x="2054225" y="1922780"/>
+            <a:ext cx="1062990" cy="315595"/>
+          </a:xfrm>
+          <a:prstGeom prst="rect">
+            <a:avLst/>
+          </a:prstGeom>
+          <a:noFill/>
+        </p:spPr>
+        <p:txBody>
+          <a:bodyPr wrap="square" rtlCol="0">
+            <a:noAutofit/>
+          </a:bodyPr>
+          <a:p>
+            <a:r>
+              <a:rPr lang="zh-CN" altLang="en-US"/>
+              <a:t>receive</a:t>
+            </a:r>
+            <a:endParaRPr lang="zh-CN" altLang="en-US"/>
+          </a:p>
+        </p:txBody>
+      </p:sp>
+      <p:sp>
+        <p:nvSpPr>
+          <p:cNvPr id="92" name="文本框 91"/>
+          <p:cNvSpPr txBox="1"/>
+          <p:nvPr/>
+        </p:nvSpPr>
+        <p:spPr>
+          <a:xfrm>
+            <a:off x="2338705" y="4083050"/>
+            <a:ext cx="1062990" cy="315595"/>
+          </a:xfrm>
+          <a:prstGeom prst="rect">
+            <a:avLst/>
+          </a:prstGeom>
+          <a:noFill/>
+        </p:spPr>
+        <p:txBody>
+          <a:bodyPr wrap="square" rtlCol="0">
+            <a:noAutofit/>
+          </a:bodyPr>
+          <a:p>
+            <a:r>
+              <a:rPr lang="zh-CN" altLang="en-US"/>
+              <a:t>receive</a:t>
+            </a:r>
+            <a:endParaRPr lang="zh-CN" altLang="en-US"/>
+          </a:p>
+        </p:txBody>
+      </p:sp>
+      <p:sp>
+        <p:nvSpPr>
+          <p:cNvPr id="30" name="圆角矩形 29"/>
+          <p:cNvSpPr/>
+          <p:nvPr>
+            <p:custDataLst>
+              <p:tags r:id="rId12"/>
+            </p:custDataLst>
+          </p:nvPr>
+        </p:nvSpPr>
+        <p:spPr>
+          <a:xfrm>
+            <a:off x="8059420" y="1066800"/>
+            <a:ext cx="1915160" cy="402590"/>
+          </a:xfrm>
+          <a:prstGeom prst="roundRect">
+            <a:avLst/>
+          </a:prstGeom>
+          <a:solidFill>
+            <a:schemeClr val="accent4"/>
+          </a:solidFill>
+        </p:spPr>
+        <p:style>
+          <a:lnRef idx="2">
+            <a:schemeClr val="accent1">
+              <a:lumMod val="75000"/>
+            </a:schemeClr>
+          </a:lnRef>
+          <a:fillRef idx="1">
+            <a:schemeClr val="accent1"/>
+          </a:fillRef>
+          <a:effectRef idx="0">
+            <a:srgbClr val="FFFFFF"/>
+          </a:effectRef>
+          <a:fontRef idx="minor">
+            <a:schemeClr val="lt1"/>
+          </a:fontRef>
+        </p:style>
+        <p:txBody>
+          <a:bodyPr rtlCol="0" anchor="ctr"/>
+          <a:p>
+            <a:pPr algn="ctr"/>
+            <a:r>
+              <a:rPr lang="zh-CN" altLang="en-US"/>
+              <a:t>TransmitServer</a:t>
+            </a:r>
+            <a:endParaRPr lang="zh-CN" altLang="en-US"/>
+          </a:p>
+        </p:txBody>
+      </p:sp>
+      <p:sp>
+        <p:nvSpPr>
+          <p:cNvPr id="31" name="圆角矩形 30"/>
+          <p:cNvSpPr/>
+          <p:nvPr>
+            <p:custDataLst>
+              <p:tags r:id="rId13"/>
+            </p:custDataLst>
+          </p:nvPr>
+        </p:nvSpPr>
+        <p:spPr>
+          <a:xfrm>
+            <a:off x="7027545" y="2122170"/>
+            <a:ext cx="1879600" cy="345440"/>
+          </a:xfrm>
+          <a:prstGeom prst="roundRect">
+            <a:avLst/>
+          </a:prstGeom>
+          <a:solidFill>
+            <a:schemeClr val="accent5"/>
+          </a:solidFill>
+        </p:spPr>
+        <p:style>
+          <a:lnRef idx="2">
+            <a:schemeClr val="accent1">
+              <a:lumMod val="75000"/>
+            </a:schemeClr>
+          </a:lnRef>
+          <a:fillRef idx="1">
+            <a:schemeClr val="accent1"/>
+          </a:fillRef>
+          <a:effectRef idx="0">
+            <a:srgbClr val="FFFFFF"/>
+          </a:effectRef>
+          <a:fontRef idx="minor">
+            <a:schemeClr val="lt1"/>
+          </a:fontRef>
+        </p:style>
+        <p:txBody>
+          <a:bodyPr rtlCol="0" anchor="ctr"/>
+          <a:p>
+            <a:pPr algn="ctr"/>
+            <a:r>
+              <a:rPr lang="en-US"/>
+              <a:t>T</a:t>
+            </a:r>
+            <a:r>
+              <a:t>ransport</a:t>
+            </a:r>
+            <a:endParaRPr lang="en-US"/>
+          </a:p>
+        </p:txBody>
+      </p:sp>
+      <p:sp>
+        <p:nvSpPr>
+          <p:cNvPr id="32" name="圆角矩形 31"/>
+          <p:cNvSpPr/>
+          <p:nvPr>
+            <p:custDataLst>
+              <p:tags r:id="rId14"/>
+            </p:custDataLst>
+          </p:nvPr>
+        </p:nvSpPr>
+        <p:spPr>
+          <a:xfrm>
+            <a:off x="9816465" y="2122170"/>
+            <a:ext cx="1874520" cy="345440"/>
+          </a:xfrm>
+          <a:prstGeom prst="roundRect">
+            <a:avLst/>
+          </a:prstGeom>
+          <a:solidFill>
+            <a:schemeClr val="accent5"/>
+          </a:solidFill>
+        </p:spPr>
+        <p:style>
+          <a:lnRef idx="2">
+            <a:schemeClr val="accent1">
+              <a:lumMod val="75000"/>
+            </a:schemeClr>
+          </a:lnRef>
+          <a:fillRef idx="1">
+            <a:schemeClr val="accent1"/>
+          </a:fillRef>
+          <a:effectRef idx="0">
+            <a:srgbClr val="FFFFFF"/>
+          </a:effectRef>
+          <a:fontRef idx="minor">
+            <a:schemeClr val="lt1"/>
+          </a:fontRef>
+        </p:style>
+        <p:txBody>
+          <a:bodyPr rtlCol="0" anchor="ctr"/>
+          <a:p>
+            <a:pPr algn="ctr"/>
+            <a:r>
+              <a:rPr lang="en-US"/>
+              <a:t>T</a:t>
+            </a:r>
+            <a:r>
+              <a:t>ransport</a:t>
+            </a:r>
+            <a:endParaRPr lang="en-US"/>
+          </a:p>
+        </p:txBody>
+      </p:sp>
+      <p:cxnSp>
+        <p:nvCxnSpPr>
+          <p:cNvPr id="35" name="直接箭头连接符 34"/>
+          <p:cNvCxnSpPr>
+            <a:stCxn id="31" idx="3"/>
+            <a:endCxn id="32" idx="1"/>
+          </p:cNvCxnSpPr>
+          <p:nvPr/>
+        </p:nvCxnSpPr>
+        <p:spPr>
+          <a:xfrm>
+            <a:off x="8907145" y="2294890"/>
+            <a:ext cx="909320" cy="0"/>
+          </a:xfrm>
+          <a:prstGeom prst="straightConnector1">
+            <a:avLst/>
+          </a:prstGeom>
+          <a:ln>
+            <a:headEnd type="arrow"/>
+            <a:tailEnd type="arrow"/>
+          </a:ln>
+        </p:spPr>
+        <p:style>
+          <a:lnRef idx="2">
+            <a:schemeClr val="accent1"/>
+          </a:lnRef>
+          <a:fillRef idx="0">
+            <a:srgbClr val="FFFFFF"/>
+          </a:fillRef>
+          <a:effectRef idx="0">
+            <a:srgbClr val="FFFFFF"/>
+          </a:effectRef>
+          <a:fontRef idx="minor">
+            <a:schemeClr val="tx1"/>
+          </a:fontRef>
+        </p:style>
+      </p:cxnSp>
+      <p:sp>
+        <p:nvSpPr>
+          <p:cNvPr id="36" name="文本框 35"/>
+          <p:cNvSpPr txBox="1"/>
+          <p:nvPr/>
+        </p:nvSpPr>
+        <p:spPr>
+          <a:xfrm>
+            <a:off x="8907145" y="1922780"/>
+            <a:ext cx="1062990" cy="315595"/>
+          </a:xfrm>
+          <a:prstGeom prst="rect">
+            <a:avLst/>
+          </a:prstGeom>
+          <a:noFill/>
+        </p:spPr>
+        <p:txBody>
+          <a:bodyPr wrap="square" rtlCol="0">
+            <a:noAutofit/>
+          </a:bodyPr>
+          <a:p>
+            <a:r>
+              <a:rPr lang="zh-CN" altLang="en-US"/>
+              <a:t>receive</a:t>
+            </a:r>
+            <a:endParaRPr lang="zh-CN" altLang="en-US"/>
+          </a:p>
+        </p:txBody>
+      </p:sp>
+      <p:cxnSp>
+        <p:nvCxnSpPr>
+          <p:cNvPr id="38" name="直接箭头连接符 37"/>
+          <p:cNvCxnSpPr>
+            <a:stCxn id="32" idx="2"/>
+            <a:endCxn id="65" idx="0"/>
+          </p:cNvCxnSpPr>
+          <p:nvPr/>
+        </p:nvCxnSpPr>
+        <p:spPr>
+          <a:xfrm flipH="1">
+            <a:off x="9446895" y="2467610"/>
+            <a:ext cx="1306830" cy="943610"/>
+          </a:xfrm>
+          <a:prstGeom prst="straightConnector1">
+            <a:avLst/>
+          </a:prstGeom>
+          <a:ln>
+            <a:headEnd type="arrow"/>
+            <a:tailEnd type="arrow"/>
+          </a:ln>
+        </p:spPr>
+        <p:style>
+          <a:lnRef idx="2">
+            <a:schemeClr val="accent1"/>
+          </a:lnRef>
+          <a:fillRef idx="0">
+            <a:srgbClr val="FFFFFF"/>
+          </a:fillRef>
+          <a:effectRef idx="0">
+            <a:srgbClr val="FFFFFF"/>
+          </a:effectRef>
+          <a:fontRef idx="minor">
+            <a:schemeClr val="tx1"/>
+          </a:fontRef>
+        </p:style>
+      </p:cxnSp>
+      <p:sp>
+        <p:nvSpPr>
+          <p:cNvPr id="39" name="文本框 38"/>
+          <p:cNvSpPr txBox="1"/>
+          <p:nvPr/>
+        </p:nvSpPr>
+        <p:spPr>
+          <a:xfrm>
+            <a:off x="10248265" y="2766060"/>
+            <a:ext cx="1062990" cy="315595"/>
+          </a:xfrm>
+          <a:prstGeom prst="rect">
+            <a:avLst/>
+          </a:prstGeom>
+          <a:noFill/>
+        </p:spPr>
+        <p:txBody>
+          <a:bodyPr wrap="square" rtlCol="0">
+            <a:noAutofit/>
+          </a:bodyPr>
+          <a:p>
+            <a:r>
+              <a:rPr lang="zh-CN" altLang="en-US">
+                <a:sym typeface="+mn-ea"/>
+              </a:rPr>
+              <a:t>send</a:t>
+            </a:r>
+            <a:endParaRPr lang="zh-CN" altLang="en-US"/>
+          </a:p>
+        </p:txBody>
+      </p:sp>
+      <p:cxnSp>
+        <p:nvCxnSpPr>
+          <p:cNvPr id="40" name="曲线连接符 39"/>
+          <p:cNvCxnSpPr>
+            <a:stCxn id="61" idx="3"/>
+            <a:endCxn id="30" idx="3"/>
+          </p:cNvCxnSpPr>
+          <p:nvPr/>
+        </p:nvCxnSpPr>
+        <p:spPr>
+          <a:xfrm flipH="1" flipV="1">
+            <a:off x="9974580" y="1268095"/>
+            <a:ext cx="1366520" cy="2886075"/>
+          </a:xfrm>
+          <a:prstGeom prst="curvedConnector3">
+            <a:avLst>
+              <a:gd name="adj1" fmla="val -17426"/>
+            </a:avLst>
+          </a:prstGeom>
+          <a:ln>
+            <a:solidFill>
+              <a:srgbClr val="FF0000"/>
+            </a:solidFill>
+            <a:tailEnd type="arrow"/>
+          </a:ln>
+        </p:spPr>
+        <p:style>
+          <a:lnRef idx="2">
+            <a:schemeClr val="accent1"/>
+          </a:lnRef>
+          <a:fillRef idx="0">
+            <a:srgbClr val="FFFFFF"/>
+          </a:fillRef>
+          <a:effectRef idx="0">
+            <a:srgbClr val="FFFFFF"/>
+          </a:effectRef>
+          <a:fontRef idx="minor">
+            <a:schemeClr val="tx1"/>
+          </a:fontRef>
+        </p:style>
+      </p:cxnSp>
+      <p:cxnSp>
+        <p:nvCxnSpPr>
+          <p:cNvPr id="41" name="曲线连接符 40"/>
+          <p:cNvCxnSpPr>
+            <a:stCxn id="30" idx="1"/>
+            <a:endCxn id="56" idx="3"/>
+          </p:cNvCxnSpPr>
+          <p:nvPr/>
+        </p:nvCxnSpPr>
+        <p:spPr>
+          <a:xfrm rot="10800000" flipV="1">
+            <a:off x="3121660" y="1268095"/>
+            <a:ext cx="4937760" cy="3175"/>
+          </a:xfrm>
+          <a:prstGeom prst="curvedConnector2">
+            <a:avLst/>
+          </a:prstGeom>
+          <a:ln>
+            <a:solidFill>
+              <a:srgbClr val="FF0000"/>
+            </a:solidFill>
+            <a:headEnd type="stealth"/>
+            <a:tailEnd type="arrow"/>
+          </a:ln>
+        </p:spPr>
+        <p:style>
+          <a:lnRef idx="2">
+            <a:schemeClr val="accent1"/>
+          </a:lnRef>
+          <a:fillRef idx="0">
+            <a:srgbClr val="FFFFFF"/>
+          </a:fillRef>
+          <a:effectRef idx="0">
+            <a:srgbClr val="FFFFFF"/>
+          </a:effectRef>
+          <a:fontRef idx="minor">
+            <a:schemeClr val="tx1"/>
+          </a:fontRef>
+        </p:style>
+      </p:cxnSp>
+      <p:cxnSp>
+        <p:nvCxnSpPr>
+          <p:cNvPr id="42" name="曲线连接符 41"/>
+          <p:cNvCxnSpPr>
+            <a:stCxn id="59" idx="1"/>
+            <a:endCxn id="56" idx="1"/>
+          </p:cNvCxnSpPr>
+          <p:nvPr/>
+        </p:nvCxnSpPr>
+        <p:spPr>
+          <a:xfrm rot="10800000" flipH="1">
+            <a:off x="367030" y="1267460"/>
+            <a:ext cx="839470" cy="3021965"/>
+          </a:xfrm>
+          <a:prstGeom prst="curvedConnector3">
+            <a:avLst>
+              <a:gd name="adj1" fmla="val -28366"/>
+            </a:avLst>
+          </a:prstGeom>
+          <a:ln>
+            <a:solidFill>
+              <a:srgbClr val="FF0000"/>
+            </a:solidFill>
+            <a:tailEnd type="arrow"/>
+          </a:ln>
+        </p:spPr>
+        <p:style>
+          <a:lnRef idx="2">
+            <a:schemeClr val="accent1"/>
+          </a:lnRef>
+          <a:fillRef idx="0">
+            <a:srgbClr val="FFFFFF"/>
+          </a:fillRef>
+          <a:effectRef idx="0">
+            <a:srgbClr val="FFFFFF"/>
+          </a:effectRef>
+          <a:fontRef idx="minor">
+            <a:schemeClr val="tx1"/>
+          </a:fontRef>
+        </p:style>
+      </p:cxnSp>
+    </p:spTree>
+  </p:cSld>
+  <p:clrMapOvr>
+    <a:masterClrMapping/>
+  </p:clrMapOvr>
+  <mc:AlternateContent xmlns:mc="http://schemas.openxmlformats.org/markup-compatibility/2006">
+    <mc:Choice xmlns:p14="http://schemas.microsoft.com/office/powerpoint/2010/main" Requires="p14">
+      <p:transition p14:dur="500"/>
+    </mc:Choice>
+    <mc:Fallback>
+      <p:transition/>
+    </mc:Fallback>
+  </mc:AlternateContent>
+</p:sld>
+</file>
+
 <file path=ppt/tags/tag1.xml><?xml version="1.0" encoding="utf-8"?>
 <p:tagLst xmlns:p="http://schemas.openxmlformats.org/presentationml/2006/main">
   <p:tag name="KSO_WM_UNIT_HIGHLIGHT" val="0"/>
@@ -10428,7 +13686,13 @@
 
 <file path=ppt/tags/tag158.xml><?xml version="1.0" encoding="utf-8"?>
 <p:tagLst xmlns:p="http://schemas.openxmlformats.org/presentationml/2006/main">
-  <p:tag name="commondata" val="eyJoZGlkIjoiNDE4MjUxNmFkNzljZmE2MTdkMTlmZWY3MDFjYzM1YTIifQ=="/>
+  <p:tag name="KSO_WM_BEAUTIFY_FLAG" val=""/>
+</p:tagLst>
+</file>
+
+<file path=ppt/tags/tag159.xml><?xml version="1.0" encoding="utf-8"?>
+<p:tagLst xmlns:p="http://schemas.openxmlformats.org/presentationml/2006/main">
+  <p:tag name="KSO_WM_BEAUTIFY_FLAG" val=""/>
 </p:tagLst>
 </file>
 
@@ -10445,6 +13709,67 @@
 </p:tagLst>
 </file>
 
+<file path=ppt/tags/tag160.xml><?xml version="1.0" encoding="utf-8"?>
+<p:tagLst xmlns:p="http://schemas.openxmlformats.org/presentationml/2006/main">
+  <p:tag name="KSO_WM_BEAUTIFY_FLAG" val=""/>
+</p:tagLst>
+</file>
+
+<file path=ppt/tags/tag161.xml><?xml version="1.0" encoding="utf-8"?>
+<p:tagLst xmlns:p="http://schemas.openxmlformats.org/presentationml/2006/main">
+  <p:tag name="KSO_WM_BEAUTIFY_FLAG" val=""/>
+</p:tagLst>
+</file>
+
+<file path=ppt/tags/tag162.xml><?xml version="1.0" encoding="utf-8"?>
+<p:tagLst xmlns:p="http://schemas.openxmlformats.org/presentationml/2006/main">
+  <p:tag name="KSO_WM_BEAUTIFY_FLAG" val=""/>
+</p:tagLst>
+</file>
+
+<file path=ppt/tags/tag163.xml><?xml version="1.0" encoding="utf-8"?>
+<p:tagLst xmlns:p="http://schemas.openxmlformats.org/presentationml/2006/main">
+  <p:tag name="KSO_WM_BEAUTIFY_FLAG" val=""/>
+</p:tagLst>
+</file>
+
+<file path=ppt/tags/tag164.xml><?xml version="1.0" encoding="utf-8"?>
+<p:tagLst xmlns:p="http://schemas.openxmlformats.org/presentationml/2006/main">
+  <p:tag name="KSO_WM_BEAUTIFY_FLAG" val=""/>
+</p:tagLst>
+</file>
+
+<file path=ppt/tags/tag165.xml><?xml version="1.0" encoding="utf-8"?>
+<p:tagLst xmlns:p="http://schemas.openxmlformats.org/presentationml/2006/main">
+  <p:tag name="KSO_WM_BEAUTIFY_FLAG" val=""/>
+</p:tagLst>
+</file>
+
+<file path=ppt/tags/tag166.xml><?xml version="1.0" encoding="utf-8"?>
+<p:tagLst xmlns:p="http://schemas.openxmlformats.org/presentationml/2006/main">
+  <p:tag name="KSO_WM_BEAUTIFY_FLAG" val=""/>
+</p:tagLst>
+</file>
+
+<file path=ppt/tags/tag167.xml><?xml version="1.0" encoding="utf-8"?>
+<p:tagLst xmlns:p="http://schemas.openxmlformats.org/presentationml/2006/main">
+  <p:tag name="KSO_WM_BEAUTIFY_FLAG" val=""/>
+</p:tagLst>
+</file>
+
+<file path=ppt/tags/tag168.xml><?xml version="1.0" encoding="utf-8"?>
+<p:tagLst xmlns:p="http://schemas.openxmlformats.org/presentationml/2006/main">
+  <p:tag name="KSO_WM_BEAUTIFY_FLAG" val=""/>
+</p:tagLst>
+</file>
+
+<file path=ppt/tags/tag169.xml><?xml version="1.0" encoding="utf-8"?>
+<p:tagLst xmlns:p="http://schemas.openxmlformats.org/presentationml/2006/main">
+  <p:tag name="TABLE_ENDDRAG_ORIGIN_RECT" val="261*110"/>
+  <p:tag name="TABLE_ENDDRAG_RECT" val="678*227*261*110"/>
+</p:tagLst>
+</file>
+
 <file path=ppt/tags/tag17.xml><?xml version="1.0" encoding="utf-8"?>
 <p:tagLst xmlns:p="http://schemas.openxmlformats.org/presentationml/2006/main">
   <p:tag name="KSO_WM_UNIT_HIGHLIGHT" val="0"/>
@@ -10458,6 +13783,66 @@
 </p:tagLst>
 </file>
 
+<file path=ppt/tags/tag170.xml><?xml version="1.0" encoding="utf-8"?>
+<p:tagLst xmlns:p="http://schemas.openxmlformats.org/presentationml/2006/main">
+  <p:tag name="KSO_WM_BEAUTIFY_FLAG" val=""/>
+</p:tagLst>
+</file>
+
+<file path=ppt/tags/tag171.xml><?xml version="1.0" encoding="utf-8"?>
+<p:tagLst xmlns:p="http://schemas.openxmlformats.org/presentationml/2006/main">
+  <p:tag name="KSO_WM_BEAUTIFY_FLAG" val=""/>
+</p:tagLst>
+</file>
+
+<file path=ppt/tags/tag172.xml><?xml version="1.0" encoding="utf-8"?>
+<p:tagLst xmlns:p="http://schemas.openxmlformats.org/presentationml/2006/main">
+  <p:tag name="KSO_WM_BEAUTIFY_FLAG" val=""/>
+</p:tagLst>
+</file>
+
+<file path=ppt/tags/tag173.xml><?xml version="1.0" encoding="utf-8"?>
+<p:tagLst xmlns:p="http://schemas.openxmlformats.org/presentationml/2006/main">
+  <p:tag name="KSO_WM_BEAUTIFY_FLAG" val=""/>
+</p:tagLst>
+</file>
+
+<file path=ppt/tags/tag174.xml><?xml version="1.0" encoding="utf-8"?>
+<p:tagLst xmlns:p="http://schemas.openxmlformats.org/presentationml/2006/main">
+  <p:tag name="KSO_WM_BEAUTIFY_FLAG" val=""/>
+</p:tagLst>
+</file>
+
+<file path=ppt/tags/tag175.xml><?xml version="1.0" encoding="utf-8"?>
+<p:tagLst xmlns:p="http://schemas.openxmlformats.org/presentationml/2006/main">
+  <p:tag name="KSO_WM_BEAUTIFY_FLAG" val=""/>
+</p:tagLst>
+</file>
+
+<file path=ppt/tags/tag176.xml><?xml version="1.0" encoding="utf-8"?>
+<p:tagLst xmlns:p="http://schemas.openxmlformats.org/presentationml/2006/main">
+  <p:tag name="KSO_WM_BEAUTIFY_FLAG" val=""/>
+</p:tagLst>
+</file>
+
+<file path=ppt/tags/tag177.xml><?xml version="1.0" encoding="utf-8"?>
+<p:tagLst xmlns:p="http://schemas.openxmlformats.org/presentationml/2006/main">
+  <p:tag name="KSO_WM_BEAUTIFY_FLAG" val=""/>
+</p:tagLst>
+</file>
+
+<file path=ppt/tags/tag178.xml><?xml version="1.0" encoding="utf-8"?>
+<p:tagLst xmlns:p="http://schemas.openxmlformats.org/presentationml/2006/main">
+  <p:tag name="KSO_WM_BEAUTIFY_FLAG" val=""/>
+</p:tagLst>
+</file>
+
+<file path=ppt/tags/tag179.xml><?xml version="1.0" encoding="utf-8"?>
+<p:tagLst xmlns:p="http://schemas.openxmlformats.org/presentationml/2006/main">
+  <p:tag name="KSO_WM_BEAUTIFY_FLAG" val=""/>
+</p:tagLst>
+</file>
+
 <file path=ppt/tags/tag18.xml><?xml version="1.0" encoding="utf-8"?>
 <p:tagLst xmlns:p="http://schemas.openxmlformats.org/presentationml/2006/main">
   <p:tag name="KSO_WM_UNIT_HIGHLIGHT" val="0"/>
@@ -10468,6 +13853,36 @@
   <p:tag name="KSO_WM_UNIT_LAYERLEVEL" val="1"/>
   <p:tag name="KSO_WM_TAG_VERSION" val="1.0"/>
   <p:tag name="KSO_WM_BEAUTIFY_FLAG" val="#wm#"/>
+</p:tagLst>
+</file>
+
+<file path=ppt/tags/tag180.xml><?xml version="1.0" encoding="utf-8"?>
+<p:tagLst xmlns:p="http://schemas.openxmlformats.org/presentationml/2006/main">
+  <p:tag name="KSO_WM_BEAUTIFY_FLAG" val=""/>
+</p:tagLst>
+</file>
+
+<file path=ppt/tags/tag181.xml><?xml version="1.0" encoding="utf-8"?>
+<p:tagLst xmlns:p="http://schemas.openxmlformats.org/presentationml/2006/main">
+  <p:tag name="KSO_WM_BEAUTIFY_FLAG" val=""/>
+</p:tagLst>
+</file>
+
+<file path=ppt/tags/tag182.xml><?xml version="1.0" encoding="utf-8"?>
+<p:tagLst xmlns:p="http://schemas.openxmlformats.org/presentationml/2006/main">
+  <p:tag name="KSO_WM_BEAUTIFY_FLAG" val=""/>
+</p:tagLst>
+</file>
+
+<file path=ppt/tags/tag183.xml><?xml version="1.0" encoding="utf-8"?>
+<p:tagLst xmlns:p="http://schemas.openxmlformats.org/presentationml/2006/main">
+  <p:tag name="KSO_WM_BEAUTIFY_FLAG" val=""/>
+</p:tagLst>
+</file>
+
+<file path=ppt/tags/tag184.xml><?xml version="1.0" encoding="utf-8"?>
+<p:tagLst xmlns:p="http://schemas.openxmlformats.org/presentationml/2006/main">
+  <p:tag name="commondata" val="eyJoZGlkIjoiNDE4MjUxNmFkNzljZmE2MTdkMTlmZWY3MDFjYzM1YTIifQ=="/>
 </p:tagLst>
 </file>
 

--- a/_doc/readme.pptx
+++ b/_doc/readme.pptx
@@ -4,6 +4,12 @@
   <p:sldMasterIdLst>
     <p:sldMasterId id="2147483648" r:id="rId1"/>
   </p:sldMasterIdLst>
+  <p:notesMasterIdLst>
+    <p:notesMasterId r:id="rId13"/>
+  </p:notesMasterIdLst>
+  <p:handoutMasterIdLst>
+    <p:handoutMasterId r:id="rId14"/>
+  </p:handoutMasterIdLst>
   <p:sldIdLst>
     <p:sldId id="256" r:id="rId3"/>
     <p:sldId id="257" r:id="rId4"/>
@@ -13,11 +19,13 @@
     <p:sldId id="261" r:id="rId8"/>
     <p:sldId id="262" r:id="rId9"/>
     <p:sldId id="265" r:id="rId10"/>
+    <p:sldId id="266" r:id="rId11"/>
+    <p:sldId id="267" r:id="rId12"/>
   </p:sldIdLst>
   <p:sldSz cx="12192000" cy="6858000"/>
   <p:notesSz cx="6858000" cy="9144000"/>
   <p:custDataLst>
-    <p:tags r:id="rId14"/>
+    <p:tags r:id="rId18"/>
   </p:custDataLst>
   <p:defaultTextStyle>
     <a:defPPr>
@@ -117,12 +125,12 @@
   <p:extLst>
     <p:ext uri="{EFAFB233-063F-42B5-8137-9DF3F51BA10A}">
       <p15:sldGuideLst xmlns:p15="http://schemas.microsoft.com/office/powerpoint/2012/main">
-        <p15:guide id="1" orient="horz" pos="2270" userDrawn="1">
+        <p15:guide id="1" orient="horz" pos="2242" userDrawn="1">
           <p15:clr>
             <a:srgbClr val="A4A3A4"/>
           </p15:clr>
         </p15:guide>
-        <p15:guide id="2" pos="3858" userDrawn="1">
+        <p15:guide id="2" pos="3872" userDrawn="1">
           <p15:clr>
             <a:srgbClr val="A4A3A4"/>
           </p15:clr>
@@ -131,6 +139,511 @@
     </p:ext>
   </p:extLst>
 </p:presentation>
+</file>
+
+<file path=ppt/handoutMasters/handoutMaster1.xml><?xml version="1.0" encoding="utf-8"?>
+<p:handoutMaster xmlns:a="http://schemas.openxmlformats.org/drawingml/2006/main" xmlns:r="http://schemas.openxmlformats.org/officeDocument/2006/relationships" xmlns:p="http://schemas.openxmlformats.org/presentationml/2006/main">
+  <p:cSld>
+    <p:bg>
+      <p:bgRef idx="1001">
+        <a:schemeClr val="bg1"/>
+      </p:bgRef>
+    </p:bg>
+    <p:spTree>
+      <p:nvGrpSpPr>
+        <p:cNvPr id="1" name=""/>
+        <p:cNvGrpSpPr/>
+        <p:nvPr/>
+      </p:nvGrpSpPr>
+      <p:grpSpPr>
+        <a:xfrm>
+          <a:off x="0" y="0"/>
+          <a:ext cx="0" cy="0"/>
+          <a:chOff x="0" y="0"/>
+          <a:chExt cx="0" cy="0"/>
+        </a:xfrm>
+      </p:grpSpPr>
+      <p:sp>
+        <p:nvSpPr>
+          <p:cNvPr id="2" name="页眉占位符 1"/>
+          <p:cNvSpPr>
+            <a:spLocks noGrp="1"/>
+          </p:cNvSpPr>
+          <p:nvPr>
+            <p:ph type="hdr" sz="quarter"/>
+          </p:nvPr>
+        </p:nvSpPr>
+        <p:spPr>
+          <a:xfrm>
+            <a:off x="0" y="0"/>
+            <a:ext cx="2971800" cy="458788"/>
+          </a:xfrm>
+          <a:prstGeom prst="rect">
+            <a:avLst/>
+          </a:prstGeom>
+        </p:spPr>
+        <p:txBody>
+          <a:bodyPr vert="horz" lIns="91440" tIns="45720" rIns="91440" bIns="45720" rtlCol="0"/>
+          <a:lstStyle>
+            <a:lvl1pPr algn="l">
+              <a:defRPr sz="1200"/>
+            </a:lvl1pPr>
+          </a:lstStyle>
+          <a:p>
+            <a:endParaRPr lang="zh-CN" altLang="en-US"/>
+          </a:p>
+        </p:txBody>
+      </p:sp>
+      <p:sp>
+        <p:nvSpPr>
+          <p:cNvPr id="3" name="日期占位符 2"/>
+          <p:cNvSpPr>
+            <a:spLocks noGrp="1"/>
+          </p:cNvSpPr>
+          <p:nvPr>
+            <p:ph type="dt" sz="quarter" idx="1"/>
+          </p:nvPr>
+        </p:nvSpPr>
+        <p:spPr>
+          <a:xfrm>
+            <a:off x="3884613" y="0"/>
+            <a:ext cx="2971800" cy="458788"/>
+          </a:xfrm>
+          <a:prstGeom prst="rect">
+            <a:avLst/>
+          </a:prstGeom>
+        </p:spPr>
+        <p:txBody>
+          <a:bodyPr vert="horz" lIns="91440" tIns="45720" rIns="91440" bIns="45720" rtlCol="0"/>
+          <a:lstStyle>
+            <a:lvl1pPr algn="r">
+              <a:defRPr sz="1200"/>
+            </a:lvl1pPr>
+          </a:lstStyle>
+          <a:p>
+            <a:fld id="{0F9B84EA-7D68-4D60-9CB1-D50884785D1C}" type="datetimeFigureOut">
+              <a:rPr lang="zh-CN" altLang="en-US" smtClean="0"/>
+            </a:fld>
+            <a:endParaRPr lang="zh-CN" altLang="en-US"/>
+          </a:p>
+        </p:txBody>
+      </p:sp>
+      <p:sp>
+        <p:nvSpPr>
+          <p:cNvPr id="4" name="页脚占位符 3"/>
+          <p:cNvSpPr>
+            <a:spLocks noGrp="1"/>
+          </p:cNvSpPr>
+          <p:nvPr>
+            <p:ph type="ftr" sz="quarter" idx="2"/>
+          </p:nvPr>
+        </p:nvSpPr>
+        <p:spPr>
+          <a:xfrm>
+            <a:off x="0" y="8685213"/>
+            <a:ext cx="2971800" cy="458787"/>
+          </a:xfrm>
+          <a:prstGeom prst="rect">
+            <a:avLst/>
+          </a:prstGeom>
+        </p:spPr>
+        <p:txBody>
+          <a:bodyPr vert="horz" lIns="91440" tIns="45720" rIns="91440" bIns="45720" rtlCol="0" anchor="b"/>
+          <a:lstStyle>
+            <a:lvl1pPr algn="l">
+              <a:defRPr sz="1200"/>
+            </a:lvl1pPr>
+          </a:lstStyle>
+          <a:p>
+            <a:endParaRPr lang="zh-CN" altLang="en-US"/>
+          </a:p>
+        </p:txBody>
+      </p:sp>
+      <p:sp>
+        <p:nvSpPr>
+          <p:cNvPr id="5" name="灯片编号占位符 4"/>
+          <p:cNvSpPr>
+            <a:spLocks noGrp="1"/>
+          </p:cNvSpPr>
+          <p:nvPr>
+            <p:ph type="sldNum" sz="quarter" idx="3"/>
+          </p:nvPr>
+        </p:nvSpPr>
+        <p:spPr>
+          <a:xfrm>
+            <a:off x="3884613" y="8685213"/>
+            <a:ext cx="2971800" cy="458787"/>
+          </a:xfrm>
+          <a:prstGeom prst="rect">
+            <a:avLst/>
+          </a:prstGeom>
+        </p:spPr>
+        <p:txBody>
+          <a:bodyPr vert="horz" lIns="91440" tIns="45720" rIns="91440" bIns="45720" rtlCol="0" anchor="b"/>
+          <a:lstStyle>
+            <a:lvl1pPr algn="r">
+              <a:defRPr sz="1200"/>
+            </a:lvl1pPr>
+          </a:lstStyle>
+          <a:p>
+            <a:fld id="{8D4E0FC9-F1F8-4FAE-9988-3BA365CFD46F}" type="slidenum">
+              <a:rPr lang="zh-CN" altLang="en-US" smtClean="0"/>
+            </a:fld>
+            <a:endParaRPr lang="zh-CN" altLang="en-US"/>
+          </a:p>
+        </p:txBody>
+      </p:sp>
+    </p:spTree>
+  </p:cSld>
+  <p:clrMap bg1="lt1" tx1="dk1" bg2="lt2" tx2="dk2" accent1="accent1" accent2="accent2" accent3="accent3" accent4="accent4" accent5="accent5" accent6="accent6" hlink="hlink" folHlink="folHlink"/>
+</p:handoutMaster>
+</file>
+
+<file path=ppt/notesMasters/notesMaster1.xml><?xml version="1.0" encoding="utf-8"?>
+<p:notesMaster xmlns:a="http://schemas.openxmlformats.org/drawingml/2006/main" xmlns:r="http://schemas.openxmlformats.org/officeDocument/2006/relationships" xmlns:p="http://schemas.openxmlformats.org/presentationml/2006/main">
+  <p:cSld>
+    <p:bg>
+      <p:bgRef idx="1001">
+        <a:schemeClr val="bg1"/>
+      </p:bgRef>
+    </p:bg>
+    <p:spTree>
+      <p:nvGrpSpPr>
+        <p:cNvPr id="1" name=""/>
+        <p:cNvGrpSpPr/>
+        <p:nvPr/>
+      </p:nvGrpSpPr>
+      <p:grpSpPr>
+        <a:xfrm>
+          <a:off x="0" y="0"/>
+          <a:ext cx="0" cy="0"/>
+          <a:chOff x="0" y="0"/>
+          <a:chExt cx="0" cy="0"/>
+        </a:xfrm>
+      </p:grpSpPr>
+      <p:sp>
+        <p:nvSpPr>
+          <p:cNvPr id="2" name="页眉占位符 1"/>
+          <p:cNvSpPr>
+            <a:spLocks noGrp="1"/>
+          </p:cNvSpPr>
+          <p:nvPr>
+            <p:ph type="hdr" sz="quarter"/>
+          </p:nvPr>
+        </p:nvSpPr>
+        <p:spPr>
+          <a:xfrm>
+            <a:off x="0" y="0"/>
+            <a:ext cx="2971800" cy="458788"/>
+          </a:xfrm>
+          <a:prstGeom prst="rect">
+            <a:avLst/>
+          </a:prstGeom>
+        </p:spPr>
+        <p:txBody>
+          <a:bodyPr vert="horz" lIns="91440" tIns="45720" rIns="91440" bIns="45720" rtlCol="0"/>
+          <a:lstStyle>
+            <a:lvl1pPr algn="l">
+              <a:defRPr sz="1200"/>
+            </a:lvl1pPr>
+          </a:lstStyle>
+          <a:p>
+            <a:endParaRPr lang="zh-CN" altLang="en-US"/>
+          </a:p>
+        </p:txBody>
+      </p:sp>
+      <p:sp>
+        <p:nvSpPr>
+          <p:cNvPr id="3" name="日期占位符 2"/>
+          <p:cNvSpPr>
+            <a:spLocks noGrp="1"/>
+          </p:cNvSpPr>
+          <p:nvPr>
+            <p:ph type="dt" idx="1"/>
+          </p:nvPr>
+        </p:nvSpPr>
+        <p:spPr>
+          <a:xfrm>
+            <a:off x="3884613" y="0"/>
+            <a:ext cx="2971800" cy="458788"/>
+          </a:xfrm>
+          <a:prstGeom prst="rect">
+            <a:avLst/>
+          </a:prstGeom>
+        </p:spPr>
+        <p:txBody>
+          <a:bodyPr vert="horz" lIns="91440" tIns="45720" rIns="91440" bIns="45720" rtlCol="0"/>
+          <a:lstStyle>
+            <a:lvl1pPr algn="r">
+              <a:defRPr sz="1200"/>
+            </a:lvl1pPr>
+          </a:lstStyle>
+          <a:p>
+            <a:fld id="{D2A48B96-639E-45A3-A0BA-2464DFDB1FAA}" type="datetimeFigureOut">
+              <a:rPr lang="zh-CN" altLang="en-US" smtClean="0"/>
+            </a:fld>
+            <a:endParaRPr lang="zh-CN" altLang="en-US"/>
+          </a:p>
+        </p:txBody>
+      </p:sp>
+      <p:sp>
+        <p:nvSpPr>
+          <p:cNvPr id="4" name="幻灯片图像占位符 3"/>
+          <p:cNvSpPr>
+            <a:spLocks noGrp="1" noRot="1" noChangeAspect="1"/>
+          </p:cNvSpPr>
+          <p:nvPr>
+            <p:ph type="sldImg" idx="2"/>
+          </p:nvPr>
+        </p:nvSpPr>
+        <p:spPr>
+          <a:xfrm>
+            <a:off x="685800" y="1143000"/>
+            <a:ext cx="5486400" cy="3086100"/>
+          </a:xfrm>
+          <a:prstGeom prst="rect">
+            <a:avLst/>
+          </a:prstGeom>
+          <a:noFill/>
+          <a:ln w="12700">
+            <a:solidFill>
+              <a:prstClr val="black"/>
+            </a:solidFill>
+          </a:ln>
+        </p:spPr>
+        <p:txBody>
+          <a:bodyPr vert="horz" lIns="91440" tIns="45720" rIns="91440" bIns="45720" rtlCol="0" anchor="ctr"/>
+          <a:lstStyle/>
+          <a:p>
+            <a:endParaRPr lang="zh-CN" altLang="en-US"/>
+          </a:p>
+        </p:txBody>
+      </p:sp>
+      <p:sp>
+        <p:nvSpPr>
+          <p:cNvPr id="5" name="备注占位符 4"/>
+          <p:cNvSpPr>
+            <a:spLocks noGrp="1"/>
+          </p:cNvSpPr>
+          <p:nvPr>
+            <p:ph type="body" sz="quarter" idx="3"/>
+          </p:nvPr>
+        </p:nvSpPr>
+        <p:spPr>
+          <a:xfrm>
+            <a:off x="685800" y="4400550"/>
+            <a:ext cx="5486400" cy="3600450"/>
+          </a:xfrm>
+          <a:prstGeom prst="rect">
+            <a:avLst/>
+          </a:prstGeom>
+        </p:spPr>
+        <p:txBody>
+          <a:bodyPr vert="horz" lIns="91440" tIns="45720" rIns="91440" bIns="45720" rtlCol="0"/>
+          <a:lstStyle/>
+          <a:p>
+            <a:pPr lvl="0"/>
+            <a:r>
+              <a:rPr lang="zh-CN" altLang="en-US" smtClean="0"/>
+              <a:t>单击此处编辑母版文本样式</a:t>
+            </a:r>
+            <a:endParaRPr lang="zh-CN" altLang="en-US" smtClean="0"/>
+          </a:p>
+          <a:p>
+            <a:pPr lvl="1"/>
+            <a:r>
+              <a:rPr lang="zh-CN" altLang="en-US" smtClean="0"/>
+              <a:t>第二级</a:t>
+            </a:r>
+            <a:endParaRPr lang="zh-CN" altLang="en-US" smtClean="0"/>
+          </a:p>
+          <a:p>
+            <a:pPr lvl="2"/>
+            <a:r>
+              <a:rPr lang="zh-CN" altLang="en-US" smtClean="0"/>
+              <a:t>第三级</a:t>
+            </a:r>
+            <a:endParaRPr lang="zh-CN" altLang="en-US" smtClean="0"/>
+          </a:p>
+          <a:p>
+            <a:pPr lvl="3"/>
+            <a:r>
+              <a:rPr lang="zh-CN" altLang="en-US" smtClean="0"/>
+              <a:t>第四级</a:t>
+            </a:r>
+            <a:endParaRPr lang="zh-CN" altLang="en-US" smtClean="0"/>
+          </a:p>
+          <a:p>
+            <a:pPr lvl="4"/>
+            <a:r>
+              <a:rPr lang="zh-CN" altLang="en-US" smtClean="0"/>
+              <a:t>第五级</a:t>
+            </a:r>
+            <a:endParaRPr lang="zh-CN" altLang="en-US"/>
+          </a:p>
+        </p:txBody>
+      </p:sp>
+      <p:sp>
+        <p:nvSpPr>
+          <p:cNvPr id="6" name="页脚占位符 5"/>
+          <p:cNvSpPr>
+            <a:spLocks noGrp="1"/>
+          </p:cNvSpPr>
+          <p:nvPr>
+            <p:ph type="ftr" sz="quarter" idx="4"/>
+          </p:nvPr>
+        </p:nvSpPr>
+        <p:spPr>
+          <a:xfrm>
+            <a:off x="0" y="8685213"/>
+            <a:ext cx="2971800" cy="458787"/>
+          </a:xfrm>
+          <a:prstGeom prst="rect">
+            <a:avLst/>
+          </a:prstGeom>
+        </p:spPr>
+        <p:txBody>
+          <a:bodyPr vert="horz" lIns="91440" tIns="45720" rIns="91440" bIns="45720" rtlCol="0" anchor="b"/>
+          <a:lstStyle>
+            <a:lvl1pPr algn="l">
+              <a:defRPr sz="1200"/>
+            </a:lvl1pPr>
+          </a:lstStyle>
+          <a:p>
+            <a:endParaRPr lang="zh-CN" altLang="en-US"/>
+          </a:p>
+        </p:txBody>
+      </p:sp>
+      <p:sp>
+        <p:nvSpPr>
+          <p:cNvPr id="7" name="灯片编号占位符 6"/>
+          <p:cNvSpPr>
+            <a:spLocks noGrp="1"/>
+          </p:cNvSpPr>
+          <p:nvPr>
+            <p:ph type="sldNum" sz="quarter" idx="5"/>
+          </p:nvPr>
+        </p:nvSpPr>
+        <p:spPr>
+          <a:xfrm>
+            <a:off x="3884613" y="8685213"/>
+            <a:ext cx="2971800" cy="458787"/>
+          </a:xfrm>
+          <a:prstGeom prst="rect">
+            <a:avLst/>
+          </a:prstGeom>
+        </p:spPr>
+        <p:txBody>
+          <a:bodyPr vert="horz" lIns="91440" tIns="45720" rIns="91440" bIns="45720" rtlCol="0" anchor="b"/>
+          <a:lstStyle>
+            <a:lvl1pPr algn="r">
+              <a:defRPr sz="1200"/>
+            </a:lvl1pPr>
+          </a:lstStyle>
+          <a:p>
+            <a:fld id="{A6837353-30EB-4A48-80EB-173D804AEFBD}" type="slidenum">
+              <a:rPr lang="zh-CN" altLang="en-US" smtClean="0"/>
+            </a:fld>
+            <a:endParaRPr lang="zh-CN" altLang="en-US"/>
+          </a:p>
+        </p:txBody>
+      </p:sp>
+    </p:spTree>
+  </p:cSld>
+  <p:clrMap bg1="lt1" tx1="dk1" bg2="lt2" tx2="dk2" accent1="accent1" accent2="accent2" accent3="accent3" accent4="accent4" accent5="accent5" accent6="accent6" hlink="hlink" folHlink="folHlink"/>
+  <p:notesStyle>
+    <a:lvl1pPr marL="0" algn="l" defTabSz="914400" rtl="0" eaLnBrk="1" latinLnBrk="0" hangingPunct="1">
+      <a:defRPr sz="1200" kern="1200">
+        <a:solidFill>
+          <a:schemeClr val="tx1"/>
+        </a:solidFill>
+        <a:latin typeface="+mn-lt"/>
+        <a:ea typeface="+mn-ea"/>
+        <a:cs typeface="+mn-cs"/>
+      </a:defRPr>
+    </a:lvl1pPr>
+    <a:lvl2pPr marL="457200" algn="l" defTabSz="914400" rtl="0" eaLnBrk="1" latinLnBrk="0" hangingPunct="1">
+      <a:defRPr sz="1200" kern="1200">
+        <a:solidFill>
+          <a:schemeClr val="tx1"/>
+        </a:solidFill>
+        <a:latin typeface="+mn-lt"/>
+        <a:ea typeface="+mn-ea"/>
+        <a:cs typeface="+mn-cs"/>
+      </a:defRPr>
+    </a:lvl2pPr>
+    <a:lvl3pPr marL="914400" algn="l" defTabSz="914400" rtl="0" eaLnBrk="1" latinLnBrk="0" hangingPunct="1">
+      <a:defRPr sz="1200" kern="1200">
+        <a:solidFill>
+          <a:schemeClr val="tx1"/>
+        </a:solidFill>
+        <a:latin typeface="+mn-lt"/>
+        <a:ea typeface="+mn-ea"/>
+        <a:cs typeface="+mn-cs"/>
+      </a:defRPr>
+    </a:lvl3pPr>
+    <a:lvl4pPr marL="1371600" algn="l" defTabSz="914400" rtl="0" eaLnBrk="1" latinLnBrk="0" hangingPunct="1">
+      <a:defRPr sz="1200" kern="1200">
+        <a:solidFill>
+          <a:schemeClr val="tx1"/>
+        </a:solidFill>
+        <a:latin typeface="+mn-lt"/>
+        <a:ea typeface="+mn-ea"/>
+        <a:cs typeface="+mn-cs"/>
+      </a:defRPr>
+    </a:lvl4pPr>
+    <a:lvl5pPr marL="1828800" algn="l" defTabSz="914400" rtl="0" eaLnBrk="1" latinLnBrk="0" hangingPunct="1">
+      <a:defRPr sz="1200" kern="1200">
+        <a:solidFill>
+          <a:schemeClr val="tx1"/>
+        </a:solidFill>
+        <a:latin typeface="+mn-lt"/>
+        <a:ea typeface="+mn-ea"/>
+        <a:cs typeface="+mn-cs"/>
+      </a:defRPr>
+    </a:lvl5pPr>
+    <a:lvl6pPr marL="2286000" algn="l" defTabSz="914400" rtl="0" eaLnBrk="1" latinLnBrk="0" hangingPunct="1">
+      <a:defRPr sz="1200" kern="1200">
+        <a:solidFill>
+          <a:schemeClr val="tx1"/>
+        </a:solidFill>
+        <a:latin typeface="+mn-lt"/>
+        <a:ea typeface="+mn-ea"/>
+        <a:cs typeface="+mn-cs"/>
+      </a:defRPr>
+    </a:lvl6pPr>
+    <a:lvl7pPr marL="2743200" algn="l" defTabSz="914400" rtl="0" eaLnBrk="1" latinLnBrk="0" hangingPunct="1">
+      <a:defRPr sz="1200" kern="1200">
+        <a:solidFill>
+          <a:schemeClr val="tx1"/>
+        </a:solidFill>
+        <a:latin typeface="+mn-lt"/>
+        <a:ea typeface="+mn-ea"/>
+        <a:cs typeface="+mn-cs"/>
+      </a:defRPr>
+    </a:lvl7pPr>
+    <a:lvl8pPr marL="3200400" algn="l" defTabSz="914400" rtl="0" eaLnBrk="1" latinLnBrk="0" hangingPunct="1">
+      <a:defRPr sz="1200" kern="1200">
+        <a:solidFill>
+          <a:schemeClr val="tx1"/>
+        </a:solidFill>
+        <a:latin typeface="+mn-lt"/>
+        <a:ea typeface="+mn-ea"/>
+        <a:cs typeface="+mn-cs"/>
+      </a:defRPr>
+    </a:lvl8pPr>
+    <a:lvl9pPr marL="3657600" algn="l" defTabSz="914400" rtl="0" eaLnBrk="1" latinLnBrk="0" hangingPunct="1">
+      <a:defRPr sz="1200" kern="1200">
+        <a:solidFill>
+          <a:schemeClr val="tx1"/>
+        </a:solidFill>
+        <a:latin typeface="+mn-lt"/>
+        <a:ea typeface="+mn-ea"/>
+        <a:cs typeface="+mn-cs"/>
+      </a:defRPr>
+    </a:lvl9pPr>
+  </p:notesStyle>
+</p:notesMaster>
 </file>
 
 <file path=ppt/slideLayouts/slideLayout1.xml><?xml version="1.0" encoding="utf-8"?>
@@ -5379,6 +5892,1339 @@
 </p:sld>
 </file>
 
+<file path=ppt/slides/slide10.xml><?xml version="1.0" encoding="utf-8"?>
+<p:sld xmlns:a="http://schemas.openxmlformats.org/drawingml/2006/main" xmlns:r="http://schemas.openxmlformats.org/officeDocument/2006/relationships" xmlns:p="http://schemas.openxmlformats.org/presentationml/2006/main">
+  <p:cSld>
+    <p:spTree>
+      <p:nvGrpSpPr>
+        <p:cNvPr id="1" name=""/>
+        <p:cNvGrpSpPr/>
+        <p:nvPr/>
+      </p:nvGrpSpPr>
+      <p:grpSpPr/>
+      <p:sp>
+        <p:nvSpPr>
+          <p:cNvPr id="42" name="矩形 41"/>
+          <p:cNvSpPr/>
+          <p:nvPr/>
+        </p:nvSpPr>
+        <p:spPr>
+          <a:xfrm>
+            <a:off x="6882765" y="4430395"/>
+            <a:ext cx="2062480" cy="1359535"/>
+          </a:xfrm>
+          <a:prstGeom prst="rect">
+            <a:avLst/>
+          </a:prstGeom>
+          <a:solidFill>
+            <a:schemeClr val="bg1"/>
+          </a:solidFill>
+          <a:ln w="12700" cmpd="sng">
+            <a:solidFill>
+              <a:schemeClr val="accent1">
+                <a:shade val="50000"/>
+              </a:schemeClr>
+            </a:solidFill>
+            <a:prstDash val="sysDot"/>
+          </a:ln>
+        </p:spPr>
+        <p:style>
+          <a:lnRef idx="2">
+            <a:schemeClr val="accent1">
+              <a:lumMod val="75000"/>
+            </a:schemeClr>
+          </a:lnRef>
+          <a:fillRef idx="1">
+            <a:schemeClr val="accent1"/>
+          </a:fillRef>
+          <a:effectRef idx="0">
+            <a:srgbClr val="FFFFFF"/>
+          </a:effectRef>
+          <a:fontRef idx="minor">
+            <a:schemeClr val="lt1"/>
+          </a:fontRef>
+        </p:style>
+        <p:txBody>
+          <a:bodyPr rtlCol="0" anchor="ctr"/>
+          <a:p>
+            <a:pPr algn="ctr"/>
+            <a:endParaRPr lang="zh-CN" altLang="en-US"/>
+          </a:p>
+        </p:txBody>
+      </p:sp>
+      <p:sp>
+        <p:nvSpPr>
+          <p:cNvPr id="41" name="矩形 40"/>
+          <p:cNvSpPr/>
+          <p:nvPr/>
+        </p:nvSpPr>
+        <p:spPr>
+          <a:xfrm>
+            <a:off x="2001520" y="4566920"/>
+            <a:ext cx="2062480" cy="705485"/>
+          </a:xfrm>
+          <a:prstGeom prst="rect">
+            <a:avLst/>
+          </a:prstGeom>
+          <a:solidFill>
+            <a:schemeClr val="bg1"/>
+          </a:solidFill>
+          <a:ln w="12700" cmpd="sng">
+            <a:solidFill>
+              <a:schemeClr val="accent1">
+                <a:shade val="50000"/>
+              </a:schemeClr>
+            </a:solidFill>
+            <a:prstDash val="sysDot"/>
+          </a:ln>
+        </p:spPr>
+        <p:style>
+          <a:lnRef idx="2">
+            <a:schemeClr val="accent1">
+              <a:lumMod val="75000"/>
+            </a:schemeClr>
+          </a:lnRef>
+          <a:fillRef idx="1">
+            <a:schemeClr val="accent1"/>
+          </a:fillRef>
+          <a:effectRef idx="0">
+            <a:srgbClr val="FFFFFF"/>
+          </a:effectRef>
+          <a:fontRef idx="minor">
+            <a:schemeClr val="lt1"/>
+          </a:fontRef>
+        </p:style>
+        <p:txBody>
+          <a:bodyPr rtlCol="0" anchor="ctr"/>
+          <a:p>
+            <a:pPr algn="ctr"/>
+            <a:endParaRPr lang="zh-CN" altLang="en-US"/>
+          </a:p>
+        </p:txBody>
+      </p:sp>
+      <p:sp>
+        <p:nvSpPr>
+          <p:cNvPr id="12" name="矩形 11"/>
+          <p:cNvSpPr/>
+          <p:nvPr/>
+        </p:nvSpPr>
+        <p:spPr>
+          <a:xfrm>
+            <a:off x="2002155" y="2795905"/>
+            <a:ext cx="2062480" cy="1062355"/>
+          </a:xfrm>
+          <a:prstGeom prst="rect">
+            <a:avLst/>
+          </a:prstGeom>
+          <a:solidFill>
+            <a:schemeClr val="bg1"/>
+          </a:solidFill>
+          <a:ln w="12700" cmpd="sng">
+            <a:solidFill>
+              <a:schemeClr val="accent1">
+                <a:shade val="50000"/>
+              </a:schemeClr>
+            </a:solidFill>
+            <a:prstDash val="sysDot"/>
+          </a:ln>
+        </p:spPr>
+        <p:style>
+          <a:lnRef idx="2">
+            <a:schemeClr val="accent1">
+              <a:lumMod val="75000"/>
+            </a:schemeClr>
+          </a:lnRef>
+          <a:fillRef idx="1">
+            <a:schemeClr val="accent1"/>
+          </a:fillRef>
+          <a:effectRef idx="0">
+            <a:srgbClr val="FFFFFF"/>
+          </a:effectRef>
+          <a:fontRef idx="minor">
+            <a:schemeClr val="lt1"/>
+          </a:fontRef>
+        </p:style>
+        <p:txBody>
+          <a:bodyPr rtlCol="0" anchor="ctr"/>
+          <a:p>
+            <a:pPr algn="ctr"/>
+            <a:endParaRPr lang="zh-CN" altLang="en-US"/>
+          </a:p>
+        </p:txBody>
+      </p:sp>
+      <p:pic>
+        <p:nvPicPr>
+          <p:cNvPr id="3" name="图片 2" descr="hppt"/>
+          <p:cNvPicPr>
+            <a:picLocks noChangeAspect="1"/>
+          </p:cNvPicPr>
+          <p:nvPr/>
+        </p:nvPicPr>
+        <p:blipFill>
+          <a:blip r:embed="rId1"/>
+          <a:stretch>
+            <a:fillRect/>
+          </a:stretch>
+        </p:blipFill>
+        <p:spPr>
+          <a:xfrm>
+            <a:off x="5262245" y="3481705"/>
+            <a:ext cx="519430" cy="570865"/>
+          </a:xfrm>
+          <a:prstGeom prst="rect">
+            <a:avLst/>
+          </a:prstGeom>
+        </p:spPr>
+      </p:pic>
+      <p:pic>
+        <p:nvPicPr>
+          <p:cNvPr id="5" name="图片 4" descr="数据库"/>
+          <p:cNvPicPr>
+            <a:picLocks noChangeAspect="1"/>
+          </p:cNvPicPr>
+          <p:nvPr/>
+        </p:nvPicPr>
+        <p:blipFill>
+          <a:blip r:embed="rId2">
+            <a:extLst>
+              <a:ext uri="{96DAC541-7B7A-43D3-8B79-37D633B846F1}">
+                <asvg:svgBlip xmlns:asvg="http://schemas.microsoft.com/office/drawing/2016/SVG/main" r:embed="rId3"/>
+              </a:ext>
+            </a:extLst>
+          </a:blip>
+          <a:stretch>
+            <a:fillRect/>
+          </a:stretch>
+        </p:blipFill>
+        <p:spPr>
+          <a:xfrm>
+            <a:off x="3474085" y="2878455"/>
+            <a:ext cx="414655" cy="414655"/>
+          </a:xfrm>
+          <a:prstGeom prst="rect">
+            <a:avLst/>
+          </a:prstGeom>
+        </p:spPr>
+      </p:pic>
+      <p:pic>
+        <p:nvPicPr>
+          <p:cNvPr id="6" name="图片 5" descr="服务器"/>
+          <p:cNvPicPr>
+            <a:picLocks noChangeAspect="1"/>
+          </p:cNvPicPr>
+          <p:nvPr/>
+        </p:nvPicPr>
+        <p:blipFill>
+          <a:blip r:embed="rId4">
+            <a:extLst>
+              <a:ext uri="{96DAC541-7B7A-43D3-8B79-37D633B846F1}">
+                <asvg:svgBlip xmlns:asvg="http://schemas.microsoft.com/office/drawing/2016/SVG/main" r:embed="rId5"/>
+              </a:ext>
+            </a:extLst>
+          </a:blip>
+          <a:stretch>
+            <a:fillRect/>
+          </a:stretch>
+        </p:blipFill>
+        <p:spPr>
+          <a:xfrm>
+            <a:off x="2077720" y="2855595"/>
+            <a:ext cx="437515" cy="437515"/>
+          </a:xfrm>
+          <a:prstGeom prst="rect">
+            <a:avLst/>
+          </a:prstGeom>
+        </p:spPr>
+      </p:pic>
+      <p:pic>
+        <p:nvPicPr>
+          <p:cNvPr id="8" name="图片 7" descr="远程连接用户"/>
+          <p:cNvPicPr>
+            <a:picLocks noChangeAspect="1"/>
+          </p:cNvPicPr>
+          <p:nvPr/>
+        </p:nvPicPr>
+        <p:blipFill>
+          <a:blip r:embed="rId6">
+            <a:extLst>
+              <a:ext uri="{96DAC541-7B7A-43D3-8B79-37D633B846F1}">
+                <asvg:svgBlip xmlns:asvg="http://schemas.microsoft.com/office/drawing/2016/SVG/main" r:embed="rId7"/>
+              </a:ext>
+            </a:extLst>
+          </a:blip>
+          <a:stretch>
+            <a:fillRect/>
+          </a:stretch>
+        </p:blipFill>
+        <p:spPr>
+          <a:xfrm>
+            <a:off x="2628265" y="4567555"/>
+            <a:ext cx="539750" cy="539750"/>
+          </a:xfrm>
+          <a:prstGeom prst="rect">
+            <a:avLst/>
+          </a:prstGeom>
+        </p:spPr>
+      </p:pic>
+      <p:pic>
+        <p:nvPicPr>
+          <p:cNvPr id="9" name="图片 8"/>
+          <p:cNvPicPr>
+            <a:picLocks noChangeAspect="1"/>
+          </p:cNvPicPr>
+          <p:nvPr/>
+        </p:nvPicPr>
+        <p:blipFill>
+          <a:blip r:embed="rId8"/>
+          <a:stretch>
+            <a:fillRect/>
+          </a:stretch>
+        </p:blipFill>
+        <p:spPr>
+          <a:xfrm>
+            <a:off x="2628265" y="3332480"/>
+            <a:ext cx="702945" cy="511175"/>
+          </a:xfrm>
+          <a:prstGeom prst="rect">
+            <a:avLst/>
+          </a:prstGeom>
+        </p:spPr>
+      </p:pic>
+      <p:sp>
+        <p:nvSpPr>
+          <p:cNvPr id="11" name="上下箭头 10"/>
+          <p:cNvSpPr/>
+          <p:nvPr/>
+        </p:nvSpPr>
+        <p:spPr>
+          <a:xfrm>
+            <a:off x="2960370" y="3885565"/>
+            <a:ext cx="75565" cy="661035"/>
+          </a:xfrm>
+          <a:prstGeom prst="upDownArrow">
+            <a:avLst/>
+          </a:prstGeom>
+        </p:spPr>
+        <p:style>
+          <a:lnRef idx="2">
+            <a:schemeClr val="accent1">
+              <a:lumMod val="75000"/>
+            </a:schemeClr>
+          </a:lnRef>
+          <a:fillRef idx="1">
+            <a:schemeClr val="accent1"/>
+          </a:fillRef>
+          <a:effectRef idx="0">
+            <a:srgbClr val="FFFFFF"/>
+          </a:effectRef>
+          <a:fontRef idx="minor">
+            <a:schemeClr val="lt1"/>
+          </a:fontRef>
+        </p:style>
+        <p:txBody>
+          <a:bodyPr rtlCol="0" anchor="ctr"/>
+          <a:p>
+            <a:pPr algn="ctr"/>
+            <a:endParaRPr lang="zh-CN" altLang="en-US"/>
+          </a:p>
+        </p:txBody>
+      </p:sp>
+      <p:sp>
+        <p:nvSpPr>
+          <p:cNvPr id="13" name="文本框 12"/>
+          <p:cNvSpPr txBox="1"/>
+          <p:nvPr/>
+        </p:nvSpPr>
+        <p:spPr>
+          <a:xfrm>
+            <a:off x="2077720" y="3325495"/>
+            <a:ext cx="727075" cy="229870"/>
+          </a:xfrm>
+          <a:prstGeom prst="rect">
+            <a:avLst/>
+          </a:prstGeom>
+          <a:noFill/>
+        </p:spPr>
+        <p:txBody>
+          <a:bodyPr wrap="square" rtlCol="0">
+            <a:spAutoFit/>
+          </a:bodyPr>
+          <a:p>
+            <a:r>
+              <a:rPr lang="en-US" altLang="zh-CN" sz="900"/>
+              <a:t>SSH</a:t>
+            </a:r>
+            <a:endParaRPr lang="en-US" altLang="zh-CN" sz="900"/>
+          </a:p>
+        </p:txBody>
+      </p:sp>
+      <p:sp>
+        <p:nvSpPr>
+          <p:cNvPr id="14" name="文本框 13"/>
+          <p:cNvSpPr txBox="1"/>
+          <p:nvPr/>
+        </p:nvSpPr>
+        <p:spPr>
+          <a:xfrm>
+            <a:off x="3496945" y="3293110"/>
+            <a:ext cx="727075" cy="229870"/>
+          </a:xfrm>
+          <a:prstGeom prst="rect">
+            <a:avLst/>
+          </a:prstGeom>
+          <a:noFill/>
+        </p:spPr>
+        <p:txBody>
+          <a:bodyPr wrap="square" rtlCol="0">
+            <a:spAutoFit/>
+          </a:bodyPr>
+          <a:p>
+            <a:r>
+              <a:rPr lang="en-US" altLang="zh-CN" sz="900"/>
+              <a:t>DB</a:t>
+            </a:r>
+            <a:endParaRPr lang="en-US" altLang="zh-CN" sz="900"/>
+          </a:p>
+        </p:txBody>
+      </p:sp>
+      <p:sp>
+        <p:nvSpPr>
+          <p:cNvPr id="15" name="加号 14"/>
+          <p:cNvSpPr/>
+          <p:nvPr/>
+        </p:nvSpPr>
+        <p:spPr>
+          <a:xfrm>
+            <a:off x="4286885" y="3522980"/>
+            <a:ext cx="523875" cy="529590"/>
+          </a:xfrm>
+          <a:prstGeom prst="mathPlus">
+            <a:avLst/>
+          </a:prstGeom>
+          <a:solidFill>
+            <a:schemeClr val="accent2"/>
+          </a:solidFill>
+        </p:spPr>
+        <p:style>
+          <a:lnRef idx="2">
+            <a:schemeClr val="accent1">
+              <a:lumMod val="75000"/>
+            </a:schemeClr>
+          </a:lnRef>
+          <a:fillRef idx="1">
+            <a:schemeClr val="accent1"/>
+          </a:fillRef>
+          <a:effectRef idx="0">
+            <a:srgbClr val="FFFFFF"/>
+          </a:effectRef>
+          <a:fontRef idx="minor">
+            <a:schemeClr val="lt1"/>
+          </a:fontRef>
+        </p:style>
+        <p:txBody>
+          <a:bodyPr rtlCol="0" anchor="ctr"/>
+          <a:p>
+            <a:pPr algn="ctr"/>
+            <a:endParaRPr lang="zh-CN" altLang="en-US"/>
+          </a:p>
+        </p:txBody>
+      </p:sp>
+      <p:sp>
+        <p:nvSpPr>
+          <p:cNvPr id="16" name="等于号 15"/>
+          <p:cNvSpPr/>
+          <p:nvPr/>
+        </p:nvSpPr>
+        <p:spPr>
+          <a:xfrm>
+            <a:off x="6033135" y="3641725"/>
+            <a:ext cx="654685" cy="309245"/>
+          </a:xfrm>
+          <a:prstGeom prst="mathEqual">
+            <a:avLst/>
+          </a:prstGeom>
+          <a:solidFill>
+            <a:schemeClr val="accent2"/>
+          </a:solidFill>
+        </p:spPr>
+        <p:style>
+          <a:lnRef idx="2">
+            <a:schemeClr val="accent1">
+              <a:lumMod val="75000"/>
+            </a:schemeClr>
+          </a:lnRef>
+          <a:fillRef idx="1">
+            <a:schemeClr val="accent1"/>
+          </a:fillRef>
+          <a:effectRef idx="0">
+            <a:srgbClr val="FFFFFF"/>
+          </a:effectRef>
+          <a:fontRef idx="minor">
+            <a:schemeClr val="lt1"/>
+          </a:fontRef>
+        </p:style>
+        <p:txBody>
+          <a:bodyPr rtlCol="0" anchor="ctr"/>
+          <a:p>
+            <a:pPr algn="ctr"/>
+            <a:endParaRPr lang="zh-CN" altLang="en-US">
+              <a:solidFill>
+                <a:schemeClr val="tx1"/>
+              </a:solidFill>
+            </a:endParaRPr>
+          </a:p>
+        </p:txBody>
+      </p:sp>
+      <p:sp>
+        <p:nvSpPr>
+          <p:cNvPr id="17" name="矩形 16"/>
+          <p:cNvSpPr/>
+          <p:nvPr/>
+        </p:nvSpPr>
+        <p:spPr>
+          <a:xfrm>
+            <a:off x="1939290" y="2536825"/>
+            <a:ext cx="2174875" cy="2884170"/>
+          </a:xfrm>
+          <a:prstGeom prst="rect">
+            <a:avLst/>
+          </a:prstGeom>
+          <a:noFill/>
+          <a:ln w="12700" cmpd="sng">
+            <a:solidFill>
+              <a:schemeClr val="accent1">
+                <a:shade val="50000"/>
+              </a:schemeClr>
+            </a:solidFill>
+            <a:prstDash val="solid"/>
+          </a:ln>
+          <a:effectLst>
+            <a:outerShdw blurRad="50800" dist="38100" dir="2700000" algn="tl" rotWithShape="0">
+              <a:prstClr val="black">
+                <a:alpha val="40000"/>
+              </a:prstClr>
+            </a:outerShdw>
+          </a:effectLst>
+        </p:spPr>
+        <p:style>
+          <a:lnRef idx="2">
+            <a:schemeClr val="accent1">
+              <a:lumMod val="75000"/>
+            </a:schemeClr>
+          </a:lnRef>
+          <a:fillRef idx="1">
+            <a:schemeClr val="accent1"/>
+          </a:fillRef>
+          <a:effectRef idx="0">
+            <a:srgbClr val="FFFFFF"/>
+          </a:effectRef>
+          <a:fontRef idx="minor">
+            <a:schemeClr val="lt1"/>
+          </a:fontRef>
+        </p:style>
+        <p:txBody>
+          <a:bodyPr rtlCol="0" anchor="ctr"/>
+          <a:p>
+            <a:pPr algn="ctr"/>
+            <a:endParaRPr lang="zh-CN" altLang="en-US"/>
+          </a:p>
+        </p:txBody>
+      </p:sp>
+      <p:sp>
+        <p:nvSpPr>
+          <p:cNvPr id="18" name="矩形 17"/>
+          <p:cNvSpPr/>
+          <p:nvPr/>
+        </p:nvSpPr>
+        <p:spPr>
+          <a:xfrm>
+            <a:off x="4916805" y="2536825"/>
+            <a:ext cx="1032510" cy="2884170"/>
+          </a:xfrm>
+          <a:prstGeom prst="rect">
+            <a:avLst/>
+          </a:prstGeom>
+          <a:noFill/>
+          <a:ln w="12700" cmpd="sng">
+            <a:solidFill>
+              <a:schemeClr val="accent1">
+                <a:shade val="50000"/>
+              </a:schemeClr>
+            </a:solidFill>
+            <a:prstDash val="solid"/>
+          </a:ln>
+          <a:effectLst>
+            <a:outerShdw blurRad="50800" dist="38100" dir="2700000" algn="tl" rotWithShape="0">
+              <a:prstClr val="black">
+                <a:alpha val="40000"/>
+              </a:prstClr>
+            </a:outerShdw>
+          </a:effectLst>
+        </p:spPr>
+        <p:style>
+          <a:lnRef idx="2">
+            <a:schemeClr val="accent1">
+              <a:lumMod val="75000"/>
+            </a:schemeClr>
+          </a:lnRef>
+          <a:fillRef idx="1">
+            <a:schemeClr val="accent1"/>
+          </a:fillRef>
+          <a:effectRef idx="0">
+            <a:srgbClr val="FFFFFF"/>
+          </a:effectRef>
+          <a:fontRef idx="minor">
+            <a:schemeClr val="lt1"/>
+          </a:fontRef>
+        </p:style>
+        <p:txBody>
+          <a:bodyPr rtlCol="0" anchor="ctr"/>
+          <a:p>
+            <a:pPr algn="ctr"/>
+            <a:endParaRPr lang="zh-CN" altLang="en-US"/>
+          </a:p>
+        </p:txBody>
+      </p:sp>
+      <p:sp>
+        <p:nvSpPr>
+          <p:cNvPr id="20" name="矩形 19"/>
+          <p:cNvSpPr/>
+          <p:nvPr/>
+        </p:nvSpPr>
+        <p:spPr>
+          <a:xfrm>
+            <a:off x="6882765" y="2424430"/>
+            <a:ext cx="2062480" cy="1484630"/>
+          </a:xfrm>
+          <a:prstGeom prst="rect">
+            <a:avLst/>
+          </a:prstGeom>
+          <a:solidFill>
+            <a:schemeClr val="bg1"/>
+          </a:solidFill>
+          <a:ln w="12700" cmpd="sng">
+            <a:solidFill>
+              <a:schemeClr val="accent1">
+                <a:shade val="50000"/>
+              </a:schemeClr>
+            </a:solidFill>
+            <a:prstDash val="sysDot"/>
+          </a:ln>
+        </p:spPr>
+        <p:style>
+          <a:lnRef idx="2">
+            <a:schemeClr val="accent1">
+              <a:lumMod val="75000"/>
+            </a:schemeClr>
+          </a:lnRef>
+          <a:fillRef idx="1">
+            <a:schemeClr val="accent1"/>
+          </a:fillRef>
+          <a:effectRef idx="0">
+            <a:srgbClr val="FFFFFF"/>
+          </a:effectRef>
+          <a:fontRef idx="minor">
+            <a:schemeClr val="lt1"/>
+          </a:fontRef>
+        </p:style>
+        <p:txBody>
+          <a:bodyPr rtlCol="0" anchor="ctr"/>
+          <a:p>
+            <a:pPr algn="ctr"/>
+            <a:endParaRPr lang="zh-CN" altLang="en-US"/>
+          </a:p>
+        </p:txBody>
+      </p:sp>
+      <p:pic>
+        <p:nvPicPr>
+          <p:cNvPr id="21" name="图片 20" descr="数据库"/>
+          <p:cNvPicPr>
+            <a:picLocks noChangeAspect="1"/>
+          </p:cNvPicPr>
+          <p:nvPr/>
+        </p:nvPicPr>
+        <p:blipFill>
+          <a:blip r:embed="rId2">
+            <a:extLst>
+              <a:ext uri="{96DAC541-7B7A-43D3-8B79-37D633B846F1}">
+                <asvg:svgBlip xmlns:asvg="http://schemas.microsoft.com/office/drawing/2016/SVG/main" r:embed="rId9"/>
+              </a:ext>
+            </a:extLst>
+          </a:blip>
+          <a:stretch>
+            <a:fillRect/>
+          </a:stretch>
+        </p:blipFill>
+        <p:spPr>
+          <a:xfrm>
+            <a:off x="8388985" y="2506980"/>
+            <a:ext cx="414655" cy="414655"/>
+          </a:xfrm>
+          <a:prstGeom prst="rect">
+            <a:avLst/>
+          </a:prstGeom>
+        </p:spPr>
+      </p:pic>
+      <p:pic>
+        <p:nvPicPr>
+          <p:cNvPr id="22" name="图片 21" descr="服务器"/>
+          <p:cNvPicPr>
+            <a:picLocks noChangeAspect="1"/>
+          </p:cNvPicPr>
+          <p:nvPr/>
+        </p:nvPicPr>
+        <p:blipFill>
+          <a:blip r:embed="rId4">
+            <a:extLst>
+              <a:ext uri="{96DAC541-7B7A-43D3-8B79-37D633B846F1}">
+                <asvg:svgBlip xmlns:asvg="http://schemas.microsoft.com/office/drawing/2016/SVG/main" r:embed="rId5"/>
+              </a:ext>
+            </a:extLst>
+          </a:blip>
+          <a:stretch>
+            <a:fillRect/>
+          </a:stretch>
+        </p:blipFill>
+        <p:spPr>
+          <a:xfrm>
+            <a:off x="6958330" y="2484120"/>
+            <a:ext cx="437515" cy="437515"/>
+          </a:xfrm>
+          <a:prstGeom prst="rect">
+            <a:avLst/>
+          </a:prstGeom>
+        </p:spPr>
+      </p:pic>
+      <p:pic>
+        <p:nvPicPr>
+          <p:cNvPr id="23" name="图片 22" descr="远程连接用户"/>
+          <p:cNvPicPr>
+            <a:picLocks noChangeAspect="1"/>
+          </p:cNvPicPr>
+          <p:nvPr/>
+        </p:nvPicPr>
+        <p:blipFill>
+          <a:blip r:embed="rId6">
+            <a:extLst>
+              <a:ext uri="{96DAC541-7B7A-43D3-8B79-37D633B846F1}">
+                <asvg:svgBlip xmlns:asvg="http://schemas.microsoft.com/office/drawing/2016/SVG/main" r:embed="rId10"/>
+              </a:ext>
+            </a:extLst>
+          </a:blip>
+          <a:stretch>
+            <a:fillRect/>
+          </a:stretch>
+        </p:blipFill>
+        <p:spPr>
+          <a:xfrm>
+            <a:off x="7680325" y="5353050"/>
+            <a:ext cx="431800" cy="431800"/>
+          </a:xfrm>
+          <a:prstGeom prst="rect">
+            <a:avLst/>
+          </a:prstGeom>
+        </p:spPr>
+      </p:pic>
+      <p:pic>
+        <p:nvPicPr>
+          <p:cNvPr id="24" name="图片 23"/>
+          <p:cNvPicPr>
+            <a:picLocks noChangeAspect="1"/>
+          </p:cNvPicPr>
+          <p:nvPr/>
+        </p:nvPicPr>
+        <p:blipFill>
+          <a:blip r:embed="rId8"/>
+          <a:stretch>
+            <a:fillRect/>
+          </a:stretch>
+        </p:blipFill>
+        <p:spPr>
+          <a:xfrm>
+            <a:off x="7534910" y="3335655"/>
+            <a:ext cx="702945" cy="511175"/>
+          </a:xfrm>
+          <a:prstGeom prst="rect">
+            <a:avLst/>
+          </a:prstGeom>
+        </p:spPr>
+      </p:pic>
+      <p:sp>
+        <p:nvSpPr>
+          <p:cNvPr id="25" name="上下箭头 24"/>
+          <p:cNvSpPr/>
+          <p:nvPr/>
+        </p:nvSpPr>
+        <p:spPr>
+          <a:xfrm>
+            <a:off x="7830185" y="3917315"/>
+            <a:ext cx="76200" cy="476885"/>
+          </a:xfrm>
+          <a:prstGeom prst="upDownArrow">
+            <a:avLst/>
+          </a:prstGeom>
+        </p:spPr>
+        <p:style>
+          <a:lnRef idx="2">
+            <a:schemeClr val="accent1">
+              <a:lumMod val="75000"/>
+            </a:schemeClr>
+          </a:lnRef>
+          <a:fillRef idx="1">
+            <a:schemeClr val="accent1"/>
+          </a:fillRef>
+          <a:effectRef idx="0">
+            <a:srgbClr val="FFFFFF"/>
+          </a:effectRef>
+          <a:fontRef idx="minor">
+            <a:schemeClr val="lt1"/>
+          </a:fontRef>
+        </p:style>
+        <p:txBody>
+          <a:bodyPr rtlCol="0" anchor="ctr"/>
+          <a:p>
+            <a:pPr algn="ctr"/>
+            <a:endParaRPr lang="zh-CN" altLang="en-US"/>
+          </a:p>
+        </p:txBody>
+      </p:sp>
+      <p:sp>
+        <p:nvSpPr>
+          <p:cNvPr id="26" name="文本框 25"/>
+          <p:cNvSpPr txBox="1"/>
+          <p:nvPr/>
+        </p:nvSpPr>
+        <p:spPr>
+          <a:xfrm>
+            <a:off x="6958330" y="2954020"/>
+            <a:ext cx="727075" cy="229870"/>
+          </a:xfrm>
+          <a:prstGeom prst="rect">
+            <a:avLst/>
+          </a:prstGeom>
+          <a:noFill/>
+        </p:spPr>
+        <p:txBody>
+          <a:bodyPr wrap="square" rtlCol="0">
+            <a:spAutoFit/>
+          </a:bodyPr>
+          <a:p>
+            <a:r>
+              <a:rPr lang="en-US" altLang="zh-CN" sz="900"/>
+              <a:t>SSH</a:t>
+            </a:r>
+            <a:endParaRPr lang="en-US" altLang="zh-CN" sz="900"/>
+          </a:p>
+        </p:txBody>
+      </p:sp>
+      <p:sp>
+        <p:nvSpPr>
+          <p:cNvPr id="27" name="矩形 26"/>
+          <p:cNvSpPr/>
+          <p:nvPr/>
+        </p:nvSpPr>
+        <p:spPr>
+          <a:xfrm>
+            <a:off x="6819900" y="2178050"/>
+            <a:ext cx="2174875" cy="3723005"/>
+          </a:xfrm>
+          <a:prstGeom prst="rect">
+            <a:avLst/>
+          </a:prstGeom>
+          <a:noFill/>
+          <a:ln w="12700" cmpd="sng">
+            <a:solidFill>
+              <a:schemeClr val="accent1">
+                <a:shade val="50000"/>
+              </a:schemeClr>
+            </a:solidFill>
+            <a:prstDash val="solid"/>
+          </a:ln>
+          <a:effectLst>
+            <a:outerShdw blurRad="50800" dist="38100" dir="2700000" algn="tl" rotWithShape="0">
+              <a:prstClr val="black">
+                <a:alpha val="40000"/>
+              </a:prstClr>
+            </a:outerShdw>
+          </a:effectLst>
+        </p:spPr>
+        <p:style>
+          <a:lnRef idx="2">
+            <a:schemeClr val="accent1">
+              <a:lumMod val="75000"/>
+            </a:schemeClr>
+          </a:lnRef>
+          <a:fillRef idx="1">
+            <a:schemeClr val="accent1"/>
+          </a:fillRef>
+          <a:effectRef idx="0">
+            <a:srgbClr val="FFFFFF"/>
+          </a:effectRef>
+          <a:fontRef idx="minor">
+            <a:schemeClr val="lt1"/>
+          </a:fontRef>
+        </p:style>
+        <p:txBody>
+          <a:bodyPr rtlCol="0" anchor="ctr"/>
+          <a:p>
+            <a:pPr algn="ctr"/>
+            <a:endParaRPr lang="zh-CN" altLang="en-US"/>
+          </a:p>
+        </p:txBody>
+      </p:sp>
+      <p:sp>
+        <p:nvSpPr>
+          <p:cNvPr id="30" name="上下箭头 29"/>
+          <p:cNvSpPr/>
+          <p:nvPr/>
+        </p:nvSpPr>
+        <p:spPr>
+          <a:xfrm rot="19320000">
+            <a:off x="7450455" y="2672715"/>
+            <a:ext cx="121285" cy="452120"/>
+          </a:xfrm>
+          <a:prstGeom prst="upDownArrow">
+            <a:avLst/>
+          </a:prstGeom>
+          <a:solidFill>
+            <a:schemeClr val="accent2"/>
+          </a:solidFill>
+        </p:spPr>
+        <p:style>
+          <a:lnRef idx="2">
+            <a:schemeClr val="accent1">
+              <a:lumMod val="75000"/>
+            </a:schemeClr>
+          </a:lnRef>
+          <a:fillRef idx="1">
+            <a:schemeClr val="accent1"/>
+          </a:fillRef>
+          <a:effectRef idx="0">
+            <a:srgbClr val="FFFFFF"/>
+          </a:effectRef>
+          <a:fontRef idx="minor">
+            <a:schemeClr val="lt1"/>
+          </a:fontRef>
+        </p:style>
+        <p:txBody>
+          <a:bodyPr rtlCol="0" anchor="ctr"/>
+          <a:p>
+            <a:pPr algn="ctr"/>
+            <a:endParaRPr lang="zh-CN" altLang="en-US"/>
+          </a:p>
+        </p:txBody>
+      </p:sp>
+      <p:pic>
+        <p:nvPicPr>
+          <p:cNvPr id="31" name="图片 30" descr="hppt"/>
+          <p:cNvPicPr>
+            <a:picLocks noChangeAspect="1"/>
+          </p:cNvPicPr>
+          <p:nvPr/>
+        </p:nvPicPr>
+        <p:blipFill>
+          <a:blip r:embed="rId1"/>
+          <a:stretch>
+            <a:fillRect/>
+          </a:stretch>
+        </p:blipFill>
+        <p:spPr>
+          <a:xfrm>
+            <a:off x="7698105" y="2954020"/>
+            <a:ext cx="418465" cy="459740"/>
+          </a:xfrm>
+          <a:prstGeom prst="rect">
+            <a:avLst/>
+          </a:prstGeom>
+        </p:spPr>
+      </p:pic>
+      <p:sp>
+        <p:nvSpPr>
+          <p:cNvPr id="32" name="上下箭头 31"/>
+          <p:cNvSpPr/>
+          <p:nvPr/>
+        </p:nvSpPr>
+        <p:spPr>
+          <a:xfrm rot="2520000">
+            <a:off x="8187690" y="2672715"/>
+            <a:ext cx="121285" cy="452120"/>
+          </a:xfrm>
+          <a:prstGeom prst="upDownArrow">
+            <a:avLst/>
+          </a:prstGeom>
+          <a:solidFill>
+            <a:schemeClr val="accent2"/>
+          </a:solidFill>
+        </p:spPr>
+        <p:style>
+          <a:lnRef idx="2">
+            <a:schemeClr val="accent1">
+              <a:lumMod val="75000"/>
+            </a:schemeClr>
+          </a:lnRef>
+          <a:fillRef idx="1">
+            <a:schemeClr val="accent1"/>
+          </a:fillRef>
+          <a:effectRef idx="0">
+            <a:srgbClr val="FFFFFF"/>
+          </a:effectRef>
+          <a:fontRef idx="minor">
+            <a:schemeClr val="lt1"/>
+          </a:fontRef>
+        </p:style>
+        <p:txBody>
+          <a:bodyPr rtlCol="0" anchor="ctr"/>
+          <a:p>
+            <a:pPr algn="ctr"/>
+            <a:endParaRPr lang="zh-CN" altLang="en-US"/>
+          </a:p>
+        </p:txBody>
+      </p:sp>
+      <p:sp>
+        <p:nvSpPr>
+          <p:cNvPr id="33" name="文本框 32"/>
+          <p:cNvSpPr txBox="1"/>
+          <p:nvPr/>
+        </p:nvSpPr>
+        <p:spPr>
+          <a:xfrm>
+            <a:off x="8402320" y="2921635"/>
+            <a:ext cx="727075" cy="229870"/>
+          </a:xfrm>
+          <a:prstGeom prst="rect">
+            <a:avLst/>
+          </a:prstGeom>
+          <a:noFill/>
+        </p:spPr>
+        <p:txBody>
+          <a:bodyPr wrap="square" rtlCol="0">
+            <a:spAutoFit/>
+          </a:bodyPr>
+          <a:p>
+            <a:r>
+              <a:rPr lang="en-US" altLang="zh-CN" sz="900"/>
+              <a:t>DB</a:t>
+            </a:r>
+            <a:endParaRPr lang="en-US" altLang="zh-CN" sz="900"/>
+          </a:p>
+        </p:txBody>
+      </p:sp>
+      <p:pic>
+        <p:nvPicPr>
+          <p:cNvPr id="34" name="图片 33" descr="hppt"/>
+          <p:cNvPicPr>
+            <a:picLocks noChangeAspect="1"/>
+          </p:cNvPicPr>
+          <p:nvPr/>
+        </p:nvPicPr>
+        <p:blipFill>
+          <a:blip r:embed="rId1"/>
+          <a:stretch>
+            <a:fillRect/>
+          </a:stretch>
+        </p:blipFill>
+        <p:spPr>
+          <a:xfrm>
+            <a:off x="7729220" y="4431030"/>
+            <a:ext cx="418465" cy="459740"/>
+          </a:xfrm>
+          <a:prstGeom prst="rect">
+            <a:avLst/>
+          </a:prstGeom>
+        </p:spPr>
+      </p:pic>
+      <p:sp>
+        <p:nvSpPr>
+          <p:cNvPr id="35" name="双大括号 34"/>
+          <p:cNvSpPr/>
+          <p:nvPr/>
+        </p:nvSpPr>
+        <p:spPr>
+          <a:xfrm rot="16200000">
+            <a:off x="7685405" y="4368165"/>
+            <a:ext cx="492125" cy="1511935"/>
+          </a:xfrm>
+          <a:prstGeom prst="bracePair">
+            <a:avLst/>
+          </a:prstGeom>
+          <a:ln>
+            <a:solidFill>
+              <a:schemeClr val="accent2"/>
+            </a:solidFill>
+          </a:ln>
+        </p:spPr>
+        <p:style>
+          <a:lnRef idx="2">
+            <a:schemeClr val="accent1"/>
+          </a:lnRef>
+          <a:fillRef idx="0">
+            <a:srgbClr val="FFFFFF"/>
+          </a:fillRef>
+          <a:effectRef idx="0">
+            <a:srgbClr val="FFFFFF"/>
+          </a:effectRef>
+          <a:fontRef idx="minor">
+            <a:schemeClr val="tx1"/>
+          </a:fontRef>
+        </p:style>
+        <p:txBody>
+          <a:bodyPr rtlCol="0" anchor="ctr"/>
+          <a:p>
+            <a:pPr algn="ctr"/>
+            <a:endParaRPr lang="zh-CN" altLang="en-US"/>
+          </a:p>
+        </p:txBody>
+      </p:sp>
+      <p:pic>
+        <p:nvPicPr>
+          <p:cNvPr id="36" name="图片 35" descr="服务器"/>
+          <p:cNvPicPr>
+            <a:picLocks noChangeAspect="1"/>
+          </p:cNvPicPr>
+          <p:nvPr/>
+        </p:nvPicPr>
+        <p:blipFill>
+          <a:blip r:embed="rId4">
+            <a:extLst>
+              <a:ext uri="{96DAC541-7B7A-43D3-8B79-37D633B846F1}">
+                <asvg:svgBlip xmlns:asvg="http://schemas.microsoft.com/office/drawing/2016/SVG/main" r:embed="rId5"/>
+              </a:ext>
+            </a:extLst>
+          </a:blip>
+          <a:stretch>
+            <a:fillRect/>
+          </a:stretch>
+        </p:blipFill>
+        <p:spPr>
+          <a:xfrm>
+            <a:off x="7341870" y="4963795"/>
+            <a:ext cx="285750" cy="285750"/>
+          </a:xfrm>
+          <a:prstGeom prst="rect">
+            <a:avLst/>
+          </a:prstGeom>
+        </p:spPr>
+      </p:pic>
+      <p:pic>
+        <p:nvPicPr>
+          <p:cNvPr id="37" name="图片 36" descr="数据库"/>
+          <p:cNvPicPr>
+            <a:picLocks noChangeAspect="1"/>
+          </p:cNvPicPr>
+          <p:nvPr/>
+        </p:nvPicPr>
+        <p:blipFill>
+          <a:blip r:embed="rId2">
+            <a:extLst>
+              <a:ext uri="{96DAC541-7B7A-43D3-8B79-37D633B846F1}">
+                <asvg:svgBlip xmlns:asvg="http://schemas.microsoft.com/office/drawing/2016/SVG/main" r:embed="rId9"/>
+              </a:ext>
+            </a:extLst>
+          </a:blip>
+          <a:stretch>
+            <a:fillRect/>
+          </a:stretch>
+        </p:blipFill>
+        <p:spPr>
+          <a:xfrm>
+            <a:off x="8147050" y="4963795"/>
+            <a:ext cx="280670" cy="280670"/>
+          </a:xfrm>
+          <a:prstGeom prst="rect">
+            <a:avLst/>
+          </a:prstGeom>
+        </p:spPr>
+      </p:pic>
+      <p:sp>
+        <p:nvSpPr>
+          <p:cNvPr id="39" name="文本框 38"/>
+          <p:cNvSpPr txBox="1"/>
+          <p:nvPr/>
+        </p:nvSpPr>
+        <p:spPr>
+          <a:xfrm>
+            <a:off x="1922780" y="4349115"/>
+            <a:ext cx="1738630" cy="309245"/>
+          </a:xfrm>
+          <a:prstGeom prst="rect">
+            <a:avLst/>
+          </a:prstGeom>
+        </p:spPr>
+        <p:txBody>
+          <a:bodyPr>
+            <a:noAutofit/>
+            <a:extLst>
+              <a:ext uri="{4A0BC546-FE56-4ADE-93B0-CB8AF2F6F144}">
+                <wpsdc:textFrameExt xmlns:wpsdc="http://www.wps.cn/officeDocument/2022/drawingmlCustomData" type="text"/>
+              </a:ext>
+            </a:extLst>
+          </a:bodyPr>
+          <a:p>
+            <a:pPr algn="l"/>
+            <a:r>
+              <a:rPr lang="en-US" altLang="zh-CN" sz="1000">
+                <a:latin typeface="Arial" panose="020B0604020202020204" pitchFamily="34" charset="0"/>
+                <a:ea typeface="微软雅黑" panose="020B0503020204020204" charset="-122"/>
+              </a:rPr>
+              <a:t>y</a:t>
+            </a:r>
+            <a:r>
+              <a:rPr lang="zh-CN" altLang="en-US" sz="1000">
+                <a:latin typeface="Arial" panose="020B0604020202020204" pitchFamily="34" charset="0"/>
+                <a:ea typeface="微软雅黑" panose="020B0503020204020204" charset="-122"/>
+              </a:rPr>
+              <a:t>our computer</a:t>
+            </a:r>
+            <a:endParaRPr lang="zh-CN" altLang="en-US" sz="1000">
+              <a:latin typeface="Arial" panose="020B0604020202020204" pitchFamily="34" charset="0"/>
+              <a:ea typeface="微软雅黑" panose="020B0503020204020204" charset="-122"/>
+            </a:endParaRPr>
+          </a:p>
+        </p:txBody>
+      </p:sp>
+      <p:sp>
+        <p:nvSpPr>
+          <p:cNvPr id="40" name="文本框 39"/>
+          <p:cNvSpPr txBox="1"/>
+          <p:nvPr/>
+        </p:nvSpPr>
+        <p:spPr>
+          <a:xfrm>
+            <a:off x="1951990" y="2590165"/>
+            <a:ext cx="1738630" cy="309245"/>
+          </a:xfrm>
+          <a:prstGeom prst="rect">
+            <a:avLst/>
+          </a:prstGeom>
+        </p:spPr>
+        <p:txBody>
+          <a:bodyPr>
+            <a:noAutofit/>
+            <a:extLst>
+              <a:ext uri="{4A0BC546-FE56-4ADE-93B0-CB8AF2F6F144}">
+                <wpsdc:textFrameExt xmlns:wpsdc="http://www.wps.cn/officeDocument/2022/drawingmlCustomData" type="text"/>
+              </a:ext>
+            </a:extLst>
+          </a:bodyPr>
+          <a:p>
+            <a:pPr algn="l"/>
+            <a:r>
+              <a:rPr lang="en-US" altLang="zh-CN" sz="1000">
+                <a:latin typeface="Arial" panose="020B0604020202020204" pitchFamily="34" charset="0"/>
+                <a:ea typeface="微软雅黑" panose="020B0503020204020204" charset="-122"/>
+              </a:rPr>
+              <a:t>server</a:t>
+            </a:r>
+            <a:endParaRPr lang="en-US" altLang="zh-CN" sz="1000">
+              <a:latin typeface="Arial" panose="020B0604020202020204" pitchFamily="34" charset="0"/>
+              <a:ea typeface="微软雅黑" panose="020B0503020204020204" charset="-122"/>
+            </a:endParaRPr>
+          </a:p>
+        </p:txBody>
+      </p:sp>
+      <p:sp>
+        <p:nvSpPr>
+          <p:cNvPr id="43" name="文本框 42"/>
+          <p:cNvSpPr txBox="1"/>
+          <p:nvPr/>
+        </p:nvSpPr>
+        <p:spPr>
+          <a:xfrm>
+            <a:off x="6814185" y="4199255"/>
+            <a:ext cx="1738630" cy="309245"/>
+          </a:xfrm>
+          <a:prstGeom prst="rect">
+            <a:avLst/>
+          </a:prstGeom>
+        </p:spPr>
+        <p:txBody>
+          <a:bodyPr>
+            <a:noAutofit/>
+            <a:extLst>
+              <a:ext uri="{4A0BC546-FE56-4ADE-93B0-CB8AF2F6F144}">
+                <wpsdc:textFrameExt xmlns:wpsdc="http://www.wps.cn/officeDocument/2022/drawingmlCustomData" type="text"/>
+              </a:ext>
+            </a:extLst>
+          </a:bodyPr>
+          <a:p>
+            <a:pPr algn="l"/>
+            <a:r>
+              <a:rPr lang="en-US" altLang="zh-CN" sz="1000">
+                <a:latin typeface="Arial" panose="020B0604020202020204" pitchFamily="34" charset="0"/>
+                <a:ea typeface="微软雅黑" panose="020B0503020204020204" charset="-122"/>
+              </a:rPr>
+              <a:t>y</a:t>
+            </a:r>
+            <a:r>
+              <a:rPr lang="zh-CN" altLang="en-US" sz="1000">
+                <a:latin typeface="Arial" panose="020B0604020202020204" pitchFamily="34" charset="0"/>
+                <a:ea typeface="微软雅黑" panose="020B0503020204020204" charset="-122"/>
+              </a:rPr>
+              <a:t>our computer</a:t>
+            </a:r>
+            <a:endParaRPr lang="zh-CN" altLang="en-US" sz="1000">
+              <a:latin typeface="Arial" panose="020B0604020202020204" pitchFamily="34" charset="0"/>
+              <a:ea typeface="微软雅黑" panose="020B0503020204020204" charset="-122"/>
+            </a:endParaRPr>
+          </a:p>
+        </p:txBody>
+      </p:sp>
+      <p:sp>
+        <p:nvSpPr>
+          <p:cNvPr id="44" name="文本框 43"/>
+          <p:cNvSpPr txBox="1"/>
+          <p:nvPr/>
+        </p:nvSpPr>
+        <p:spPr>
+          <a:xfrm>
+            <a:off x="6882765" y="2197735"/>
+            <a:ext cx="1738630" cy="309245"/>
+          </a:xfrm>
+          <a:prstGeom prst="rect">
+            <a:avLst/>
+          </a:prstGeom>
+        </p:spPr>
+        <p:txBody>
+          <a:bodyPr>
+            <a:noAutofit/>
+            <a:extLst>
+              <a:ext uri="{4A0BC546-FE56-4ADE-93B0-CB8AF2F6F144}">
+                <wpsdc:textFrameExt xmlns:wpsdc="http://www.wps.cn/officeDocument/2022/drawingmlCustomData" type="text"/>
+              </a:ext>
+            </a:extLst>
+          </a:bodyPr>
+          <a:p>
+            <a:pPr algn="l"/>
+            <a:r>
+              <a:rPr lang="en-US" altLang="zh-CN" sz="1000">
+                <a:latin typeface="Arial" panose="020B0604020202020204" pitchFamily="34" charset="0"/>
+                <a:ea typeface="微软雅黑" panose="020B0503020204020204" charset="-122"/>
+              </a:rPr>
+              <a:t>server</a:t>
+            </a:r>
+            <a:endParaRPr lang="en-US" altLang="zh-CN" sz="1000">
+              <a:latin typeface="Arial" panose="020B0604020202020204" pitchFamily="34" charset="0"/>
+              <a:ea typeface="微软雅黑" panose="020B0503020204020204" charset="-122"/>
+            </a:endParaRPr>
+          </a:p>
+        </p:txBody>
+      </p:sp>
+    </p:spTree>
+  </p:cSld>
+  <p:clrMapOvr>
+    <a:masterClrMapping/>
+  </p:clrMapOvr>
+  <mc:AlternateContent xmlns:mc="http://schemas.openxmlformats.org/markup-compatibility/2006">
+    <mc:Choice xmlns:p14="http://schemas.microsoft.com/office/powerpoint/2010/main" Requires="p14">
+      <p:transition p14:dur="500"/>
+    </mc:Choice>
+    <mc:Fallback>
+      <p:transition/>
+    </mc:Fallback>
+  </mc:AlternateContent>
+</p:sld>
+</file>
+
 <file path=ppt/slides/slide2.xml><?xml version="1.0" encoding="utf-8"?>
 <p:sld xmlns:a="http://schemas.openxmlformats.org/drawingml/2006/main" xmlns:r="http://schemas.openxmlformats.org/officeDocument/2006/relationships" xmlns:p="http://schemas.openxmlformats.org/presentationml/2006/main">
   <p:cSld>
@@ -13230,6 +15076,118 @@
 </p:sld>
 </file>
 
+<file path=ppt/slides/slide9.xml><?xml version="1.0" encoding="utf-8"?>
+<p:sld xmlns:a="http://schemas.openxmlformats.org/drawingml/2006/main" xmlns:r="http://schemas.openxmlformats.org/officeDocument/2006/relationships" xmlns:p="http://schemas.openxmlformats.org/presentationml/2006/main">
+  <p:cSld>
+    <p:spTree>
+      <p:nvGrpSpPr>
+        <p:cNvPr id="1" name=""/>
+        <p:cNvGrpSpPr/>
+        <p:nvPr/>
+      </p:nvGrpSpPr>
+      <p:grpSpPr/>
+      <p:grpSp>
+        <p:nvGrpSpPr>
+          <p:cNvPr id="10" name="组合 9"/>
+          <p:cNvGrpSpPr/>
+          <p:nvPr/>
+        </p:nvGrpSpPr>
+        <p:grpSpPr>
+          <a:xfrm>
+            <a:off x="5023485" y="3860165"/>
+            <a:ext cx="797560" cy="844550"/>
+            <a:chOff x="7911" y="6079"/>
+            <a:chExt cx="1256" cy="1330"/>
+          </a:xfrm>
+        </p:grpSpPr>
+        <p:pic>
+          <p:nvPicPr>
+            <p:cNvPr id="4" name="图片 3" descr="路由器"/>
+            <p:cNvPicPr>
+              <a:picLocks noChangeAspect="1"/>
+            </p:cNvPicPr>
+            <p:nvPr/>
+          </p:nvPicPr>
+          <p:blipFill>
+            <a:blip r:embed="rId1">
+              <a:extLst>
+                <a:ext uri="{96DAC541-7B7A-43D3-8B79-37D633B846F1}">
+                  <asvg:svgBlip xmlns:asvg="http://schemas.microsoft.com/office/drawing/2016/SVG/main" r:embed="rId2"/>
+                </a:ext>
+              </a:extLst>
+            </a:blip>
+            <a:stretch>
+              <a:fillRect/>
+            </a:stretch>
+          </p:blipFill>
+          <p:spPr>
+            <a:xfrm>
+              <a:off x="7920" y="6079"/>
+              <a:ext cx="1093" cy="1093"/>
+            </a:xfrm>
+            <a:prstGeom prst="rect">
+              <a:avLst/>
+            </a:prstGeom>
+          </p:spPr>
+        </p:pic>
+        <p:sp>
+          <p:nvSpPr>
+            <p:cNvPr id="7" name="文本框 6"/>
+            <p:cNvSpPr txBox="1"/>
+            <p:nvPr/>
+          </p:nvSpPr>
+          <p:spPr>
+            <a:xfrm>
+              <a:off x="7911" y="6951"/>
+              <a:ext cx="1256" cy="459"/>
+            </a:xfrm>
+            <a:prstGeom prst="rect">
+              <a:avLst/>
+            </a:prstGeom>
+            <a:noFill/>
+            <a:ln>
+              <a:noFill/>
+            </a:ln>
+          </p:spPr>
+          <p:txBody>
+            <a:bodyPr wrap="square" rtlCol="0">
+              <a:noAutofit/>
+            </a:bodyPr>
+            <a:p>
+              <a:pPr lvl="0"/>
+              <a:r>
+                <a:rPr lang="en-US" altLang="zh-CN">
+                  <a:latin typeface="方正粗圆_GBK" panose="03000509000000000000" charset="-122"/>
+                  <a:ea typeface="方正粗圆_GBK" panose="03000509000000000000" charset="-122"/>
+                  <a:sym typeface="方正兰亭黑简体" panose="02000000000000000000" charset="-122"/>
+                </a:rPr>
+                <a:t>HPPT</a:t>
+              </a:r>
+              <a:endParaRPr lang="en-US" altLang="zh-CN">
+                <a:latin typeface="方正粗圆_GBK" panose="03000509000000000000" charset="-122"/>
+                <a:ea typeface="方正粗圆_GBK" panose="03000509000000000000" charset="-122"/>
+                <a:sym typeface="方正兰亭黑简体" panose="02000000000000000000" charset="-122"/>
+              </a:endParaRPr>
+            </a:p>
+          </p:txBody>
+        </p:sp>
+      </p:grpSp>
+    </p:spTree>
+  </p:cSld>
+  <p:clrMapOvr>
+    <a:masterClrMapping/>
+  </p:clrMapOvr>
+  <mc:AlternateContent xmlns:mc="http://schemas.openxmlformats.org/markup-compatibility/2006">
+    <mc:Choice xmlns:p14="http://schemas.microsoft.com/office/powerpoint/2010/main" Requires="p14">
+      <p:transition p14:dur="500"/>
+    </mc:Choice>
+    <mc:Fallback>
+      <p:transition/>
+    </mc:Fallback>
+  </mc:AlternateContent>
+</p:sld>
+</file>
+
 <file path=ppt/tags/tag1.xml><?xml version="1.0" encoding="utf-8"?>
 <p:tagLst xmlns:p="http://schemas.openxmlformats.org/presentationml/2006/main">
   <p:tag name="KSO_WM_UNIT_HIGHLIGHT" val="0"/>
@@ -13883,6 +15841,7 @@
 <file path=ppt/tags/tag184.xml><?xml version="1.0" encoding="utf-8"?>
 <p:tagLst xmlns:p="http://schemas.openxmlformats.org/presentationml/2006/main">
   <p:tag name="commondata" val="eyJoZGlkIjoiNDE4MjUxNmFkNzljZmE2MTdkMTlmZWY3MDFjYzM1YTIifQ=="/>
+  <p:tag name="resource_record_key" val="{&quot;13&quot;:[20482073]}"/>
 </p:tagLst>
 </file>
 
@@ -14993,4 +16952,522 @@
     </a:ext>
   </a:extLst>
 </a:theme>
+</file>
+
+<file path=ppt/theme/theme2.xml><?xml version="1.0" encoding="utf-8"?>
+<a:theme xmlns:a="http://schemas.openxmlformats.org/drawingml/2006/main" name="Office 主题">
+  <a:themeElements>
+    <a:clrScheme name="Office">
+      <a:dk1>
+        <a:sysClr val="windowText" lastClr="000000"/>
+      </a:dk1>
+      <a:lt1>
+        <a:sysClr val="window" lastClr="FFFFFF"/>
+      </a:lt1>
+      <a:dk2>
+        <a:srgbClr val="44546A"/>
+      </a:dk2>
+      <a:lt2>
+        <a:srgbClr val="E7E6E6"/>
+      </a:lt2>
+      <a:accent1>
+        <a:srgbClr val="5B9BD5"/>
+      </a:accent1>
+      <a:accent2>
+        <a:srgbClr val="ED7D31"/>
+      </a:accent2>
+      <a:accent3>
+        <a:srgbClr val="A5A5A5"/>
+      </a:accent3>
+      <a:accent4>
+        <a:srgbClr val="FFC000"/>
+      </a:accent4>
+      <a:accent5>
+        <a:srgbClr val="4472C4"/>
+      </a:accent5>
+      <a:accent6>
+        <a:srgbClr val="70AD47"/>
+      </a:accent6>
+      <a:hlink>
+        <a:srgbClr val="0563C1"/>
+      </a:hlink>
+      <a:folHlink>
+        <a:srgbClr val="954F72"/>
+      </a:folHlink>
+    </a:clrScheme>
+    <a:fontScheme name="Office">
+      <a:majorFont>
+        <a:latin typeface="Calibri Light"/>
+        <a:ea typeface=""/>
+        <a:cs typeface=""/>
+        <a:font script="Jpan" typeface="ＭＳ Ｐゴシック"/>
+        <a:font script="Hang" typeface="맑은 고딕"/>
+        <a:font script="Hans" typeface="宋体"/>
+        <a:font script="Hant" typeface="新細明體"/>
+        <a:font script="Arab" typeface="Times New Roman"/>
+        <a:font script="Hebr" typeface="Times New Roman"/>
+        <a:font script="Thai" typeface="Angsana New"/>
+        <a:font script="Ethi" typeface="Nyala"/>
+        <a:font script="Beng" typeface="Vrinda"/>
+        <a:font script="Gujr" typeface="Shruti"/>
+        <a:font script="Khmr" typeface="MoolBoran"/>
+        <a:font script="Knda" typeface="Tunga"/>
+        <a:font script="Guru" typeface="Raavi"/>
+        <a:font script="Cans" typeface="Euphemia"/>
+        <a:font script="Cher" typeface="Plantagenet Cherokee"/>
+        <a:font script="Yiii" typeface="Microsoft Yi Baiti"/>
+        <a:font script="Tibt" typeface="Microsoft Himalaya"/>
+        <a:font script="Thaa" typeface="MV Boli"/>
+        <a:font script="Deva" typeface="Mangal"/>
+        <a:font script="Telu" typeface="Gautami"/>
+        <a:font script="Taml" typeface="Latha"/>
+        <a:font script="Syrc" typeface="Estrangelo Edessa"/>
+        <a:font script="Orya" typeface="Kalinga"/>
+        <a:font script="Mlym" typeface="Kartika"/>
+        <a:font script="Laoo" typeface="DokChampa"/>
+        <a:font script="Sinh" typeface="Iskoola Pota"/>
+        <a:font script="Mong" typeface="Mongolian Baiti"/>
+        <a:font script="Viet" typeface="Times New Roman"/>
+        <a:font script="Uigh" typeface="Microsoft Uighur"/>
+        <a:font script="Geor" typeface="Sylfaen"/>
+      </a:majorFont>
+      <a:minorFont>
+        <a:latin typeface="Calibri"/>
+        <a:ea typeface=""/>
+        <a:cs typeface=""/>
+        <a:font script="Jpan" typeface="ＭＳ Ｐゴシック"/>
+        <a:font script="Hang" typeface="맑은 고딕"/>
+        <a:font script="Hans" typeface="宋体"/>
+        <a:font script="Hant" typeface="新細明體"/>
+        <a:font script="Arab" typeface="Arial"/>
+        <a:font script="Hebr" typeface="Arial"/>
+        <a:font script="Thai" typeface="Cordia New"/>
+        <a:font script="Ethi" typeface="Nyala"/>
+        <a:font script="Beng" typeface="Vrinda"/>
+        <a:font script="Gujr" typeface="Shruti"/>
+        <a:font script="Khmr" typeface="DaunPenh"/>
+        <a:font script="Knda" typeface="Tunga"/>
+        <a:font script="Guru" typeface="Raavi"/>
+        <a:font script="Cans" typeface="Euphemia"/>
+        <a:font script="Cher" typeface="Plantagenet Cherokee"/>
+        <a:font script="Yiii" typeface="Microsoft Yi Baiti"/>
+        <a:font script="Tibt" typeface="Microsoft Himalaya"/>
+        <a:font script="Thaa" typeface="MV Boli"/>
+        <a:font script="Deva" typeface="Mangal"/>
+        <a:font script="Telu" typeface="Gautami"/>
+        <a:font script="Taml" typeface="Latha"/>
+        <a:font script="Syrc" typeface="Estrangelo Edessa"/>
+        <a:font script="Orya" typeface="Kalinga"/>
+        <a:font script="Mlym" typeface="Kartika"/>
+        <a:font script="Laoo" typeface="DokChampa"/>
+        <a:font script="Sinh" typeface="Iskoola Pota"/>
+        <a:font script="Mong" typeface="Mongolian Baiti"/>
+        <a:font script="Viet" typeface="Arial"/>
+        <a:font script="Uigh" typeface="Microsoft Uighur"/>
+        <a:font script="Geor" typeface="Sylfaen"/>
+      </a:minorFont>
+    </a:fontScheme>
+    <a:fmtScheme name="Office">
+      <a:fillStyleLst>
+        <a:solidFill>
+          <a:schemeClr val="phClr"/>
+        </a:solidFill>
+        <a:gradFill rotWithShape="1">
+          <a:gsLst>
+            <a:gs pos="0">
+              <a:schemeClr val="phClr">
+                <a:lumMod val="110000"/>
+                <a:satMod val="105000"/>
+                <a:tint val="67000"/>
+              </a:schemeClr>
+            </a:gs>
+            <a:gs pos="50000">
+              <a:schemeClr val="phClr">
+                <a:lumMod val="105000"/>
+                <a:satMod val="103000"/>
+                <a:tint val="73000"/>
+              </a:schemeClr>
+            </a:gs>
+            <a:gs pos="100000">
+              <a:schemeClr val="phClr">
+                <a:lumMod val="105000"/>
+                <a:satMod val="109000"/>
+                <a:tint val="81000"/>
+              </a:schemeClr>
+            </a:gs>
+          </a:gsLst>
+          <a:lin ang="5400000" scaled="0"/>
+        </a:gradFill>
+        <a:gradFill rotWithShape="1">
+          <a:gsLst>
+            <a:gs pos="0">
+              <a:schemeClr val="phClr">
+                <a:satMod val="103000"/>
+                <a:lumMod val="102000"/>
+                <a:tint val="94000"/>
+              </a:schemeClr>
+            </a:gs>
+            <a:gs pos="50000">
+              <a:schemeClr val="phClr">
+                <a:satMod val="110000"/>
+                <a:lumMod val="100000"/>
+                <a:shade val="100000"/>
+              </a:schemeClr>
+            </a:gs>
+            <a:gs pos="100000">
+              <a:schemeClr val="phClr">
+                <a:lumMod val="99000"/>
+                <a:satMod val="120000"/>
+                <a:shade val="78000"/>
+              </a:schemeClr>
+            </a:gs>
+          </a:gsLst>
+          <a:lin ang="5400000" scaled="0"/>
+        </a:gradFill>
+      </a:fillStyleLst>
+      <a:lnStyleLst>
+        <a:ln w="6350" cap="flat" cmpd="sng" algn="ctr">
+          <a:solidFill>
+            <a:schemeClr val="phClr"/>
+          </a:solidFill>
+          <a:prstDash val="solid"/>
+          <a:miter lim="800000"/>
+        </a:ln>
+        <a:ln w="12700" cap="flat" cmpd="sng" algn="ctr">
+          <a:solidFill>
+            <a:schemeClr val="phClr"/>
+          </a:solidFill>
+          <a:prstDash val="solid"/>
+          <a:miter lim="800000"/>
+        </a:ln>
+        <a:ln w="19050" cap="flat" cmpd="sng" algn="ctr">
+          <a:solidFill>
+            <a:schemeClr val="phClr"/>
+          </a:solidFill>
+          <a:prstDash val="solid"/>
+          <a:miter lim="800000"/>
+        </a:ln>
+      </a:lnStyleLst>
+      <a:effectStyleLst>
+        <a:effectStyle>
+          <a:effectLst/>
+        </a:effectStyle>
+        <a:effectStyle>
+          <a:effectLst/>
+        </a:effectStyle>
+        <a:effectStyle>
+          <a:effectLst>
+            <a:outerShdw blurRad="57150" dist="19050" dir="5400000" algn="ctr" rotWithShape="0">
+              <a:srgbClr val="000000">
+                <a:alpha val="63000"/>
+              </a:srgbClr>
+            </a:outerShdw>
+          </a:effectLst>
+        </a:effectStyle>
+      </a:effectStyleLst>
+      <a:bgFillStyleLst>
+        <a:solidFill>
+          <a:schemeClr val="phClr"/>
+        </a:solidFill>
+        <a:solidFill>
+          <a:schemeClr val="phClr">
+            <a:tint val="95000"/>
+            <a:satMod val="170000"/>
+          </a:schemeClr>
+        </a:solidFill>
+        <a:gradFill rotWithShape="1">
+          <a:gsLst>
+            <a:gs pos="0">
+              <a:schemeClr val="phClr">
+                <a:tint val="93000"/>
+                <a:satMod val="150000"/>
+                <a:shade val="98000"/>
+                <a:lumMod val="102000"/>
+              </a:schemeClr>
+            </a:gs>
+            <a:gs pos="50000">
+              <a:schemeClr val="phClr">
+                <a:tint val="98000"/>
+                <a:satMod val="130000"/>
+                <a:shade val="90000"/>
+                <a:lumMod val="103000"/>
+              </a:schemeClr>
+            </a:gs>
+            <a:gs pos="100000">
+              <a:schemeClr val="phClr">
+                <a:shade val="63000"/>
+                <a:satMod val="120000"/>
+              </a:schemeClr>
+            </a:gs>
+          </a:gsLst>
+          <a:lin ang="5400000" scaled="0"/>
+        </a:gradFill>
+      </a:bgFillStyleLst>
+    </a:fmtScheme>
+  </a:themeElements>
+  <a:extLst>
+    <a:ext uri="{05A4C25C-085E-4340-85A3-A5531E510DB2}">
+      <thm15:themeFamily xmlns:thm15="http://schemas.microsoft.com/office/thememl/2012/main" name="Office Theme" id="{62F939B6-93AF-4DB8-9C6B-D6C7DFDC589F}" vid="{4A3C46E8-61CC-4603-A589-7422A47A8E4A}"/>
+    </a:ext>
+  </a:extLst>
+</a:theme>
+</file>
+
+<file path=ppt/theme/theme3.xml><?xml version="1.0" encoding="utf-8"?>
+<a:theme xmlns:a="http://schemas.openxmlformats.org/drawingml/2006/main" name="Office 主题">
+  <a:themeElements>
+    <a:clrScheme name="Office">
+      <a:dk1>
+        <a:sysClr val="windowText" lastClr="000000"/>
+      </a:dk1>
+      <a:lt1>
+        <a:sysClr val="window" lastClr="FFFFFF"/>
+      </a:lt1>
+      <a:dk2>
+        <a:srgbClr val="44546A"/>
+      </a:dk2>
+      <a:lt2>
+        <a:srgbClr val="E7E6E6"/>
+      </a:lt2>
+      <a:accent1>
+        <a:srgbClr val="5B9BD5"/>
+      </a:accent1>
+      <a:accent2>
+        <a:srgbClr val="ED7D31"/>
+      </a:accent2>
+      <a:accent3>
+        <a:srgbClr val="A5A5A5"/>
+      </a:accent3>
+      <a:accent4>
+        <a:srgbClr val="FFC000"/>
+      </a:accent4>
+      <a:accent5>
+        <a:srgbClr val="4472C4"/>
+      </a:accent5>
+      <a:accent6>
+        <a:srgbClr val="70AD47"/>
+      </a:accent6>
+      <a:hlink>
+        <a:srgbClr val="0563C1"/>
+      </a:hlink>
+      <a:folHlink>
+        <a:srgbClr val="954F72"/>
+      </a:folHlink>
+    </a:clrScheme>
+    <a:fontScheme name="Office">
+      <a:majorFont>
+        <a:latin typeface="Calibri Light"/>
+        <a:ea typeface=""/>
+        <a:cs typeface=""/>
+        <a:font script="Jpan" typeface="ＭＳ Ｐゴシック"/>
+        <a:font script="Hang" typeface="맑은 고딕"/>
+        <a:font script="Hans" typeface="宋体"/>
+        <a:font script="Hant" typeface="新細明體"/>
+        <a:font script="Arab" typeface="Times New Roman"/>
+        <a:font script="Hebr" typeface="Times New Roman"/>
+        <a:font script="Thai" typeface="Angsana New"/>
+        <a:font script="Ethi" typeface="Nyala"/>
+        <a:font script="Beng" typeface="Vrinda"/>
+        <a:font script="Gujr" typeface="Shruti"/>
+        <a:font script="Khmr" typeface="MoolBoran"/>
+        <a:font script="Knda" typeface="Tunga"/>
+        <a:font script="Guru" typeface="Raavi"/>
+        <a:font script="Cans" typeface="Euphemia"/>
+        <a:font script="Cher" typeface="Plantagenet Cherokee"/>
+        <a:font script="Yiii" typeface="Microsoft Yi Baiti"/>
+        <a:font script="Tibt" typeface="Microsoft Himalaya"/>
+        <a:font script="Thaa" typeface="MV Boli"/>
+        <a:font script="Deva" typeface="Mangal"/>
+        <a:font script="Telu" typeface="Gautami"/>
+        <a:font script="Taml" typeface="Latha"/>
+        <a:font script="Syrc" typeface="Estrangelo Edessa"/>
+        <a:font script="Orya" typeface="Kalinga"/>
+        <a:font script="Mlym" typeface="Kartika"/>
+        <a:font script="Laoo" typeface="DokChampa"/>
+        <a:font script="Sinh" typeface="Iskoola Pota"/>
+        <a:font script="Mong" typeface="Mongolian Baiti"/>
+        <a:font script="Viet" typeface="Times New Roman"/>
+        <a:font script="Uigh" typeface="Microsoft Uighur"/>
+        <a:font script="Geor" typeface="Sylfaen"/>
+      </a:majorFont>
+      <a:minorFont>
+        <a:latin typeface="Calibri"/>
+        <a:ea typeface=""/>
+        <a:cs typeface=""/>
+        <a:font script="Jpan" typeface="ＭＳ Ｐゴシック"/>
+        <a:font script="Hang" typeface="맑은 고딕"/>
+        <a:font script="Hans" typeface="宋体"/>
+        <a:font script="Hant" typeface="新細明體"/>
+        <a:font script="Arab" typeface="Arial"/>
+        <a:font script="Hebr" typeface="Arial"/>
+        <a:font script="Thai" typeface="Cordia New"/>
+        <a:font script="Ethi" typeface="Nyala"/>
+        <a:font script="Beng" typeface="Vrinda"/>
+        <a:font script="Gujr" typeface="Shruti"/>
+        <a:font script="Khmr" typeface="DaunPenh"/>
+        <a:font script="Knda" typeface="Tunga"/>
+        <a:font script="Guru" typeface="Raavi"/>
+        <a:font script="Cans" typeface="Euphemia"/>
+        <a:font script="Cher" typeface="Plantagenet Cherokee"/>
+        <a:font script="Yiii" typeface="Microsoft Yi Baiti"/>
+        <a:font script="Tibt" typeface="Microsoft Himalaya"/>
+        <a:font script="Thaa" typeface="MV Boli"/>
+        <a:font script="Deva" typeface="Mangal"/>
+        <a:font script="Telu" typeface="Gautami"/>
+        <a:font script="Taml" typeface="Latha"/>
+        <a:font script="Syrc" typeface="Estrangelo Edessa"/>
+        <a:font script="Orya" typeface="Kalinga"/>
+        <a:font script="Mlym" typeface="Kartika"/>
+        <a:font script="Laoo" typeface="DokChampa"/>
+        <a:font script="Sinh" typeface="Iskoola Pota"/>
+        <a:font script="Mong" typeface="Mongolian Baiti"/>
+        <a:font script="Viet" typeface="Arial"/>
+        <a:font script="Uigh" typeface="Microsoft Uighur"/>
+        <a:font script="Geor" typeface="Sylfaen"/>
+      </a:minorFont>
+    </a:fontScheme>
+    <a:fmtScheme name="Office">
+      <a:fillStyleLst>
+        <a:solidFill>
+          <a:schemeClr val="phClr"/>
+        </a:solidFill>
+        <a:gradFill rotWithShape="1">
+          <a:gsLst>
+            <a:gs pos="0">
+              <a:schemeClr val="phClr">
+                <a:lumMod val="110000"/>
+                <a:satMod val="105000"/>
+                <a:tint val="67000"/>
+              </a:schemeClr>
+            </a:gs>
+            <a:gs pos="50000">
+              <a:schemeClr val="phClr">
+                <a:lumMod val="105000"/>
+                <a:satMod val="103000"/>
+                <a:tint val="73000"/>
+              </a:schemeClr>
+            </a:gs>
+            <a:gs pos="100000">
+              <a:schemeClr val="phClr">
+                <a:lumMod val="105000"/>
+                <a:satMod val="109000"/>
+                <a:tint val="81000"/>
+              </a:schemeClr>
+            </a:gs>
+          </a:gsLst>
+          <a:lin ang="5400000" scaled="0"/>
+        </a:gradFill>
+        <a:gradFill rotWithShape="1">
+          <a:gsLst>
+            <a:gs pos="0">
+              <a:schemeClr val="phClr">
+                <a:satMod val="103000"/>
+                <a:lumMod val="102000"/>
+                <a:tint val="94000"/>
+              </a:schemeClr>
+            </a:gs>
+            <a:gs pos="50000">
+              <a:schemeClr val="phClr">
+                <a:satMod val="110000"/>
+                <a:lumMod val="100000"/>
+                <a:shade val="100000"/>
+              </a:schemeClr>
+            </a:gs>
+            <a:gs pos="100000">
+              <a:schemeClr val="phClr">
+                <a:lumMod val="99000"/>
+                <a:satMod val="120000"/>
+                <a:shade val="78000"/>
+              </a:schemeClr>
+            </a:gs>
+          </a:gsLst>
+          <a:lin ang="5400000" scaled="0"/>
+        </a:gradFill>
+      </a:fillStyleLst>
+      <a:lnStyleLst>
+        <a:ln w="6350" cap="flat" cmpd="sng" algn="ctr">
+          <a:solidFill>
+            <a:schemeClr val="phClr"/>
+          </a:solidFill>
+          <a:prstDash val="solid"/>
+          <a:miter lim="800000"/>
+        </a:ln>
+        <a:ln w="12700" cap="flat" cmpd="sng" algn="ctr">
+          <a:solidFill>
+            <a:schemeClr val="phClr"/>
+          </a:solidFill>
+          <a:prstDash val="solid"/>
+          <a:miter lim="800000"/>
+        </a:ln>
+        <a:ln w="19050" cap="flat" cmpd="sng" algn="ctr">
+          <a:solidFill>
+            <a:schemeClr val="phClr"/>
+          </a:solidFill>
+          <a:prstDash val="solid"/>
+          <a:miter lim="800000"/>
+        </a:ln>
+      </a:lnStyleLst>
+      <a:effectStyleLst>
+        <a:effectStyle>
+          <a:effectLst/>
+        </a:effectStyle>
+        <a:effectStyle>
+          <a:effectLst/>
+        </a:effectStyle>
+        <a:effectStyle>
+          <a:effectLst>
+            <a:outerShdw blurRad="57150" dist="19050" dir="5400000" algn="ctr" rotWithShape="0">
+              <a:srgbClr val="000000">
+                <a:alpha val="63000"/>
+              </a:srgbClr>
+            </a:outerShdw>
+          </a:effectLst>
+        </a:effectStyle>
+      </a:effectStyleLst>
+      <a:bgFillStyleLst>
+        <a:solidFill>
+          <a:schemeClr val="phClr"/>
+        </a:solidFill>
+        <a:solidFill>
+          <a:schemeClr val="phClr">
+            <a:tint val="95000"/>
+            <a:satMod val="170000"/>
+          </a:schemeClr>
+        </a:solidFill>
+        <a:gradFill rotWithShape="1">
+          <a:gsLst>
+            <a:gs pos="0">
+              <a:schemeClr val="phClr">
+                <a:tint val="93000"/>
+                <a:satMod val="150000"/>
+                <a:shade val="98000"/>
+                <a:lumMod val="102000"/>
+              </a:schemeClr>
+            </a:gs>
+            <a:gs pos="50000">
+              <a:schemeClr val="phClr">
+                <a:tint val="98000"/>
+                <a:satMod val="130000"/>
+                <a:shade val="90000"/>
+                <a:lumMod val="103000"/>
+              </a:schemeClr>
+            </a:gs>
+            <a:gs pos="100000">
+              <a:schemeClr val="phClr">
+                <a:shade val="63000"/>
+                <a:satMod val="120000"/>
+              </a:schemeClr>
+            </a:gs>
+          </a:gsLst>
+          <a:lin ang="5400000" scaled="0"/>
+        </a:gradFill>
+      </a:bgFillStyleLst>
+    </a:fmtScheme>
+  </a:themeElements>
+  <a:extLst>
+    <a:ext uri="{05A4C25C-085E-4340-85A3-A5531E510DB2}">
+      <thm15:themeFamily xmlns:thm15="http://schemas.microsoft.com/office/thememl/2012/main" name="Office Theme" id="{62F939B6-93AF-4DB8-9C6B-D6C7DFDC589F}" vid="{4A3C46E8-61CC-4603-A589-7422A47A8E4A}"/>
+    </a:ext>
+  </a:extLst>
+</a:theme>
 </file>
--- a/_doc/readme.pptx
+++ b/_doc/readme.pptx
@@ -5,10 +5,10 @@
     <p:sldMasterId id="2147483648" r:id="rId1"/>
   </p:sldMasterIdLst>
   <p:notesMasterIdLst>
-    <p:notesMasterId r:id="rId13"/>
+    <p:notesMasterId r:id="rId14"/>
   </p:notesMasterIdLst>
   <p:handoutMasterIdLst>
-    <p:handoutMasterId r:id="rId14"/>
+    <p:handoutMasterId r:id="rId15"/>
   </p:handoutMasterIdLst>
   <p:sldIdLst>
     <p:sldId id="256" r:id="rId3"/>
@@ -19,13 +19,14 @@
     <p:sldId id="261" r:id="rId8"/>
     <p:sldId id="262" r:id="rId9"/>
     <p:sldId id="265" r:id="rId10"/>
-    <p:sldId id="266" r:id="rId11"/>
-    <p:sldId id="267" r:id="rId12"/>
+    <p:sldId id="268" r:id="rId11"/>
+    <p:sldId id="266" r:id="rId12"/>
+    <p:sldId id="267" r:id="rId13"/>
   </p:sldIdLst>
   <p:sldSz cx="12192000" cy="6858000"/>
   <p:notesSz cx="6858000" cy="9144000"/>
   <p:custDataLst>
-    <p:tags r:id="rId18"/>
+    <p:tags r:id="rId19"/>
   </p:custDataLst>
   <p:defaultTextStyle>
     <a:defPPr>
@@ -125,7 +126,7 @@
   <p:extLst>
     <p:ext uri="{EFAFB233-063F-42B5-8137-9DF3F51BA10A}">
       <p15:sldGuideLst xmlns:p15="http://schemas.microsoft.com/office/powerpoint/2012/main">
-        <p15:guide id="1" orient="horz" pos="2242" userDrawn="1">
+        <p15:guide id="1" orient="horz" pos="2291" userDrawn="1">
           <p15:clr>
             <a:srgbClr val="A4A3A4"/>
           </p15:clr>
@@ -5902,6 +5903,118 @@
         <p:nvPr/>
       </p:nvGrpSpPr>
       <p:grpSpPr/>
+      <p:grpSp>
+        <p:nvGrpSpPr>
+          <p:cNvPr id="10" name="组合 9"/>
+          <p:cNvGrpSpPr/>
+          <p:nvPr/>
+        </p:nvGrpSpPr>
+        <p:grpSpPr>
+          <a:xfrm>
+            <a:off x="5023485" y="3860165"/>
+            <a:ext cx="797560" cy="844550"/>
+            <a:chOff x="7911" y="6079"/>
+            <a:chExt cx="1256" cy="1330"/>
+          </a:xfrm>
+        </p:grpSpPr>
+        <p:pic>
+          <p:nvPicPr>
+            <p:cNvPr id="4" name="图片 3" descr="路由器"/>
+            <p:cNvPicPr>
+              <a:picLocks noChangeAspect="1"/>
+            </p:cNvPicPr>
+            <p:nvPr/>
+          </p:nvPicPr>
+          <p:blipFill>
+            <a:blip r:embed="rId1">
+              <a:extLst>
+                <a:ext uri="{96DAC541-7B7A-43D3-8B79-37D633B846F1}">
+                  <asvg:svgBlip xmlns:asvg="http://schemas.microsoft.com/office/drawing/2016/SVG/main" r:embed="rId2"/>
+                </a:ext>
+              </a:extLst>
+            </a:blip>
+            <a:stretch>
+              <a:fillRect/>
+            </a:stretch>
+          </p:blipFill>
+          <p:spPr>
+            <a:xfrm>
+              <a:off x="7920" y="6079"/>
+              <a:ext cx="1093" cy="1093"/>
+            </a:xfrm>
+            <a:prstGeom prst="rect">
+              <a:avLst/>
+            </a:prstGeom>
+          </p:spPr>
+        </p:pic>
+        <p:sp>
+          <p:nvSpPr>
+            <p:cNvPr id="7" name="文本框 6"/>
+            <p:cNvSpPr txBox="1"/>
+            <p:nvPr/>
+          </p:nvSpPr>
+          <p:spPr>
+            <a:xfrm>
+              <a:off x="7911" y="6951"/>
+              <a:ext cx="1256" cy="459"/>
+            </a:xfrm>
+            <a:prstGeom prst="rect">
+              <a:avLst/>
+            </a:prstGeom>
+            <a:noFill/>
+            <a:ln>
+              <a:noFill/>
+            </a:ln>
+          </p:spPr>
+          <p:txBody>
+            <a:bodyPr wrap="square" rtlCol="0">
+              <a:noAutofit/>
+            </a:bodyPr>
+            <a:p>
+              <a:pPr lvl="0"/>
+              <a:r>
+                <a:rPr lang="en-US" altLang="zh-CN">
+                  <a:latin typeface="方正粗圆_GBK" panose="03000509000000000000" charset="-122"/>
+                  <a:ea typeface="方正粗圆_GBK" panose="03000509000000000000" charset="-122"/>
+                  <a:sym typeface="方正兰亭黑简体" panose="02000000000000000000" charset="-122"/>
+                </a:rPr>
+                <a:t>HPPT</a:t>
+              </a:r>
+              <a:endParaRPr lang="en-US" altLang="zh-CN">
+                <a:latin typeface="方正粗圆_GBK" panose="03000509000000000000" charset="-122"/>
+                <a:ea typeface="方正粗圆_GBK" panose="03000509000000000000" charset="-122"/>
+                <a:sym typeface="方正兰亭黑简体" panose="02000000000000000000" charset="-122"/>
+              </a:endParaRPr>
+            </a:p>
+          </p:txBody>
+        </p:sp>
+      </p:grpSp>
+    </p:spTree>
+  </p:cSld>
+  <p:clrMapOvr>
+    <a:masterClrMapping/>
+  </p:clrMapOvr>
+  <mc:AlternateContent xmlns:mc="http://schemas.openxmlformats.org/markup-compatibility/2006">
+    <mc:Choice xmlns:p14="http://schemas.microsoft.com/office/powerpoint/2010/main" Requires="p14">
+      <p:transition p14:dur="500"/>
+    </mc:Choice>
+    <mc:Fallback>
+      <p:transition/>
+    </mc:Fallback>
+  </mc:AlternateContent>
+</p:sld>
+</file>
+
+<file path=ppt/slides/slide11.xml><?xml version="1.0" encoding="utf-8"?>
+<p:sld xmlns:a="http://schemas.openxmlformats.org/drawingml/2006/main" xmlns:r="http://schemas.openxmlformats.org/officeDocument/2006/relationships" xmlns:p="http://schemas.openxmlformats.org/presentationml/2006/main">
+  <p:cSld>
+    <p:spTree>
+      <p:nvGrpSpPr>
+        <p:cNvPr id="1" name=""/>
+        <p:cNvGrpSpPr/>
+        <p:nvPr/>
+      </p:nvGrpSpPr>
+      <p:grpSpPr/>
       <p:sp>
         <p:nvSpPr>
           <p:cNvPr id="42" name="矩形 41"/>
@@ -9340,18 +9453,25 @@
       </p:sp>
       <p:sp>
         <p:nvSpPr>
-          <p:cNvPr id="5" name="圆角矩形 4"/>
+          <p:cNvPr id="9" name="圆角矩形 8"/>
           <p:cNvSpPr/>
-          <p:nvPr/>
-        </p:nvSpPr>
-        <p:spPr>
-          <a:xfrm>
-            <a:off x="5752465" y="1756410"/>
-            <a:ext cx="1764030" cy="402590"/>
+          <p:nvPr>
+            <p:custDataLst>
+              <p:tags r:id="rId3"/>
+            </p:custDataLst>
+          </p:nvPr>
+        </p:nvSpPr>
+        <p:spPr>
+          <a:xfrm>
+            <a:off x="9554210" y="4507865"/>
+            <a:ext cx="1734820" cy="402590"/>
           </a:xfrm>
           <a:prstGeom prst="roundRect">
             <a:avLst/>
           </a:prstGeom>
+          <a:solidFill>
+            <a:schemeClr val="accent4"/>
+          </a:solidFill>
         </p:spPr>
         <p:style>
           <a:lnRef idx="2">
@@ -9375,30 +9495,45 @@
             <a:pPr algn="ctr"/>
             <a:r>
               <a:rPr lang="en-US" altLang="zh-CN"/>
-              <a:t>cs.jar</a:t>
-            </a:r>
-            <a:endParaRPr lang="en-US" altLang="zh-CN"/>
-          </a:p>
-        </p:txBody>
-      </p:sp>
-      <p:sp>
-        <p:nvSpPr>
-          <p:cNvPr id="8" name="圆角矩形 7"/>
+              <a:t>SSH</a:t>
+            </a:r>
+            <a:r>
+              <a:rPr lang="zh-CN" altLang="en-US"/>
+              <a:t>端口（</a:t>
+            </a:r>
+            <a:r>
+              <a:rPr lang="en-US" altLang="zh-CN"/>
+              <a:t>22</a:t>
+            </a:r>
+            <a:r>
+              <a:rPr lang="zh-CN" altLang="en-US"/>
+              <a:t>）</a:t>
+            </a:r>
+            <a:endParaRPr lang="zh-CN" altLang="en-US"/>
+          </a:p>
+        </p:txBody>
+      </p:sp>
+      <p:sp>
+        <p:nvSpPr>
+          <p:cNvPr id="10" name="圆角矩形 9"/>
           <p:cNvSpPr/>
           <p:nvPr>
             <p:custDataLst>
-              <p:tags r:id="rId3"/>
+              <p:tags r:id="rId4"/>
             </p:custDataLst>
           </p:nvPr>
         </p:nvSpPr>
         <p:spPr>
           <a:xfrm>
-            <a:off x="7790180" y="3521710"/>
-            <a:ext cx="1764030" cy="402590"/>
+            <a:off x="4708525" y="898525"/>
+            <a:ext cx="2720975" cy="402590"/>
           </a:xfrm>
           <a:prstGeom prst="roundRect">
             <a:avLst/>
           </a:prstGeom>
+          <a:solidFill>
+            <a:schemeClr val="accent4"/>
+          </a:solidFill>
         </p:spPr>
         <p:style>
           <a:lnRef idx="2">
@@ -9422,65 +9557,15 @@
             <a:pPr algn="ctr"/>
             <a:r>
               <a:rPr lang="en-US" altLang="zh-CN"/>
-              <a:t>cc.jar</a:t>
-            </a:r>
-            <a:endParaRPr lang="en-US" altLang="zh-CN"/>
-          </a:p>
-        </p:txBody>
-      </p:sp>
-      <p:sp>
-        <p:nvSpPr>
-          <p:cNvPr id="9" name="圆角矩形 8"/>
-          <p:cNvSpPr/>
-          <p:nvPr>
-            <p:custDataLst>
-              <p:tags r:id="rId4"/>
-            </p:custDataLst>
-          </p:nvPr>
-        </p:nvSpPr>
-        <p:spPr>
-          <a:xfrm>
-            <a:off x="9554210" y="4507865"/>
-            <a:ext cx="1734820" cy="402590"/>
-          </a:xfrm>
-          <a:prstGeom prst="roundRect">
-            <a:avLst/>
-          </a:prstGeom>
-          <a:solidFill>
-            <a:schemeClr val="accent4"/>
-          </a:solidFill>
-        </p:spPr>
-        <p:style>
-          <a:lnRef idx="2">
-            <a:schemeClr val="accent1">
-              <a:lumMod val="75000"/>
-            </a:schemeClr>
-          </a:lnRef>
-          <a:fillRef idx="1">
-            <a:schemeClr val="accent1"/>
-          </a:fillRef>
-          <a:effectRef idx="0">
-            <a:srgbClr val="FFFFFF"/>
-          </a:effectRef>
-          <a:fontRef idx="minor">
-            <a:schemeClr val="lt1"/>
-          </a:fontRef>
-        </p:style>
-        <p:txBody>
-          <a:bodyPr rtlCol="0" anchor="ctr"/>
-          <a:p>
-            <a:pPr algn="ctr"/>
+              <a:t>SSH</a:t>
+            </a:r>
+            <a:r>
+              <a:rPr lang="zh-CN" altLang="en-US"/>
+              <a:t>代理端口（</a:t>
+            </a:r>
             <a:r>
               <a:rPr lang="en-US" altLang="zh-CN"/>
-              <a:t>SSH</a:t>
-            </a:r>
-            <a:r>
-              <a:rPr lang="zh-CN" altLang="en-US"/>
-              <a:t>端口（</a:t>
-            </a:r>
-            <a:r>
-              <a:rPr lang="en-US" altLang="zh-CN"/>
-              <a:t>22</a:t>
+              <a:t>10022</a:t>
             </a:r>
             <a:r>
               <a:rPr lang="zh-CN" altLang="en-US"/>
@@ -9492,73 +9577,11 @@
       </p:sp>
       <p:sp>
         <p:nvSpPr>
-          <p:cNvPr id="10" name="圆角矩形 9"/>
+          <p:cNvPr id="11" name="圆角矩形 10"/>
           <p:cNvSpPr/>
           <p:nvPr>
             <p:custDataLst>
               <p:tags r:id="rId5"/>
-            </p:custDataLst>
-          </p:nvPr>
-        </p:nvSpPr>
-        <p:spPr>
-          <a:xfrm>
-            <a:off x="4708525" y="898525"/>
-            <a:ext cx="2720975" cy="402590"/>
-          </a:xfrm>
-          <a:prstGeom prst="roundRect">
-            <a:avLst/>
-          </a:prstGeom>
-          <a:solidFill>
-            <a:schemeClr val="accent4"/>
-          </a:solidFill>
-        </p:spPr>
-        <p:style>
-          <a:lnRef idx="2">
-            <a:schemeClr val="accent1">
-              <a:lumMod val="75000"/>
-            </a:schemeClr>
-          </a:lnRef>
-          <a:fillRef idx="1">
-            <a:schemeClr val="accent1"/>
-          </a:fillRef>
-          <a:effectRef idx="0">
-            <a:srgbClr val="FFFFFF"/>
-          </a:effectRef>
-          <a:fontRef idx="minor">
-            <a:schemeClr val="lt1"/>
-          </a:fontRef>
-        </p:style>
-        <p:txBody>
-          <a:bodyPr rtlCol="0" anchor="ctr"/>
-          <a:p>
-            <a:pPr algn="ctr"/>
-            <a:r>
-              <a:rPr lang="en-US" altLang="zh-CN"/>
-              <a:t>SSH</a:t>
-            </a:r>
-            <a:r>
-              <a:rPr lang="zh-CN" altLang="en-US"/>
-              <a:t>代理端口（</a:t>
-            </a:r>
-            <a:r>
-              <a:rPr lang="en-US" altLang="zh-CN"/>
-              <a:t>10022</a:t>
-            </a:r>
-            <a:r>
-              <a:rPr lang="zh-CN" altLang="en-US"/>
-              <a:t>）</a:t>
-            </a:r>
-            <a:endParaRPr lang="zh-CN" altLang="en-US"/>
-          </a:p>
-        </p:txBody>
-      </p:sp>
-      <p:sp>
-        <p:nvSpPr>
-          <p:cNvPr id="11" name="圆角矩形 10"/>
-          <p:cNvSpPr/>
-          <p:nvPr>
-            <p:custDataLst>
-              <p:tags r:id="rId6"/>
             </p:custDataLst>
           </p:nvPr>
         </p:nvSpPr>
@@ -9773,7 +9796,7 @@
           <p:cNvSpPr txBox="1"/>
           <p:nvPr>
             <p:custDataLst>
-              <p:tags r:id="rId7"/>
+              <p:tags r:id="rId6"/>
             </p:custDataLst>
           </p:nvPr>
         </p:nvSpPr>
@@ -9806,7 +9829,7 @@
           <p:cNvSpPr txBox="1"/>
           <p:nvPr>
             <p:custDataLst>
-              <p:tags r:id="rId8"/>
+              <p:tags r:id="rId7"/>
             </p:custDataLst>
           </p:nvPr>
         </p:nvSpPr>
@@ -9830,6 +9853,236 @@
               <a:t>公网服务器</a:t>
             </a:r>
             <a:endParaRPr lang="zh-CN" altLang="en-US"/>
+          </a:p>
+        </p:txBody>
+      </p:sp>
+      <p:sp>
+        <p:nvSpPr>
+          <p:cNvPr id="6" name="文本框 5"/>
+          <p:cNvSpPr txBox="1"/>
+          <p:nvPr/>
+        </p:nvSpPr>
+        <p:spPr>
+          <a:xfrm>
+            <a:off x="5200015" y="525780"/>
+            <a:ext cx="1598295" cy="306705"/>
+          </a:xfrm>
+          <a:prstGeom prst="rect">
+            <a:avLst/>
+          </a:prstGeom>
+          <a:noFill/>
+        </p:spPr>
+        <p:txBody>
+          <a:bodyPr wrap="square" rtlCol="0">
+            <a:spAutoFit/>
+          </a:bodyPr>
+          <a:p>
+            <a:r>
+              <a:rPr lang="zh-CN" altLang="en-US" sz="1400"/>
+              <a:t>111.222.33.44</a:t>
+            </a:r>
+            <a:endParaRPr lang="en-US" altLang="zh-CN" sz="1400"/>
+          </a:p>
+        </p:txBody>
+      </p:sp>
+      <p:grpSp>
+        <p:nvGrpSpPr>
+          <p:cNvPr id="7" name="组合 6"/>
+          <p:cNvGrpSpPr/>
+          <p:nvPr/>
+        </p:nvGrpSpPr>
+        <p:grpSpPr>
+          <a:xfrm>
+            <a:off x="8373110" y="3194685"/>
+            <a:ext cx="797560" cy="844550"/>
+            <a:chOff x="7911" y="6079"/>
+            <a:chExt cx="1256" cy="1330"/>
+          </a:xfrm>
+        </p:grpSpPr>
+        <p:pic>
+          <p:nvPicPr>
+            <p:cNvPr id="19" name="图片 18" descr="路由器"/>
+            <p:cNvPicPr>
+              <a:picLocks noChangeAspect="1"/>
+            </p:cNvPicPr>
+            <p:nvPr/>
+          </p:nvPicPr>
+          <p:blipFill>
+            <a:blip r:embed="rId8">
+              <a:extLst>
+                <a:ext uri="{96DAC541-7B7A-43D3-8B79-37D633B846F1}">
+                  <asvg:svgBlip xmlns:asvg="http://schemas.microsoft.com/office/drawing/2016/SVG/main" r:embed="rId9"/>
+                </a:ext>
+              </a:extLst>
+            </a:blip>
+            <a:stretch>
+              <a:fillRect/>
+            </a:stretch>
+          </p:blipFill>
+          <p:spPr>
+            <a:xfrm>
+              <a:off x="7920" y="6079"/>
+              <a:ext cx="1093" cy="1093"/>
+            </a:xfrm>
+            <a:prstGeom prst="rect">
+              <a:avLst/>
+            </a:prstGeom>
+          </p:spPr>
+        </p:pic>
+        <p:sp>
+          <p:nvSpPr>
+            <p:cNvPr id="20" name="文本框 19"/>
+            <p:cNvSpPr txBox="1"/>
+            <p:nvPr/>
+          </p:nvSpPr>
+          <p:spPr>
+            <a:xfrm>
+              <a:off x="7911" y="6951"/>
+              <a:ext cx="1256" cy="459"/>
+            </a:xfrm>
+            <a:prstGeom prst="rect">
+              <a:avLst/>
+            </a:prstGeom>
+            <a:noFill/>
+            <a:ln>
+              <a:noFill/>
+            </a:ln>
+          </p:spPr>
+          <p:txBody>
+            <a:bodyPr wrap="square" rtlCol="0">
+              <a:noAutofit/>
+            </a:bodyPr>
+            <a:p>
+              <a:pPr lvl="0"/>
+              <a:r>
+                <a:rPr lang="en-US" altLang="zh-CN">
+                  <a:latin typeface="方正粗圆_GBK" panose="03000509000000000000" charset="-122"/>
+                  <a:ea typeface="方正粗圆_GBK" panose="03000509000000000000" charset="-122"/>
+                  <a:sym typeface="方正兰亭黑简体" panose="02000000000000000000" charset="-122"/>
+                </a:rPr>
+                <a:t>HPPT</a:t>
+              </a:r>
+              <a:endParaRPr lang="en-US" altLang="zh-CN">
+                <a:latin typeface="方正粗圆_GBK" panose="03000509000000000000" charset="-122"/>
+                <a:ea typeface="方正粗圆_GBK" panose="03000509000000000000" charset="-122"/>
+                <a:sym typeface="方正兰亭黑简体" panose="02000000000000000000" charset="-122"/>
+              </a:endParaRPr>
+            </a:p>
+          </p:txBody>
+        </p:sp>
+      </p:grpSp>
+      <p:grpSp>
+        <p:nvGrpSpPr>
+          <p:cNvPr id="21" name="组合 20"/>
+          <p:cNvGrpSpPr/>
+          <p:nvPr/>
+        </p:nvGrpSpPr>
+        <p:grpSpPr>
+          <a:xfrm>
+            <a:off x="6393180" y="1430655"/>
+            <a:ext cx="797560" cy="844550"/>
+            <a:chOff x="7911" y="6079"/>
+            <a:chExt cx="1256" cy="1330"/>
+          </a:xfrm>
+        </p:grpSpPr>
+        <p:pic>
+          <p:nvPicPr>
+            <p:cNvPr id="22" name="图片 21" descr="路由器"/>
+            <p:cNvPicPr>
+              <a:picLocks noChangeAspect="1"/>
+            </p:cNvPicPr>
+            <p:nvPr/>
+          </p:nvPicPr>
+          <p:blipFill>
+            <a:blip r:embed="rId8">
+              <a:extLst>
+                <a:ext uri="{96DAC541-7B7A-43D3-8B79-37D633B846F1}">
+                  <asvg:svgBlip xmlns:asvg="http://schemas.microsoft.com/office/drawing/2016/SVG/main" r:embed="rId9"/>
+                </a:ext>
+              </a:extLst>
+            </a:blip>
+            <a:stretch>
+              <a:fillRect/>
+            </a:stretch>
+          </p:blipFill>
+          <p:spPr>
+            <a:xfrm>
+              <a:off x="7920" y="6079"/>
+              <a:ext cx="1093" cy="1093"/>
+            </a:xfrm>
+            <a:prstGeom prst="rect">
+              <a:avLst/>
+            </a:prstGeom>
+          </p:spPr>
+        </p:pic>
+        <p:sp>
+          <p:nvSpPr>
+            <p:cNvPr id="23" name="文本框 22"/>
+            <p:cNvSpPr txBox="1"/>
+            <p:nvPr/>
+          </p:nvSpPr>
+          <p:spPr>
+            <a:xfrm>
+              <a:off x="7911" y="6951"/>
+              <a:ext cx="1256" cy="459"/>
+            </a:xfrm>
+            <a:prstGeom prst="rect">
+              <a:avLst/>
+            </a:prstGeom>
+            <a:noFill/>
+            <a:ln>
+              <a:noFill/>
+            </a:ln>
+          </p:spPr>
+          <p:txBody>
+            <a:bodyPr wrap="square" rtlCol="0">
+              <a:noAutofit/>
+            </a:bodyPr>
+            <a:p>
+              <a:pPr lvl="0"/>
+              <a:r>
+                <a:rPr lang="en-US" altLang="zh-CN">
+                  <a:latin typeface="方正粗圆_GBK" panose="03000509000000000000" charset="-122"/>
+                  <a:ea typeface="方正粗圆_GBK" panose="03000509000000000000" charset="-122"/>
+                  <a:sym typeface="方正兰亭黑简体" panose="02000000000000000000" charset="-122"/>
+                </a:rPr>
+                <a:t>HPPT</a:t>
+              </a:r>
+              <a:endParaRPr lang="en-US" altLang="zh-CN">
+                <a:latin typeface="方正粗圆_GBK" panose="03000509000000000000" charset="-122"/>
+                <a:ea typeface="方正粗圆_GBK" panose="03000509000000000000" charset="-122"/>
+                <a:sym typeface="方正兰亭黑简体" panose="02000000000000000000" charset="-122"/>
+              </a:endParaRPr>
+            </a:p>
+          </p:txBody>
+        </p:sp>
+      </p:grpSp>
+      <p:sp>
+        <p:nvSpPr>
+          <p:cNvPr id="24" name="文本框 23"/>
+          <p:cNvSpPr txBox="1"/>
+          <p:nvPr/>
+        </p:nvSpPr>
+        <p:spPr>
+          <a:xfrm>
+            <a:off x="9855835" y="3637280"/>
+            <a:ext cx="1598295" cy="306705"/>
+          </a:xfrm>
+          <a:prstGeom prst="rect">
+            <a:avLst/>
+          </a:prstGeom>
+          <a:noFill/>
+        </p:spPr>
+        <p:txBody>
+          <a:bodyPr wrap="square" rtlCol="0">
+            <a:spAutoFit/>
+          </a:bodyPr>
+          <a:p>
+            <a:r>
+              <a:rPr lang="en-US" altLang="zh-CN" sz="1400"/>
+              <a:t>192.168.0.2</a:t>
+            </a:r>
+            <a:endParaRPr lang="en-US" altLang="zh-CN" sz="1400"/>
           </a:p>
         </p:txBody>
       </p:sp>
@@ -9965,49 +10218,6 @@
       </p:sp>
       <p:sp>
         <p:nvSpPr>
-          <p:cNvPr id="5" name="圆角矩形 4"/>
-          <p:cNvSpPr/>
-          <p:nvPr/>
-        </p:nvSpPr>
-        <p:spPr>
-          <a:xfrm>
-            <a:off x="5946775" y="2231390"/>
-            <a:ext cx="1764030" cy="402590"/>
-          </a:xfrm>
-          <a:prstGeom prst="roundRect">
-            <a:avLst/>
-          </a:prstGeom>
-        </p:spPr>
-        <p:style>
-          <a:lnRef idx="2">
-            <a:schemeClr val="accent1">
-              <a:lumMod val="75000"/>
-            </a:schemeClr>
-          </a:lnRef>
-          <a:fillRef idx="1">
-            <a:schemeClr val="accent1"/>
-          </a:fillRef>
-          <a:effectRef idx="0">
-            <a:srgbClr val="FFFFFF"/>
-          </a:effectRef>
-          <a:fontRef idx="minor">
-            <a:schemeClr val="lt1"/>
-          </a:fontRef>
-        </p:style>
-        <p:txBody>
-          <a:bodyPr rtlCol="0" anchor="ctr"/>
-          <a:p>
-            <a:pPr algn="ctr"/>
-            <a:r>
-              <a:rPr lang="en-US" altLang="zh-CN"/>
-              <a:t>ss.jar</a:t>
-            </a:r>
-            <a:endParaRPr lang="en-US" altLang="zh-CN"/>
-          </a:p>
-        </p:txBody>
-      </p:sp>
-      <p:sp>
-        <p:nvSpPr>
           <p:cNvPr id="11" name="圆角矩形 10"/>
           <p:cNvSpPr/>
           <p:nvPr>
@@ -10326,53 +10536,6 @@
           </a:p>
         </p:txBody>
       </p:sp>
-      <p:sp>
-        <p:nvSpPr>
-          <p:cNvPr id="23" name="圆角矩形 22"/>
-          <p:cNvSpPr/>
-          <p:nvPr>
-            <p:custDataLst>
-              <p:tags r:id="rId8"/>
-            </p:custDataLst>
-          </p:nvPr>
-        </p:nvSpPr>
-        <p:spPr>
-          <a:xfrm>
-            <a:off x="5563235" y="4233545"/>
-            <a:ext cx="1764030" cy="402590"/>
-          </a:xfrm>
-          <a:prstGeom prst="roundRect">
-            <a:avLst/>
-          </a:prstGeom>
-        </p:spPr>
-        <p:style>
-          <a:lnRef idx="2">
-            <a:schemeClr val="accent1">
-              <a:lumMod val="75000"/>
-            </a:schemeClr>
-          </a:lnRef>
-          <a:fillRef idx="1">
-            <a:schemeClr val="accent1"/>
-          </a:fillRef>
-          <a:effectRef idx="0">
-            <a:srgbClr val="FFFFFF"/>
-          </a:effectRef>
-          <a:fontRef idx="minor">
-            <a:schemeClr val="lt1"/>
-          </a:fontRef>
-        </p:style>
-        <p:txBody>
-          <a:bodyPr rtlCol="0" anchor="ctr"/>
-          <a:p>
-            <a:pPr algn="ctr"/>
-            <a:r>
-              <a:rPr lang="en-US" altLang="zh-CN"/>
-              <a:t>sc.jar</a:t>
-            </a:r>
-            <a:endParaRPr lang="en-US" altLang="zh-CN"/>
-          </a:p>
-        </p:txBody>
-      </p:sp>
       <p:cxnSp>
         <p:nvCxnSpPr>
           <p:cNvPr id="24" name="直接连接符 23"/>
@@ -10412,7 +10575,7 @@
           <p:cNvSpPr/>
           <p:nvPr>
             <p:custDataLst>
-              <p:tags r:id="rId9"/>
+              <p:tags r:id="rId8"/>
             </p:custDataLst>
           </p:nvPr>
         </p:nvSpPr>
@@ -10600,6 +10763,250 @@
           </a:fontRef>
         </p:style>
       </p:cxnSp>
+      <p:sp>
+        <p:nvSpPr>
+          <p:cNvPr id="4" name="文本框 3"/>
+          <p:cNvSpPr txBox="1"/>
+          <p:nvPr/>
+        </p:nvSpPr>
+        <p:spPr>
+          <a:xfrm>
+            <a:off x="3972560" y="2391410"/>
+            <a:ext cx="1598295" cy="521970"/>
+          </a:xfrm>
+          <a:prstGeom prst="rect">
+            <a:avLst/>
+          </a:prstGeom>
+          <a:noFill/>
+        </p:spPr>
+        <p:txBody>
+          <a:bodyPr wrap="square" rtlCol="0">
+            <a:spAutoFit/>
+          </a:bodyPr>
+          <a:p>
+            <a:r>
+              <a:rPr lang="zh-CN" altLang="en-US" sz="1400"/>
+              <a:t>111.222.33.44</a:t>
+            </a:r>
+            <a:endParaRPr lang="zh-CN" altLang="en-US" sz="1400"/>
+          </a:p>
+          <a:p>
+            <a:r>
+              <a:rPr lang="en-US" altLang="zh-CN" sz="1400"/>
+              <a:t>192.168.0.1</a:t>
+            </a:r>
+            <a:endParaRPr lang="en-US" altLang="zh-CN" sz="1400"/>
+          </a:p>
+        </p:txBody>
+      </p:sp>
+      <p:sp>
+        <p:nvSpPr>
+          <p:cNvPr id="7" name="文本框 6"/>
+          <p:cNvSpPr txBox="1"/>
+          <p:nvPr/>
+        </p:nvSpPr>
+        <p:spPr>
+          <a:xfrm>
+            <a:off x="3964940" y="892175"/>
+            <a:ext cx="1598295" cy="521970"/>
+          </a:xfrm>
+          <a:prstGeom prst="rect">
+            <a:avLst/>
+          </a:prstGeom>
+          <a:noFill/>
+        </p:spPr>
+        <p:txBody>
+          <a:bodyPr wrap="square" rtlCol="0">
+            <a:spAutoFit/>
+          </a:bodyPr>
+          <a:p>
+            <a:r>
+              <a:rPr lang="zh-CN" altLang="en-US" sz="1400"/>
+              <a:t>111.222.33.44</a:t>
+            </a:r>
+            <a:endParaRPr lang="zh-CN" altLang="en-US" sz="1400"/>
+          </a:p>
+          <a:p>
+            <a:r>
+              <a:rPr lang="en-US" altLang="zh-CN" sz="1400"/>
+              <a:t>192.168.0.2</a:t>
+            </a:r>
+            <a:endParaRPr lang="en-US" altLang="zh-CN" sz="1400"/>
+          </a:p>
+        </p:txBody>
+      </p:sp>
+      <p:grpSp>
+        <p:nvGrpSpPr>
+          <p:cNvPr id="10" name="组合 9"/>
+          <p:cNvGrpSpPr/>
+          <p:nvPr/>
+        </p:nvGrpSpPr>
+        <p:grpSpPr>
+          <a:xfrm>
+            <a:off x="6529705" y="1864995"/>
+            <a:ext cx="797560" cy="844550"/>
+            <a:chOff x="7911" y="6079"/>
+            <a:chExt cx="1256" cy="1330"/>
+          </a:xfrm>
+        </p:grpSpPr>
+        <p:pic>
+          <p:nvPicPr>
+            <p:cNvPr id="8" name="图片 7" descr="路由器"/>
+            <p:cNvPicPr>
+              <a:picLocks noChangeAspect="1"/>
+            </p:cNvPicPr>
+            <p:nvPr/>
+          </p:nvPicPr>
+          <p:blipFill>
+            <a:blip r:embed="rId9">
+              <a:extLst>
+                <a:ext uri="{96DAC541-7B7A-43D3-8B79-37D633B846F1}">
+                  <asvg:svgBlip xmlns:asvg="http://schemas.microsoft.com/office/drawing/2016/SVG/main" r:embed="rId10"/>
+                </a:ext>
+              </a:extLst>
+            </a:blip>
+            <a:stretch>
+              <a:fillRect/>
+            </a:stretch>
+          </p:blipFill>
+          <p:spPr>
+            <a:xfrm>
+              <a:off x="7920" y="6079"/>
+              <a:ext cx="1093" cy="1093"/>
+            </a:xfrm>
+            <a:prstGeom prst="rect">
+              <a:avLst/>
+            </a:prstGeom>
+          </p:spPr>
+        </p:pic>
+        <p:sp>
+          <p:nvSpPr>
+            <p:cNvPr id="9" name="文本框 8"/>
+            <p:cNvSpPr txBox="1"/>
+            <p:nvPr/>
+          </p:nvSpPr>
+          <p:spPr>
+            <a:xfrm>
+              <a:off x="7911" y="6951"/>
+              <a:ext cx="1256" cy="459"/>
+            </a:xfrm>
+            <a:prstGeom prst="rect">
+              <a:avLst/>
+            </a:prstGeom>
+            <a:noFill/>
+            <a:ln>
+              <a:noFill/>
+            </a:ln>
+          </p:spPr>
+          <p:txBody>
+            <a:bodyPr wrap="square" rtlCol="0">
+              <a:noAutofit/>
+            </a:bodyPr>
+            <a:p>
+              <a:pPr lvl="0"/>
+              <a:r>
+                <a:rPr lang="en-US" altLang="zh-CN">
+                  <a:latin typeface="方正粗圆_GBK" panose="03000509000000000000" charset="-122"/>
+                  <a:ea typeface="方正粗圆_GBK" panose="03000509000000000000" charset="-122"/>
+                  <a:sym typeface="方正兰亭黑简体" panose="02000000000000000000" charset="-122"/>
+                </a:rPr>
+                <a:t>HPPT</a:t>
+              </a:r>
+              <a:endParaRPr lang="en-US" altLang="zh-CN">
+                <a:latin typeface="方正粗圆_GBK" panose="03000509000000000000" charset="-122"/>
+                <a:ea typeface="方正粗圆_GBK" panose="03000509000000000000" charset="-122"/>
+                <a:sym typeface="方正兰亭黑简体" panose="02000000000000000000" charset="-122"/>
+              </a:endParaRPr>
+            </a:p>
+          </p:txBody>
+        </p:sp>
+      </p:grpSp>
+      <p:grpSp>
+        <p:nvGrpSpPr>
+          <p:cNvPr id="12" name="组合 11"/>
+          <p:cNvGrpSpPr/>
+          <p:nvPr/>
+        </p:nvGrpSpPr>
+        <p:grpSpPr>
+          <a:xfrm>
+            <a:off x="6232525" y="3999230"/>
+            <a:ext cx="797560" cy="844550"/>
+            <a:chOff x="7911" y="6079"/>
+            <a:chExt cx="1256" cy="1330"/>
+          </a:xfrm>
+        </p:grpSpPr>
+        <p:pic>
+          <p:nvPicPr>
+            <p:cNvPr id="13" name="图片 12" descr="路由器"/>
+            <p:cNvPicPr>
+              <a:picLocks noChangeAspect="1"/>
+            </p:cNvPicPr>
+            <p:nvPr/>
+          </p:nvPicPr>
+          <p:blipFill>
+            <a:blip r:embed="rId9">
+              <a:extLst>
+                <a:ext uri="{96DAC541-7B7A-43D3-8B79-37D633B846F1}">
+                  <asvg:svgBlip xmlns:asvg="http://schemas.microsoft.com/office/drawing/2016/SVG/main" r:embed="rId10"/>
+                </a:ext>
+              </a:extLst>
+            </a:blip>
+            <a:stretch>
+              <a:fillRect/>
+            </a:stretch>
+          </p:blipFill>
+          <p:spPr>
+            <a:xfrm>
+              <a:off x="7920" y="6079"/>
+              <a:ext cx="1093" cy="1093"/>
+            </a:xfrm>
+            <a:prstGeom prst="rect">
+              <a:avLst/>
+            </a:prstGeom>
+          </p:spPr>
+        </p:pic>
+        <p:sp>
+          <p:nvSpPr>
+            <p:cNvPr id="14" name="文本框 13"/>
+            <p:cNvSpPr txBox="1"/>
+            <p:nvPr/>
+          </p:nvSpPr>
+          <p:spPr>
+            <a:xfrm>
+              <a:off x="7911" y="6951"/>
+              <a:ext cx="1256" cy="459"/>
+            </a:xfrm>
+            <a:prstGeom prst="rect">
+              <a:avLst/>
+            </a:prstGeom>
+            <a:noFill/>
+            <a:ln>
+              <a:noFill/>
+            </a:ln>
+          </p:spPr>
+          <p:txBody>
+            <a:bodyPr wrap="square" rtlCol="0">
+              <a:noAutofit/>
+            </a:bodyPr>
+            <a:p>
+              <a:pPr lvl="0"/>
+              <a:r>
+                <a:rPr lang="en-US" altLang="zh-CN">
+                  <a:latin typeface="方正粗圆_GBK" panose="03000509000000000000" charset="-122"/>
+                  <a:ea typeface="方正粗圆_GBK" panose="03000509000000000000" charset="-122"/>
+                  <a:sym typeface="方正兰亭黑简体" panose="02000000000000000000" charset="-122"/>
+                </a:rPr>
+                <a:t>HPPT</a:t>
+              </a:r>
+              <a:endParaRPr lang="en-US" altLang="zh-CN">
+                <a:latin typeface="方正粗圆_GBK" panose="03000509000000000000" charset="-122"/>
+                <a:ea typeface="方正粗圆_GBK" panose="03000509000000000000" charset="-122"/>
+                <a:sym typeface="方正兰亭黑简体" panose="02000000000000000000" charset="-122"/>
+              </a:endParaRPr>
+            </a:p>
+          </p:txBody>
+        </p:sp>
+      </p:grpSp>
     </p:spTree>
   </p:cSld>
   <p:clrMapOvr>
@@ -15086,15 +15493,449 @@
         <p:nvPr/>
       </p:nvGrpSpPr>
       <p:grpSpPr/>
+      <p:sp>
+        <p:nvSpPr>
+          <p:cNvPr id="2" name="矩形 1"/>
+          <p:cNvSpPr/>
+          <p:nvPr/>
+        </p:nvSpPr>
+        <p:spPr>
+          <a:xfrm>
+            <a:off x="3852545" y="404495"/>
+            <a:ext cx="4102735" cy="2264410"/>
+          </a:xfrm>
+          <a:prstGeom prst="rect">
+            <a:avLst/>
+          </a:prstGeom>
+          <a:solidFill>
+            <a:schemeClr val="bg1"/>
+          </a:solidFill>
+          <a:ln w="28575" cmpd="sng">
+            <a:solidFill>
+              <a:schemeClr val="accent1">
+                <a:shade val="50000"/>
+              </a:schemeClr>
+            </a:solidFill>
+            <a:prstDash val="sysDot"/>
+          </a:ln>
+        </p:spPr>
+        <p:style>
+          <a:lnRef idx="2">
+            <a:schemeClr val="accent1">
+              <a:lumMod val="75000"/>
+            </a:schemeClr>
+          </a:lnRef>
+          <a:fillRef idx="1">
+            <a:schemeClr val="accent1"/>
+          </a:fillRef>
+          <a:effectRef idx="0">
+            <a:srgbClr val="FFFFFF"/>
+          </a:effectRef>
+          <a:fontRef idx="minor">
+            <a:schemeClr val="lt1"/>
+          </a:fontRef>
+        </p:style>
+        <p:txBody>
+          <a:bodyPr rtlCol="0" anchor="ctr"/>
+          <a:p>
+            <a:pPr algn="ctr"/>
+            <a:endParaRPr lang="zh-CN" altLang="en-US"/>
+          </a:p>
+        </p:txBody>
+      </p:sp>
+      <p:sp>
+        <p:nvSpPr>
+          <p:cNvPr id="3" name="矩形 2"/>
+          <p:cNvSpPr/>
+          <p:nvPr>
+            <p:custDataLst>
+              <p:tags r:id="rId1"/>
+            </p:custDataLst>
+          </p:nvPr>
+        </p:nvSpPr>
+        <p:spPr>
+          <a:xfrm>
+            <a:off x="835025" y="2993390"/>
+            <a:ext cx="4102735" cy="2264410"/>
+          </a:xfrm>
+          <a:prstGeom prst="rect">
+            <a:avLst/>
+          </a:prstGeom>
+          <a:solidFill>
+            <a:schemeClr val="bg1"/>
+          </a:solidFill>
+          <a:ln w="28575" cmpd="sng">
+            <a:solidFill>
+              <a:schemeClr val="accent1">
+                <a:shade val="50000"/>
+              </a:schemeClr>
+            </a:solidFill>
+            <a:prstDash val="sysDot"/>
+          </a:ln>
+        </p:spPr>
+        <p:style>
+          <a:lnRef idx="2">
+            <a:schemeClr val="accent1">
+              <a:lumMod val="75000"/>
+            </a:schemeClr>
+          </a:lnRef>
+          <a:fillRef idx="1">
+            <a:schemeClr val="accent1"/>
+          </a:fillRef>
+          <a:effectRef idx="0">
+            <a:srgbClr val="FFFFFF"/>
+          </a:effectRef>
+          <a:fontRef idx="minor">
+            <a:schemeClr val="lt1"/>
+          </a:fontRef>
+        </p:style>
+        <p:txBody>
+          <a:bodyPr rtlCol="0" anchor="ctr"/>
+          <a:p>
+            <a:pPr algn="ctr"/>
+            <a:endParaRPr lang="zh-CN" altLang="en-US"/>
+          </a:p>
+        </p:txBody>
+      </p:sp>
+      <p:sp>
+        <p:nvSpPr>
+          <p:cNvPr id="4" name="矩形 3"/>
+          <p:cNvSpPr/>
+          <p:nvPr>
+            <p:custDataLst>
+              <p:tags r:id="rId2"/>
+            </p:custDataLst>
+          </p:nvPr>
+        </p:nvSpPr>
+        <p:spPr>
+          <a:xfrm>
+            <a:off x="7351395" y="2993390"/>
+            <a:ext cx="4102735" cy="2264410"/>
+          </a:xfrm>
+          <a:prstGeom prst="rect">
+            <a:avLst/>
+          </a:prstGeom>
+          <a:solidFill>
+            <a:schemeClr val="bg1"/>
+          </a:solidFill>
+          <a:ln w="28575" cmpd="sng">
+            <a:solidFill>
+              <a:schemeClr val="accent1">
+                <a:shade val="50000"/>
+              </a:schemeClr>
+            </a:solidFill>
+            <a:prstDash val="sysDot"/>
+          </a:ln>
+        </p:spPr>
+        <p:style>
+          <a:lnRef idx="2">
+            <a:schemeClr val="accent1">
+              <a:lumMod val="75000"/>
+            </a:schemeClr>
+          </a:lnRef>
+          <a:fillRef idx="1">
+            <a:schemeClr val="accent1"/>
+          </a:fillRef>
+          <a:effectRef idx="0">
+            <a:srgbClr val="FFFFFF"/>
+          </a:effectRef>
+          <a:fontRef idx="minor">
+            <a:schemeClr val="lt1"/>
+          </a:fontRef>
+        </p:style>
+        <p:txBody>
+          <a:bodyPr rtlCol="0" anchor="ctr"/>
+          <a:p>
+            <a:pPr algn="ctr"/>
+            <a:endParaRPr lang="zh-CN" altLang="en-US"/>
+          </a:p>
+        </p:txBody>
+      </p:sp>
+      <p:sp>
+        <p:nvSpPr>
+          <p:cNvPr id="9" name="圆角矩形 8"/>
+          <p:cNvSpPr/>
+          <p:nvPr>
+            <p:custDataLst>
+              <p:tags r:id="rId3"/>
+            </p:custDataLst>
+          </p:nvPr>
+        </p:nvSpPr>
+        <p:spPr>
+          <a:xfrm>
+            <a:off x="9554210" y="4507865"/>
+            <a:ext cx="1734820" cy="402590"/>
+          </a:xfrm>
+          <a:prstGeom prst="roundRect">
+            <a:avLst/>
+          </a:prstGeom>
+          <a:solidFill>
+            <a:schemeClr val="accent4"/>
+          </a:solidFill>
+        </p:spPr>
+        <p:style>
+          <a:lnRef idx="2">
+            <a:schemeClr val="accent1">
+              <a:lumMod val="75000"/>
+            </a:schemeClr>
+          </a:lnRef>
+          <a:fillRef idx="1">
+            <a:schemeClr val="accent1"/>
+          </a:fillRef>
+          <a:effectRef idx="0">
+            <a:srgbClr val="FFFFFF"/>
+          </a:effectRef>
+          <a:fontRef idx="minor">
+            <a:schemeClr val="lt1"/>
+          </a:fontRef>
+        </p:style>
+        <p:txBody>
+          <a:bodyPr rtlCol="0" anchor="ctr"/>
+          <a:p>
+            <a:pPr algn="ctr"/>
+            <a:r>
+              <a:rPr lang="en-US" altLang="zh-CN"/>
+              <a:t>SSH</a:t>
+            </a:r>
+            <a:r>
+              <a:rPr lang="zh-CN" altLang="en-US"/>
+              <a:t>端口（</a:t>
+            </a:r>
+            <a:r>
+              <a:rPr lang="en-US" altLang="zh-CN"/>
+              <a:t>22</a:t>
+            </a:r>
+            <a:r>
+              <a:rPr lang="zh-CN" altLang="en-US"/>
+              <a:t>）</a:t>
+            </a:r>
+            <a:endParaRPr lang="zh-CN" altLang="en-US"/>
+          </a:p>
+        </p:txBody>
+      </p:sp>
+      <p:sp>
+        <p:nvSpPr>
+          <p:cNvPr id="11" name="圆角矩形 10"/>
+          <p:cNvSpPr/>
+          <p:nvPr>
+            <p:custDataLst>
+              <p:tags r:id="rId4"/>
+            </p:custDataLst>
+          </p:nvPr>
+        </p:nvSpPr>
+        <p:spPr>
+          <a:xfrm>
+            <a:off x="1168400" y="4660265"/>
+            <a:ext cx="1734820" cy="402590"/>
+          </a:xfrm>
+          <a:prstGeom prst="roundRect">
+            <a:avLst/>
+          </a:prstGeom>
+          <a:solidFill>
+            <a:schemeClr val="accent5"/>
+          </a:solidFill>
+        </p:spPr>
+        <p:style>
+          <a:lnRef idx="2">
+            <a:schemeClr val="accent1">
+              <a:lumMod val="75000"/>
+            </a:schemeClr>
+          </a:lnRef>
+          <a:fillRef idx="1">
+            <a:schemeClr val="accent1"/>
+          </a:fillRef>
+          <a:effectRef idx="0">
+            <a:srgbClr val="FFFFFF"/>
+          </a:effectRef>
+          <a:fontRef idx="minor">
+            <a:schemeClr val="lt1"/>
+          </a:fontRef>
+        </p:style>
+        <p:txBody>
+          <a:bodyPr rtlCol="0" anchor="ctr"/>
+          <a:p>
+            <a:pPr algn="ctr"/>
+            <a:r>
+              <a:rPr lang="en-US" altLang="zh-CN"/>
+              <a:t>linux</a:t>
+            </a:r>
+            <a:r>
+              <a:rPr lang="zh-CN" altLang="en-US"/>
+              <a:t>连接工具</a:t>
+            </a:r>
+            <a:endParaRPr lang="zh-CN" altLang="en-US"/>
+          </a:p>
+        </p:txBody>
+      </p:sp>
+      <p:cxnSp>
+        <p:nvCxnSpPr>
+          <p:cNvPr id="12" name="直接连接符 11"/>
+          <p:cNvCxnSpPr>
+            <a:stCxn id="8" idx="2"/>
+            <a:endCxn id="9" idx="0"/>
+          </p:cNvCxnSpPr>
+          <p:nvPr/>
+        </p:nvCxnSpPr>
+        <p:spPr>
+          <a:xfrm>
+            <a:off x="8672195" y="3924300"/>
+            <a:ext cx="1749425" cy="583565"/>
+          </a:xfrm>
+          <a:prstGeom prst="line">
+            <a:avLst/>
+          </a:prstGeom>
+        </p:spPr>
+        <p:style>
+          <a:lnRef idx="2">
+            <a:schemeClr val="accent1"/>
+          </a:lnRef>
+          <a:fillRef idx="0">
+            <a:srgbClr val="FFFFFF"/>
+          </a:fillRef>
+          <a:effectRef idx="0">
+            <a:srgbClr val="FFFFFF"/>
+          </a:effectRef>
+          <a:fontRef idx="minor">
+            <a:schemeClr val="tx1"/>
+          </a:fontRef>
+        </p:style>
+      </p:cxnSp>
+      <p:cxnSp>
+        <p:nvCxnSpPr>
+          <p:cNvPr id="13" name="直接连接符 12"/>
+          <p:cNvCxnSpPr>
+            <a:stCxn id="8" idx="0"/>
+          </p:cNvCxnSpPr>
+          <p:nvPr/>
+        </p:nvCxnSpPr>
+        <p:spPr>
+          <a:xfrm flipH="1" flipV="1">
+            <a:off x="6645910" y="1988820"/>
+            <a:ext cx="2026285" cy="1532890"/>
+          </a:xfrm>
+          <a:prstGeom prst="line">
+            <a:avLst/>
+          </a:prstGeom>
+        </p:spPr>
+        <p:style>
+          <a:lnRef idx="2">
+            <a:schemeClr val="accent1"/>
+          </a:lnRef>
+          <a:fillRef idx="0">
+            <a:srgbClr val="FFFFFF"/>
+          </a:fillRef>
+          <a:effectRef idx="0">
+            <a:srgbClr val="FFFFFF"/>
+          </a:effectRef>
+          <a:fontRef idx="minor">
+            <a:schemeClr val="tx1"/>
+          </a:fontRef>
+        </p:style>
+      </p:cxnSp>
+      <p:sp>
+        <p:nvSpPr>
+          <p:cNvPr id="16" name="文本框 15"/>
+          <p:cNvSpPr txBox="1"/>
+          <p:nvPr/>
+        </p:nvSpPr>
+        <p:spPr>
+          <a:xfrm>
+            <a:off x="1015365" y="3244850"/>
+            <a:ext cx="1590675" cy="368300"/>
+          </a:xfrm>
+          <a:prstGeom prst="rect">
+            <a:avLst/>
+          </a:prstGeom>
+          <a:noFill/>
+        </p:spPr>
+        <p:txBody>
+          <a:bodyPr wrap="square" rtlCol="0">
+            <a:spAutoFit/>
+          </a:bodyPr>
+          <a:p>
+            <a:r>
+              <a:rPr lang="en-US" altLang="zh-CN"/>
+              <a:t>A</a:t>
+            </a:r>
+            <a:endParaRPr lang="en-US" altLang="zh-CN"/>
+          </a:p>
+        </p:txBody>
+      </p:sp>
+      <p:sp>
+        <p:nvSpPr>
+          <p:cNvPr id="17" name="文本框 16"/>
+          <p:cNvSpPr txBox="1"/>
+          <p:nvPr>
+            <p:custDataLst>
+              <p:tags r:id="rId5"/>
+            </p:custDataLst>
+          </p:nvPr>
+        </p:nvSpPr>
+        <p:spPr>
+          <a:xfrm>
+            <a:off x="10828655" y="3125470"/>
+            <a:ext cx="625475" cy="368300"/>
+          </a:xfrm>
+          <a:prstGeom prst="rect">
+            <a:avLst/>
+          </a:prstGeom>
+          <a:noFill/>
+        </p:spPr>
+        <p:txBody>
+          <a:bodyPr wrap="square" rtlCol="0">
+            <a:spAutoFit/>
+          </a:bodyPr>
+          <a:p>
+            <a:r>
+              <a:rPr lang="en-US" altLang="zh-CN"/>
+              <a:t>B</a:t>
+            </a:r>
+            <a:endParaRPr lang="en-US" altLang="zh-CN"/>
+          </a:p>
+        </p:txBody>
+      </p:sp>
+      <p:sp>
+        <p:nvSpPr>
+          <p:cNvPr id="18" name="文本框 17"/>
+          <p:cNvSpPr txBox="1"/>
+          <p:nvPr>
+            <p:custDataLst>
+              <p:tags r:id="rId6"/>
+            </p:custDataLst>
+          </p:nvPr>
+        </p:nvSpPr>
+        <p:spPr>
+          <a:xfrm>
+            <a:off x="3972560" y="464185"/>
+            <a:ext cx="1590675" cy="368300"/>
+          </a:xfrm>
+          <a:prstGeom prst="rect">
+            <a:avLst/>
+          </a:prstGeom>
+          <a:noFill/>
+        </p:spPr>
+        <p:txBody>
+          <a:bodyPr wrap="square" rtlCol="0">
+            <a:spAutoFit/>
+          </a:bodyPr>
+          <a:p>
+            <a:r>
+              <a:rPr lang="en-US" altLang="zh-CN"/>
+              <a:t>C</a:t>
+            </a:r>
+            <a:endParaRPr lang="en-US" altLang="zh-CN"/>
+          </a:p>
+        </p:txBody>
+      </p:sp>
       <p:grpSp>
         <p:nvGrpSpPr>
-          <p:cNvPr id="10" name="组合 9"/>
+          <p:cNvPr id="7" name="组合 6"/>
           <p:cNvGrpSpPr/>
           <p:nvPr/>
         </p:nvGrpSpPr>
         <p:grpSpPr>
           <a:xfrm>
-            <a:off x="5023485" y="3860165"/>
+            <a:off x="8373110" y="3194685"/>
             <a:ext cx="797560" cy="844550"/>
             <a:chOff x="7911" y="6079"/>
             <a:chExt cx="1256" cy="1330"/>
@@ -15102,17 +15943,17 @@
         </p:grpSpPr>
         <p:pic>
           <p:nvPicPr>
-            <p:cNvPr id="4" name="图片 3" descr="路由器"/>
+            <p:cNvPr id="19" name="图片 18" descr="路由器"/>
             <p:cNvPicPr>
               <a:picLocks noChangeAspect="1"/>
             </p:cNvPicPr>
             <p:nvPr/>
           </p:nvPicPr>
           <p:blipFill>
-            <a:blip r:embed="rId1">
+            <a:blip r:embed="rId7">
               <a:extLst>
                 <a:ext uri="{96DAC541-7B7A-43D3-8B79-37D633B846F1}">
-                  <asvg:svgBlip xmlns:asvg="http://schemas.microsoft.com/office/drawing/2016/SVG/main" r:embed="rId2"/>
+                  <asvg:svgBlip xmlns:asvg="http://schemas.microsoft.com/office/drawing/2016/SVG/main" r:embed="rId8"/>
                 </a:ext>
               </a:extLst>
             </a:blip>
@@ -15132,7 +15973,7 @@
         </p:pic>
         <p:sp>
           <p:nvSpPr>
-            <p:cNvPr id="7" name="文本框 6"/>
+            <p:cNvPr id="20" name="文本框 19"/>
             <p:cNvSpPr txBox="1"/>
             <p:nvPr/>
           </p:nvSpPr>
@@ -15172,6 +16013,373 @@
           </p:txBody>
         </p:sp>
       </p:grpSp>
+      <p:grpSp>
+        <p:nvGrpSpPr>
+          <p:cNvPr id="8" name="组合 7"/>
+          <p:cNvGrpSpPr/>
+          <p:nvPr/>
+        </p:nvGrpSpPr>
+        <p:grpSpPr>
+          <a:xfrm>
+            <a:off x="3525520" y="2971800"/>
+            <a:ext cx="797560" cy="844550"/>
+            <a:chOff x="7911" y="6079"/>
+            <a:chExt cx="1256" cy="1330"/>
+          </a:xfrm>
+        </p:grpSpPr>
+        <p:pic>
+          <p:nvPicPr>
+            <p:cNvPr id="25" name="图片 24" descr="路由器"/>
+            <p:cNvPicPr>
+              <a:picLocks noChangeAspect="1"/>
+            </p:cNvPicPr>
+            <p:nvPr/>
+          </p:nvPicPr>
+          <p:blipFill>
+            <a:blip r:embed="rId7">
+              <a:extLst>
+                <a:ext uri="{96DAC541-7B7A-43D3-8B79-37D633B846F1}">
+                  <asvg:svgBlip xmlns:asvg="http://schemas.microsoft.com/office/drawing/2016/SVG/main" r:embed="rId8"/>
+                </a:ext>
+              </a:extLst>
+            </a:blip>
+            <a:stretch>
+              <a:fillRect/>
+            </a:stretch>
+          </p:blipFill>
+          <p:spPr>
+            <a:xfrm>
+              <a:off x="7920" y="6079"/>
+              <a:ext cx="1093" cy="1093"/>
+            </a:xfrm>
+            <a:prstGeom prst="rect">
+              <a:avLst/>
+            </a:prstGeom>
+          </p:spPr>
+        </p:pic>
+        <p:sp>
+          <p:nvSpPr>
+            <p:cNvPr id="26" name="文本框 25"/>
+            <p:cNvSpPr txBox="1"/>
+            <p:nvPr/>
+          </p:nvSpPr>
+          <p:spPr>
+            <a:xfrm>
+              <a:off x="7911" y="6951"/>
+              <a:ext cx="1256" cy="459"/>
+            </a:xfrm>
+            <a:prstGeom prst="rect">
+              <a:avLst/>
+            </a:prstGeom>
+            <a:noFill/>
+            <a:ln>
+              <a:noFill/>
+            </a:ln>
+          </p:spPr>
+          <p:txBody>
+            <a:bodyPr wrap="square" rtlCol="0">
+              <a:noAutofit/>
+            </a:bodyPr>
+            <a:p>
+              <a:pPr lvl="0"/>
+              <a:r>
+                <a:rPr lang="en-US" altLang="zh-CN">
+                  <a:latin typeface="方正粗圆_GBK" panose="03000509000000000000" charset="-122"/>
+                  <a:ea typeface="方正粗圆_GBK" panose="03000509000000000000" charset="-122"/>
+                  <a:sym typeface="方正兰亭黑简体" panose="02000000000000000000" charset="-122"/>
+                </a:rPr>
+                <a:t>HPPT</a:t>
+              </a:r>
+              <a:endParaRPr lang="en-US" altLang="zh-CN">
+                <a:latin typeface="方正粗圆_GBK" panose="03000509000000000000" charset="-122"/>
+                <a:ea typeface="方正粗圆_GBK" panose="03000509000000000000" charset="-122"/>
+                <a:sym typeface="方正兰亭黑简体" panose="02000000000000000000" charset="-122"/>
+              </a:endParaRPr>
+            </a:p>
+          </p:txBody>
+        </p:sp>
+      </p:grpSp>
+      <p:pic>
+        <p:nvPicPr>
+          <p:cNvPr id="27" name="图片 26"/>
+          <p:cNvPicPr>
+            <a:picLocks noChangeAspect="1"/>
+          </p:cNvPicPr>
+          <p:nvPr/>
+        </p:nvPicPr>
+        <p:blipFill>
+          <a:blip r:embed="rId9"/>
+          <a:stretch>
+            <a:fillRect/>
+          </a:stretch>
+        </p:blipFill>
+        <p:spPr>
+          <a:xfrm>
+            <a:off x="5027930" y="1108710"/>
+            <a:ext cx="2162810" cy="882650"/>
+          </a:xfrm>
+          <a:prstGeom prst="rect">
+            <a:avLst/>
+          </a:prstGeom>
+          <a:solidFill>
+            <a:schemeClr val="tx1"/>
+          </a:solidFill>
+          <a:ln w="28575" cmpd="sng">
+            <a:solidFill>
+              <a:schemeClr val="accent1">
+                <a:shade val="50000"/>
+              </a:schemeClr>
+            </a:solidFill>
+            <a:prstDash val="solid"/>
+          </a:ln>
+        </p:spPr>
+      </p:pic>
+      <p:cxnSp>
+        <p:nvCxnSpPr>
+          <p:cNvPr id="28" name="直接连接符 27"/>
+          <p:cNvCxnSpPr>
+            <a:stCxn id="25" idx="3"/>
+          </p:cNvCxnSpPr>
+          <p:nvPr/>
+        </p:nvCxnSpPr>
+        <p:spPr>
+          <a:xfrm flipV="1">
+            <a:off x="4225290" y="1988820"/>
+            <a:ext cx="1703705" cy="1330325"/>
+          </a:xfrm>
+          <a:prstGeom prst="line">
+            <a:avLst/>
+          </a:prstGeom>
+        </p:spPr>
+        <p:style>
+          <a:lnRef idx="2">
+            <a:schemeClr val="accent1"/>
+          </a:lnRef>
+          <a:fillRef idx="0">
+            <a:srgbClr val="FFFFFF"/>
+          </a:fillRef>
+          <a:effectRef idx="0">
+            <a:srgbClr val="FFFFFF"/>
+          </a:effectRef>
+          <a:fontRef idx="minor">
+            <a:schemeClr val="tx1"/>
+          </a:fontRef>
+        </p:style>
+      </p:cxnSp>
+      <p:sp>
+        <p:nvSpPr>
+          <p:cNvPr id="29" name="圆角矩形 28"/>
+          <p:cNvSpPr/>
+          <p:nvPr>
+            <p:custDataLst>
+              <p:tags r:id="rId10"/>
+            </p:custDataLst>
+          </p:nvPr>
+        </p:nvSpPr>
+        <p:spPr>
+          <a:xfrm>
+            <a:off x="2014220" y="4037330"/>
+            <a:ext cx="2480945" cy="402590"/>
+          </a:xfrm>
+          <a:prstGeom prst="roundRect">
+            <a:avLst/>
+          </a:prstGeom>
+          <a:solidFill>
+            <a:schemeClr val="accent4"/>
+          </a:solidFill>
+        </p:spPr>
+        <p:style>
+          <a:lnRef idx="2">
+            <a:schemeClr val="accent1">
+              <a:lumMod val="75000"/>
+            </a:schemeClr>
+          </a:lnRef>
+          <a:fillRef idx="1">
+            <a:schemeClr val="accent1"/>
+          </a:fillRef>
+          <a:effectRef idx="0">
+            <a:srgbClr val="FFFFFF"/>
+          </a:effectRef>
+          <a:fontRef idx="minor">
+            <a:schemeClr val="lt1"/>
+          </a:fontRef>
+        </p:style>
+        <p:txBody>
+          <a:bodyPr rtlCol="0" anchor="ctr"/>
+          <a:p>
+            <a:pPr algn="ctr"/>
+            <a:r>
+              <a:rPr lang="en-US" altLang="zh-CN"/>
+              <a:t>SSH</a:t>
+            </a:r>
+            <a:r>
+              <a:rPr lang="zh-CN" altLang="en-US"/>
+              <a:t>代理端口（</a:t>
+            </a:r>
+            <a:r>
+              <a:rPr lang="en-US" altLang="zh-CN"/>
+              <a:t>10022</a:t>
+            </a:r>
+            <a:r>
+              <a:rPr lang="zh-CN" altLang="en-US"/>
+              <a:t>）</a:t>
+            </a:r>
+            <a:endParaRPr lang="zh-CN" altLang="en-US"/>
+          </a:p>
+        </p:txBody>
+      </p:sp>
+      <p:cxnSp>
+        <p:nvCxnSpPr>
+          <p:cNvPr id="30" name="直接连接符 29"/>
+          <p:cNvCxnSpPr>
+            <a:stCxn id="11" idx="0"/>
+            <a:endCxn id="29" idx="2"/>
+          </p:cNvCxnSpPr>
+          <p:nvPr/>
+        </p:nvCxnSpPr>
+        <p:spPr>
+          <a:xfrm flipV="1">
+            <a:off x="2035810" y="4439920"/>
+            <a:ext cx="1219200" cy="220345"/>
+          </a:xfrm>
+          <a:prstGeom prst="line">
+            <a:avLst/>
+          </a:prstGeom>
+        </p:spPr>
+        <p:style>
+          <a:lnRef idx="2">
+            <a:schemeClr val="accent1"/>
+          </a:lnRef>
+          <a:fillRef idx="0">
+            <a:srgbClr val="FFFFFF"/>
+          </a:fillRef>
+          <a:effectRef idx="0">
+            <a:srgbClr val="FFFFFF"/>
+          </a:effectRef>
+          <a:fontRef idx="minor">
+            <a:schemeClr val="tx1"/>
+          </a:fontRef>
+        </p:style>
+      </p:cxnSp>
+      <p:cxnSp>
+        <p:nvCxnSpPr>
+          <p:cNvPr id="31" name="直接连接符 30"/>
+          <p:cNvCxnSpPr>
+            <a:stCxn id="29" idx="0"/>
+          </p:cNvCxnSpPr>
+          <p:nvPr/>
+        </p:nvCxnSpPr>
+        <p:spPr>
+          <a:xfrm flipV="1">
+            <a:off x="3255010" y="3529330"/>
+            <a:ext cx="539750" cy="508000"/>
+          </a:xfrm>
+          <a:prstGeom prst="line">
+            <a:avLst/>
+          </a:prstGeom>
+        </p:spPr>
+        <p:style>
+          <a:lnRef idx="2">
+            <a:schemeClr val="accent1"/>
+          </a:lnRef>
+          <a:fillRef idx="0">
+            <a:srgbClr val="FFFFFF"/>
+          </a:fillRef>
+          <a:effectRef idx="0">
+            <a:srgbClr val="FFFFFF"/>
+          </a:effectRef>
+          <a:fontRef idx="minor">
+            <a:schemeClr val="tx1"/>
+          </a:fontRef>
+        </p:style>
+      </p:cxnSp>
+      <p:sp>
+        <p:nvSpPr>
+          <p:cNvPr id="32" name="文本框 31"/>
+          <p:cNvSpPr txBox="1"/>
+          <p:nvPr/>
+        </p:nvSpPr>
+        <p:spPr>
+          <a:xfrm>
+            <a:off x="4495165" y="525780"/>
+            <a:ext cx="1598295" cy="306705"/>
+          </a:xfrm>
+          <a:prstGeom prst="rect">
+            <a:avLst/>
+          </a:prstGeom>
+          <a:noFill/>
+        </p:spPr>
+        <p:txBody>
+          <a:bodyPr wrap="square" rtlCol="0">
+            <a:spAutoFit/>
+          </a:bodyPr>
+          <a:p>
+            <a:r>
+              <a:rPr lang="zh-CN" altLang="en-US" sz="1400"/>
+              <a:t>111.222.33.44</a:t>
+            </a:r>
+            <a:endParaRPr lang="en-US" altLang="zh-CN" sz="1400"/>
+          </a:p>
+        </p:txBody>
+      </p:sp>
+      <p:sp>
+        <p:nvSpPr>
+          <p:cNvPr id="33" name="文本框 32"/>
+          <p:cNvSpPr txBox="1"/>
+          <p:nvPr/>
+        </p:nvSpPr>
+        <p:spPr>
+          <a:xfrm>
+            <a:off x="9964420" y="3493770"/>
+            <a:ext cx="1598295" cy="306705"/>
+          </a:xfrm>
+          <a:prstGeom prst="rect">
+            <a:avLst/>
+          </a:prstGeom>
+          <a:noFill/>
+        </p:spPr>
+        <p:txBody>
+          <a:bodyPr wrap="square" rtlCol="0">
+            <a:spAutoFit/>
+          </a:bodyPr>
+          <a:p>
+            <a:r>
+              <a:rPr lang="en-US" altLang="zh-CN" sz="1400"/>
+              <a:t>192.168.0.2</a:t>
+            </a:r>
+            <a:endParaRPr lang="en-US" altLang="zh-CN" sz="1400"/>
+          </a:p>
+        </p:txBody>
+      </p:sp>
+      <p:sp>
+        <p:nvSpPr>
+          <p:cNvPr id="34" name="文本框 33"/>
+          <p:cNvSpPr txBox="1"/>
+          <p:nvPr/>
+        </p:nvSpPr>
+        <p:spPr>
+          <a:xfrm>
+            <a:off x="1423670" y="3222625"/>
+            <a:ext cx="1598295" cy="306705"/>
+          </a:xfrm>
+          <a:prstGeom prst="rect">
+            <a:avLst/>
+          </a:prstGeom>
+          <a:noFill/>
+        </p:spPr>
+        <p:txBody>
+          <a:bodyPr wrap="square" rtlCol="0">
+            <a:spAutoFit/>
+          </a:bodyPr>
+          <a:p>
+            <a:r>
+              <a:rPr lang="en-US" altLang="zh-CN" sz="1400"/>
+              <a:t>172.16.1.2</a:t>
+            </a:r>
+            <a:endParaRPr lang="en-US" altLang="zh-CN" sz="1400"/>
+          </a:p>
+        </p:txBody>
+      </p:sp>
     </p:spTree>
   </p:cSld>
   <p:clrMapOvr>
@@ -15711,20 +16919,20 @@
 
 <file path=ppt/tags/tag167.xml><?xml version="1.0" encoding="utf-8"?>
 <p:tagLst xmlns:p="http://schemas.openxmlformats.org/presentationml/2006/main">
-  <p:tag name="KSO_WM_BEAUTIFY_FLAG" val=""/>
-</p:tagLst>
-</file>
-
-<file path=ppt/tags/tag168.xml><?xml version="1.0" encoding="utf-8"?>
-<p:tagLst xmlns:p="http://schemas.openxmlformats.org/presentationml/2006/main">
-  <p:tag name="KSO_WM_BEAUTIFY_FLAG" val=""/>
-</p:tagLst>
-</file>
-
-<file path=ppt/tags/tag169.xml><?xml version="1.0" encoding="utf-8"?>
-<p:tagLst xmlns:p="http://schemas.openxmlformats.org/presentationml/2006/main">
   <p:tag name="TABLE_ENDDRAG_ORIGIN_RECT" val="261*110"/>
   <p:tag name="TABLE_ENDDRAG_RECT" val="678*227*261*110"/>
+</p:tagLst>
+</file>
+
+<file path=ppt/tags/tag168.xml><?xml version="1.0" encoding="utf-8"?>
+<p:tagLst xmlns:p="http://schemas.openxmlformats.org/presentationml/2006/main">
+  <p:tag name="KSO_WM_BEAUTIFY_FLAG" val=""/>
+</p:tagLst>
+</file>
+
+<file path=ppt/tags/tag169.xml><?xml version="1.0" encoding="utf-8"?>
+<p:tagLst xmlns:p="http://schemas.openxmlformats.org/presentationml/2006/main">
+  <p:tag name="KSO_WM_BEAUTIFY_FLAG" val=""/>
 </p:tagLst>
 </file>
 
@@ -15839,6 +17047,36 @@
 </file>
 
 <file path=ppt/tags/tag184.xml><?xml version="1.0" encoding="utf-8"?>
+<p:tagLst xmlns:p="http://schemas.openxmlformats.org/presentationml/2006/main">
+  <p:tag name="KSO_WM_BEAUTIFY_FLAG" val=""/>
+</p:tagLst>
+</file>
+
+<file path=ppt/tags/tag185.xml><?xml version="1.0" encoding="utf-8"?>
+<p:tagLst xmlns:p="http://schemas.openxmlformats.org/presentationml/2006/main">
+  <p:tag name="KSO_WM_BEAUTIFY_FLAG" val=""/>
+</p:tagLst>
+</file>
+
+<file path=ppt/tags/tag186.xml><?xml version="1.0" encoding="utf-8"?>
+<p:tagLst xmlns:p="http://schemas.openxmlformats.org/presentationml/2006/main">
+  <p:tag name="KSO_WM_BEAUTIFY_FLAG" val=""/>
+</p:tagLst>
+</file>
+
+<file path=ppt/tags/tag187.xml><?xml version="1.0" encoding="utf-8"?>
+<p:tagLst xmlns:p="http://schemas.openxmlformats.org/presentationml/2006/main">
+  <p:tag name="KSO_WM_BEAUTIFY_FLAG" val=""/>
+</p:tagLst>
+</file>
+
+<file path=ppt/tags/tag188.xml><?xml version="1.0" encoding="utf-8"?>
+<p:tagLst xmlns:p="http://schemas.openxmlformats.org/presentationml/2006/main">
+  <p:tag name="KSO_WM_BEAUTIFY_FLAG" val=""/>
+</p:tagLst>
+</file>
+
+<file path=ppt/tags/tag189.xml><?xml version="1.0" encoding="utf-8"?>
 <p:tagLst xmlns:p="http://schemas.openxmlformats.org/presentationml/2006/main">
   <p:tag name="commondata" val="eyJoZGlkIjoiNDE4MjUxNmFkNzljZmE2MTdkMTlmZWY3MDFjYzM1YTIifQ=="/>
   <p:tag name="resource_record_key" val="{&quot;13&quot;:[20482073]}"/>

--- a/_doc/readme.pptx
+++ b/_doc/readme.pptx
@@ -10822,9 +10822,13 @@
           <a:p>
             <a:r>
               <a:rPr lang="zh-CN" altLang="en-US" sz="1400"/>
-              <a:t>111.222.33.44</a:t>
-            </a:r>
-            <a:endParaRPr lang="zh-CN" altLang="en-US" sz="1400"/>
+              <a:t>无公网</a:t>
+            </a:r>
+            <a:r>
+              <a:rPr lang="en-US" altLang="zh-CN" sz="1400"/>
+              <a:t>IP</a:t>
+            </a:r>
+            <a:endParaRPr lang="en-US" altLang="zh-CN" sz="1400"/>
           </a:p>
           <a:p>
             <a:r>

--- a/_doc/readme.pptx
+++ b/_doc/readme.pptx
@@ -5,10 +5,10 @@
     <p:sldMasterId id="2147483648" r:id="rId1"/>
   </p:sldMasterIdLst>
   <p:notesMasterIdLst>
-    <p:notesMasterId r:id="rId14"/>
+    <p:notesMasterId r:id="rId15"/>
   </p:notesMasterIdLst>
   <p:handoutMasterIdLst>
-    <p:handoutMasterId r:id="rId15"/>
+    <p:handoutMasterId r:id="rId16"/>
   </p:handoutMasterIdLst>
   <p:sldIdLst>
     <p:sldId id="256" r:id="rId3"/>
@@ -22,11 +22,12 @@
     <p:sldId id="268" r:id="rId11"/>
     <p:sldId id="266" r:id="rId12"/>
     <p:sldId id="267" r:id="rId13"/>
+    <p:sldId id="271" r:id="rId14"/>
   </p:sldIdLst>
   <p:sldSz cx="12192000" cy="6858000"/>
   <p:notesSz cx="6858000" cy="9144000"/>
   <p:custDataLst>
-    <p:tags r:id="rId19"/>
+    <p:tags r:id="rId20"/>
   </p:custDataLst>
   <p:defaultTextStyle>
     <a:defPPr>
@@ -131,7 +132,7 @@
             <a:srgbClr val="A4A3A4"/>
           </p15:clr>
         </p15:guide>
-        <p15:guide id="2" pos="3872" userDrawn="1">
+        <p15:guide id="2" pos="3845" userDrawn="1">
           <p15:clr>
             <a:srgbClr val="A4A3A4"/>
           </p15:clr>
@@ -7338,6 +7339,1708 @@
 </p:sld>
 </file>
 
+<file path=ppt/slides/slide12.xml><?xml version="1.0" encoding="utf-8"?>
+<p:sld xmlns:a="http://schemas.openxmlformats.org/drawingml/2006/main" xmlns:r="http://schemas.openxmlformats.org/officeDocument/2006/relationships" xmlns:p="http://schemas.openxmlformats.org/presentationml/2006/main">
+  <p:cSld>
+    <p:spTree>
+      <p:nvGrpSpPr>
+        <p:cNvPr id="1" name=""/>
+        <p:cNvGrpSpPr/>
+        <p:nvPr/>
+      </p:nvGrpSpPr>
+      <p:grpSpPr/>
+      <p:grpSp>
+        <p:nvGrpSpPr>
+          <p:cNvPr id="11" name="组合 10"/>
+          <p:cNvGrpSpPr/>
+          <p:nvPr/>
+        </p:nvGrpSpPr>
+        <p:grpSpPr>
+          <a:xfrm>
+            <a:off x="1800225" y="433705"/>
+            <a:ext cx="5588000" cy="1599565"/>
+            <a:chOff x="5834" y="7348"/>
+            <a:chExt cx="4427" cy="1674"/>
+          </a:xfrm>
+        </p:grpSpPr>
+        <p:sp>
+          <p:nvSpPr>
+            <p:cNvPr id="12" name="矩形 11"/>
+            <p:cNvSpPr/>
+            <p:nvPr>
+              <p:custDataLst>
+                <p:tags r:id="rId1"/>
+              </p:custDataLst>
+            </p:nvPr>
+          </p:nvSpPr>
+          <p:spPr>
+            <a:xfrm>
+              <a:off x="5834" y="7348"/>
+              <a:ext cx="4427" cy="1674"/>
+            </a:xfrm>
+            <a:prstGeom prst="rect">
+              <a:avLst/>
+            </a:prstGeom>
+            <a:solidFill>
+              <a:schemeClr val="bg1"/>
+            </a:solidFill>
+            <a:ln w="28575" cmpd="sng">
+              <a:solidFill>
+                <a:schemeClr val="accent1">
+                  <a:shade val="50000"/>
+                </a:schemeClr>
+              </a:solidFill>
+              <a:prstDash val="sysDot"/>
+            </a:ln>
+          </p:spPr>
+          <p:style>
+            <a:lnRef idx="2">
+              <a:schemeClr val="accent1">
+                <a:lumMod val="75000"/>
+              </a:schemeClr>
+            </a:lnRef>
+            <a:fillRef idx="1">
+              <a:schemeClr val="accent1"/>
+            </a:fillRef>
+            <a:effectRef idx="0">
+              <a:srgbClr val="FFFFFF"/>
+            </a:effectRef>
+            <a:fontRef idx="minor">
+              <a:schemeClr val="lt1"/>
+            </a:fontRef>
+          </p:style>
+          <p:txBody>
+            <a:bodyPr rtlCol="0" anchor="ctr"/>
+            <a:p>
+              <a:pPr algn="ctr"/>
+              <a:endParaRPr lang="zh-CN" altLang="en-US"/>
+            </a:p>
+          </p:txBody>
+        </p:sp>
+        <p:sp>
+          <p:nvSpPr>
+            <p:cNvPr id="13" name="文本框 12"/>
+            <p:cNvSpPr txBox="1"/>
+            <p:nvPr/>
+          </p:nvSpPr>
+          <p:spPr>
+            <a:xfrm>
+              <a:off x="6034" y="7348"/>
+              <a:ext cx="2505" cy="330"/>
+            </a:xfrm>
+            <a:prstGeom prst="rect">
+              <a:avLst/>
+            </a:prstGeom>
+            <a:noFill/>
+          </p:spPr>
+          <p:txBody>
+            <a:bodyPr wrap="square" rtlCol="0">
+              <a:noAutofit/>
+            </a:bodyPr>
+            <a:p>
+              <a:r>
+                <a:rPr lang="en-US" altLang="zh-CN"/>
+                <a:t>Server</a:t>
+              </a:r>
+              <a:endParaRPr lang="en-US" altLang="zh-CN"/>
+            </a:p>
+          </p:txBody>
+        </p:sp>
+      </p:grpSp>
+      <p:sp>
+        <p:nvSpPr>
+          <p:cNvPr id="51" name="矩形 50"/>
+          <p:cNvSpPr/>
+          <p:nvPr>
+            <p:custDataLst>
+              <p:tags r:id="rId2"/>
+            </p:custDataLst>
+          </p:nvPr>
+        </p:nvSpPr>
+        <p:spPr>
+          <a:xfrm>
+            <a:off x="4029710" y="433705"/>
+            <a:ext cx="3172460" cy="1599565"/>
+          </a:xfrm>
+          <a:prstGeom prst="rect">
+            <a:avLst/>
+          </a:prstGeom>
+          <a:solidFill>
+            <a:schemeClr val="bg1"/>
+          </a:solidFill>
+          <a:ln w="28575" cmpd="sng">
+            <a:solidFill>
+              <a:schemeClr val="accent1">
+                <a:shade val="50000"/>
+              </a:schemeClr>
+            </a:solidFill>
+            <a:prstDash val="sysDot"/>
+          </a:ln>
+        </p:spPr>
+        <p:style>
+          <a:lnRef idx="2">
+            <a:schemeClr val="accent1">
+              <a:lumMod val="75000"/>
+            </a:schemeClr>
+          </a:lnRef>
+          <a:fillRef idx="1">
+            <a:schemeClr val="accent1"/>
+          </a:fillRef>
+          <a:effectRef idx="0">
+            <a:srgbClr val="FFFFFF"/>
+          </a:effectRef>
+          <a:fontRef idx="minor">
+            <a:schemeClr val="lt1"/>
+          </a:fontRef>
+        </p:style>
+        <p:txBody>
+          <a:bodyPr rtlCol="0" anchor="ctr"/>
+          <a:p>
+            <a:pPr algn="ctr"/>
+            <a:endParaRPr lang="zh-CN" altLang="en-US"/>
+          </a:p>
+        </p:txBody>
+      </p:sp>
+      <p:grpSp>
+        <p:nvGrpSpPr>
+          <p:cNvPr id="5" name="组合 4"/>
+          <p:cNvGrpSpPr/>
+          <p:nvPr/>
+        </p:nvGrpSpPr>
+        <p:grpSpPr>
+          <a:xfrm>
+            <a:off x="1132205" y="4210050"/>
+            <a:ext cx="2689860" cy="1599565"/>
+            <a:chOff x="5834" y="7348"/>
+            <a:chExt cx="4427" cy="1674"/>
+          </a:xfrm>
+        </p:grpSpPr>
+        <p:sp>
+          <p:nvSpPr>
+            <p:cNvPr id="3" name="矩形 2"/>
+            <p:cNvSpPr/>
+            <p:nvPr>
+              <p:custDataLst>
+                <p:tags r:id="rId3"/>
+              </p:custDataLst>
+            </p:nvPr>
+          </p:nvSpPr>
+          <p:spPr>
+            <a:xfrm>
+              <a:off x="5834" y="7348"/>
+              <a:ext cx="4427" cy="1674"/>
+            </a:xfrm>
+            <a:prstGeom prst="rect">
+              <a:avLst/>
+            </a:prstGeom>
+            <a:solidFill>
+              <a:schemeClr val="bg1"/>
+            </a:solidFill>
+            <a:ln w="28575" cmpd="sng">
+              <a:solidFill>
+                <a:schemeClr val="accent1">
+                  <a:shade val="50000"/>
+                </a:schemeClr>
+              </a:solidFill>
+              <a:prstDash val="sysDot"/>
+            </a:ln>
+          </p:spPr>
+          <p:style>
+            <a:lnRef idx="2">
+              <a:schemeClr val="accent1">
+                <a:lumMod val="75000"/>
+              </a:schemeClr>
+            </a:lnRef>
+            <a:fillRef idx="1">
+              <a:schemeClr val="accent1"/>
+            </a:fillRef>
+            <a:effectRef idx="0">
+              <a:srgbClr val="FFFFFF"/>
+            </a:effectRef>
+            <a:fontRef idx="minor">
+              <a:schemeClr val="lt1"/>
+            </a:fontRef>
+          </p:style>
+          <p:txBody>
+            <a:bodyPr rtlCol="0" anchor="ctr"/>
+            <a:p>
+              <a:pPr algn="ctr"/>
+              <a:endParaRPr lang="zh-CN" altLang="en-US"/>
+            </a:p>
+          </p:txBody>
+        </p:sp>
+        <p:sp>
+          <p:nvSpPr>
+            <p:cNvPr id="16" name="文本框 15"/>
+            <p:cNvSpPr txBox="1"/>
+            <p:nvPr/>
+          </p:nvSpPr>
+          <p:spPr>
+            <a:xfrm>
+              <a:off x="6034" y="7348"/>
+              <a:ext cx="2505" cy="330"/>
+            </a:xfrm>
+            <a:prstGeom prst="rect">
+              <a:avLst/>
+            </a:prstGeom>
+            <a:noFill/>
+          </p:spPr>
+          <p:txBody>
+            <a:bodyPr wrap="square" rtlCol="0">
+              <a:noAutofit/>
+            </a:bodyPr>
+            <a:p>
+              <a:r>
+                <a:rPr lang="en-US" altLang="zh-CN"/>
+                <a:t>ClientPort</a:t>
+              </a:r>
+              <a:endParaRPr lang="en-US" altLang="zh-CN"/>
+            </a:p>
+          </p:txBody>
+        </p:sp>
+      </p:grpSp>
+      <p:grpSp>
+        <p:nvGrpSpPr>
+          <p:cNvPr id="6" name="组合 5"/>
+          <p:cNvGrpSpPr/>
+          <p:nvPr/>
+        </p:nvGrpSpPr>
+        <p:grpSpPr>
+          <a:xfrm>
+            <a:off x="4751070" y="4034155"/>
+            <a:ext cx="4860925" cy="1599565"/>
+            <a:chOff x="5834" y="7348"/>
+            <a:chExt cx="4427" cy="1674"/>
+          </a:xfrm>
+        </p:grpSpPr>
+        <p:sp>
+          <p:nvSpPr>
+            <p:cNvPr id="8" name="矩形 7"/>
+            <p:cNvSpPr/>
+            <p:nvPr>
+              <p:custDataLst>
+                <p:tags r:id="rId4"/>
+              </p:custDataLst>
+            </p:nvPr>
+          </p:nvSpPr>
+          <p:spPr>
+            <a:xfrm>
+              <a:off x="5834" y="7348"/>
+              <a:ext cx="4427" cy="1674"/>
+            </a:xfrm>
+            <a:prstGeom prst="rect">
+              <a:avLst/>
+            </a:prstGeom>
+            <a:solidFill>
+              <a:schemeClr val="bg1"/>
+            </a:solidFill>
+            <a:ln w="28575" cmpd="sng">
+              <a:solidFill>
+                <a:schemeClr val="accent1">
+                  <a:shade val="50000"/>
+                </a:schemeClr>
+              </a:solidFill>
+              <a:prstDash val="sysDot"/>
+            </a:ln>
+          </p:spPr>
+          <p:style>
+            <a:lnRef idx="2">
+              <a:schemeClr val="accent1">
+                <a:lumMod val="75000"/>
+              </a:schemeClr>
+            </a:lnRef>
+            <a:fillRef idx="1">
+              <a:schemeClr val="accent1"/>
+            </a:fillRef>
+            <a:effectRef idx="0">
+              <a:srgbClr val="FFFFFF"/>
+            </a:effectRef>
+            <a:fontRef idx="minor">
+              <a:schemeClr val="lt1"/>
+            </a:fontRef>
+          </p:style>
+          <p:txBody>
+            <a:bodyPr rtlCol="0" anchor="ctr"/>
+            <a:p>
+              <a:pPr algn="ctr"/>
+              <a:endParaRPr lang="zh-CN" altLang="en-US"/>
+            </a:p>
+          </p:txBody>
+        </p:sp>
+        <p:sp>
+          <p:nvSpPr>
+            <p:cNvPr id="9" name="文本框 8"/>
+            <p:cNvSpPr txBox="1"/>
+            <p:nvPr/>
+          </p:nvSpPr>
+          <p:spPr>
+            <a:xfrm>
+              <a:off x="6034" y="7348"/>
+              <a:ext cx="2505" cy="330"/>
+            </a:xfrm>
+            <a:prstGeom prst="rect">
+              <a:avLst/>
+            </a:prstGeom>
+            <a:noFill/>
+          </p:spPr>
+          <p:txBody>
+            <a:bodyPr wrap="square" rtlCol="0">
+              <a:noAutofit/>
+            </a:bodyPr>
+            <a:p>
+              <a:r>
+                <a:rPr lang="en-US" altLang="zh-CN"/>
+                <a:t>Client</a:t>
+              </a:r>
+              <a:endParaRPr lang="en-US" altLang="zh-CN"/>
+            </a:p>
+          </p:txBody>
+        </p:sp>
+      </p:grpSp>
+      <p:grpSp>
+        <p:nvGrpSpPr>
+          <p:cNvPr id="19" name="组合 18"/>
+          <p:cNvGrpSpPr/>
+          <p:nvPr/>
+        </p:nvGrpSpPr>
+        <p:grpSpPr>
+          <a:xfrm>
+            <a:off x="8340090" y="332740"/>
+            <a:ext cx="2689860" cy="1599565"/>
+            <a:chOff x="5834" y="7348"/>
+            <a:chExt cx="4427" cy="1674"/>
+          </a:xfrm>
+        </p:grpSpPr>
+        <p:sp>
+          <p:nvSpPr>
+            <p:cNvPr id="20" name="矩形 19"/>
+            <p:cNvSpPr/>
+            <p:nvPr>
+              <p:custDataLst>
+                <p:tags r:id="rId5"/>
+              </p:custDataLst>
+            </p:nvPr>
+          </p:nvSpPr>
+          <p:spPr>
+            <a:xfrm>
+              <a:off x="5834" y="7348"/>
+              <a:ext cx="4427" cy="1674"/>
+            </a:xfrm>
+            <a:prstGeom prst="rect">
+              <a:avLst/>
+            </a:prstGeom>
+            <a:solidFill>
+              <a:schemeClr val="bg1"/>
+            </a:solidFill>
+            <a:ln w="28575" cmpd="sng">
+              <a:solidFill>
+                <a:schemeClr val="accent1">
+                  <a:shade val="50000"/>
+                </a:schemeClr>
+              </a:solidFill>
+              <a:prstDash val="sysDot"/>
+            </a:ln>
+          </p:spPr>
+          <p:style>
+            <a:lnRef idx="2">
+              <a:schemeClr val="accent1">
+                <a:lumMod val="75000"/>
+              </a:schemeClr>
+            </a:lnRef>
+            <a:fillRef idx="1">
+              <a:schemeClr val="accent1"/>
+            </a:fillRef>
+            <a:effectRef idx="0">
+              <a:srgbClr val="FFFFFF"/>
+            </a:effectRef>
+            <a:fontRef idx="minor">
+              <a:schemeClr val="lt1"/>
+            </a:fontRef>
+          </p:style>
+          <p:txBody>
+            <a:bodyPr rtlCol="0" anchor="ctr"/>
+            <a:p>
+              <a:pPr algn="ctr"/>
+              <a:endParaRPr lang="zh-CN" altLang="en-US"/>
+            </a:p>
+          </p:txBody>
+        </p:sp>
+        <p:sp>
+          <p:nvSpPr>
+            <p:cNvPr id="21" name="文本框 20"/>
+            <p:cNvSpPr txBox="1"/>
+            <p:nvPr/>
+          </p:nvSpPr>
+          <p:spPr>
+            <a:xfrm>
+              <a:off x="6034" y="7348"/>
+              <a:ext cx="2505" cy="330"/>
+            </a:xfrm>
+            <a:prstGeom prst="rect">
+              <a:avLst/>
+            </a:prstGeom>
+            <a:noFill/>
+          </p:spPr>
+          <p:txBody>
+            <a:bodyPr wrap="square" rtlCol="0">
+              <a:noAutofit/>
+            </a:bodyPr>
+            <a:p>
+              <a:r>
+                <a:rPr lang="en-US" altLang="zh-CN">
+                  <a:sym typeface="+mn-ea"/>
+                </a:rPr>
+                <a:t>ServerPort</a:t>
+              </a:r>
+              <a:endParaRPr lang="en-US" altLang="zh-CN"/>
+            </a:p>
+          </p:txBody>
+        </p:sp>
+      </p:grpSp>
+      <p:sp>
+        <p:nvSpPr>
+          <p:cNvPr id="22" name="矩形 21"/>
+          <p:cNvSpPr/>
+          <p:nvPr/>
+        </p:nvSpPr>
+        <p:spPr>
+          <a:xfrm>
+            <a:off x="11242040" y="584835"/>
+            <a:ext cx="767715" cy="666750"/>
+          </a:xfrm>
+          <a:prstGeom prst="rect">
+            <a:avLst/>
+          </a:prstGeom>
+        </p:spPr>
+        <p:style>
+          <a:lnRef idx="2">
+            <a:schemeClr val="accent1">
+              <a:lumMod val="75000"/>
+            </a:schemeClr>
+          </a:lnRef>
+          <a:fillRef idx="1">
+            <a:schemeClr val="accent1"/>
+          </a:fillRef>
+          <a:effectRef idx="0">
+            <a:srgbClr val="FFFFFF"/>
+          </a:effectRef>
+          <a:fontRef idx="minor">
+            <a:schemeClr val="lt1"/>
+          </a:fontRef>
+        </p:style>
+        <p:txBody>
+          <a:bodyPr rtlCol="0" anchor="ctr"/>
+          <a:p>
+            <a:pPr algn="ctr"/>
+            <a:r>
+              <a:rPr lang="zh-CN" altLang="en-US"/>
+              <a:t>真实端口</a:t>
+            </a:r>
+            <a:endParaRPr lang="zh-CN" altLang="en-US"/>
+          </a:p>
+        </p:txBody>
+      </p:sp>
+      <p:sp>
+        <p:nvSpPr>
+          <p:cNvPr id="23" name="矩形 22"/>
+          <p:cNvSpPr/>
+          <p:nvPr/>
+        </p:nvSpPr>
+        <p:spPr>
+          <a:xfrm>
+            <a:off x="85725" y="4676775"/>
+            <a:ext cx="767715" cy="666750"/>
+          </a:xfrm>
+          <a:prstGeom prst="rect">
+            <a:avLst/>
+          </a:prstGeom>
+        </p:spPr>
+        <p:style>
+          <a:lnRef idx="2">
+            <a:schemeClr val="accent1">
+              <a:lumMod val="75000"/>
+            </a:schemeClr>
+          </a:lnRef>
+          <a:fillRef idx="1">
+            <a:schemeClr val="accent1"/>
+          </a:fillRef>
+          <a:effectRef idx="0">
+            <a:srgbClr val="FFFFFF"/>
+          </a:effectRef>
+          <a:fontRef idx="minor">
+            <a:schemeClr val="lt1"/>
+          </a:fontRef>
+        </p:style>
+        <p:txBody>
+          <a:bodyPr rtlCol="0" anchor="ctr"/>
+          <a:p>
+            <a:pPr algn="ctr"/>
+            <a:r>
+              <a:rPr lang="zh-CN" altLang="en-US"/>
+              <a:t>用户</a:t>
+            </a:r>
+            <a:endParaRPr lang="zh-CN" altLang="en-US"/>
+          </a:p>
+        </p:txBody>
+      </p:sp>
+      <p:sp>
+        <p:nvSpPr>
+          <p:cNvPr id="24" name="圆角矩形 23"/>
+          <p:cNvSpPr/>
+          <p:nvPr/>
+        </p:nvSpPr>
+        <p:spPr>
+          <a:xfrm>
+            <a:off x="1334135" y="4819015"/>
+            <a:ext cx="868045" cy="524510"/>
+          </a:xfrm>
+          <a:prstGeom prst="roundRect">
+            <a:avLst/>
+          </a:prstGeom>
+        </p:spPr>
+        <p:style>
+          <a:lnRef idx="2">
+            <a:schemeClr val="accent1">
+              <a:lumMod val="75000"/>
+            </a:schemeClr>
+          </a:lnRef>
+          <a:fillRef idx="1">
+            <a:schemeClr val="accent1"/>
+          </a:fillRef>
+          <a:effectRef idx="0">
+            <a:srgbClr val="FFFFFF"/>
+          </a:effectRef>
+          <a:fontRef idx="minor">
+            <a:schemeClr val="lt1"/>
+          </a:fontRef>
+        </p:style>
+        <p:txBody>
+          <a:bodyPr rtlCol="0" anchor="ctr"/>
+          <a:p>
+            <a:pPr algn="ctr"/>
+            <a:r>
+              <a:rPr lang="zh-CN" altLang="en-US"/>
+              <a:t>本地端口</a:t>
+            </a:r>
+            <a:endParaRPr lang="zh-CN" altLang="en-US"/>
+          </a:p>
+        </p:txBody>
+      </p:sp>
+      <p:sp>
+        <p:nvSpPr>
+          <p:cNvPr id="25" name="矩形 24"/>
+          <p:cNvSpPr/>
+          <p:nvPr/>
+        </p:nvSpPr>
+        <p:spPr>
+          <a:xfrm>
+            <a:off x="2595880" y="4349750"/>
+            <a:ext cx="1040130" cy="363855"/>
+          </a:xfrm>
+          <a:prstGeom prst="rect">
+            <a:avLst/>
+          </a:prstGeom>
+        </p:spPr>
+        <p:style>
+          <a:lnRef idx="2">
+            <a:schemeClr val="accent1">
+              <a:lumMod val="75000"/>
+            </a:schemeClr>
+          </a:lnRef>
+          <a:fillRef idx="1">
+            <a:schemeClr val="accent1"/>
+          </a:fillRef>
+          <a:effectRef idx="0">
+            <a:srgbClr val="FFFFFF"/>
+          </a:effectRef>
+          <a:fontRef idx="minor">
+            <a:schemeClr val="lt1"/>
+          </a:fontRef>
+        </p:style>
+        <p:txBody>
+          <a:bodyPr rtlCol="0" anchor="ctr"/>
+          <a:p>
+            <a:pPr algn="ctr"/>
+            <a:r>
+              <a:rPr lang="zh-CN" altLang="en-US" sz="1600"/>
+              <a:t>缓冲池</a:t>
+            </a:r>
+            <a:endParaRPr lang="zh-CN" altLang="en-US" sz="1600"/>
+          </a:p>
+        </p:txBody>
+      </p:sp>
+      <p:sp>
+        <p:nvSpPr>
+          <p:cNvPr id="26" name="矩形 25"/>
+          <p:cNvSpPr/>
+          <p:nvPr/>
+        </p:nvSpPr>
+        <p:spPr>
+          <a:xfrm>
+            <a:off x="5191760" y="4349750"/>
+            <a:ext cx="1040130" cy="363855"/>
+          </a:xfrm>
+          <a:prstGeom prst="rect">
+            <a:avLst/>
+          </a:prstGeom>
+        </p:spPr>
+        <p:style>
+          <a:lnRef idx="2">
+            <a:schemeClr val="accent1">
+              <a:lumMod val="75000"/>
+            </a:schemeClr>
+          </a:lnRef>
+          <a:fillRef idx="1">
+            <a:schemeClr val="accent1"/>
+          </a:fillRef>
+          <a:effectRef idx="0">
+            <a:srgbClr val="FFFFFF"/>
+          </a:effectRef>
+          <a:fontRef idx="minor">
+            <a:schemeClr val="lt1"/>
+          </a:fontRef>
+        </p:style>
+        <p:txBody>
+          <a:bodyPr rtlCol="0" anchor="ctr"/>
+          <a:p>
+            <a:pPr algn="ctr"/>
+            <a:r>
+              <a:rPr lang="zh-CN" altLang="en-US" sz="1600"/>
+              <a:t>缓冲池</a:t>
+            </a:r>
+            <a:endParaRPr lang="zh-CN" altLang="en-US" sz="1600"/>
+          </a:p>
+        </p:txBody>
+      </p:sp>
+      <p:sp>
+        <p:nvSpPr>
+          <p:cNvPr id="27" name="矩形 26"/>
+          <p:cNvSpPr/>
+          <p:nvPr/>
+        </p:nvSpPr>
+        <p:spPr>
+          <a:xfrm>
+            <a:off x="4174490" y="1484630"/>
+            <a:ext cx="1040130" cy="363855"/>
+          </a:xfrm>
+          <a:prstGeom prst="rect">
+            <a:avLst/>
+          </a:prstGeom>
+        </p:spPr>
+        <p:style>
+          <a:lnRef idx="2">
+            <a:schemeClr val="accent1">
+              <a:lumMod val="75000"/>
+            </a:schemeClr>
+          </a:lnRef>
+          <a:fillRef idx="1">
+            <a:schemeClr val="accent1"/>
+          </a:fillRef>
+          <a:effectRef idx="0">
+            <a:srgbClr val="FFFFFF"/>
+          </a:effectRef>
+          <a:fontRef idx="minor">
+            <a:schemeClr val="lt1"/>
+          </a:fontRef>
+        </p:style>
+        <p:txBody>
+          <a:bodyPr rtlCol="0" anchor="ctr"/>
+          <a:p>
+            <a:pPr algn="ctr"/>
+            <a:r>
+              <a:rPr lang="zh-CN" altLang="en-US" sz="1600"/>
+              <a:t>缓冲池</a:t>
+            </a:r>
+            <a:endParaRPr lang="zh-CN" altLang="en-US" sz="1600"/>
+          </a:p>
+        </p:txBody>
+      </p:sp>
+      <p:sp>
+        <p:nvSpPr>
+          <p:cNvPr id="28" name="矩形 27"/>
+          <p:cNvSpPr/>
+          <p:nvPr/>
+        </p:nvSpPr>
+        <p:spPr>
+          <a:xfrm>
+            <a:off x="8571865" y="1429385"/>
+            <a:ext cx="1040130" cy="363855"/>
+          </a:xfrm>
+          <a:prstGeom prst="rect">
+            <a:avLst/>
+          </a:prstGeom>
+        </p:spPr>
+        <p:style>
+          <a:lnRef idx="2">
+            <a:schemeClr val="accent1">
+              <a:lumMod val="75000"/>
+            </a:schemeClr>
+          </a:lnRef>
+          <a:fillRef idx="1">
+            <a:schemeClr val="accent1"/>
+          </a:fillRef>
+          <a:effectRef idx="0">
+            <a:srgbClr val="FFFFFF"/>
+          </a:effectRef>
+          <a:fontRef idx="minor">
+            <a:schemeClr val="lt1"/>
+          </a:fontRef>
+        </p:style>
+        <p:txBody>
+          <a:bodyPr rtlCol="0" anchor="ctr"/>
+          <a:p>
+            <a:pPr algn="ctr"/>
+            <a:r>
+              <a:rPr lang="zh-CN" altLang="en-US" sz="1600"/>
+              <a:t>缓冲池</a:t>
+            </a:r>
+            <a:endParaRPr lang="zh-CN" altLang="en-US" sz="1600"/>
+          </a:p>
+        </p:txBody>
+      </p:sp>
+      <p:cxnSp>
+        <p:nvCxnSpPr>
+          <p:cNvPr id="29" name="直接箭头连接符 28"/>
+          <p:cNvCxnSpPr>
+            <a:stCxn id="24" idx="3"/>
+            <a:endCxn id="8" idx="1"/>
+          </p:cNvCxnSpPr>
+          <p:nvPr/>
+        </p:nvCxnSpPr>
+        <p:spPr>
+          <a:xfrm flipV="1">
+            <a:off x="2202180" y="4834255"/>
+            <a:ext cx="2548890" cy="247015"/>
+          </a:xfrm>
+          <a:prstGeom prst="straightConnector1">
+            <a:avLst/>
+          </a:prstGeom>
+          <a:ln>
+            <a:solidFill>
+              <a:schemeClr val="accent4"/>
+            </a:solidFill>
+            <a:tailEnd type="arrow"/>
+          </a:ln>
+        </p:spPr>
+        <p:style>
+          <a:lnRef idx="2">
+            <a:schemeClr val="accent1"/>
+          </a:lnRef>
+          <a:fillRef idx="0">
+            <a:srgbClr val="FFFFFF"/>
+          </a:fillRef>
+          <a:effectRef idx="0">
+            <a:srgbClr val="FFFFFF"/>
+          </a:effectRef>
+          <a:fontRef idx="minor">
+            <a:schemeClr val="tx1"/>
+          </a:fontRef>
+        </p:style>
+      </p:cxnSp>
+      <p:cxnSp>
+        <p:nvCxnSpPr>
+          <p:cNvPr id="30" name="直接箭头连接符 29"/>
+          <p:cNvCxnSpPr/>
+          <p:nvPr/>
+        </p:nvCxnSpPr>
+        <p:spPr>
+          <a:xfrm flipH="1" flipV="1">
+            <a:off x="3191510" y="2028825"/>
+            <a:ext cx="2464435" cy="1979930"/>
+          </a:xfrm>
+          <a:prstGeom prst="straightConnector1">
+            <a:avLst/>
+          </a:prstGeom>
+          <a:ln>
+            <a:solidFill>
+              <a:schemeClr val="accent4"/>
+            </a:solidFill>
+            <a:tailEnd type="arrow"/>
+          </a:ln>
+        </p:spPr>
+        <p:style>
+          <a:lnRef idx="2">
+            <a:schemeClr val="accent1"/>
+          </a:lnRef>
+          <a:fillRef idx="0">
+            <a:srgbClr val="FFFFFF"/>
+          </a:fillRef>
+          <a:effectRef idx="0">
+            <a:srgbClr val="FFFFFF"/>
+          </a:effectRef>
+          <a:fontRef idx="minor">
+            <a:schemeClr val="tx1"/>
+          </a:fontRef>
+        </p:style>
+      </p:cxnSp>
+      <p:cxnSp>
+        <p:nvCxnSpPr>
+          <p:cNvPr id="31" name="直接箭头连接符 30"/>
+          <p:cNvCxnSpPr>
+            <a:stCxn id="12" idx="3"/>
+            <a:endCxn id="20" idx="1"/>
+          </p:cNvCxnSpPr>
+          <p:nvPr/>
+        </p:nvCxnSpPr>
+        <p:spPr>
+          <a:xfrm flipV="1">
+            <a:off x="7388225" y="1132840"/>
+            <a:ext cx="951865" cy="100965"/>
+          </a:xfrm>
+          <a:prstGeom prst="straightConnector1">
+            <a:avLst/>
+          </a:prstGeom>
+          <a:ln>
+            <a:solidFill>
+              <a:schemeClr val="accent4"/>
+            </a:solidFill>
+            <a:tailEnd type="arrow"/>
+          </a:ln>
+        </p:spPr>
+        <p:style>
+          <a:lnRef idx="2">
+            <a:schemeClr val="accent1"/>
+          </a:lnRef>
+          <a:fillRef idx="0">
+            <a:srgbClr val="FFFFFF"/>
+          </a:fillRef>
+          <a:effectRef idx="0">
+            <a:srgbClr val="FFFFFF"/>
+          </a:effectRef>
+          <a:fontRef idx="minor">
+            <a:schemeClr val="tx1"/>
+          </a:fontRef>
+        </p:style>
+      </p:cxnSp>
+      <p:sp>
+        <p:nvSpPr>
+          <p:cNvPr id="32" name="流程图: 联系 31"/>
+          <p:cNvSpPr/>
+          <p:nvPr/>
+        </p:nvSpPr>
+        <p:spPr>
+          <a:xfrm>
+            <a:off x="4035425" y="4713605"/>
+            <a:ext cx="316865" cy="316230"/>
+          </a:xfrm>
+          <a:prstGeom prst="flowChartConnector">
+            <a:avLst/>
+          </a:prstGeom>
+          <a:solidFill>
+            <a:schemeClr val="accent4"/>
+          </a:solidFill>
+        </p:spPr>
+        <p:style>
+          <a:lnRef idx="2">
+            <a:schemeClr val="accent1">
+              <a:lumMod val="75000"/>
+            </a:schemeClr>
+          </a:lnRef>
+          <a:fillRef idx="1">
+            <a:schemeClr val="accent1"/>
+          </a:fillRef>
+          <a:effectRef idx="0">
+            <a:srgbClr val="FFFFFF"/>
+          </a:effectRef>
+          <a:fontRef idx="minor">
+            <a:schemeClr val="lt1"/>
+          </a:fontRef>
+        </p:style>
+        <p:txBody>
+          <a:bodyPr rtlCol="0" anchor="ctr"/>
+          <a:p>
+            <a:pPr algn="ctr"/>
+            <a:r>
+              <a:rPr lang="en-US" altLang="zh-CN"/>
+              <a:t>1</a:t>
+            </a:r>
+            <a:endParaRPr lang="en-US" altLang="zh-CN"/>
+          </a:p>
+        </p:txBody>
+      </p:sp>
+      <p:cxnSp>
+        <p:nvCxnSpPr>
+          <p:cNvPr id="33" name="直接箭头连接符 32"/>
+          <p:cNvCxnSpPr>
+            <a:stCxn id="23" idx="3"/>
+            <a:endCxn id="24" idx="1"/>
+          </p:cNvCxnSpPr>
+          <p:nvPr/>
+        </p:nvCxnSpPr>
+        <p:spPr>
+          <a:xfrm>
+            <a:off x="853440" y="5010150"/>
+            <a:ext cx="480695" cy="71120"/>
+          </a:xfrm>
+          <a:prstGeom prst="straightConnector1">
+            <a:avLst/>
+          </a:prstGeom>
+          <a:ln>
+            <a:solidFill>
+              <a:schemeClr val="tx1"/>
+            </a:solidFill>
+            <a:tailEnd type="arrow"/>
+          </a:ln>
+        </p:spPr>
+        <p:style>
+          <a:lnRef idx="2">
+            <a:schemeClr val="accent1"/>
+          </a:lnRef>
+          <a:fillRef idx="0">
+            <a:srgbClr val="FFFFFF"/>
+          </a:fillRef>
+          <a:effectRef idx="0">
+            <a:srgbClr val="FFFFFF"/>
+          </a:effectRef>
+          <a:fontRef idx="minor">
+            <a:schemeClr val="tx1"/>
+          </a:fontRef>
+        </p:style>
+      </p:cxnSp>
+      <p:sp>
+        <p:nvSpPr>
+          <p:cNvPr id="34" name="流程图: 联系 33"/>
+          <p:cNvSpPr/>
+          <p:nvPr/>
+        </p:nvSpPr>
+        <p:spPr>
+          <a:xfrm>
+            <a:off x="4035425" y="2875280"/>
+            <a:ext cx="316865" cy="316230"/>
+          </a:xfrm>
+          <a:prstGeom prst="flowChartConnector">
+            <a:avLst/>
+          </a:prstGeom>
+          <a:solidFill>
+            <a:schemeClr val="accent4"/>
+          </a:solidFill>
+        </p:spPr>
+        <p:style>
+          <a:lnRef idx="2">
+            <a:schemeClr val="accent1">
+              <a:lumMod val="75000"/>
+            </a:schemeClr>
+          </a:lnRef>
+          <a:fillRef idx="1">
+            <a:schemeClr val="accent1"/>
+          </a:fillRef>
+          <a:effectRef idx="0">
+            <a:srgbClr val="FFFFFF"/>
+          </a:effectRef>
+          <a:fontRef idx="minor">
+            <a:schemeClr val="lt1"/>
+          </a:fontRef>
+        </p:style>
+        <p:txBody>
+          <a:bodyPr rtlCol="0" anchor="ctr"/>
+          <a:p>
+            <a:pPr algn="ctr"/>
+            <a:r>
+              <a:rPr lang="en-US" altLang="zh-CN"/>
+              <a:t>2</a:t>
+            </a:r>
+            <a:endParaRPr lang="en-US" altLang="zh-CN"/>
+          </a:p>
+        </p:txBody>
+      </p:sp>
+      <p:sp>
+        <p:nvSpPr>
+          <p:cNvPr id="35" name="流程图: 联系 34"/>
+          <p:cNvSpPr/>
+          <p:nvPr/>
+        </p:nvSpPr>
+        <p:spPr>
+          <a:xfrm>
+            <a:off x="7705725" y="1113155"/>
+            <a:ext cx="316865" cy="316230"/>
+          </a:xfrm>
+          <a:prstGeom prst="flowChartConnector">
+            <a:avLst/>
+          </a:prstGeom>
+          <a:solidFill>
+            <a:schemeClr val="accent4"/>
+          </a:solidFill>
+        </p:spPr>
+        <p:style>
+          <a:lnRef idx="2">
+            <a:schemeClr val="accent1">
+              <a:lumMod val="75000"/>
+            </a:schemeClr>
+          </a:lnRef>
+          <a:fillRef idx="1">
+            <a:schemeClr val="accent1"/>
+          </a:fillRef>
+          <a:effectRef idx="0">
+            <a:srgbClr val="FFFFFF"/>
+          </a:effectRef>
+          <a:fontRef idx="minor">
+            <a:schemeClr val="lt1"/>
+          </a:fontRef>
+        </p:style>
+        <p:txBody>
+          <a:bodyPr rtlCol="0" anchor="ctr"/>
+          <a:p>
+            <a:pPr algn="ctr"/>
+            <a:r>
+              <a:rPr lang="en-US" altLang="zh-CN"/>
+              <a:t>3</a:t>
+            </a:r>
+            <a:endParaRPr lang="en-US" altLang="zh-CN"/>
+          </a:p>
+        </p:txBody>
+      </p:sp>
+      <p:cxnSp>
+        <p:nvCxnSpPr>
+          <p:cNvPr id="36" name="直接箭头连接符 35"/>
+          <p:cNvCxnSpPr/>
+          <p:nvPr/>
+        </p:nvCxnSpPr>
+        <p:spPr>
+          <a:xfrm>
+            <a:off x="3646170" y="2009140"/>
+            <a:ext cx="2242185" cy="2040255"/>
+          </a:xfrm>
+          <a:prstGeom prst="straightConnector1">
+            <a:avLst/>
+          </a:prstGeom>
+          <a:ln>
+            <a:solidFill>
+              <a:schemeClr val="accent4"/>
+            </a:solidFill>
+            <a:tailEnd type="arrow"/>
+          </a:ln>
+        </p:spPr>
+        <p:style>
+          <a:lnRef idx="2">
+            <a:schemeClr val="accent1"/>
+          </a:lnRef>
+          <a:fillRef idx="0">
+            <a:srgbClr val="FFFFFF"/>
+          </a:fillRef>
+          <a:effectRef idx="0">
+            <a:srgbClr val="FFFFFF"/>
+          </a:effectRef>
+          <a:fontRef idx="minor">
+            <a:schemeClr val="tx1"/>
+          </a:fontRef>
+        </p:style>
+      </p:cxnSp>
+      <p:sp>
+        <p:nvSpPr>
+          <p:cNvPr id="37" name="流程图: 联系 36"/>
+          <p:cNvSpPr/>
+          <p:nvPr/>
+        </p:nvSpPr>
+        <p:spPr>
+          <a:xfrm>
+            <a:off x="4653915" y="2755900"/>
+            <a:ext cx="316865" cy="316230"/>
+          </a:xfrm>
+          <a:prstGeom prst="flowChartConnector">
+            <a:avLst/>
+          </a:prstGeom>
+          <a:solidFill>
+            <a:schemeClr val="accent4"/>
+          </a:solidFill>
+        </p:spPr>
+        <p:style>
+          <a:lnRef idx="2">
+            <a:schemeClr val="accent1">
+              <a:lumMod val="75000"/>
+            </a:schemeClr>
+          </a:lnRef>
+          <a:fillRef idx="1">
+            <a:schemeClr val="accent1"/>
+          </a:fillRef>
+          <a:effectRef idx="0">
+            <a:srgbClr val="FFFFFF"/>
+          </a:effectRef>
+          <a:fontRef idx="minor">
+            <a:schemeClr val="lt1"/>
+          </a:fontRef>
+        </p:style>
+        <p:txBody>
+          <a:bodyPr rtlCol="0" anchor="ctr"/>
+          <a:p>
+            <a:pPr algn="ctr"/>
+            <a:r>
+              <a:rPr lang="en-US" altLang="zh-CN"/>
+              <a:t>4</a:t>
+            </a:r>
+            <a:endParaRPr lang="en-US" altLang="zh-CN"/>
+          </a:p>
+        </p:txBody>
+      </p:sp>
+      <p:cxnSp>
+        <p:nvCxnSpPr>
+          <p:cNvPr id="38" name="直接箭头连接符 37"/>
+          <p:cNvCxnSpPr>
+            <a:endCxn id="22" idx="1"/>
+          </p:cNvCxnSpPr>
+          <p:nvPr/>
+        </p:nvCxnSpPr>
+        <p:spPr>
+          <a:xfrm>
+            <a:off x="11040110" y="867410"/>
+            <a:ext cx="201930" cy="50800"/>
+          </a:xfrm>
+          <a:prstGeom prst="straightConnector1">
+            <a:avLst/>
+          </a:prstGeom>
+          <a:ln>
+            <a:solidFill>
+              <a:schemeClr val="accent4"/>
+            </a:solidFill>
+            <a:tailEnd type="arrow"/>
+          </a:ln>
+        </p:spPr>
+        <p:style>
+          <a:lnRef idx="2">
+            <a:schemeClr val="accent1"/>
+          </a:lnRef>
+          <a:fillRef idx="0">
+            <a:srgbClr val="FFFFFF"/>
+          </a:fillRef>
+          <a:effectRef idx="0">
+            <a:srgbClr val="FFFFFF"/>
+          </a:effectRef>
+          <a:fontRef idx="minor">
+            <a:schemeClr val="tx1"/>
+          </a:fontRef>
+        </p:style>
+      </p:cxnSp>
+      <p:cxnSp>
+        <p:nvCxnSpPr>
+          <p:cNvPr id="39" name="直接箭头连接符 38"/>
+          <p:cNvCxnSpPr>
+            <a:stCxn id="24" idx="3"/>
+            <a:endCxn id="25" idx="1"/>
+          </p:cNvCxnSpPr>
+          <p:nvPr/>
+        </p:nvCxnSpPr>
+        <p:spPr>
+          <a:xfrm flipV="1">
+            <a:off x="2202180" y="4531995"/>
+            <a:ext cx="393700" cy="549275"/>
+          </a:xfrm>
+          <a:prstGeom prst="straightConnector1">
+            <a:avLst/>
+          </a:prstGeom>
+          <a:ln>
+            <a:solidFill>
+              <a:schemeClr val="accent1"/>
+            </a:solidFill>
+            <a:tailEnd type="arrow"/>
+          </a:ln>
+        </p:spPr>
+        <p:style>
+          <a:lnRef idx="2">
+            <a:schemeClr val="accent1"/>
+          </a:lnRef>
+          <a:fillRef idx="0">
+            <a:srgbClr val="FFFFFF"/>
+          </a:fillRef>
+          <a:effectRef idx="0">
+            <a:srgbClr val="FFFFFF"/>
+          </a:effectRef>
+          <a:fontRef idx="minor">
+            <a:schemeClr val="tx1"/>
+          </a:fontRef>
+        </p:style>
+      </p:cxnSp>
+      <p:cxnSp>
+        <p:nvCxnSpPr>
+          <p:cNvPr id="40" name="直接箭头连接符 39"/>
+          <p:cNvCxnSpPr>
+            <a:stCxn id="25" idx="3"/>
+            <a:endCxn id="26" idx="1"/>
+          </p:cNvCxnSpPr>
+          <p:nvPr/>
+        </p:nvCxnSpPr>
+        <p:spPr>
+          <a:xfrm>
+            <a:off x="3636010" y="4531995"/>
+            <a:ext cx="1555750" cy="0"/>
+          </a:xfrm>
+          <a:prstGeom prst="straightConnector1">
+            <a:avLst/>
+          </a:prstGeom>
+          <a:ln>
+            <a:solidFill>
+              <a:schemeClr val="accent1"/>
+            </a:solidFill>
+            <a:tailEnd type="arrow"/>
+          </a:ln>
+        </p:spPr>
+        <p:style>
+          <a:lnRef idx="2">
+            <a:schemeClr val="accent1"/>
+          </a:lnRef>
+          <a:fillRef idx="0">
+            <a:srgbClr val="FFFFFF"/>
+          </a:fillRef>
+          <a:effectRef idx="0">
+            <a:srgbClr val="FFFFFF"/>
+          </a:effectRef>
+          <a:fontRef idx="minor">
+            <a:schemeClr val="tx1"/>
+          </a:fontRef>
+        </p:style>
+      </p:cxnSp>
+      <p:cxnSp>
+        <p:nvCxnSpPr>
+          <p:cNvPr id="41" name="直接箭头连接符 40"/>
+          <p:cNvCxnSpPr>
+            <a:endCxn id="42" idx="1"/>
+          </p:cNvCxnSpPr>
+          <p:nvPr/>
+        </p:nvCxnSpPr>
+        <p:spPr>
+          <a:xfrm flipV="1">
+            <a:off x="6181090" y="4531995"/>
+            <a:ext cx="1118870" cy="12065"/>
+          </a:xfrm>
+          <a:prstGeom prst="straightConnector1">
+            <a:avLst/>
+          </a:prstGeom>
+          <a:ln>
+            <a:solidFill>
+              <a:schemeClr val="accent1"/>
+            </a:solidFill>
+            <a:tailEnd type="arrow"/>
+          </a:ln>
+        </p:spPr>
+        <p:style>
+          <a:lnRef idx="2">
+            <a:schemeClr val="accent1"/>
+          </a:lnRef>
+          <a:fillRef idx="0">
+            <a:srgbClr val="FFFFFF"/>
+          </a:fillRef>
+          <a:effectRef idx="0">
+            <a:srgbClr val="FFFFFF"/>
+          </a:effectRef>
+          <a:fontRef idx="minor">
+            <a:schemeClr val="tx1"/>
+          </a:fontRef>
+        </p:style>
+      </p:cxnSp>
+      <p:sp>
+        <p:nvSpPr>
+          <p:cNvPr id="42" name="矩形 41"/>
+          <p:cNvSpPr/>
+          <p:nvPr/>
+        </p:nvSpPr>
+        <p:spPr>
+          <a:xfrm>
+            <a:off x="7299960" y="4349750"/>
+            <a:ext cx="1040130" cy="363855"/>
+          </a:xfrm>
+          <a:prstGeom prst="rect">
+            <a:avLst/>
+          </a:prstGeom>
+        </p:spPr>
+        <p:style>
+          <a:lnRef idx="2">
+            <a:schemeClr val="accent1">
+              <a:lumMod val="75000"/>
+            </a:schemeClr>
+          </a:lnRef>
+          <a:fillRef idx="1">
+            <a:schemeClr val="accent1"/>
+          </a:fillRef>
+          <a:effectRef idx="0">
+            <a:srgbClr val="FFFFFF"/>
+          </a:effectRef>
+          <a:fontRef idx="minor">
+            <a:schemeClr val="lt1"/>
+          </a:fontRef>
+        </p:style>
+        <p:txBody>
+          <a:bodyPr rtlCol="0" anchor="ctr"/>
+          <a:p>
+            <a:pPr algn="ctr"/>
+            <a:r>
+              <a:rPr lang="zh-CN" altLang="en-US" sz="1600"/>
+              <a:t>打包</a:t>
+            </a:r>
+            <a:endParaRPr lang="zh-CN" altLang="en-US" sz="1600"/>
+          </a:p>
+        </p:txBody>
+      </p:sp>
+      <p:cxnSp>
+        <p:nvCxnSpPr>
+          <p:cNvPr id="43" name="直接箭头连接符 42"/>
+          <p:cNvCxnSpPr>
+            <a:stCxn id="42" idx="0"/>
+            <a:endCxn id="27" idx="2"/>
+          </p:cNvCxnSpPr>
+          <p:nvPr/>
+        </p:nvCxnSpPr>
+        <p:spPr>
+          <a:xfrm flipH="1" flipV="1">
+            <a:off x="4694555" y="1848485"/>
+            <a:ext cx="3125470" cy="2501265"/>
+          </a:xfrm>
+          <a:prstGeom prst="straightConnector1">
+            <a:avLst/>
+          </a:prstGeom>
+          <a:ln>
+            <a:solidFill>
+              <a:schemeClr val="accent1"/>
+            </a:solidFill>
+            <a:tailEnd type="arrow"/>
+          </a:ln>
+        </p:spPr>
+        <p:style>
+          <a:lnRef idx="2">
+            <a:schemeClr val="accent1"/>
+          </a:lnRef>
+          <a:fillRef idx="0">
+            <a:srgbClr val="FFFFFF"/>
+          </a:fillRef>
+          <a:effectRef idx="0">
+            <a:srgbClr val="FFFFFF"/>
+          </a:effectRef>
+          <a:fontRef idx="minor">
+            <a:schemeClr val="tx1"/>
+          </a:fontRef>
+        </p:style>
+      </p:cxnSp>
+      <p:sp>
+        <p:nvSpPr>
+          <p:cNvPr id="44" name="矩形 43"/>
+          <p:cNvSpPr/>
+          <p:nvPr/>
+        </p:nvSpPr>
+        <p:spPr>
+          <a:xfrm>
+            <a:off x="5940425" y="1429385"/>
+            <a:ext cx="1040130" cy="363855"/>
+          </a:xfrm>
+          <a:prstGeom prst="rect">
+            <a:avLst/>
+          </a:prstGeom>
+        </p:spPr>
+        <p:style>
+          <a:lnRef idx="2">
+            <a:schemeClr val="accent1">
+              <a:lumMod val="75000"/>
+            </a:schemeClr>
+          </a:lnRef>
+          <a:fillRef idx="1">
+            <a:schemeClr val="accent1"/>
+          </a:fillRef>
+          <a:effectRef idx="0">
+            <a:srgbClr val="FFFFFF"/>
+          </a:effectRef>
+          <a:fontRef idx="minor">
+            <a:schemeClr val="lt1"/>
+          </a:fontRef>
+        </p:style>
+        <p:txBody>
+          <a:bodyPr rtlCol="0" anchor="ctr"/>
+          <a:p>
+            <a:pPr algn="ctr"/>
+            <a:r>
+              <a:rPr lang="zh-CN" altLang="en-US" sz="1600"/>
+              <a:t>拆包</a:t>
+            </a:r>
+            <a:endParaRPr lang="zh-CN" altLang="en-US" sz="1600"/>
+          </a:p>
+        </p:txBody>
+      </p:sp>
+      <p:cxnSp>
+        <p:nvCxnSpPr>
+          <p:cNvPr id="45" name="直接箭头连接符 44"/>
+          <p:cNvCxnSpPr>
+            <a:stCxn id="27" idx="3"/>
+            <a:endCxn id="44" idx="1"/>
+          </p:cNvCxnSpPr>
+          <p:nvPr/>
+        </p:nvCxnSpPr>
+        <p:spPr>
+          <a:xfrm flipV="1">
+            <a:off x="5214620" y="1611630"/>
+            <a:ext cx="725805" cy="55245"/>
+          </a:xfrm>
+          <a:prstGeom prst="straightConnector1">
+            <a:avLst/>
+          </a:prstGeom>
+          <a:ln>
+            <a:solidFill>
+              <a:schemeClr val="accent1"/>
+            </a:solidFill>
+            <a:tailEnd type="arrow"/>
+          </a:ln>
+        </p:spPr>
+        <p:style>
+          <a:lnRef idx="2">
+            <a:schemeClr val="accent1"/>
+          </a:lnRef>
+          <a:fillRef idx="0">
+            <a:srgbClr val="FFFFFF"/>
+          </a:fillRef>
+          <a:effectRef idx="0">
+            <a:srgbClr val="FFFFFF"/>
+          </a:effectRef>
+          <a:fontRef idx="minor">
+            <a:schemeClr val="tx1"/>
+          </a:fontRef>
+        </p:style>
+      </p:cxnSp>
+      <p:cxnSp>
+        <p:nvCxnSpPr>
+          <p:cNvPr id="46" name="直接箭头连接符 45"/>
+          <p:cNvCxnSpPr>
+            <a:stCxn id="44" idx="3"/>
+            <a:endCxn id="28" idx="1"/>
+          </p:cNvCxnSpPr>
+          <p:nvPr/>
+        </p:nvCxnSpPr>
+        <p:spPr>
+          <a:xfrm>
+            <a:off x="6980555" y="1611630"/>
+            <a:ext cx="1591310" cy="0"/>
+          </a:xfrm>
+          <a:prstGeom prst="straightConnector1">
+            <a:avLst/>
+          </a:prstGeom>
+          <a:ln>
+            <a:solidFill>
+              <a:schemeClr val="accent1"/>
+            </a:solidFill>
+            <a:tailEnd type="arrow"/>
+          </a:ln>
+        </p:spPr>
+        <p:style>
+          <a:lnRef idx="2">
+            <a:schemeClr val="accent1"/>
+          </a:lnRef>
+          <a:fillRef idx="0">
+            <a:srgbClr val="FFFFFF"/>
+          </a:fillRef>
+          <a:effectRef idx="0">
+            <a:srgbClr val="FFFFFF"/>
+          </a:effectRef>
+          <a:fontRef idx="minor">
+            <a:schemeClr val="tx1"/>
+          </a:fontRef>
+        </p:style>
+      </p:cxnSp>
+      <p:cxnSp>
+        <p:nvCxnSpPr>
+          <p:cNvPr id="47" name="直接箭头连接符 46"/>
+          <p:cNvCxnSpPr>
+            <a:stCxn id="28" idx="3"/>
+            <a:endCxn id="22" idx="1"/>
+          </p:cNvCxnSpPr>
+          <p:nvPr/>
+        </p:nvCxnSpPr>
+        <p:spPr>
+          <a:xfrm flipV="1">
+            <a:off x="9611995" y="918210"/>
+            <a:ext cx="1630045" cy="693420"/>
+          </a:xfrm>
+          <a:prstGeom prst="straightConnector1">
+            <a:avLst/>
+          </a:prstGeom>
+          <a:ln>
+            <a:solidFill>
+              <a:schemeClr val="accent1"/>
+            </a:solidFill>
+            <a:tailEnd type="arrow"/>
+          </a:ln>
+        </p:spPr>
+        <p:style>
+          <a:lnRef idx="2">
+            <a:schemeClr val="accent1"/>
+          </a:lnRef>
+          <a:fillRef idx="0">
+            <a:srgbClr val="FFFFFF"/>
+          </a:fillRef>
+          <a:effectRef idx="0">
+            <a:srgbClr val="FFFFFF"/>
+          </a:effectRef>
+          <a:fontRef idx="minor">
+            <a:schemeClr val="tx1"/>
+          </a:fontRef>
+        </p:style>
+      </p:cxnSp>
+      <p:sp>
+        <p:nvSpPr>
+          <p:cNvPr id="48" name="矩形 47"/>
+          <p:cNvSpPr/>
+          <p:nvPr/>
+        </p:nvSpPr>
+        <p:spPr>
+          <a:xfrm>
+            <a:off x="8571865" y="749300"/>
+            <a:ext cx="1040130" cy="363855"/>
+          </a:xfrm>
+          <a:prstGeom prst="rect">
+            <a:avLst/>
+          </a:prstGeom>
+        </p:spPr>
+        <p:style>
+          <a:lnRef idx="2">
+            <a:schemeClr val="accent1">
+              <a:lumMod val="75000"/>
+            </a:schemeClr>
+          </a:lnRef>
+          <a:fillRef idx="1">
+            <a:schemeClr val="accent1"/>
+          </a:fillRef>
+          <a:effectRef idx="0">
+            <a:srgbClr val="FFFFFF"/>
+          </a:effectRef>
+          <a:fontRef idx="minor">
+            <a:schemeClr val="lt1"/>
+          </a:fontRef>
+        </p:style>
+        <p:txBody>
+          <a:bodyPr rtlCol="0" anchor="ctr"/>
+          <a:p>
+            <a:pPr algn="ctr"/>
+            <a:r>
+              <a:rPr lang="zh-CN" altLang="en-US" sz="1600"/>
+              <a:t>缓冲池</a:t>
+            </a:r>
+            <a:endParaRPr lang="zh-CN" altLang="en-US" sz="1600"/>
+          </a:p>
+        </p:txBody>
+      </p:sp>
+      <p:sp>
+        <p:nvSpPr>
+          <p:cNvPr id="49" name="矩形 48"/>
+          <p:cNvSpPr/>
+          <p:nvPr/>
+        </p:nvSpPr>
+        <p:spPr>
+          <a:xfrm>
+            <a:off x="5871210" y="648335"/>
+            <a:ext cx="1040130" cy="363855"/>
+          </a:xfrm>
+          <a:prstGeom prst="rect">
+            <a:avLst/>
+          </a:prstGeom>
+        </p:spPr>
+        <p:style>
+          <a:lnRef idx="2">
+            <a:schemeClr val="accent1">
+              <a:lumMod val="75000"/>
+            </a:schemeClr>
+          </a:lnRef>
+          <a:fillRef idx="1">
+            <a:schemeClr val="accent1"/>
+          </a:fillRef>
+          <a:effectRef idx="0">
+            <a:srgbClr val="FFFFFF"/>
+          </a:effectRef>
+          <a:fontRef idx="minor">
+            <a:schemeClr val="lt1"/>
+          </a:fontRef>
+        </p:style>
+        <p:txBody>
+          <a:bodyPr rtlCol="0" anchor="ctr"/>
+          <a:p>
+            <a:pPr algn="ctr"/>
+            <a:r>
+              <a:rPr lang="zh-CN" altLang="en-US" sz="1600"/>
+              <a:t>缓冲池</a:t>
+            </a:r>
+            <a:endParaRPr lang="zh-CN" altLang="en-US" sz="1600"/>
+          </a:p>
+        </p:txBody>
+      </p:sp>
+      <p:sp>
+        <p:nvSpPr>
+          <p:cNvPr id="53" name="文本框 52"/>
+          <p:cNvSpPr txBox="1"/>
+          <p:nvPr/>
+        </p:nvSpPr>
+        <p:spPr>
+          <a:xfrm>
+            <a:off x="4038600" y="466090"/>
+            <a:ext cx="1465580" cy="306705"/>
+          </a:xfrm>
+          <a:prstGeom prst="rect">
+            <a:avLst/>
+          </a:prstGeom>
+          <a:noFill/>
+        </p:spPr>
+        <p:txBody>
+          <a:bodyPr wrap="square" rtlCol="0">
+            <a:spAutoFit/>
+          </a:bodyPr>
+          <a:p>
+            <a:r>
+              <a:rPr lang="zh-CN" altLang="en-US" sz="1400"/>
+              <a:t>每个客户端一个</a:t>
+            </a:r>
+            <a:endParaRPr lang="zh-CN" altLang="en-US" sz="1400"/>
+          </a:p>
+        </p:txBody>
+      </p:sp>
+      <p:sp>
+        <p:nvSpPr>
+          <p:cNvPr id="54" name="矩形 53"/>
+          <p:cNvSpPr/>
+          <p:nvPr/>
+        </p:nvSpPr>
+        <p:spPr>
+          <a:xfrm>
+            <a:off x="4464050" y="839470"/>
+            <a:ext cx="1040130" cy="363855"/>
+          </a:xfrm>
+          <a:prstGeom prst="rect">
+            <a:avLst/>
+          </a:prstGeom>
+        </p:spPr>
+        <p:style>
+          <a:lnRef idx="2">
+            <a:schemeClr val="accent1">
+              <a:lumMod val="75000"/>
+            </a:schemeClr>
+          </a:lnRef>
+          <a:fillRef idx="1">
+            <a:schemeClr val="accent1"/>
+          </a:fillRef>
+          <a:effectRef idx="0">
+            <a:srgbClr val="FFFFFF"/>
+          </a:effectRef>
+          <a:fontRef idx="minor">
+            <a:schemeClr val="lt1"/>
+          </a:fontRef>
+        </p:style>
+        <p:txBody>
+          <a:bodyPr rtlCol="0" anchor="ctr"/>
+          <a:p>
+            <a:pPr algn="ctr"/>
+            <a:r>
+              <a:rPr lang="zh-CN" altLang="en-US" sz="1600"/>
+              <a:t>打包</a:t>
+            </a:r>
+            <a:endParaRPr lang="zh-CN" altLang="en-US" sz="1600"/>
+          </a:p>
+        </p:txBody>
+      </p:sp>
+    </p:spTree>
+  </p:cSld>
+  <p:clrMapOvr>
+    <a:masterClrMapping/>
+  </p:clrMapOvr>
+  <mc:AlternateContent xmlns:mc="http://schemas.openxmlformats.org/markup-compatibility/2006">
+    <mc:Choice xmlns:p14="http://schemas.microsoft.com/office/powerpoint/2010/main" Requires="p14">
+      <p:transition p14:dur="500"/>
+    </mc:Choice>
+    <mc:Fallback>
+      <p:transition/>
+    </mc:Fallback>
+  </mc:AlternateContent>
+</p:sld>
+</file>
+
 <file path=ppt/slides/slide2.xml><?xml version="1.0" encoding="utf-8"?>
 <p:sld xmlns:a="http://schemas.openxmlformats.org/drawingml/2006/main" xmlns:r="http://schemas.openxmlformats.org/officeDocument/2006/relationships" xmlns:p="http://schemas.openxmlformats.org/presentationml/2006/main">
   <p:cSld>
@@ -17082,8 +18785,7 @@
 
 <file path=ppt/tags/tag189.xml><?xml version="1.0" encoding="utf-8"?>
 <p:tagLst xmlns:p="http://schemas.openxmlformats.org/presentationml/2006/main">
-  <p:tag name="commondata" val="eyJoZGlkIjoiNDE4MjUxNmFkNzljZmE2MTdkMTlmZWY3MDFjYzM1YTIifQ=="/>
-  <p:tag name="resource_record_key" val="{&quot;13&quot;:[20482073]}"/>
+  <p:tag name="KSO_WM_BEAUTIFY_FLAG" val=""/>
 </p:tagLst>
 </file>
 
@@ -17097,6 +18799,37 @@
   <p:tag name="KSO_WM_UNIT_LAYERLEVEL" val="1"/>
   <p:tag name="KSO_WM_TAG_VERSION" val="1.0"/>
   <p:tag name="KSO_WM_BEAUTIFY_FLAG" val="#wm#"/>
+</p:tagLst>
+</file>
+
+<file path=ppt/tags/tag190.xml><?xml version="1.0" encoding="utf-8"?>
+<p:tagLst xmlns:p="http://schemas.openxmlformats.org/presentationml/2006/main">
+  <p:tag name="KSO_WM_BEAUTIFY_FLAG" val=""/>
+</p:tagLst>
+</file>
+
+<file path=ppt/tags/tag191.xml><?xml version="1.0" encoding="utf-8"?>
+<p:tagLst xmlns:p="http://schemas.openxmlformats.org/presentationml/2006/main">
+  <p:tag name="KSO_WM_BEAUTIFY_FLAG" val=""/>
+</p:tagLst>
+</file>
+
+<file path=ppt/tags/tag192.xml><?xml version="1.0" encoding="utf-8"?>
+<p:tagLst xmlns:p="http://schemas.openxmlformats.org/presentationml/2006/main">
+  <p:tag name="KSO_WM_BEAUTIFY_FLAG" val=""/>
+</p:tagLst>
+</file>
+
+<file path=ppt/tags/tag193.xml><?xml version="1.0" encoding="utf-8"?>
+<p:tagLst xmlns:p="http://schemas.openxmlformats.org/presentationml/2006/main">
+  <p:tag name="KSO_WM_BEAUTIFY_FLAG" val=""/>
+</p:tagLst>
+</file>
+
+<file path=ppt/tags/tag194.xml><?xml version="1.0" encoding="utf-8"?>
+<p:tagLst xmlns:p="http://schemas.openxmlformats.org/presentationml/2006/main">
+  <p:tag name="commondata" val="eyJoZGlkIjoiNDE4MjUxNmFkNzljZmE2MTdkMTlmZWY3MDFjYzM1YTIifQ=="/>
+  <p:tag name="resource_record_key" val="{&quot;13&quot;:[20482073]}"/>
 </p:tagLst>
 </file>
 

--- a/_doc/readme.pptx
+++ b/_doc/readme.pptx
@@ -5,10 +5,10 @@
     <p:sldMasterId id="2147483648" r:id="rId1"/>
   </p:sldMasterIdLst>
   <p:notesMasterIdLst>
-    <p:notesMasterId r:id="rId15"/>
+    <p:notesMasterId r:id="rId16"/>
   </p:notesMasterIdLst>
   <p:handoutMasterIdLst>
-    <p:handoutMasterId r:id="rId16"/>
+    <p:handoutMasterId r:id="rId17"/>
   </p:handoutMasterIdLst>
   <p:sldIdLst>
     <p:sldId id="256" r:id="rId3"/>
@@ -16,18 +16,19 @@
     <p:sldId id="258" r:id="rId5"/>
     <p:sldId id="259" r:id="rId6"/>
     <p:sldId id="260" r:id="rId7"/>
-    <p:sldId id="261" r:id="rId8"/>
-    <p:sldId id="262" r:id="rId9"/>
-    <p:sldId id="265" r:id="rId10"/>
-    <p:sldId id="268" r:id="rId11"/>
-    <p:sldId id="266" r:id="rId12"/>
-    <p:sldId id="267" r:id="rId13"/>
-    <p:sldId id="271" r:id="rId14"/>
+    <p:sldId id="272" r:id="rId8"/>
+    <p:sldId id="261" r:id="rId9"/>
+    <p:sldId id="262" r:id="rId10"/>
+    <p:sldId id="265" r:id="rId11"/>
+    <p:sldId id="268" r:id="rId12"/>
+    <p:sldId id="266" r:id="rId13"/>
+    <p:sldId id="267" r:id="rId14"/>
+    <p:sldId id="271" r:id="rId15"/>
   </p:sldIdLst>
   <p:sldSz cx="12192000" cy="6858000"/>
   <p:notesSz cx="6858000" cy="9144000"/>
   <p:custDataLst>
-    <p:tags r:id="rId20"/>
+    <p:tags r:id="rId21"/>
   </p:custDataLst>
   <p:defaultTextStyle>
     <a:defPPr>
@@ -5904,6 +5905,919 @@
         <p:nvPr/>
       </p:nvGrpSpPr>
       <p:grpSpPr/>
+      <p:sp>
+        <p:nvSpPr>
+          <p:cNvPr id="2" name="矩形 1"/>
+          <p:cNvSpPr/>
+          <p:nvPr/>
+        </p:nvSpPr>
+        <p:spPr>
+          <a:xfrm>
+            <a:off x="3852545" y="404495"/>
+            <a:ext cx="4102735" cy="2264410"/>
+          </a:xfrm>
+          <a:prstGeom prst="rect">
+            <a:avLst/>
+          </a:prstGeom>
+          <a:solidFill>
+            <a:schemeClr val="bg1"/>
+          </a:solidFill>
+          <a:ln w="28575" cmpd="sng">
+            <a:solidFill>
+              <a:schemeClr val="accent1">
+                <a:shade val="50000"/>
+              </a:schemeClr>
+            </a:solidFill>
+            <a:prstDash val="sysDot"/>
+          </a:ln>
+        </p:spPr>
+        <p:style>
+          <a:lnRef idx="2">
+            <a:schemeClr val="accent1">
+              <a:lumMod val="75000"/>
+            </a:schemeClr>
+          </a:lnRef>
+          <a:fillRef idx="1">
+            <a:schemeClr val="accent1"/>
+          </a:fillRef>
+          <a:effectRef idx="0">
+            <a:srgbClr val="FFFFFF"/>
+          </a:effectRef>
+          <a:fontRef idx="minor">
+            <a:schemeClr val="lt1"/>
+          </a:fontRef>
+        </p:style>
+        <p:txBody>
+          <a:bodyPr rtlCol="0" anchor="ctr"/>
+          <a:p>
+            <a:pPr algn="ctr"/>
+            <a:endParaRPr lang="zh-CN" altLang="en-US"/>
+          </a:p>
+        </p:txBody>
+      </p:sp>
+      <p:sp>
+        <p:nvSpPr>
+          <p:cNvPr id="3" name="矩形 2"/>
+          <p:cNvSpPr/>
+          <p:nvPr>
+            <p:custDataLst>
+              <p:tags r:id="rId1"/>
+            </p:custDataLst>
+          </p:nvPr>
+        </p:nvSpPr>
+        <p:spPr>
+          <a:xfrm>
+            <a:off x="835025" y="2993390"/>
+            <a:ext cx="4102735" cy="2264410"/>
+          </a:xfrm>
+          <a:prstGeom prst="rect">
+            <a:avLst/>
+          </a:prstGeom>
+          <a:solidFill>
+            <a:schemeClr val="bg1"/>
+          </a:solidFill>
+          <a:ln w="28575" cmpd="sng">
+            <a:solidFill>
+              <a:schemeClr val="accent1">
+                <a:shade val="50000"/>
+              </a:schemeClr>
+            </a:solidFill>
+            <a:prstDash val="sysDot"/>
+          </a:ln>
+        </p:spPr>
+        <p:style>
+          <a:lnRef idx="2">
+            <a:schemeClr val="accent1">
+              <a:lumMod val="75000"/>
+            </a:schemeClr>
+          </a:lnRef>
+          <a:fillRef idx="1">
+            <a:schemeClr val="accent1"/>
+          </a:fillRef>
+          <a:effectRef idx="0">
+            <a:srgbClr val="FFFFFF"/>
+          </a:effectRef>
+          <a:fontRef idx="minor">
+            <a:schemeClr val="lt1"/>
+          </a:fontRef>
+        </p:style>
+        <p:txBody>
+          <a:bodyPr rtlCol="0" anchor="ctr"/>
+          <a:p>
+            <a:pPr algn="ctr"/>
+            <a:endParaRPr lang="zh-CN" altLang="en-US"/>
+          </a:p>
+        </p:txBody>
+      </p:sp>
+      <p:sp>
+        <p:nvSpPr>
+          <p:cNvPr id="4" name="矩形 3"/>
+          <p:cNvSpPr/>
+          <p:nvPr>
+            <p:custDataLst>
+              <p:tags r:id="rId2"/>
+            </p:custDataLst>
+          </p:nvPr>
+        </p:nvSpPr>
+        <p:spPr>
+          <a:xfrm>
+            <a:off x="7351395" y="2993390"/>
+            <a:ext cx="4102735" cy="2264410"/>
+          </a:xfrm>
+          <a:prstGeom prst="rect">
+            <a:avLst/>
+          </a:prstGeom>
+          <a:solidFill>
+            <a:schemeClr val="bg1"/>
+          </a:solidFill>
+          <a:ln w="28575" cmpd="sng">
+            <a:solidFill>
+              <a:schemeClr val="accent1">
+                <a:shade val="50000"/>
+              </a:schemeClr>
+            </a:solidFill>
+            <a:prstDash val="sysDot"/>
+          </a:ln>
+        </p:spPr>
+        <p:style>
+          <a:lnRef idx="2">
+            <a:schemeClr val="accent1">
+              <a:lumMod val="75000"/>
+            </a:schemeClr>
+          </a:lnRef>
+          <a:fillRef idx="1">
+            <a:schemeClr val="accent1"/>
+          </a:fillRef>
+          <a:effectRef idx="0">
+            <a:srgbClr val="FFFFFF"/>
+          </a:effectRef>
+          <a:fontRef idx="minor">
+            <a:schemeClr val="lt1"/>
+          </a:fontRef>
+        </p:style>
+        <p:txBody>
+          <a:bodyPr rtlCol="0" anchor="ctr"/>
+          <a:p>
+            <a:pPr algn="ctr"/>
+            <a:endParaRPr lang="zh-CN" altLang="en-US"/>
+          </a:p>
+        </p:txBody>
+      </p:sp>
+      <p:sp>
+        <p:nvSpPr>
+          <p:cNvPr id="9" name="圆角矩形 8"/>
+          <p:cNvSpPr/>
+          <p:nvPr>
+            <p:custDataLst>
+              <p:tags r:id="rId3"/>
+            </p:custDataLst>
+          </p:nvPr>
+        </p:nvSpPr>
+        <p:spPr>
+          <a:xfrm>
+            <a:off x="9554210" y="4507865"/>
+            <a:ext cx="1734820" cy="402590"/>
+          </a:xfrm>
+          <a:prstGeom prst="roundRect">
+            <a:avLst/>
+          </a:prstGeom>
+          <a:solidFill>
+            <a:schemeClr val="accent4"/>
+          </a:solidFill>
+        </p:spPr>
+        <p:style>
+          <a:lnRef idx="2">
+            <a:schemeClr val="accent1">
+              <a:lumMod val="75000"/>
+            </a:schemeClr>
+          </a:lnRef>
+          <a:fillRef idx="1">
+            <a:schemeClr val="accent1"/>
+          </a:fillRef>
+          <a:effectRef idx="0">
+            <a:srgbClr val="FFFFFF"/>
+          </a:effectRef>
+          <a:fontRef idx="minor">
+            <a:schemeClr val="lt1"/>
+          </a:fontRef>
+        </p:style>
+        <p:txBody>
+          <a:bodyPr rtlCol="0" anchor="ctr"/>
+          <a:p>
+            <a:pPr algn="ctr"/>
+            <a:r>
+              <a:rPr lang="en-US" altLang="zh-CN"/>
+              <a:t>SSH</a:t>
+            </a:r>
+            <a:r>
+              <a:rPr lang="zh-CN" altLang="en-US"/>
+              <a:t>端口（</a:t>
+            </a:r>
+            <a:r>
+              <a:rPr lang="en-US" altLang="zh-CN"/>
+              <a:t>22</a:t>
+            </a:r>
+            <a:r>
+              <a:rPr lang="zh-CN" altLang="en-US"/>
+              <a:t>）</a:t>
+            </a:r>
+            <a:endParaRPr lang="zh-CN" altLang="en-US"/>
+          </a:p>
+        </p:txBody>
+      </p:sp>
+      <p:sp>
+        <p:nvSpPr>
+          <p:cNvPr id="11" name="圆角矩形 10"/>
+          <p:cNvSpPr/>
+          <p:nvPr>
+            <p:custDataLst>
+              <p:tags r:id="rId4"/>
+            </p:custDataLst>
+          </p:nvPr>
+        </p:nvSpPr>
+        <p:spPr>
+          <a:xfrm>
+            <a:off x="1168400" y="4660265"/>
+            <a:ext cx="1734820" cy="402590"/>
+          </a:xfrm>
+          <a:prstGeom prst="roundRect">
+            <a:avLst/>
+          </a:prstGeom>
+          <a:solidFill>
+            <a:schemeClr val="accent5"/>
+          </a:solidFill>
+        </p:spPr>
+        <p:style>
+          <a:lnRef idx="2">
+            <a:schemeClr val="accent1">
+              <a:lumMod val="75000"/>
+            </a:schemeClr>
+          </a:lnRef>
+          <a:fillRef idx="1">
+            <a:schemeClr val="accent1"/>
+          </a:fillRef>
+          <a:effectRef idx="0">
+            <a:srgbClr val="FFFFFF"/>
+          </a:effectRef>
+          <a:fontRef idx="minor">
+            <a:schemeClr val="lt1"/>
+          </a:fontRef>
+        </p:style>
+        <p:txBody>
+          <a:bodyPr rtlCol="0" anchor="ctr"/>
+          <a:p>
+            <a:pPr algn="ctr"/>
+            <a:r>
+              <a:rPr lang="en-US" altLang="zh-CN"/>
+              <a:t>linux</a:t>
+            </a:r>
+            <a:r>
+              <a:rPr lang="zh-CN" altLang="en-US"/>
+              <a:t>连接工具</a:t>
+            </a:r>
+            <a:endParaRPr lang="zh-CN" altLang="en-US"/>
+          </a:p>
+        </p:txBody>
+      </p:sp>
+      <p:cxnSp>
+        <p:nvCxnSpPr>
+          <p:cNvPr id="12" name="直接连接符 11"/>
+          <p:cNvCxnSpPr>
+            <a:stCxn id="8" idx="2"/>
+            <a:endCxn id="9" idx="0"/>
+          </p:cNvCxnSpPr>
+          <p:nvPr/>
+        </p:nvCxnSpPr>
+        <p:spPr>
+          <a:xfrm>
+            <a:off x="8672195" y="3924300"/>
+            <a:ext cx="1749425" cy="583565"/>
+          </a:xfrm>
+          <a:prstGeom prst="line">
+            <a:avLst/>
+          </a:prstGeom>
+        </p:spPr>
+        <p:style>
+          <a:lnRef idx="2">
+            <a:schemeClr val="accent1"/>
+          </a:lnRef>
+          <a:fillRef idx="0">
+            <a:srgbClr val="FFFFFF"/>
+          </a:fillRef>
+          <a:effectRef idx="0">
+            <a:srgbClr val="FFFFFF"/>
+          </a:effectRef>
+          <a:fontRef idx="minor">
+            <a:schemeClr val="tx1"/>
+          </a:fontRef>
+        </p:style>
+      </p:cxnSp>
+      <p:cxnSp>
+        <p:nvCxnSpPr>
+          <p:cNvPr id="13" name="直接连接符 12"/>
+          <p:cNvCxnSpPr>
+            <a:stCxn id="8" idx="0"/>
+          </p:cNvCxnSpPr>
+          <p:nvPr/>
+        </p:nvCxnSpPr>
+        <p:spPr>
+          <a:xfrm flipH="1" flipV="1">
+            <a:off x="6645910" y="1988820"/>
+            <a:ext cx="2026285" cy="1532890"/>
+          </a:xfrm>
+          <a:prstGeom prst="line">
+            <a:avLst/>
+          </a:prstGeom>
+        </p:spPr>
+        <p:style>
+          <a:lnRef idx="2">
+            <a:schemeClr val="accent1"/>
+          </a:lnRef>
+          <a:fillRef idx="0">
+            <a:srgbClr val="FFFFFF"/>
+          </a:fillRef>
+          <a:effectRef idx="0">
+            <a:srgbClr val="FFFFFF"/>
+          </a:effectRef>
+          <a:fontRef idx="minor">
+            <a:schemeClr val="tx1"/>
+          </a:fontRef>
+        </p:style>
+      </p:cxnSp>
+      <p:sp>
+        <p:nvSpPr>
+          <p:cNvPr id="16" name="文本框 15"/>
+          <p:cNvSpPr txBox="1"/>
+          <p:nvPr/>
+        </p:nvSpPr>
+        <p:spPr>
+          <a:xfrm>
+            <a:off x="1015365" y="3244850"/>
+            <a:ext cx="1590675" cy="368300"/>
+          </a:xfrm>
+          <a:prstGeom prst="rect">
+            <a:avLst/>
+          </a:prstGeom>
+          <a:noFill/>
+        </p:spPr>
+        <p:txBody>
+          <a:bodyPr wrap="square" rtlCol="0">
+            <a:spAutoFit/>
+          </a:bodyPr>
+          <a:p>
+            <a:r>
+              <a:rPr lang="en-US" altLang="zh-CN"/>
+              <a:t>A</a:t>
+            </a:r>
+            <a:endParaRPr lang="en-US" altLang="zh-CN"/>
+          </a:p>
+        </p:txBody>
+      </p:sp>
+      <p:sp>
+        <p:nvSpPr>
+          <p:cNvPr id="17" name="文本框 16"/>
+          <p:cNvSpPr txBox="1"/>
+          <p:nvPr>
+            <p:custDataLst>
+              <p:tags r:id="rId5"/>
+            </p:custDataLst>
+          </p:nvPr>
+        </p:nvSpPr>
+        <p:spPr>
+          <a:xfrm>
+            <a:off x="10828655" y="3125470"/>
+            <a:ext cx="625475" cy="368300"/>
+          </a:xfrm>
+          <a:prstGeom prst="rect">
+            <a:avLst/>
+          </a:prstGeom>
+          <a:noFill/>
+        </p:spPr>
+        <p:txBody>
+          <a:bodyPr wrap="square" rtlCol="0">
+            <a:spAutoFit/>
+          </a:bodyPr>
+          <a:p>
+            <a:r>
+              <a:rPr lang="en-US" altLang="zh-CN"/>
+              <a:t>B</a:t>
+            </a:r>
+            <a:endParaRPr lang="en-US" altLang="zh-CN"/>
+          </a:p>
+        </p:txBody>
+      </p:sp>
+      <p:sp>
+        <p:nvSpPr>
+          <p:cNvPr id="18" name="文本框 17"/>
+          <p:cNvSpPr txBox="1"/>
+          <p:nvPr>
+            <p:custDataLst>
+              <p:tags r:id="rId6"/>
+            </p:custDataLst>
+          </p:nvPr>
+        </p:nvSpPr>
+        <p:spPr>
+          <a:xfrm>
+            <a:off x="3972560" y="464185"/>
+            <a:ext cx="1590675" cy="368300"/>
+          </a:xfrm>
+          <a:prstGeom prst="rect">
+            <a:avLst/>
+          </a:prstGeom>
+          <a:noFill/>
+        </p:spPr>
+        <p:txBody>
+          <a:bodyPr wrap="square" rtlCol="0">
+            <a:spAutoFit/>
+          </a:bodyPr>
+          <a:p>
+            <a:r>
+              <a:rPr lang="en-US" altLang="zh-CN"/>
+              <a:t>C</a:t>
+            </a:r>
+            <a:endParaRPr lang="en-US" altLang="zh-CN"/>
+          </a:p>
+        </p:txBody>
+      </p:sp>
+      <p:grpSp>
+        <p:nvGrpSpPr>
+          <p:cNvPr id="7" name="组合 6"/>
+          <p:cNvGrpSpPr/>
+          <p:nvPr/>
+        </p:nvGrpSpPr>
+        <p:grpSpPr>
+          <a:xfrm>
+            <a:off x="8373110" y="3194685"/>
+            <a:ext cx="797560" cy="844550"/>
+            <a:chOff x="7911" y="6079"/>
+            <a:chExt cx="1256" cy="1330"/>
+          </a:xfrm>
+        </p:grpSpPr>
+        <p:pic>
+          <p:nvPicPr>
+            <p:cNvPr id="19" name="图片 18" descr="路由器"/>
+            <p:cNvPicPr>
+              <a:picLocks noChangeAspect="1"/>
+            </p:cNvPicPr>
+            <p:nvPr/>
+          </p:nvPicPr>
+          <p:blipFill>
+            <a:blip r:embed="rId7">
+              <a:extLst>
+                <a:ext uri="{96DAC541-7B7A-43D3-8B79-37D633B846F1}">
+                  <asvg:svgBlip xmlns:asvg="http://schemas.microsoft.com/office/drawing/2016/SVG/main" r:embed="rId8"/>
+                </a:ext>
+              </a:extLst>
+            </a:blip>
+            <a:stretch>
+              <a:fillRect/>
+            </a:stretch>
+          </p:blipFill>
+          <p:spPr>
+            <a:xfrm>
+              <a:off x="7920" y="6079"/>
+              <a:ext cx="1093" cy="1093"/>
+            </a:xfrm>
+            <a:prstGeom prst="rect">
+              <a:avLst/>
+            </a:prstGeom>
+          </p:spPr>
+        </p:pic>
+        <p:sp>
+          <p:nvSpPr>
+            <p:cNvPr id="20" name="文本框 19"/>
+            <p:cNvSpPr txBox="1"/>
+            <p:nvPr/>
+          </p:nvSpPr>
+          <p:spPr>
+            <a:xfrm>
+              <a:off x="7911" y="6951"/>
+              <a:ext cx="1256" cy="459"/>
+            </a:xfrm>
+            <a:prstGeom prst="rect">
+              <a:avLst/>
+            </a:prstGeom>
+            <a:noFill/>
+            <a:ln>
+              <a:noFill/>
+            </a:ln>
+          </p:spPr>
+          <p:txBody>
+            <a:bodyPr wrap="square" rtlCol="0">
+              <a:noAutofit/>
+            </a:bodyPr>
+            <a:p>
+              <a:pPr lvl="0"/>
+              <a:r>
+                <a:rPr lang="en-US" altLang="zh-CN">
+                  <a:latin typeface="方正粗圆_GBK" panose="03000509000000000000" charset="-122"/>
+                  <a:ea typeface="方正粗圆_GBK" panose="03000509000000000000" charset="-122"/>
+                  <a:sym typeface="方正兰亭黑简体" panose="02000000000000000000" charset="-122"/>
+                </a:rPr>
+                <a:t>HPPT</a:t>
+              </a:r>
+              <a:endParaRPr lang="en-US" altLang="zh-CN">
+                <a:latin typeface="方正粗圆_GBK" panose="03000509000000000000" charset="-122"/>
+                <a:ea typeface="方正粗圆_GBK" panose="03000509000000000000" charset="-122"/>
+                <a:sym typeface="方正兰亭黑简体" panose="02000000000000000000" charset="-122"/>
+              </a:endParaRPr>
+            </a:p>
+          </p:txBody>
+        </p:sp>
+      </p:grpSp>
+      <p:grpSp>
+        <p:nvGrpSpPr>
+          <p:cNvPr id="8" name="组合 7"/>
+          <p:cNvGrpSpPr/>
+          <p:nvPr/>
+        </p:nvGrpSpPr>
+        <p:grpSpPr>
+          <a:xfrm>
+            <a:off x="3525520" y="2971800"/>
+            <a:ext cx="797560" cy="844550"/>
+            <a:chOff x="7911" y="6079"/>
+            <a:chExt cx="1256" cy="1330"/>
+          </a:xfrm>
+        </p:grpSpPr>
+        <p:pic>
+          <p:nvPicPr>
+            <p:cNvPr id="25" name="图片 24" descr="路由器"/>
+            <p:cNvPicPr>
+              <a:picLocks noChangeAspect="1"/>
+            </p:cNvPicPr>
+            <p:nvPr/>
+          </p:nvPicPr>
+          <p:blipFill>
+            <a:blip r:embed="rId7">
+              <a:extLst>
+                <a:ext uri="{96DAC541-7B7A-43D3-8B79-37D633B846F1}">
+                  <asvg:svgBlip xmlns:asvg="http://schemas.microsoft.com/office/drawing/2016/SVG/main" r:embed="rId8"/>
+                </a:ext>
+              </a:extLst>
+            </a:blip>
+            <a:stretch>
+              <a:fillRect/>
+            </a:stretch>
+          </p:blipFill>
+          <p:spPr>
+            <a:xfrm>
+              <a:off x="7920" y="6079"/>
+              <a:ext cx="1093" cy="1093"/>
+            </a:xfrm>
+            <a:prstGeom prst="rect">
+              <a:avLst/>
+            </a:prstGeom>
+          </p:spPr>
+        </p:pic>
+        <p:sp>
+          <p:nvSpPr>
+            <p:cNvPr id="26" name="文本框 25"/>
+            <p:cNvSpPr txBox="1"/>
+            <p:nvPr/>
+          </p:nvSpPr>
+          <p:spPr>
+            <a:xfrm>
+              <a:off x="7911" y="6951"/>
+              <a:ext cx="1256" cy="459"/>
+            </a:xfrm>
+            <a:prstGeom prst="rect">
+              <a:avLst/>
+            </a:prstGeom>
+            <a:noFill/>
+            <a:ln>
+              <a:noFill/>
+            </a:ln>
+          </p:spPr>
+          <p:txBody>
+            <a:bodyPr wrap="square" rtlCol="0">
+              <a:noAutofit/>
+            </a:bodyPr>
+            <a:p>
+              <a:pPr lvl="0"/>
+              <a:r>
+                <a:rPr lang="en-US" altLang="zh-CN">
+                  <a:latin typeface="方正粗圆_GBK" panose="03000509000000000000" charset="-122"/>
+                  <a:ea typeface="方正粗圆_GBK" panose="03000509000000000000" charset="-122"/>
+                  <a:sym typeface="方正兰亭黑简体" panose="02000000000000000000" charset="-122"/>
+                </a:rPr>
+                <a:t>HPPT</a:t>
+              </a:r>
+              <a:endParaRPr lang="en-US" altLang="zh-CN">
+                <a:latin typeface="方正粗圆_GBK" panose="03000509000000000000" charset="-122"/>
+                <a:ea typeface="方正粗圆_GBK" panose="03000509000000000000" charset="-122"/>
+                <a:sym typeface="方正兰亭黑简体" panose="02000000000000000000" charset="-122"/>
+              </a:endParaRPr>
+            </a:p>
+          </p:txBody>
+        </p:sp>
+      </p:grpSp>
+      <p:pic>
+        <p:nvPicPr>
+          <p:cNvPr id="27" name="图片 26"/>
+          <p:cNvPicPr>
+            <a:picLocks noChangeAspect="1"/>
+          </p:cNvPicPr>
+          <p:nvPr/>
+        </p:nvPicPr>
+        <p:blipFill>
+          <a:blip r:embed="rId9"/>
+          <a:stretch>
+            <a:fillRect/>
+          </a:stretch>
+        </p:blipFill>
+        <p:spPr>
+          <a:xfrm>
+            <a:off x="5027930" y="1108710"/>
+            <a:ext cx="2162810" cy="882650"/>
+          </a:xfrm>
+          <a:prstGeom prst="rect">
+            <a:avLst/>
+          </a:prstGeom>
+          <a:solidFill>
+            <a:schemeClr val="tx1"/>
+          </a:solidFill>
+          <a:ln w="28575" cmpd="sng">
+            <a:solidFill>
+              <a:schemeClr val="accent1">
+                <a:shade val="50000"/>
+              </a:schemeClr>
+            </a:solidFill>
+            <a:prstDash val="solid"/>
+          </a:ln>
+        </p:spPr>
+      </p:pic>
+      <p:cxnSp>
+        <p:nvCxnSpPr>
+          <p:cNvPr id="28" name="直接连接符 27"/>
+          <p:cNvCxnSpPr>
+            <a:stCxn id="25" idx="3"/>
+          </p:cNvCxnSpPr>
+          <p:nvPr/>
+        </p:nvCxnSpPr>
+        <p:spPr>
+          <a:xfrm flipV="1">
+            <a:off x="4225290" y="1988820"/>
+            <a:ext cx="1703705" cy="1330325"/>
+          </a:xfrm>
+          <a:prstGeom prst="line">
+            <a:avLst/>
+          </a:prstGeom>
+        </p:spPr>
+        <p:style>
+          <a:lnRef idx="2">
+            <a:schemeClr val="accent1"/>
+          </a:lnRef>
+          <a:fillRef idx="0">
+            <a:srgbClr val="FFFFFF"/>
+          </a:fillRef>
+          <a:effectRef idx="0">
+            <a:srgbClr val="FFFFFF"/>
+          </a:effectRef>
+          <a:fontRef idx="minor">
+            <a:schemeClr val="tx1"/>
+          </a:fontRef>
+        </p:style>
+      </p:cxnSp>
+      <p:sp>
+        <p:nvSpPr>
+          <p:cNvPr id="29" name="圆角矩形 28"/>
+          <p:cNvSpPr/>
+          <p:nvPr>
+            <p:custDataLst>
+              <p:tags r:id="rId10"/>
+            </p:custDataLst>
+          </p:nvPr>
+        </p:nvSpPr>
+        <p:spPr>
+          <a:xfrm>
+            <a:off x="2014220" y="4037330"/>
+            <a:ext cx="2480945" cy="402590"/>
+          </a:xfrm>
+          <a:prstGeom prst="roundRect">
+            <a:avLst/>
+          </a:prstGeom>
+          <a:solidFill>
+            <a:schemeClr val="accent4"/>
+          </a:solidFill>
+        </p:spPr>
+        <p:style>
+          <a:lnRef idx="2">
+            <a:schemeClr val="accent1">
+              <a:lumMod val="75000"/>
+            </a:schemeClr>
+          </a:lnRef>
+          <a:fillRef idx="1">
+            <a:schemeClr val="accent1"/>
+          </a:fillRef>
+          <a:effectRef idx="0">
+            <a:srgbClr val="FFFFFF"/>
+          </a:effectRef>
+          <a:fontRef idx="minor">
+            <a:schemeClr val="lt1"/>
+          </a:fontRef>
+        </p:style>
+        <p:txBody>
+          <a:bodyPr rtlCol="0" anchor="ctr"/>
+          <a:p>
+            <a:pPr algn="ctr"/>
+            <a:r>
+              <a:rPr lang="en-US" altLang="zh-CN"/>
+              <a:t>SSH</a:t>
+            </a:r>
+            <a:r>
+              <a:rPr lang="zh-CN" altLang="en-US"/>
+              <a:t>代理端口（</a:t>
+            </a:r>
+            <a:r>
+              <a:rPr lang="en-US" altLang="zh-CN"/>
+              <a:t>10022</a:t>
+            </a:r>
+            <a:r>
+              <a:rPr lang="zh-CN" altLang="en-US"/>
+              <a:t>）</a:t>
+            </a:r>
+            <a:endParaRPr lang="zh-CN" altLang="en-US"/>
+          </a:p>
+        </p:txBody>
+      </p:sp>
+      <p:cxnSp>
+        <p:nvCxnSpPr>
+          <p:cNvPr id="30" name="直接连接符 29"/>
+          <p:cNvCxnSpPr>
+            <a:stCxn id="11" idx="0"/>
+            <a:endCxn id="29" idx="2"/>
+          </p:cNvCxnSpPr>
+          <p:nvPr/>
+        </p:nvCxnSpPr>
+        <p:spPr>
+          <a:xfrm flipV="1">
+            <a:off x="2035810" y="4439920"/>
+            <a:ext cx="1219200" cy="220345"/>
+          </a:xfrm>
+          <a:prstGeom prst="line">
+            <a:avLst/>
+          </a:prstGeom>
+        </p:spPr>
+        <p:style>
+          <a:lnRef idx="2">
+            <a:schemeClr val="accent1"/>
+          </a:lnRef>
+          <a:fillRef idx="0">
+            <a:srgbClr val="FFFFFF"/>
+          </a:fillRef>
+          <a:effectRef idx="0">
+            <a:srgbClr val="FFFFFF"/>
+          </a:effectRef>
+          <a:fontRef idx="minor">
+            <a:schemeClr val="tx1"/>
+          </a:fontRef>
+        </p:style>
+      </p:cxnSp>
+      <p:cxnSp>
+        <p:nvCxnSpPr>
+          <p:cNvPr id="31" name="直接连接符 30"/>
+          <p:cNvCxnSpPr>
+            <a:stCxn id="29" idx="0"/>
+          </p:cNvCxnSpPr>
+          <p:nvPr/>
+        </p:nvCxnSpPr>
+        <p:spPr>
+          <a:xfrm flipV="1">
+            <a:off x="3255010" y="3529330"/>
+            <a:ext cx="539750" cy="508000"/>
+          </a:xfrm>
+          <a:prstGeom prst="line">
+            <a:avLst/>
+          </a:prstGeom>
+        </p:spPr>
+        <p:style>
+          <a:lnRef idx="2">
+            <a:schemeClr val="accent1"/>
+          </a:lnRef>
+          <a:fillRef idx="0">
+            <a:srgbClr val="FFFFFF"/>
+          </a:fillRef>
+          <a:effectRef idx="0">
+            <a:srgbClr val="FFFFFF"/>
+          </a:effectRef>
+          <a:fontRef idx="minor">
+            <a:schemeClr val="tx1"/>
+          </a:fontRef>
+        </p:style>
+      </p:cxnSp>
+      <p:sp>
+        <p:nvSpPr>
+          <p:cNvPr id="32" name="文本框 31"/>
+          <p:cNvSpPr txBox="1"/>
+          <p:nvPr/>
+        </p:nvSpPr>
+        <p:spPr>
+          <a:xfrm>
+            <a:off x="4495165" y="525780"/>
+            <a:ext cx="1598295" cy="306705"/>
+          </a:xfrm>
+          <a:prstGeom prst="rect">
+            <a:avLst/>
+          </a:prstGeom>
+          <a:noFill/>
+        </p:spPr>
+        <p:txBody>
+          <a:bodyPr wrap="square" rtlCol="0">
+            <a:spAutoFit/>
+          </a:bodyPr>
+          <a:p>
+            <a:r>
+              <a:rPr lang="zh-CN" altLang="en-US" sz="1400"/>
+              <a:t>111.222.33.44</a:t>
+            </a:r>
+            <a:endParaRPr lang="en-US" altLang="zh-CN" sz="1400"/>
+          </a:p>
+        </p:txBody>
+      </p:sp>
+      <p:sp>
+        <p:nvSpPr>
+          <p:cNvPr id="33" name="文本框 32"/>
+          <p:cNvSpPr txBox="1"/>
+          <p:nvPr/>
+        </p:nvSpPr>
+        <p:spPr>
+          <a:xfrm>
+            <a:off x="9964420" y="3493770"/>
+            <a:ext cx="1598295" cy="306705"/>
+          </a:xfrm>
+          <a:prstGeom prst="rect">
+            <a:avLst/>
+          </a:prstGeom>
+          <a:noFill/>
+        </p:spPr>
+        <p:txBody>
+          <a:bodyPr wrap="square" rtlCol="0">
+            <a:spAutoFit/>
+          </a:bodyPr>
+          <a:p>
+            <a:r>
+              <a:rPr lang="en-US" altLang="zh-CN" sz="1400"/>
+              <a:t>192.168.0.2</a:t>
+            </a:r>
+            <a:endParaRPr lang="en-US" altLang="zh-CN" sz="1400"/>
+          </a:p>
+        </p:txBody>
+      </p:sp>
+      <p:sp>
+        <p:nvSpPr>
+          <p:cNvPr id="34" name="文本框 33"/>
+          <p:cNvSpPr txBox="1"/>
+          <p:nvPr/>
+        </p:nvSpPr>
+        <p:spPr>
+          <a:xfrm>
+            <a:off x="1423670" y="3222625"/>
+            <a:ext cx="1598295" cy="306705"/>
+          </a:xfrm>
+          <a:prstGeom prst="rect">
+            <a:avLst/>
+          </a:prstGeom>
+          <a:noFill/>
+        </p:spPr>
+        <p:txBody>
+          <a:bodyPr wrap="square" rtlCol="0">
+            <a:spAutoFit/>
+          </a:bodyPr>
+          <a:p>
+            <a:r>
+              <a:rPr lang="en-US" altLang="zh-CN" sz="1400"/>
+              <a:t>172.16.1.2</a:t>
+            </a:r>
+            <a:endParaRPr lang="en-US" altLang="zh-CN" sz="1400"/>
+          </a:p>
+        </p:txBody>
+      </p:sp>
+    </p:spTree>
+  </p:cSld>
+  <p:clrMapOvr>
+    <a:masterClrMapping/>
+  </p:clrMapOvr>
+  <mc:AlternateContent xmlns:mc="http://schemas.openxmlformats.org/markup-compatibility/2006">
+    <mc:Choice xmlns:p14="http://schemas.microsoft.com/office/powerpoint/2010/main" Requires="p14">
+      <p:transition p14:dur="500"/>
+    </mc:Choice>
+    <mc:Fallback>
+      <p:transition/>
+    </mc:Fallback>
+  </mc:AlternateContent>
+</p:sld>
+</file>
+
+<file path=ppt/slides/slide11.xml><?xml version="1.0" encoding="utf-8"?>
+<p:sld xmlns:a="http://schemas.openxmlformats.org/drawingml/2006/main" xmlns:r="http://schemas.openxmlformats.org/officeDocument/2006/relationships" xmlns:p="http://schemas.openxmlformats.org/presentationml/2006/main">
+  <p:cSld>
+    <p:spTree>
+      <p:nvGrpSpPr>
+        <p:cNvPr id="1" name=""/>
+        <p:cNvGrpSpPr/>
+        <p:nvPr/>
+      </p:nvGrpSpPr>
+      <p:grpSpPr/>
       <p:grpSp>
         <p:nvGrpSpPr>
           <p:cNvPr id="10" name="组合 9"/>
@@ -6006,7 +6920,7 @@
 </p:sld>
 </file>
 
-<file path=ppt/slides/slide11.xml><?xml version="1.0" encoding="utf-8"?>
+<file path=ppt/slides/slide12.xml><?xml version="1.0" encoding="utf-8"?>
 <p:sld xmlns:a="http://schemas.openxmlformats.org/drawingml/2006/main" xmlns:r="http://schemas.openxmlformats.org/officeDocument/2006/relationships" xmlns:p="http://schemas.openxmlformats.org/presentationml/2006/main">
   <p:cSld>
     <p:spTree>
@@ -7339,7 +8253,7 @@
 </p:sld>
 </file>
 
-<file path=ppt/slides/slide12.xml><?xml version="1.0" encoding="utf-8"?>
+<file path=ppt/slides/slide13.xml><?xml version="1.0" encoding="utf-8"?>
 <p:sld xmlns:a="http://schemas.openxmlformats.org/drawingml/2006/main" xmlns:r="http://schemas.openxmlformats.org/officeDocument/2006/relationships" xmlns:p="http://schemas.openxmlformats.org/presentationml/2006/main">
   <p:cSld>
     <p:spTree>
@@ -12748,6 +13662,842 @@
         </p:nvSpPr>
         <p:spPr>
           <a:xfrm>
+            <a:off x="3852545" y="1966595"/>
+            <a:ext cx="4102735" cy="1852930"/>
+          </a:xfrm>
+          <a:prstGeom prst="rect">
+            <a:avLst/>
+          </a:prstGeom>
+          <a:solidFill>
+            <a:schemeClr val="bg1"/>
+          </a:solidFill>
+          <a:ln w="28575" cmpd="sng">
+            <a:solidFill>
+              <a:schemeClr val="accent1">
+                <a:shade val="50000"/>
+              </a:schemeClr>
+            </a:solidFill>
+            <a:prstDash val="sysDot"/>
+          </a:ln>
+        </p:spPr>
+        <p:style>
+          <a:lnRef idx="2">
+            <a:schemeClr val="accent1">
+              <a:lumMod val="75000"/>
+            </a:schemeClr>
+          </a:lnRef>
+          <a:fillRef idx="1">
+            <a:schemeClr val="accent1"/>
+          </a:fillRef>
+          <a:effectRef idx="0">
+            <a:srgbClr val="FFFFFF"/>
+          </a:effectRef>
+          <a:fontRef idx="minor">
+            <a:schemeClr val="lt1"/>
+          </a:fontRef>
+        </p:style>
+        <p:txBody>
+          <a:bodyPr rtlCol="0" anchor="ctr"/>
+          <a:p>
+            <a:pPr algn="ctr"/>
+            <a:endParaRPr lang="zh-CN" altLang="en-US"/>
+          </a:p>
+        </p:txBody>
+      </p:sp>
+      <p:sp>
+        <p:nvSpPr>
+          <p:cNvPr id="3" name="矩形 2"/>
+          <p:cNvSpPr/>
+          <p:nvPr>
+            <p:custDataLst>
+              <p:tags r:id="rId1"/>
+            </p:custDataLst>
+          </p:nvPr>
+        </p:nvSpPr>
+        <p:spPr>
+          <a:xfrm>
+            <a:off x="3852545" y="4075430"/>
+            <a:ext cx="4102735" cy="2179320"/>
+          </a:xfrm>
+          <a:prstGeom prst="rect">
+            <a:avLst/>
+          </a:prstGeom>
+          <a:solidFill>
+            <a:schemeClr val="bg1"/>
+          </a:solidFill>
+          <a:ln w="28575" cmpd="sng">
+            <a:solidFill>
+              <a:schemeClr val="accent1">
+                <a:shade val="50000"/>
+              </a:schemeClr>
+            </a:solidFill>
+            <a:prstDash val="sysDot"/>
+          </a:ln>
+        </p:spPr>
+        <p:style>
+          <a:lnRef idx="2">
+            <a:schemeClr val="accent1">
+              <a:lumMod val="75000"/>
+            </a:schemeClr>
+          </a:lnRef>
+          <a:fillRef idx="1">
+            <a:schemeClr val="accent1"/>
+          </a:fillRef>
+          <a:effectRef idx="0">
+            <a:srgbClr val="FFFFFF"/>
+          </a:effectRef>
+          <a:fontRef idx="minor">
+            <a:schemeClr val="lt1"/>
+          </a:fontRef>
+        </p:style>
+        <p:txBody>
+          <a:bodyPr rtlCol="0" anchor="ctr"/>
+          <a:p>
+            <a:pPr algn="ctr"/>
+            <a:endParaRPr lang="zh-CN" altLang="en-US"/>
+          </a:p>
+        </p:txBody>
+      </p:sp>
+      <p:sp>
+        <p:nvSpPr>
+          <p:cNvPr id="11" name="圆角矩形 10"/>
+          <p:cNvSpPr/>
+          <p:nvPr>
+            <p:custDataLst>
+              <p:tags r:id="rId2"/>
+            </p:custDataLst>
+          </p:nvPr>
+        </p:nvSpPr>
+        <p:spPr>
+          <a:xfrm>
+            <a:off x="5448935" y="5852795"/>
+            <a:ext cx="1734820" cy="229235"/>
+          </a:xfrm>
+          <a:prstGeom prst="roundRect">
+            <a:avLst/>
+          </a:prstGeom>
+          <a:solidFill>
+            <a:schemeClr val="accent5"/>
+          </a:solidFill>
+        </p:spPr>
+        <p:style>
+          <a:lnRef idx="2">
+            <a:schemeClr val="accent1">
+              <a:lumMod val="75000"/>
+            </a:schemeClr>
+          </a:lnRef>
+          <a:fillRef idx="1">
+            <a:schemeClr val="accent1"/>
+          </a:fillRef>
+          <a:effectRef idx="0">
+            <a:srgbClr val="FFFFFF"/>
+          </a:effectRef>
+          <a:fontRef idx="minor">
+            <a:schemeClr val="lt1"/>
+          </a:fontRef>
+        </p:style>
+        <p:txBody>
+          <a:bodyPr rtlCol="0" anchor="ctr"/>
+          <a:p>
+            <a:pPr algn="ctr"/>
+            <a:r>
+              <a:rPr lang="en-US" altLang="zh-CN"/>
+              <a:t>linux</a:t>
+            </a:r>
+            <a:r>
+              <a:rPr lang="zh-CN" altLang="en-US"/>
+              <a:t>连接工具</a:t>
+            </a:r>
+            <a:endParaRPr lang="zh-CN" altLang="en-US"/>
+          </a:p>
+        </p:txBody>
+      </p:sp>
+      <p:sp>
+        <p:nvSpPr>
+          <p:cNvPr id="16" name="文本框 15"/>
+          <p:cNvSpPr txBox="1"/>
+          <p:nvPr/>
+        </p:nvSpPr>
+        <p:spPr>
+          <a:xfrm>
+            <a:off x="3972560" y="4144645"/>
+            <a:ext cx="1590675" cy="209550"/>
+          </a:xfrm>
+          <a:prstGeom prst="rect">
+            <a:avLst/>
+          </a:prstGeom>
+          <a:noFill/>
+        </p:spPr>
+        <p:txBody>
+          <a:bodyPr wrap="square" rtlCol="0">
+            <a:noAutofit/>
+          </a:bodyPr>
+          <a:p>
+            <a:r>
+              <a:rPr lang="zh-CN" altLang="en-US"/>
+              <a:t>公司笔记本</a:t>
+            </a:r>
+            <a:endParaRPr lang="zh-CN" altLang="en-US"/>
+          </a:p>
+        </p:txBody>
+      </p:sp>
+      <p:sp>
+        <p:nvSpPr>
+          <p:cNvPr id="18" name="文本框 17"/>
+          <p:cNvSpPr txBox="1"/>
+          <p:nvPr>
+            <p:custDataLst>
+              <p:tags r:id="rId3"/>
+            </p:custDataLst>
+          </p:nvPr>
+        </p:nvSpPr>
+        <p:spPr>
+          <a:xfrm>
+            <a:off x="3972560" y="2026285"/>
+            <a:ext cx="1590675" cy="368300"/>
+          </a:xfrm>
+          <a:prstGeom prst="rect">
+            <a:avLst/>
+          </a:prstGeom>
+          <a:noFill/>
+        </p:spPr>
+        <p:txBody>
+          <a:bodyPr wrap="square" rtlCol="0">
+            <a:spAutoFit/>
+          </a:bodyPr>
+          <a:p>
+            <a:r>
+              <a:rPr lang="zh-CN" altLang="en-US"/>
+              <a:t>网关服务器</a:t>
+            </a:r>
+            <a:endParaRPr lang="zh-CN" altLang="en-US"/>
+          </a:p>
+        </p:txBody>
+      </p:sp>
+      <p:sp>
+        <p:nvSpPr>
+          <p:cNvPr id="6" name="矩形 5"/>
+          <p:cNvSpPr/>
+          <p:nvPr>
+            <p:custDataLst>
+              <p:tags r:id="rId4"/>
+            </p:custDataLst>
+          </p:nvPr>
+        </p:nvSpPr>
+        <p:spPr>
+          <a:xfrm>
+            <a:off x="3852545" y="428625"/>
+            <a:ext cx="4102735" cy="1079500"/>
+          </a:xfrm>
+          <a:prstGeom prst="rect">
+            <a:avLst/>
+          </a:prstGeom>
+          <a:solidFill>
+            <a:schemeClr val="bg1"/>
+          </a:solidFill>
+          <a:ln w="28575" cmpd="sng">
+            <a:solidFill>
+              <a:schemeClr val="accent1">
+                <a:shade val="50000"/>
+              </a:schemeClr>
+            </a:solidFill>
+            <a:prstDash val="sysDot"/>
+          </a:ln>
+        </p:spPr>
+        <p:style>
+          <a:lnRef idx="2">
+            <a:schemeClr val="accent1">
+              <a:lumMod val="75000"/>
+            </a:schemeClr>
+          </a:lnRef>
+          <a:fillRef idx="1">
+            <a:schemeClr val="accent1"/>
+          </a:fillRef>
+          <a:effectRef idx="0">
+            <a:srgbClr val="FFFFFF"/>
+          </a:effectRef>
+          <a:fontRef idx="minor">
+            <a:schemeClr val="lt1"/>
+          </a:fontRef>
+        </p:style>
+        <p:txBody>
+          <a:bodyPr rtlCol="0" anchor="ctr"/>
+          <a:p>
+            <a:pPr algn="ctr"/>
+            <a:endParaRPr lang="zh-CN" altLang="en-US"/>
+          </a:p>
+        </p:txBody>
+      </p:sp>
+      <p:sp>
+        <p:nvSpPr>
+          <p:cNvPr id="19" name="文本框 18"/>
+          <p:cNvSpPr txBox="1"/>
+          <p:nvPr>
+            <p:custDataLst>
+              <p:tags r:id="rId5"/>
+            </p:custDataLst>
+          </p:nvPr>
+        </p:nvSpPr>
+        <p:spPr>
+          <a:xfrm>
+            <a:off x="3972560" y="488315"/>
+            <a:ext cx="1590675" cy="368300"/>
+          </a:xfrm>
+          <a:prstGeom prst="rect">
+            <a:avLst/>
+          </a:prstGeom>
+          <a:noFill/>
+        </p:spPr>
+        <p:txBody>
+          <a:bodyPr wrap="square" rtlCol="0">
+            <a:spAutoFit/>
+          </a:bodyPr>
+          <a:p>
+            <a:r>
+              <a:rPr lang="zh-CN" altLang="en-US"/>
+              <a:t>应用服务器</a:t>
+            </a:r>
+            <a:endParaRPr lang="zh-CN" altLang="en-US"/>
+          </a:p>
+        </p:txBody>
+      </p:sp>
+      <p:sp>
+        <p:nvSpPr>
+          <p:cNvPr id="22" name="圆角矩形 21"/>
+          <p:cNvSpPr/>
+          <p:nvPr>
+            <p:custDataLst>
+              <p:tags r:id="rId6"/>
+            </p:custDataLst>
+          </p:nvPr>
+        </p:nvSpPr>
+        <p:spPr>
+          <a:xfrm>
+            <a:off x="6064885" y="856615"/>
+            <a:ext cx="1734820" cy="402590"/>
+          </a:xfrm>
+          <a:prstGeom prst="roundRect">
+            <a:avLst/>
+          </a:prstGeom>
+          <a:solidFill>
+            <a:schemeClr val="accent4"/>
+          </a:solidFill>
+        </p:spPr>
+        <p:style>
+          <a:lnRef idx="2">
+            <a:schemeClr val="accent1">
+              <a:lumMod val="75000"/>
+            </a:schemeClr>
+          </a:lnRef>
+          <a:fillRef idx="1">
+            <a:schemeClr val="accent1"/>
+          </a:fillRef>
+          <a:effectRef idx="0">
+            <a:srgbClr val="FFFFFF"/>
+          </a:effectRef>
+          <a:fontRef idx="minor">
+            <a:schemeClr val="lt1"/>
+          </a:fontRef>
+        </p:style>
+        <p:txBody>
+          <a:bodyPr rtlCol="0" anchor="ctr"/>
+          <a:p>
+            <a:pPr algn="ctr"/>
+            <a:r>
+              <a:rPr lang="en-US" altLang="zh-CN"/>
+              <a:t>SSH</a:t>
+            </a:r>
+            <a:r>
+              <a:rPr lang="zh-CN" altLang="en-US"/>
+              <a:t>端口（</a:t>
+            </a:r>
+            <a:r>
+              <a:rPr lang="en-US" altLang="zh-CN"/>
+              <a:t>22</a:t>
+            </a:r>
+            <a:r>
+              <a:rPr lang="zh-CN" altLang="en-US"/>
+              <a:t>）</a:t>
+            </a:r>
+            <a:endParaRPr lang="zh-CN" altLang="en-US"/>
+          </a:p>
+        </p:txBody>
+      </p:sp>
+      <p:sp>
+        <p:nvSpPr>
+          <p:cNvPr id="25" name="圆角矩形 24"/>
+          <p:cNvSpPr/>
+          <p:nvPr>
+            <p:custDataLst>
+              <p:tags r:id="rId7"/>
+            </p:custDataLst>
+          </p:nvPr>
+        </p:nvSpPr>
+        <p:spPr>
+          <a:xfrm>
+            <a:off x="4831080" y="5050155"/>
+            <a:ext cx="3019425" cy="402590"/>
+          </a:xfrm>
+          <a:prstGeom prst="roundRect">
+            <a:avLst/>
+          </a:prstGeom>
+          <a:solidFill>
+            <a:schemeClr val="accent4"/>
+          </a:solidFill>
+        </p:spPr>
+        <p:style>
+          <a:lnRef idx="2">
+            <a:schemeClr val="accent1">
+              <a:lumMod val="75000"/>
+            </a:schemeClr>
+          </a:lnRef>
+          <a:fillRef idx="1">
+            <a:schemeClr val="accent1"/>
+          </a:fillRef>
+          <a:effectRef idx="0">
+            <a:srgbClr val="FFFFFF"/>
+          </a:effectRef>
+          <a:fontRef idx="minor">
+            <a:schemeClr val="lt1"/>
+          </a:fontRef>
+        </p:style>
+        <p:txBody>
+          <a:bodyPr rtlCol="0" anchor="ctr"/>
+          <a:p>
+            <a:pPr algn="ctr"/>
+            <a:r>
+              <a:rPr lang="en-US" altLang="zh-CN"/>
+              <a:t>SSH</a:t>
+            </a:r>
+            <a:r>
+              <a:rPr lang="zh-CN" altLang="en-US"/>
+              <a:t>代理端口（</a:t>
+            </a:r>
+            <a:r>
+              <a:rPr lang="en-US" altLang="zh-CN"/>
+              <a:t>10022</a:t>
+            </a:r>
+            <a:r>
+              <a:rPr lang="zh-CN" altLang="en-US"/>
+              <a:t>）</a:t>
+            </a:r>
+            <a:endParaRPr lang="zh-CN" altLang="en-US"/>
+          </a:p>
+        </p:txBody>
+      </p:sp>
+      <p:cxnSp>
+        <p:nvCxnSpPr>
+          <p:cNvPr id="26" name="直接连接符 25"/>
+          <p:cNvCxnSpPr>
+            <a:stCxn id="22" idx="2"/>
+            <a:endCxn id="5" idx="0"/>
+          </p:cNvCxnSpPr>
+          <p:nvPr/>
+        </p:nvCxnSpPr>
+        <p:spPr>
+          <a:xfrm flipH="1">
+            <a:off x="6828790" y="1259205"/>
+            <a:ext cx="103505" cy="972185"/>
+          </a:xfrm>
+          <a:prstGeom prst="line">
+            <a:avLst/>
+          </a:prstGeom>
+        </p:spPr>
+        <p:style>
+          <a:lnRef idx="2">
+            <a:schemeClr val="accent1"/>
+          </a:lnRef>
+          <a:fillRef idx="0">
+            <a:srgbClr val="FFFFFF"/>
+          </a:fillRef>
+          <a:effectRef idx="0">
+            <a:srgbClr val="FFFFFF"/>
+          </a:effectRef>
+          <a:fontRef idx="minor">
+            <a:schemeClr val="tx1"/>
+          </a:fontRef>
+        </p:style>
+      </p:cxnSp>
+      <p:cxnSp>
+        <p:nvCxnSpPr>
+          <p:cNvPr id="27" name="直接连接符 26"/>
+          <p:cNvCxnSpPr>
+            <a:endCxn id="5" idx="2"/>
+          </p:cNvCxnSpPr>
+          <p:nvPr/>
+        </p:nvCxnSpPr>
+        <p:spPr>
+          <a:xfrm flipV="1">
+            <a:off x="6686550" y="2633980"/>
+            <a:ext cx="142240" cy="1456055"/>
+          </a:xfrm>
+          <a:prstGeom prst="line">
+            <a:avLst/>
+          </a:prstGeom>
+        </p:spPr>
+        <p:style>
+          <a:lnRef idx="2">
+            <a:schemeClr val="accent1"/>
+          </a:lnRef>
+          <a:fillRef idx="0">
+            <a:srgbClr val="FFFFFF"/>
+          </a:fillRef>
+          <a:effectRef idx="0">
+            <a:srgbClr val="FFFFFF"/>
+          </a:effectRef>
+          <a:fontRef idx="minor">
+            <a:schemeClr val="tx1"/>
+          </a:fontRef>
+        </p:style>
+      </p:cxnSp>
+      <p:cxnSp>
+        <p:nvCxnSpPr>
+          <p:cNvPr id="28" name="直接连接符 27"/>
+          <p:cNvCxnSpPr>
+            <a:stCxn id="23" idx="2"/>
+            <a:endCxn id="25" idx="0"/>
+          </p:cNvCxnSpPr>
+          <p:nvPr/>
+        </p:nvCxnSpPr>
+        <p:spPr>
+          <a:xfrm flipH="1">
+            <a:off x="6341110" y="4636135"/>
+            <a:ext cx="104140" cy="414020"/>
+          </a:xfrm>
+          <a:prstGeom prst="line">
+            <a:avLst/>
+          </a:prstGeom>
+        </p:spPr>
+        <p:style>
+          <a:lnRef idx="2">
+            <a:schemeClr val="accent1"/>
+          </a:lnRef>
+          <a:fillRef idx="0">
+            <a:srgbClr val="FFFFFF"/>
+          </a:fillRef>
+          <a:effectRef idx="0">
+            <a:srgbClr val="FFFFFF"/>
+          </a:effectRef>
+          <a:fontRef idx="minor">
+            <a:schemeClr val="tx1"/>
+          </a:fontRef>
+        </p:style>
+      </p:cxnSp>
+      <p:cxnSp>
+        <p:nvCxnSpPr>
+          <p:cNvPr id="30" name="直接连接符 29"/>
+          <p:cNvCxnSpPr>
+            <a:stCxn id="11" idx="0"/>
+            <a:endCxn id="25" idx="2"/>
+          </p:cNvCxnSpPr>
+          <p:nvPr/>
+        </p:nvCxnSpPr>
+        <p:spPr>
+          <a:xfrm flipV="1">
+            <a:off x="6316345" y="5452745"/>
+            <a:ext cx="24765" cy="400050"/>
+          </a:xfrm>
+          <a:prstGeom prst="line">
+            <a:avLst/>
+          </a:prstGeom>
+        </p:spPr>
+        <p:style>
+          <a:lnRef idx="2">
+            <a:schemeClr val="accent1"/>
+          </a:lnRef>
+          <a:fillRef idx="0">
+            <a:srgbClr val="FFFFFF"/>
+          </a:fillRef>
+          <a:effectRef idx="0">
+            <a:srgbClr val="FFFFFF"/>
+          </a:effectRef>
+          <a:fontRef idx="minor">
+            <a:schemeClr val="tx1"/>
+          </a:fontRef>
+        </p:style>
+      </p:cxnSp>
+      <p:sp>
+        <p:nvSpPr>
+          <p:cNvPr id="4" name="文本框 3"/>
+          <p:cNvSpPr txBox="1"/>
+          <p:nvPr/>
+        </p:nvSpPr>
+        <p:spPr>
+          <a:xfrm>
+            <a:off x="3972560" y="2391410"/>
+            <a:ext cx="1598295" cy="521970"/>
+          </a:xfrm>
+          <a:prstGeom prst="rect">
+            <a:avLst/>
+          </a:prstGeom>
+          <a:noFill/>
+        </p:spPr>
+        <p:txBody>
+          <a:bodyPr wrap="square" rtlCol="0">
+            <a:spAutoFit/>
+          </a:bodyPr>
+          <a:p>
+            <a:r>
+              <a:rPr lang="zh-CN" altLang="en-US" sz="1400"/>
+              <a:t>111.222.33.44</a:t>
+            </a:r>
+            <a:endParaRPr lang="zh-CN" altLang="en-US" sz="1400"/>
+          </a:p>
+          <a:p>
+            <a:r>
+              <a:rPr lang="en-US" altLang="zh-CN" sz="1400"/>
+              <a:t>192.168.0.1</a:t>
+            </a:r>
+            <a:endParaRPr lang="en-US" altLang="zh-CN" sz="1400"/>
+          </a:p>
+        </p:txBody>
+      </p:sp>
+      <p:sp>
+        <p:nvSpPr>
+          <p:cNvPr id="7" name="文本框 6"/>
+          <p:cNvSpPr txBox="1"/>
+          <p:nvPr/>
+        </p:nvSpPr>
+        <p:spPr>
+          <a:xfrm>
+            <a:off x="3964940" y="892175"/>
+            <a:ext cx="1598295" cy="521970"/>
+          </a:xfrm>
+          <a:prstGeom prst="rect">
+            <a:avLst/>
+          </a:prstGeom>
+          <a:noFill/>
+        </p:spPr>
+        <p:txBody>
+          <a:bodyPr wrap="square" rtlCol="0">
+            <a:spAutoFit/>
+          </a:bodyPr>
+          <a:p>
+            <a:r>
+              <a:rPr lang="zh-CN" altLang="en-US" sz="1400"/>
+              <a:t>无公网</a:t>
+            </a:r>
+            <a:r>
+              <a:rPr lang="en-US" altLang="zh-CN" sz="1400"/>
+              <a:t>IP</a:t>
+            </a:r>
+            <a:endParaRPr lang="en-US" altLang="zh-CN" sz="1400"/>
+          </a:p>
+          <a:p>
+            <a:r>
+              <a:rPr lang="en-US" altLang="zh-CN" sz="1400"/>
+              <a:t>192.168.0.2</a:t>
+            </a:r>
+            <a:endParaRPr lang="en-US" altLang="zh-CN" sz="1400"/>
+          </a:p>
+        </p:txBody>
+      </p:sp>
+      <p:grpSp>
+        <p:nvGrpSpPr>
+          <p:cNvPr id="10" name="组合 9"/>
+          <p:cNvGrpSpPr/>
+          <p:nvPr/>
+        </p:nvGrpSpPr>
+        <p:grpSpPr>
+          <a:xfrm>
+            <a:off x="6529705" y="1864995"/>
+            <a:ext cx="797560" cy="844550"/>
+            <a:chOff x="7911" y="6079"/>
+            <a:chExt cx="1256" cy="1330"/>
+          </a:xfrm>
+        </p:grpSpPr>
+        <p:pic>
+          <p:nvPicPr>
+            <p:cNvPr id="8" name="图片 7" descr="路由器"/>
+            <p:cNvPicPr>
+              <a:picLocks noChangeAspect="1"/>
+            </p:cNvPicPr>
+            <p:nvPr/>
+          </p:nvPicPr>
+          <p:blipFill>
+            <a:blip r:embed="rId8">
+              <a:extLst>
+                <a:ext uri="{96DAC541-7B7A-43D3-8B79-37D633B846F1}">
+                  <asvg:svgBlip xmlns:asvg="http://schemas.microsoft.com/office/drawing/2016/SVG/main" r:embed="rId9"/>
+                </a:ext>
+              </a:extLst>
+            </a:blip>
+            <a:stretch>
+              <a:fillRect/>
+            </a:stretch>
+          </p:blipFill>
+          <p:spPr>
+            <a:xfrm>
+              <a:off x="7920" y="6079"/>
+              <a:ext cx="1093" cy="1093"/>
+            </a:xfrm>
+            <a:prstGeom prst="rect">
+              <a:avLst/>
+            </a:prstGeom>
+          </p:spPr>
+        </p:pic>
+        <p:sp>
+          <p:nvSpPr>
+            <p:cNvPr id="9" name="文本框 8"/>
+            <p:cNvSpPr txBox="1"/>
+            <p:nvPr/>
+          </p:nvSpPr>
+          <p:spPr>
+            <a:xfrm>
+              <a:off x="7911" y="6951"/>
+              <a:ext cx="1256" cy="459"/>
+            </a:xfrm>
+            <a:prstGeom prst="rect">
+              <a:avLst/>
+            </a:prstGeom>
+            <a:noFill/>
+            <a:ln>
+              <a:noFill/>
+            </a:ln>
+          </p:spPr>
+          <p:txBody>
+            <a:bodyPr wrap="square" rtlCol="0">
+              <a:noAutofit/>
+            </a:bodyPr>
+            <a:p>
+              <a:pPr lvl="0"/>
+              <a:r>
+                <a:rPr lang="en-US" altLang="zh-CN">
+                  <a:latin typeface="方正粗圆_GBK" panose="03000509000000000000" charset="-122"/>
+                  <a:ea typeface="方正粗圆_GBK" panose="03000509000000000000" charset="-122"/>
+                  <a:sym typeface="方正兰亭黑简体" panose="02000000000000000000" charset="-122"/>
+                </a:rPr>
+                <a:t>HPPT</a:t>
+              </a:r>
+              <a:endParaRPr lang="en-US" altLang="zh-CN">
+                <a:latin typeface="方正粗圆_GBK" panose="03000509000000000000" charset="-122"/>
+                <a:ea typeface="方正粗圆_GBK" panose="03000509000000000000" charset="-122"/>
+                <a:sym typeface="方正兰亭黑简体" panose="02000000000000000000" charset="-122"/>
+              </a:endParaRPr>
+            </a:p>
+          </p:txBody>
+        </p:sp>
+      </p:grpSp>
+      <p:grpSp>
+        <p:nvGrpSpPr>
+          <p:cNvPr id="12" name="组合 11"/>
+          <p:cNvGrpSpPr/>
+          <p:nvPr/>
+        </p:nvGrpSpPr>
+        <p:grpSpPr>
+          <a:xfrm>
+            <a:off x="6232525" y="3999230"/>
+            <a:ext cx="797560" cy="844550"/>
+            <a:chOff x="7911" y="6079"/>
+            <a:chExt cx="1256" cy="1330"/>
+          </a:xfrm>
+        </p:grpSpPr>
+        <p:pic>
+          <p:nvPicPr>
+            <p:cNvPr id="13" name="图片 12" descr="路由器"/>
+            <p:cNvPicPr>
+              <a:picLocks noChangeAspect="1"/>
+            </p:cNvPicPr>
+            <p:nvPr/>
+          </p:nvPicPr>
+          <p:blipFill>
+            <a:blip r:embed="rId8">
+              <a:extLst>
+                <a:ext uri="{96DAC541-7B7A-43D3-8B79-37D633B846F1}">
+                  <asvg:svgBlip xmlns:asvg="http://schemas.microsoft.com/office/drawing/2016/SVG/main" r:embed="rId9"/>
+                </a:ext>
+              </a:extLst>
+            </a:blip>
+            <a:stretch>
+              <a:fillRect/>
+            </a:stretch>
+          </p:blipFill>
+          <p:spPr>
+            <a:xfrm>
+              <a:off x="7920" y="6079"/>
+              <a:ext cx="1093" cy="1093"/>
+            </a:xfrm>
+            <a:prstGeom prst="rect">
+              <a:avLst/>
+            </a:prstGeom>
+          </p:spPr>
+        </p:pic>
+        <p:sp>
+          <p:nvSpPr>
+            <p:cNvPr id="14" name="文本框 13"/>
+            <p:cNvSpPr txBox="1"/>
+            <p:nvPr/>
+          </p:nvSpPr>
+          <p:spPr>
+            <a:xfrm>
+              <a:off x="7911" y="6951"/>
+              <a:ext cx="1256" cy="459"/>
+            </a:xfrm>
+            <a:prstGeom prst="rect">
+              <a:avLst/>
+            </a:prstGeom>
+            <a:noFill/>
+            <a:ln>
+              <a:noFill/>
+            </a:ln>
+          </p:spPr>
+          <p:txBody>
+            <a:bodyPr wrap="square" rtlCol="0">
+              <a:noAutofit/>
+            </a:bodyPr>
+            <a:p>
+              <a:pPr lvl="0"/>
+              <a:r>
+                <a:rPr lang="en-US" altLang="zh-CN">
+                  <a:latin typeface="方正粗圆_GBK" panose="03000509000000000000" charset="-122"/>
+                  <a:ea typeface="方正粗圆_GBK" panose="03000509000000000000" charset="-122"/>
+                  <a:sym typeface="方正兰亭黑简体" panose="02000000000000000000" charset="-122"/>
+                </a:rPr>
+                <a:t>HPPT</a:t>
+              </a:r>
+              <a:endParaRPr lang="en-US" altLang="zh-CN">
+                <a:latin typeface="方正粗圆_GBK" panose="03000509000000000000" charset="-122"/>
+                <a:ea typeface="方正粗圆_GBK" panose="03000509000000000000" charset="-122"/>
+                <a:sym typeface="方正兰亭黑简体" panose="02000000000000000000" charset="-122"/>
+              </a:endParaRPr>
+            </a:p>
+          </p:txBody>
+        </p:sp>
+      </p:grpSp>
+    </p:spTree>
+  </p:cSld>
+  <p:clrMapOvr>
+    <a:masterClrMapping/>
+  </p:clrMapOvr>
+  <mc:AlternateContent xmlns:mc="http://schemas.openxmlformats.org/markup-compatibility/2006">
+    <mc:Choice xmlns:p14="http://schemas.microsoft.com/office/powerpoint/2010/main" Requires="p14">
+      <p:transition p14:dur="500"/>
+    </mc:Choice>
+    <mc:Fallback>
+      <p:transition/>
+    </mc:Fallback>
+  </mc:AlternateContent>
+</p:sld>
+</file>
+
+<file path=ppt/slides/slide7.xml><?xml version="1.0" encoding="utf-8"?>
+<p:sld xmlns:a="http://schemas.openxmlformats.org/drawingml/2006/main" xmlns:r="http://schemas.openxmlformats.org/officeDocument/2006/relationships" xmlns:p="http://schemas.openxmlformats.org/presentationml/2006/main">
+  <p:cSld>
+    <p:spTree>
+      <p:nvGrpSpPr>
+        <p:cNvPr id="1" name=""/>
+        <p:cNvGrpSpPr/>
+        <p:nvPr/>
+      </p:nvGrpSpPr>
+      <p:grpSpPr/>
+      <p:sp>
+        <p:nvSpPr>
+          <p:cNvPr id="2" name="矩形 1"/>
+          <p:cNvSpPr/>
+          <p:nvPr/>
+        </p:nvSpPr>
+        <p:spPr>
+          <a:xfrm>
             <a:off x="3852545" y="280670"/>
             <a:ext cx="4102735" cy="3538855"/>
           </a:xfrm>
@@ -13934,7 +15684,7 @@
 </p:sld>
 </file>
 
-<file path=ppt/slides/slide7.xml><?xml version="1.0" encoding="utf-8"?>
+<file path=ppt/slides/slide8.xml><?xml version="1.0" encoding="utf-8"?>
 <p:sld xmlns:a="http://schemas.openxmlformats.org/drawingml/2006/main" xmlns:r="http://schemas.openxmlformats.org/officeDocument/2006/relationships" xmlns:p="http://schemas.openxmlformats.org/presentationml/2006/main">
   <p:cSld>
     <p:spTree>
@@ -15556,7 +17306,7 @@
 </p:sld>
 </file>
 
-<file path=ppt/slides/slide8.xml><?xml version="1.0" encoding="utf-8"?>
+<file path=ppt/slides/slide9.xml><?xml version="1.0" encoding="utf-8"?>
 <p:sld xmlns:a="http://schemas.openxmlformats.org/drawingml/2006/main" xmlns:r="http://schemas.openxmlformats.org/officeDocument/2006/relationships" xmlns:p="http://schemas.openxmlformats.org/presentationml/2006/main">
   <p:cSld>
     <p:spTree>
@@ -17174,919 +18924,6 @@
           </a:fontRef>
         </p:style>
       </p:cxnSp>
-    </p:spTree>
-  </p:cSld>
-  <p:clrMapOvr>
-    <a:masterClrMapping/>
-  </p:clrMapOvr>
-  <mc:AlternateContent xmlns:mc="http://schemas.openxmlformats.org/markup-compatibility/2006">
-    <mc:Choice xmlns:p14="http://schemas.microsoft.com/office/powerpoint/2010/main" Requires="p14">
-      <p:transition p14:dur="500"/>
-    </mc:Choice>
-    <mc:Fallback>
-      <p:transition/>
-    </mc:Fallback>
-  </mc:AlternateContent>
-</p:sld>
-</file>
-
-<file path=ppt/slides/slide9.xml><?xml version="1.0" encoding="utf-8"?>
-<p:sld xmlns:a="http://schemas.openxmlformats.org/drawingml/2006/main" xmlns:r="http://schemas.openxmlformats.org/officeDocument/2006/relationships" xmlns:p="http://schemas.openxmlformats.org/presentationml/2006/main">
-  <p:cSld>
-    <p:spTree>
-      <p:nvGrpSpPr>
-        <p:cNvPr id="1" name=""/>
-        <p:cNvGrpSpPr/>
-        <p:nvPr/>
-      </p:nvGrpSpPr>
-      <p:grpSpPr/>
-      <p:sp>
-        <p:nvSpPr>
-          <p:cNvPr id="2" name="矩形 1"/>
-          <p:cNvSpPr/>
-          <p:nvPr/>
-        </p:nvSpPr>
-        <p:spPr>
-          <a:xfrm>
-            <a:off x="3852545" y="404495"/>
-            <a:ext cx="4102735" cy="2264410"/>
-          </a:xfrm>
-          <a:prstGeom prst="rect">
-            <a:avLst/>
-          </a:prstGeom>
-          <a:solidFill>
-            <a:schemeClr val="bg1"/>
-          </a:solidFill>
-          <a:ln w="28575" cmpd="sng">
-            <a:solidFill>
-              <a:schemeClr val="accent1">
-                <a:shade val="50000"/>
-              </a:schemeClr>
-            </a:solidFill>
-            <a:prstDash val="sysDot"/>
-          </a:ln>
-        </p:spPr>
-        <p:style>
-          <a:lnRef idx="2">
-            <a:schemeClr val="accent1">
-              <a:lumMod val="75000"/>
-            </a:schemeClr>
-          </a:lnRef>
-          <a:fillRef idx="1">
-            <a:schemeClr val="accent1"/>
-          </a:fillRef>
-          <a:effectRef idx="0">
-            <a:srgbClr val="FFFFFF"/>
-          </a:effectRef>
-          <a:fontRef idx="minor">
-            <a:schemeClr val="lt1"/>
-          </a:fontRef>
-        </p:style>
-        <p:txBody>
-          <a:bodyPr rtlCol="0" anchor="ctr"/>
-          <a:p>
-            <a:pPr algn="ctr"/>
-            <a:endParaRPr lang="zh-CN" altLang="en-US"/>
-          </a:p>
-        </p:txBody>
-      </p:sp>
-      <p:sp>
-        <p:nvSpPr>
-          <p:cNvPr id="3" name="矩形 2"/>
-          <p:cNvSpPr/>
-          <p:nvPr>
-            <p:custDataLst>
-              <p:tags r:id="rId1"/>
-            </p:custDataLst>
-          </p:nvPr>
-        </p:nvSpPr>
-        <p:spPr>
-          <a:xfrm>
-            <a:off x="835025" y="2993390"/>
-            <a:ext cx="4102735" cy="2264410"/>
-          </a:xfrm>
-          <a:prstGeom prst="rect">
-            <a:avLst/>
-          </a:prstGeom>
-          <a:solidFill>
-            <a:schemeClr val="bg1"/>
-          </a:solidFill>
-          <a:ln w="28575" cmpd="sng">
-            <a:solidFill>
-              <a:schemeClr val="accent1">
-                <a:shade val="50000"/>
-              </a:schemeClr>
-            </a:solidFill>
-            <a:prstDash val="sysDot"/>
-          </a:ln>
-        </p:spPr>
-        <p:style>
-          <a:lnRef idx="2">
-            <a:schemeClr val="accent1">
-              <a:lumMod val="75000"/>
-            </a:schemeClr>
-          </a:lnRef>
-          <a:fillRef idx="1">
-            <a:schemeClr val="accent1"/>
-          </a:fillRef>
-          <a:effectRef idx="0">
-            <a:srgbClr val="FFFFFF"/>
-          </a:effectRef>
-          <a:fontRef idx="minor">
-            <a:schemeClr val="lt1"/>
-          </a:fontRef>
-        </p:style>
-        <p:txBody>
-          <a:bodyPr rtlCol="0" anchor="ctr"/>
-          <a:p>
-            <a:pPr algn="ctr"/>
-            <a:endParaRPr lang="zh-CN" altLang="en-US"/>
-          </a:p>
-        </p:txBody>
-      </p:sp>
-      <p:sp>
-        <p:nvSpPr>
-          <p:cNvPr id="4" name="矩形 3"/>
-          <p:cNvSpPr/>
-          <p:nvPr>
-            <p:custDataLst>
-              <p:tags r:id="rId2"/>
-            </p:custDataLst>
-          </p:nvPr>
-        </p:nvSpPr>
-        <p:spPr>
-          <a:xfrm>
-            <a:off x="7351395" y="2993390"/>
-            <a:ext cx="4102735" cy="2264410"/>
-          </a:xfrm>
-          <a:prstGeom prst="rect">
-            <a:avLst/>
-          </a:prstGeom>
-          <a:solidFill>
-            <a:schemeClr val="bg1"/>
-          </a:solidFill>
-          <a:ln w="28575" cmpd="sng">
-            <a:solidFill>
-              <a:schemeClr val="accent1">
-                <a:shade val="50000"/>
-              </a:schemeClr>
-            </a:solidFill>
-            <a:prstDash val="sysDot"/>
-          </a:ln>
-        </p:spPr>
-        <p:style>
-          <a:lnRef idx="2">
-            <a:schemeClr val="accent1">
-              <a:lumMod val="75000"/>
-            </a:schemeClr>
-          </a:lnRef>
-          <a:fillRef idx="1">
-            <a:schemeClr val="accent1"/>
-          </a:fillRef>
-          <a:effectRef idx="0">
-            <a:srgbClr val="FFFFFF"/>
-          </a:effectRef>
-          <a:fontRef idx="minor">
-            <a:schemeClr val="lt1"/>
-          </a:fontRef>
-        </p:style>
-        <p:txBody>
-          <a:bodyPr rtlCol="0" anchor="ctr"/>
-          <a:p>
-            <a:pPr algn="ctr"/>
-            <a:endParaRPr lang="zh-CN" altLang="en-US"/>
-          </a:p>
-        </p:txBody>
-      </p:sp>
-      <p:sp>
-        <p:nvSpPr>
-          <p:cNvPr id="9" name="圆角矩形 8"/>
-          <p:cNvSpPr/>
-          <p:nvPr>
-            <p:custDataLst>
-              <p:tags r:id="rId3"/>
-            </p:custDataLst>
-          </p:nvPr>
-        </p:nvSpPr>
-        <p:spPr>
-          <a:xfrm>
-            <a:off x="9554210" y="4507865"/>
-            <a:ext cx="1734820" cy="402590"/>
-          </a:xfrm>
-          <a:prstGeom prst="roundRect">
-            <a:avLst/>
-          </a:prstGeom>
-          <a:solidFill>
-            <a:schemeClr val="accent4"/>
-          </a:solidFill>
-        </p:spPr>
-        <p:style>
-          <a:lnRef idx="2">
-            <a:schemeClr val="accent1">
-              <a:lumMod val="75000"/>
-            </a:schemeClr>
-          </a:lnRef>
-          <a:fillRef idx="1">
-            <a:schemeClr val="accent1"/>
-          </a:fillRef>
-          <a:effectRef idx="0">
-            <a:srgbClr val="FFFFFF"/>
-          </a:effectRef>
-          <a:fontRef idx="minor">
-            <a:schemeClr val="lt1"/>
-          </a:fontRef>
-        </p:style>
-        <p:txBody>
-          <a:bodyPr rtlCol="0" anchor="ctr"/>
-          <a:p>
-            <a:pPr algn="ctr"/>
-            <a:r>
-              <a:rPr lang="en-US" altLang="zh-CN"/>
-              <a:t>SSH</a:t>
-            </a:r>
-            <a:r>
-              <a:rPr lang="zh-CN" altLang="en-US"/>
-              <a:t>端口（</a:t>
-            </a:r>
-            <a:r>
-              <a:rPr lang="en-US" altLang="zh-CN"/>
-              <a:t>22</a:t>
-            </a:r>
-            <a:r>
-              <a:rPr lang="zh-CN" altLang="en-US"/>
-              <a:t>）</a:t>
-            </a:r>
-            <a:endParaRPr lang="zh-CN" altLang="en-US"/>
-          </a:p>
-        </p:txBody>
-      </p:sp>
-      <p:sp>
-        <p:nvSpPr>
-          <p:cNvPr id="11" name="圆角矩形 10"/>
-          <p:cNvSpPr/>
-          <p:nvPr>
-            <p:custDataLst>
-              <p:tags r:id="rId4"/>
-            </p:custDataLst>
-          </p:nvPr>
-        </p:nvSpPr>
-        <p:spPr>
-          <a:xfrm>
-            <a:off x="1168400" y="4660265"/>
-            <a:ext cx="1734820" cy="402590"/>
-          </a:xfrm>
-          <a:prstGeom prst="roundRect">
-            <a:avLst/>
-          </a:prstGeom>
-          <a:solidFill>
-            <a:schemeClr val="accent5"/>
-          </a:solidFill>
-        </p:spPr>
-        <p:style>
-          <a:lnRef idx="2">
-            <a:schemeClr val="accent1">
-              <a:lumMod val="75000"/>
-            </a:schemeClr>
-          </a:lnRef>
-          <a:fillRef idx="1">
-            <a:schemeClr val="accent1"/>
-          </a:fillRef>
-          <a:effectRef idx="0">
-            <a:srgbClr val="FFFFFF"/>
-          </a:effectRef>
-          <a:fontRef idx="minor">
-            <a:schemeClr val="lt1"/>
-          </a:fontRef>
-        </p:style>
-        <p:txBody>
-          <a:bodyPr rtlCol="0" anchor="ctr"/>
-          <a:p>
-            <a:pPr algn="ctr"/>
-            <a:r>
-              <a:rPr lang="en-US" altLang="zh-CN"/>
-              <a:t>linux</a:t>
-            </a:r>
-            <a:r>
-              <a:rPr lang="zh-CN" altLang="en-US"/>
-              <a:t>连接工具</a:t>
-            </a:r>
-            <a:endParaRPr lang="zh-CN" altLang="en-US"/>
-          </a:p>
-        </p:txBody>
-      </p:sp>
-      <p:cxnSp>
-        <p:nvCxnSpPr>
-          <p:cNvPr id="12" name="直接连接符 11"/>
-          <p:cNvCxnSpPr>
-            <a:stCxn id="8" idx="2"/>
-            <a:endCxn id="9" idx="0"/>
-          </p:cNvCxnSpPr>
-          <p:nvPr/>
-        </p:nvCxnSpPr>
-        <p:spPr>
-          <a:xfrm>
-            <a:off x="8672195" y="3924300"/>
-            <a:ext cx="1749425" cy="583565"/>
-          </a:xfrm>
-          <a:prstGeom prst="line">
-            <a:avLst/>
-          </a:prstGeom>
-        </p:spPr>
-        <p:style>
-          <a:lnRef idx="2">
-            <a:schemeClr val="accent1"/>
-          </a:lnRef>
-          <a:fillRef idx="0">
-            <a:srgbClr val="FFFFFF"/>
-          </a:fillRef>
-          <a:effectRef idx="0">
-            <a:srgbClr val="FFFFFF"/>
-          </a:effectRef>
-          <a:fontRef idx="minor">
-            <a:schemeClr val="tx1"/>
-          </a:fontRef>
-        </p:style>
-      </p:cxnSp>
-      <p:cxnSp>
-        <p:nvCxnSpPr>
-          <p:cNvPr id="13" name="直接连接符 12"/>
-          <p:cNvCxnSpPr>
-            <a:stCxn id="8" idx="0"/>
-          </p:cNvCxnSpPr>
-          <p:nvPr/>
-        </p:nvCxnSpPr>
-        <p:spPr>
-          <a:xfrm flipH="1" flipV="1">
-            <a:off x="6645910" y="1988820"/>
-            <a:ext cx="2026285" cy="1532890"/>
-          </a:xfrm>
-          <a:prstGeom prst="line">
-            <a:avLst/>
-          </a:prstGeom>
-        </p:spPr>
-        <p:style>
-          <a:lnRef idx="2">
-            <a:schemeClr val="accent1"/>
-          </a:lnRef>
-          <a:fillRef idx="0">
-            <a:srgbClr val="FFFFFF"/>
-          </a:fillRef>
-          <a:effectRef idx="0">
-            <a:srgbClr val="FFFFFF"/>
-          </a:effectRef>
-          <a:fontRef idx="minor">
-            <a:schemeClr val="tx1"/>
-          </a:fontRef>
-        </p:style>
-      </p:cxnSp>
-      <p:sp>
-        <p:nvSpPr>
-          <p:cNvPr id="16" name="文本框 15"/>
-          <p:cNvSpPr txBox="1"/>
-          <p:nvPr/>
-        </p:nvSpPr>
-        <p:spPr>
-          <a:xfrm>
-            <a:off x="1015365" y="3244850"/>
-            <a:ext cx="1590675" cy="368300"/>
-          </a:xfrm>
-          <a:prstGeom prst="rect">
-            <a:avLst/>
-          </a:prstGeom>
-          <a:noFill/>
-        </p:spPr>
-        <p:txBody>
-          <a:bodyPr wrap="square" rtlCol="0">
-            <a:spAutoFit/>
-          </a:bodyPr>
-          <a:p>
-            <a:r>
-              <a:rPr lang="en-US" altLang="zh-CN"/>
-              <a:t>A</a:t>
-            </a:r>
-            <a:endParaRPr lang="en-US" altLang="zh-CN"/>
-          </a:p>
-        </p:txBody>
-      </p:sp>
-      <p:sp>
-        <p:nvSpPr>
-          <p:cNvPr id="17" name="文本框 16"/>
-          <p:cNvSpPr txBox="1"/>
-          <p:nvPr>
-            <p:custDataLst>
-              <p:tags r:id="rId5"/>
-            </p:custDataLst>
-          </p:nvPr>
-        </p:nvSpPr>
-        <p:spPr>
-          <a:xfrm>
-            <a:off x="10828655" y="3125470"/>
-            <a:ext cx="625475" cy="368300"/>
-          </a:xfrm>
-          <a:prstGeom prst="rect">
-            <a:avLst/>
-          </a:prstGeom>
-          <a:noFill/>
-        </p:spPr>
-        <p:txBody>
-          <a:bodyPr wrap="square" rtlCol="0">
-            <a:spAutoFit/>
-          </a:bodyPr>
-          <a:p>
-            <a:r>
-              <a:rPr lang="en-US" altLang="zh-CN"/>
-              <a:t>B</a:t>
-            </a:r>
-            <a:endParaRPr lang="en-US" altLang="zh-CN"/>
-          </a:p>
-        </p:txBody>
-      </p:sp>
-      <p:sp>
-        <p:nvSpPr>
-          <p:cNvPr id="18" name="文本框 17"/>
-          <p:cNvSpPr txBox="1"/>
-          <p:nvPr>
-            <p:custDataLst>
-              <p:tags r:id="rId6"/>
-            </p:custDataLst>
-          </p:nvPr>
-        </p:nvSpPr>
-        <p:spPr>
-          <a:xfrm>
-            <a:off x="3972560" y="464185"/>
-            <a:ext cx="1590675" cy="368300"/>
-          </a:xfrm>
-          <a:prstGeom prst="rect">
-            <a:avLst/>
-          </a:prstGeom>
-          <a:noFill/>
-        </p:spPr>
-        <p:txBody>
-          <a:bodyPr wrap="square" rtlCol="0">
-            <a:spAutoFit/>
-          </a:bodyPr>
-          <a:p>
-            <a:r>
-              <a:rPr lang="en-US" altLang="zh-CN"/>
-              <a:t>C</a:t>
-            </a:r>
-            <a:endParaRPr lang="en-US" altLang="zh-CN"/>
-          </a:p>
-        </p:txBody>
-      </p:sp>
-      <p:grpSp>
-        <p:nvGrpSpPr>
-          <p:cNvPr id="7" name="组合 6"/>
-          <p:cNvGrpSpPr/>
-          <p:nvPr/>
-        </p:nvGrpSpPr>
-        <p:grpSpPr>
-          <a:xfrm>
-            <a:off x="8373110" y="3194685"/>
-            <a:ext cx="797560" cy="844550"/>
-            <a:chOff x="7911" y="6079"/>
-            <a:chExt cx="1256" cy="1330"/>
-          </a:xfrm>
-        </p:grpSpPr>
-        <p:pic>
-          <p:nvPicPr>
-            <p:cNvPr id="19" name="图片 18" descr="路由器"/>
-            <p:cNvPicPr>
-              <a:picLocks noChangeAspect="1"/>
-            </p:cNvPicPr>
-            <p:nvPr/>
-          </p:nvPicPr>
-          <p:blipFill>
-            <a:blip r:embed="rId7">
-              <a:extLst>
-                <a:ext uri="{96DAC541-7B7A-43D3-8B79-37D633B846F1}">
-                  <asvg:svgBlip xmlns:asvg="http://schemas.microsoft.com/office/drawing/2016/SVG/main" r:embed="rId8"/>
-                </a:ext>
-              </a:extLst>
-            </a:blip>
-            <a:stretch>
-              <a:fillRect/>
-            </a:stretch>
-          </p:blipFill>
-          <p:spPr>
-            <a:xfrm>
-              <a:off x="7920" y="6079"/>
-              <a:ext cx="1093" cy="1093"/>
-            </a:xfrm>
-            <a:prstGeom prst="rect">
-              <a:avLst/>
-            </a:prstGeom>
-          </p:spPr>
-        </p:pic>
-        <p:sp>
-          <p:nvSpPr>
-            <p:cNvPr id="20" name="文本框 19"/>
-            <p:cNvSpPr txBox="1"/>
-            <p:nvPr/>
-          </p:nvSpPr>
-          <p:spPr>
-            <a:xfrm>
-              <a:off x="7911" y="6951"/>
-              <a:ext cx="1256" cy="459"/>
-            </a:xfrm>
-            <a:prstGeom prst="rect">
-              <a:avLst/>
-            </a:prstGeom>
-            <a:noFill/>
-            <a:ln>
-              <a:noFill/>
-            </a:ln>
-          </p:spPr>
-          <p:txBody>
-            <a:bodyPr wrap="square" rtlCol="0">
-              <a:noAutofit/>
-            </a:bodyPr>
-            <a:p>
-              <a:pPr lvl="0"/>
-              <a:r>
-                <a:rPr lang="en-US" altLang="zh-CN">
-                  <a:latin typeface="方正粗圆_GBK" panose="03000509000000000000" charset="-122"/>
-                  <a:ea typeface="方正粗圆_GBK" panose="03000509000000000000" charset="-122"/>
-                  <a:sym typeface="方正兰亭黑简体" panose="02000000000000000000" charset="-122"/>
-                </a:rPr>
-                <a:t>HPPT</a:t>
-              </a:r>
-              <a:endParaRPr lang="en-US" altLang="zh-CN">
-                <a:latin typeface="方正粗圆_GBK" panose="03000509000000000000" charset="-122"/>
-                <a:ea typeface="方正粗圆_GBK" panose="03000509000000000000" charset="-122"/>
-                <a:sym typeface="方正兰亭黑简体" panose="02000000000000000000" charset="-122"/>
-              </a:endParaRPr>
-            </a:p>
-          </p:txBody>
-        </p:sp>
-      </p:grpSp>
-      <p:grpSp>
-        <p:nvGrpSpPr>
-          <p:cNvPr id="8" name="组合 7"/>
-          <p:cNvGrpSpPr/>
-          <p:nvPr/>
-        </p:nvGrpSpPr>
-        <p:grpSpPr>
-          <a:xfrm>
-            <a:off x="3525520" y="2971800"/>
-            <a:ext cx="797560" cy="844550"/>
-            <a:chOff x="7911" y="6079"/>
-            <a:chExt cx="1256" cy="1330"/>
-          </a:xfrm>
-        </p:grpSpPr>
-        <p:pic>
-          <p:nvPicPr>
-            <p:cNvPr id="25" name="图片 24" descr="路由器"/>
-            <p:cNvPicPr>
-              <a:picLocks noChangeAspect="1"/>
-            </p:cNvPicPr>
-            <p:nvPr/>
-          </p:nvPicPr>
-          <p:blipFill>
-            <a:blip r:embed="rId7">
-              <a:extLst>
-                <a:ext uri="{96DAC541-7B7A-43D3-8B79-37D633B846F1}">
-                  <asvg:svgBlip xmlns:asvg="http://schemas.microsoft.com/office/drawing/2016/SVG/main" r:embed="rId8"/>
-                </a:ext>
-              </a:extLst>
-            </a:blip>
-            <a:stretch>
-              <a:fillRect/>
-            </a:stretch>
-          </p:blipFill>
-          <p:spPr>
-            <a:xfrm>
-              <a:off x="7920" y="6079"/>
-              <a:ext cx="1093" cy="1093"/>
-            </a:xfrm>
-            <a:prstGeom prst="rect">
-              <a:avLst/>
-            </a:prstGeom>
-          </p:spPr>
-        </p:pic>
-        <p:sp>
-          <p:nvSpPr>
-            <p:cNvPr id="26" name="文本框 25"/>
-            <p:cNvSpPr txBox="1"/>
-            <p:nvPr/>
-          </p:nvSpPr>
-          <p:spPr>
-            <a:xfrm>
-              <a:off x="7911" y="6951"/>
-              <a:ext cx="1256" cy="459"/>
-            </a:xfrm>
-            <a:prstGeom prst="rect">
-              <a:avLst/>
-            </a:prstGeom>
-            <a:noFill/>
-            <a:ln>
-              <a:noFill/>
-            </a:ln>
-          </p:spPr>
-          <p:txBody>
-            <a:bodyPr wrap="square" rtlCol="0">
-              <a:noAutofit/>
-            </a:bodyPr>
-            <a:p>
-              <a:pPr lvl="0"/>
-              <a:r>
-                <a:rPr lang="en-US" altLang="zh-CN">
-                  <a:latin typeface="方正粗圆_GBK" panose="03000509000000000000" charset="-122"/>
-                  <a:ea typeface="方正粗圆_GBK" panose="03000509000000000000" charset="-122"/>
-                  <a:sym typeface="方正兰亭黑简体" panose="02000000000000000000" charset="-122"/>
-                </a:rPr>
-                <a:t>HPPT</a:t>
-              </a:r>
-              <a:endParaRPr lang="en-US" altLang="zh-CN">
-                <a:latin typeface="方正粗圆_GBK" panose="03000509000000000000" charset="-122"/>
-                <a:ea typeface="方正粗圆_GBK" panose="03000509000000000000" charset="-122"/>
-                <a:sym typeface="方正兰亭黑简体" panose="02000000000000000000" charset="-122"/>
-              </a:endParaRPr>
-            </a:p>
-          </p:txBody>
-        </p:sp>
-      </p:grpSp>
-      <p:pic>
-        <p:nvPicPr>
-          <p:cNvPr id="27" name="图片 26"/>
-          <p:cNvPicPr>
-            <a:picLocks noChangeAspect="1"/>
-          </p:cNvPicPr>
-          <p:nvPr/>
-        </p:nvPicPr>
-        <p:blipFill>
-          <a:blip r:embed="rId9"/>
-          <a:stretch>
-            <a:fillRect/>
-          </a:stretch>
-        </p:blipFill>
-        <p:spPr>
-          <a:xfrm>
-            <a:off x="5027930" y="1108710"/>
-            <a:ext cx="2162810" cy="882650"/>
-          </a:xfrm>
-          <a:prstGeom prst="rect">
-            <a:avLst/>
-          </a:prstGeom>
-          <a:solidFill>
-            <a:schemeClr val="tx1"/>
-          </a:solidFill>
-          <a:ln w="28575" cmpd="sng">
-            <a:solidFill>
-              <a:schemeClr val="accent1">
-                <a:shade val="50000"/>
-              </a:schemeClr>
-            </a:solidFill>
-            <a:prstDash val="solid"/>
-          </a:ln>
-        </p:spPr>
-      </p:pic>
-      <p:cxnSp>
-        <p:nvCxnSpPr>
-          <p:cNvPr id="28" name="直接连接符 27"/>
-          <p:cNvCxnSpPr>
-            <a:stCxn id="25" idx="3"/>
-          </p:cNvCxnSpPr>
-          <p:nvPr/>
-        </p:nvCxnSpPr>
-        <p:spPr>
-          <a:xfrm flipV="1">
-            <a:off x="4225290" y="1988820"/>
-            <a:ext cx="1703705" cy="1330325"/>
-          </a:xfrm>
-          <a:prstGeom prst="line">
-            <a:avLst/>
-          </a:prstGeom>
-        </p:spPr>
-        <p:style>
-          <a:lnRef idx="2">
-            <a:schemeClr val="accent1"/>
-          </a:lnRef>
-          <a:fillRef idx="0">
-            <a:srgbClr val="FFFFFF"/>
-          </a:fillRef>
-          <a:effectRef idx="0">
-            <a:srgbClr val="FFFFFF"/>
-          </a:effectRef>
-          <a:fontRef idx="minor">
-            <a:schemeClr val="tx1"/>
-          </a:fontRef>
-        </p:style>
-      </p:cxnSp>
-      <p:sp>
-        <p:nvSpPr>
-          <p:cNvPr id="29" name="圆角矩形 28"/>
-          <p:cNvSpPr/>
-          <p:nvPr>
-            <p:custDataLst>
-              <p:tags r:id="rId10"/>
-            </p:custDataLst>
-          </p:nvPr>
-        </p:nvSpPr>
-        <p:spPr>
-          <a:xfrm>
-            <a:off x="2014220" y="4037330"/>
-            <a:ext cx="2480945" cy="402590"/>
-          </a:xfrm>
-          <a:prstGeom prst="roundRect">
-            <a:avLst/>
-          </a:prstGeom>
-          <a:solidFill>
-            <a:schemeClr val="accent4"/>
-          </a:solidFill>
-        </p:spPr>
-        <p:style>
-          <a:lnRef idx="2">
-            <a:schemeClr val="accent1">
-              <a:lumMod val="75000"/>
-            </a:schemeClr>
-          </a:lnRef>
-          <a:fillRef idx="1">
-            <a:schemeClr val="accent1"/>
-          </a:fillRef>
-          <a:effectRef idx="0">
-            <a:srgbClr val="FFFFFF"/>
-          </a:effectRef>
-          <a:fontRef idx="minor">
-            <a:schemeClr val="lt1"/>
-          </a:fontRef>
-        </p:style>
-        <p:txBody>
-          <a:bodyPr rtlCol="0" anchor="ctr"/>
-          <a:p>
-            <a:pPr algn="ctr"/>
-            <a:r>
-              <a:rPr lang="en-US" altLang="zh-CN"/>
-              <a:t>SSH</a:t>
-            </a:r>
-            <a:r>
-              <a:rPr lang="zh-CN" altLang="en-US"/>
-              <a:t>代理端口（</a:t>
-            </a:r>
-            <a:r>
-              <a:rPr lang="en-US" altLang="zh-CN"/>
-              <a:t>10022</a:t>
-            </a:r>
-            <a:r>
-              <a:rPr lang="zh-CN" altLang="en-US"/>
-              <a:t>）</a:t>
-            </a:r>
-            <a:endParaRPr lang="zh-CN" altLang="en-US"/>
-          </a:p>
-        </p:txBody>
-      </p:sp>
-      <p:cxnSp>
-        <p:nvCxnSpPr>
-          <p:cNvPr id="30" name="直接连接符 29"/>
-          <p:cNvCxnSpPr>
-            <a:stCxn id="11" idx="0"/>
-            <a:endCxn id="29" idx="2"/>
-          </p:cNvCxnSpPr>
-          <p:nvPr/>
-        </p:nvCxnSpPr>
-        <p:spPr>
-          <a:xfrm flipV="1">
-            <a:off x="2035810" y="4439920"/>
-            <a:ext cx="1219200" cy="220345"/>
-          </a:xfrm>
-          <a:prstGeom prst="line">
-            <a:avLst/>
-          </a:prstGeom>
-        </p:spPr>
-        <p:style>
-          <a:lnRef idx="2">
-            <a:schemeClr val="accent1"/>
-          </a:lnRef>
-          <a:fillRef idx="0">
-            <a:srgbClr val="FFFFFF"/>
-          </a:fillRef>
-          <a:effectRef idx="0">
-            <a:srgbClr val="FFFFFF"/>
-          </a:effectRef>
-          <a:fontRef idx="minor">
-            <a:schemeClr val="tx1"/>
-          </a:fontRef>
-        </p:style>
-      </p:cxnSp>
-      <p:cxnSp>
-        <p:nvCxnSpPr>
-          <p:cNvPr id="31" name="直接连接符 30"/>
-          <p:cNvCxnSpPr>
-            <a:stCxn id="29" idx="0"/>
-          </p:cNvCxnSpPr>
-          <p:nvPr/>
-        </p:nvCxnSpPr>
-        <p:spPr>
-          <a:xfrm flipV="1">
-            <a:off x="3255010" y="3529330"/>
-            <a:ext cx="539750" cy="508000"/>
-          </a:xfrm>
-          <a:prstGeom prst="line">
-            <a:avLst/>
-          </a:prstGeom>
-        </p:spPr>
-        <p:style>
-          <a:lnRef idx="2">
-            <a:schemeClr val="accent1"/>
-          </a:lnRef>
-          <a:fillRef idx="0">
-            <a:srgbClr val="FFFFFF"/>
-          </a:fillRef>
-          <a:effectRef idx="0">
-            <a:srgbClr val="FFFFFF"/>
-          </a:effectRef>
-          <a:fontRef idx="minor">
-            <a:schemeClr val="tx1"/>
-          </a:fontRef>
-        </p:style>
-      </p:cxnSp>
-      <p:sp>
-        <p:nvSpPr>
-          <p:cNvPr id="32" name="文本框 31"/>
-          <p:cNvSpPr txBox="1"/>
-          <p:nvPr/>
-        </p:nvSpPr>
-        <p:spPr>
-          <a:xfrm>
-            <a:off x="4495165" y="525780"/>
-            <a:ext cx="1598295" cy="306705"/>
-          </a:xfrm>
-          <a:prstGeom prst="rect">
-            <a:avLst/>
-          </a:prstGeom>
-          <a:noFill/>
-        </p:spPr>
-        <p:txBody>
-          <a:bodyPr wrap="square" rtlCol="0">
-            <a:spAutoFit/>
-          </a:bodyPr>
-          <a:p>
-            <a:r>
-              <a:rPr lang="zh-CN" altLang="en-US" sz="1400"/>
-              <a:t>111.222.33.44</a:t>
-            </a:r>
-            <a:endParaRPr lang="en-US" altLang="zh-CN" sz="1400"/>
-          </a:p>
-        </p:txBody>
-      </p:sp>
-      <p:sp>
-        <p:nvSpPr>
-          <p:cNvPr id="33" name="文本框 32"/>
-          <p:cNvSpPr txBox="1"/>
-          <p:nvPr/>
-        </p:nvSpPr>
-        <p:spPr>
-          <a:xfrm>
-            <a:off x="9964420" y="3493770"/>
-            <a:ext cx="1598295" cy="306705"/>
-          </a:xfrm>
-          <a:prstGeom prst="rect">
-            <a:avLst/>
-          </a:prstGeom>
-          <a:noFill/>
-        </p:spPr>
-        <p:txBody>
-          <a:bodyPr wrap="square" rtlCol="0">
-            <a:spAutoFit/>
-          </a:bodyPr>
-          <a:p>
-            <a:r>
-              <a:rPr lang="en-US" altLang="zh-CN" sz="1400"/>
-              <a:t>192.168.0.2</a:t>
-            </a:r>
-            <a:endParaRPr lang="en-US" altLang="zh-CN" sz="1400"/>
-          </a:p>
-        </p:txBody>
-      </p:sp>
-      <p:sp>
-        <p:nvSpPr>
-          <p:cNvPr id="34" name="文本框 33"/>
-          <p:cNvSpPr txBox="1"/>
-          <p:nvPr/>
-        </p:nvSpPr>
-        <p:spPr>
-          <a:xfrm>
-            <a:off x="1423670" y="3222625"/>
-            <a:ext cx="1598295" cy="306705"/>
-          </a:xfrm>
-          <a:prstGeom prst="rect">
-            <a:avLst/>
-          </a:prstGeom>
-          <a:noFill/>
-        </p:spPr>
-        <p:txBody>
-          <a:bodyPr wrap="square" rtlCol="0">
-            <a:spAutoFit/>
-          </a:bodyPr>
-          <a:p>
-            <a:r>
-              <a:rPr lang="en-US" altLang="zh-CN" sz="1400"/>
-              <a:t>172.16.1.2</a:t>
-            </a:r>
-            <a:endParaRPr lang="en-US" altLang="zh-CN" sz="1400"/>
-          </a:p>
-        </p:txBody>
-      </p:sp>
     </p:spTree>
   </p:cSld>
   <p:clrMapOvr>
@@ -18626,8 +19463,7 @@
 
 <file path=ppt/tags/tag167.xml><?xml version="1.0" encoding="utf-8"?>
 <p:tagLst xmlns:p="http://schemas.openxmlformats.org/presentationml/2006/main">
-  <p:tag name="TABLE_ENDDRAG_ORIGIN_RECT" val="261*110"/>
-  <p:tag name="TABLE_ENDDRAG_RECT" val="678*227*261*110"/>
+  <p:tag name="KSO_WM_BEAUTIFY_FLAG" val=""/>
 </p:tagLst>
 </file>
 
@@ -18682,7 +19518,8 @@
 
 <file path=ppt/tags/tag174.xml><?xml version="1.0" encoding="utf-8"?>
 <p:tagLst xmlns:p="http://schemas.openxmlformats.org/presentationml/2006/main">
-  <p:tag name="KSO_WM_BEAUTIFY_FLAG" val=""/>
+  <p:tag name="TABLE_ENDDRAG_ORIGIN_RECT" val="261*110"/>
+  <p:tag name="TABLE_ENDDRAG_RECT" val="678*227*261*110"/>
 </p:tagLst>
 </file>
 
@@ -18828,8 +19665,37 @@
 
 <file path=ppt/tags/tag194.xml><?xml version="1.0" encoding="utf-8"?>
 <p:tagLst xmlns:p="http://schemas.openxmlformats.org/presentationml/2006/main">
-  <p:tag name="commondata" val="eyJoZGlkIjoiNDE4MjUxNmFkNzljZmE2MTdkMTlmZWY3MDFjYzM1YTIifQ=="/>
-  <p:tag name="resource_record_key" val="{&quot;13&quot;:[20482073]}"/>
+  <p:tag name="KSO_WM_BEAUTIFY_FLAG" val=""/>
+</p:tagLst>
+</file>
+
+<file path=ppt/tags/tag195.xml><?xml version="1.0" encoding="utf-8"?>
+<p:tagLst xmlns:p="http://schemas.openxmlformats.org/presentationml/2006/main">
+  <p:tag name="KSO_WM_BEAUTIFY_FLAG" val=""/>
+</p:tagLst>
+</file>
+
+<file path=ppt/tags/tag196.xml><?xml version="1.0" encoding="utf-8"?>
+<p:tagLst xmlns:p="http://schemas.openxmlformats.org/presentationml/2006/main">
+  <p:tag name="KSO_WM_BEAUTIFY_FLAG" val=""/>
+</p:tagLst>
+</file>
+
+<file path=ppt/tags/tag197.xml><?xml version="1.0" encoding="utf-8"?>
+<p:tagLst xmlns:p="http://schemas.openxmlformats.org/presentationml/2006/main">
+  <p:tag name="KSO_WM_BEAUTIFY_FLAG" val=""/>
+</p:tagLst>
+</file>
+
+<file path=ppt/tags/tag198.xml><?xml version="1.0" encoding="utf-8"?>
+<p:tagLst xmlns:p="http://schemas.openxmlformats.org/presentationml/2006/main">
+  <p:tag name="KSO_WM_BEAUTIFY_FLAG" val=""/>
+</p:tagLst>
+</file>
+
+<file path=ppt/tags/tag199.xml><?xml version="1.0" encoding="utf-8"?>
+<p:tagLst xmlns:p="http://schemas.openxmlformats.org/presentationml/2006/main">
+  <p:tag name="KSO_WM_BEAUTIFY_FLAG" val=""/>
 </p:tagLst>
 </file>
 
@@ -18856,6 +19722,19 @@
   <p:tag name="KSO_WM_UNIT_LAYERLEVEL" val="1"/>
   <p:tag name="KSO_WM_TAG_VERSION" val="1.0"/>
   <p:tag name="KSO_WM_BEAUTIFY_FLAG" val="#wm#"/>
+</p:tagLst>
+</file>
+
+<file path=ppt/tags/tag200.xml><?xml version="1.0" encoding="utf-8"?>
+<p:tagLst xmlns:p="http://schemas.openxmlformats.org/presentationml/2006/main">
+  <p:tag name="KSO_WM_BEAUTIFY_FLAG" val=""/>
+</p:tagLst>
+</file>
+
+<file path=ppt/tags/tag201.xml><?xml version="1.0" encoding="utf-8"?>
+<p:tagLst xmlns:p="http://schemas.openxmlformats.org/presentationml/2006/main">
+  <p:tag name="commondata" val="eyJoZGlkIjoiODM2YWE3ZWUwNjY3YTM3NzRhMTVkMGUxZmFhMTA5ZDAifQ=="/>
+  <p:tag name="resource_record_key" val="{&quot;13&quot;:[20482073]}"/>
 </p:tagLst>
 </file>
 

--- a/_doc/readme.pptx
+++ b/_doc/readme.pptx
@@ -5,10 +5,10 @@
     <p:sldMasterId id="2147483648" r:id="rId1"/>
   </p:sldMasterIdLst>
   <p:notesMasterIdLst>
-    <p:notesMasterId r:id="rId16"/>
+    <p:notesMasterId r:id="rId17"/>
   </p:notesMasterIdLst>
   <p:handoutMasterIdLst>
-    <p:handoutMasterId r:id="rId17"/>
+    <p:handoutMasterId r:id="rId18"/>
   </p:handoutMasterIdLst>
   <p:sldIdLst>
     <p:sldId id="256" r:id="rId3"/>
@@ -24,11 +24,12 @@
     <p:sldId id="266" r:id="rId13"/>
     <p:sldId id="267" r:id="rId14"/>
     <p:sldId id="271" r:id="rId15"/>
+    <p:sldId id="280" r:id="rId16"/>
   </p:sldIdLst>
   <p:sldSz cx="12192000" cy="6858000"/>
   <p:notesSz cx="6858000" cy="9144000"/>
   <p:custDataLst>
-    <p:tags r:id="rId21"/>
+    <p:tags r:id="rId22"/>
   </p:custDataLst>
   <p:defaultTextStyle>
     <a:defPPr>
@@ -128,7 +129,7 @@
   <p:extLst>
     <p:ext uri="{EFAFB233-063F-42B5-8137-9DF3F51BA10A}">
       <p15:sldGuideLst xmlns:p15="http://schemas.microsoft.com/office/powerpoint/2012/main">
-        <p15:guide id="1" orient="horz" pos="2291" userDrawn="1">
+        <p15:guide id="1" orient="horz" pos="2322" userDrawn="1">
           <p15:clr>
             <a:srgbClr val="A4A3A4"/>
           </p15:clr>
@@ -9955,6 +9956,1676 @@
 </p:sld>
 </file>
 
+<file path=ppt/slides/slide14.xml><?xml version="1.0" encoding="utf-8"?>
+<p:sld xmlns:a="http://schemas.openxmlformats.org/drawingml/2006/main" xmlns:r="http://schemas.openxmlformats.org/officeDocument/2006/relationships" xmlns:p="http://schemas.openxmlformats.org/presentationml/2006/main">
+  <p:cSld>
+    <p:spTree>
+      <p:nvGrpSpPr>
+        <p:cNvPr id="1" name=""/>
+        <p:cNvGrpSpPr/>
+        <p:nvPr/>
+      </p:nvGrpSpPr>
+      <p:grpSpPr/>
+      <p:grpSp>
+        <p:nvGrpSpPr>
+          <p:cNvPr id="6" name="组合 5"/>
+          <p:cNvGrpSpPr/>
+          <p:nvPr/>
+        </p:nvGrpSpPr>
+        <p:grpSpPr>
+          <a:xfrm>
+            <a:off x="822325" y="3896360"/>
+            <a:ext cx="4102100" cy="2264410"/>
+            <a:chOff x="1920" y="5498"/>
+            <a:chExt cx="6460" cy="3566"/>
+          </a:xfrm>
+        </p:grpSpPr>
+        <p:sp>
+          <p:nvSpPr>
+            <p:cNvPr id="5" name="矩形 4"/>
+            <p:cNvSpPr/>
+            <p:nvPr>
+              <p:custDataLst>
+                <p:tags r:id="rId1"/>
+              </p:custDataLst>
+            </p:nvPr>
+          </p:nvSpPr>
+          <p:spPr>
+            <a:xfrm>
+              <a:off x="1920" y="5498"/>
+              <a:ext cx="6461" cy="3566"/>
+            </a:xfrm>
+            <a:prstGeom prst="rect">
+              <a:avLst/>
+            </a:prstGeom>
+            <a:solidFill>
+              <a:schemeClr val="bg1"/>
+            </a:solidFill>
+            <a:ln w="28575" cmpd="sng">
+              <a:solidFill>
+                <a:schemeClr val="accent1">
+                  <a:shade val="50000"/>
+                </a:schemeClr>
+              </a:solidFill>
+              <a:prstDash val="sysDot"/>
+            </a:ln>
+          </p:spPr>
+          <p:style>
+            <a:lnRef idx="2">
+              <a:schemeClr val="accent1">
+                <a:lumMod val="75000"/>
+              </a:schemeClr>
+            </a:lnRef>
+            <a:fillRef idx="1">
+              <a:schemeClr val="accent1"/>
+            </a:fillRef>
+            <a:effectRef idx="0">
+              <a:srgbClr val="FFFFFF"/>
+            </a:effectRef>
+            <a:fontRef idx="minor">
+              <a:schemeClr val="lt1"/>
+            </a:fontRef>
+          </p:style>
+          <p:txBody>
+            <a:bodyPr rtlCol="0" anchor="ctr"/>
+            <a:p>
+              <a:pPr algn="ctr"/>
+              <a:endParaRPr lang="zh-CN" altLang="en-US"/>
+            </a:p>
+          </p:txBody>
+        </p:sp>
+        <p:sp>
+          <p:nvSpPr>
+            <p:cNvPr id="16" name="文本框 15"/>
+            <p:cNvSpPr txBox="1"/>
+            <p:nvPr/>
+          </p:nvSpPr>
+          <p:spPr>
+            <a:xfrm>
+              <a:off x="1974" y="5639"/>
+              <a:ext cx="2397" cy="497"/>
+            </a:xfrm>
+            <a:prstGeom prst="rect">
+              <a:avLst/>
+            </a:prstGeom>
+            <a:noFill/>
+          </p:spPr>
+          <p:txBody>
+            <a:bodyPr wrap="square" rtlCol="0">
+              <a:noAutofit/>
+            </a:bodyPr>
+            <a:p>
+              <a:r>
+                <a:rPr lang="en-US" altLang="zh-CN"/>
+                <a:t>SC</a:t>
+              </a:r>
+              <a:endParaRPr lang="en-US" altLang="zh-CN"/>
+            </a:p>
+          </p:txBody>
+        </p:sp>
+      </p:grpSp>
+      <p:grpSp>
+        <p:nvGrpSpPr>
+          <p:cNvPr id="8" name="组合 7"/>
+          <p:cNvGrpSpPr/>
+          <p:nvPr/>
+        </p:nvGrpSpPr>
+        <p:grpSpPr>
+          <a:xfrm>
+            <a:off x="2770505" y="499110"/>
+            <a:ext cx="6011545" cy="2929890"/>
+            <a:chOff x="1920" y="5498"/>
+            <a:chExt cx="6460" cy="3566"/>
+          </a:xfrm>
+        </p:grpSpPr>
+        <p:sp>
+          <p:nvSpPr>
+            <p:cNvPr id="9" name="矩形 8"/>
+            <p:cNvSpPr/>
+            <p:nvPr>
+              <p:custDataLst>
+                <p:tags r:id="rId2"/>
+              </p:custDataLst>
+            </p:nvPr>
+          </p:nvSpPr>
+          <p:spPr>
+            <a:xfrm>
+              <a:off x="1920" y="5498"/>
+              <a:ext cx="6461" cy="3566"/>
+            </a:xfrm>
+            <a:prstGeom prst="rect">
+              <a:avLst/>
+            </a:prstGeom>
+            <a:solidFill>
+              <a:schemeClr val="bg1"/>
+            </a:solidFill>
+            <a:ln w="28575" cmpd="sng">
+              <a:solidFill>
+                <a:schemeClr val="accent1">
+                  <a:shade val="50000"/>
+                </a:schemeClr>
+              </a:solidFill>
+              <a:prstDash val="sysDot"/>
+            </a:ln>
+          </p:spPr>
+          <p:style>
+            <a:lnRef idx="2">
+              <a:schemeClr val="accent1">
+                <a:lumMod val="75000"/>
+              </a:schemeClr>
+            </a:lnRef>
+            <a:fillRef idx="1">
+              <a:schemeClr val="accent1"/>
+            </a:fillRef>
+            <a:effectRef idx="0">
+              <a:srgbClr val="FFFFFF"/>
+            </a:effectRef>
+            <a:fontRef idx="minor">
+              <a:schemeClr val="lt1"/>
+            </a:fontRef>
+          </p:style>
+          <p:txBody>
+            <a:bodyPr rtlCol="0" anchor="ctr"/>
+            <a:p>
+              <a:pPr algn="ctr"/>
+              <a:endParaRPr lang="zh-CN" altLang="en-US"/>
+            </a:p>
+          </p:txBody>
+        </p:sp>
+        <p:sp>
+          <p:nvSpPr>
+            <p:cNvPr id="11" name="文本框 10"/>
+            <p:cNvSpPr txBox="1"/>
+            <p:nvPr/>
+          </p:nvSpPr>
+          <p:spPr>
+            <a:xfrm>
+              <a:off x="1974" y="5639"/>
+              <a:ext cx="2397" cy="497"/>
+            </a:xfrm>
+            <a:prstGeom prst="rect">
+              <a:avLst/>
+            </a:prstGeom>
+            <a:noFill/>
+          </p:spPr>
+          <p:txBody>
+            <a:bodyPr wrap="square" rtlCol="0">
+              <a:noAutofit/>
+            </a:bodyPr>
+            <a:p>
+              <a:r>
+                <a:rPr lang="en-US" altLang="zh-CN"/>
+                <a:t>SSR</a:t>
+              </a:r>
+              <a:endParaRPr lang="en-US" altLang="zh-CN"/>
+            </a:p>
+          </p:txBody>
+        </p:sp>
+      </p:grpSp>
+      <p:grpSp>
+        <p:nvGrpSpPr>
+          <p:cNvPr id="15" name="组合 14"/>
+          <p:cNvGrpSpPr/>
+          <p:nvPr/>
+        </p:nvGrpSpPr>
+        <p:grpSpPr>
+          <a:xfrm>
+            <a:off x="1577975" y="4092575"/>
+            <a:ext cx="3095625" cy="1871345"/>
+            <a:chOff x="1920" y="5498"/>
+            <a:chExt cx="6461" cy="3566"/>
+          </a:xfrm>
+        </p:grpSpPr>
+        <p:sp>
+          <p:nvSpPr>
+            <p:cNvPr id="17" name="矩形 16"/>
+            <p:cNvSpPr/>
+            <p:nvPr>
+              <p:custDataLst>
+                <p:tags r:id="rId3"/>
+              </p:custDataLst>
+            </p:nvPr>
+          </p:nvSpPr>
+          <p:spPr>
+            <a:xfrm>
+              <a:off x="1920" y="5498"/>
+              <a:ext cx="6461" cy="3566"/>
+            </a:xfrm>
+            <a:prstGeom prst="rect">
+              <a:avLst/>
+            </a:prstGeom>
+            <a:solidFill>
+              <a:schemeClr val="bg1"/>
+            </a:solidFill>
+            <a:ln w="28575" cmpd="sng">
+              <a:solidFill>
+                <a:schemeClr val="accent1">
+                  <a:shade val="50000"/>
+                </a:schemeClr>
+              </a:solidFill>
+              <a:prstDash val="sysDot"/>
+            </a:ln>
+          </p:spPr>
+          <p:style>
+            <a:lnRef idx="2">
+              <a:schemeClr val="accent1">
+                <a:lumMod val="75000"/>
+              </a:schemeClr>
+            </a:lnRef>
+            <a:fillRef idx="1">
+              <a:schemeClr val="accent1"/>
+            </a:fillRef>
+            <a:effectRef idx="0">
+              <a:srgbClr val="FFFFFF"/>
+            </a:effectRef>
+            <a:fontRef idx="minor">
+              <a:schemeClr val="lt1"/>
+            </a:fontRef>
+          </p:style>
+          <p:txBody>
+            <a:bodyPr rtlCol="0" anchor="ctr"/>
+            <a:p>
+              <a:pPr algn="ctr"/>
+              <a:endParaRPr lang="zh-CN" altLang="en-US"/>
+            </a:p>
+          </p:txBody>
+        </p:sp>
+        <p:sp>
+          <p:nvSpPr>
+            <p:cNvPr id="18" name="文本框 17"/>
+            <p:cNvSpPr txBox="1"/>
+            <p:nvPr/>
+          </p:nvSpPr>
+          <p:spPr>
+            <a:xfrm>
+              <a:off x="1974" y="5640"/>
+              <a:ext cx="6406" cy="664"/>
+            </a:xfrm>
+            <a:prstGeom prst="rect">
+              <a:avLst/>
+            </a:prstGeom>
+            <a:noFill/>
+          </p:spPr>
+          <p:txBody>
+            <a:bodyPr wrap="square" rtlCol="0">
+              <a:noAutofit/>
+            </a:bodyPr>
+            <a:p>
+              <a:r>
+                <a:rPr lang="en-US" altLang="zh-CN" sz="1600"/>
+                <a:t>ClientSessionService</a:t>
+              </a:r>
+              <a:endParaRPr lang="en-US" altLang="zh-CN" sz="1600"/>
+            </a:p>
+          </p:txBody>
+        </p:sp>
+      </p:grpSp>
+      <p:grpSp>
+        <p:nvGrpSpPr>
+          <p:cNvPr id="19" name="组合 18"/>
+          <p:cNvGrpSpPr/>
+          <p:nvPr/>
+        </p:nvGrpSpPr>
+        <p:grpSpPr>
+          <a:xfrm>
+            <a:off x="2260600" y="4462145"/>
+            <a:ext cx="2021205" cy="1445260"/>
+            <a:chOff x="1920" y="5498"/>
+            <a:chExt cx="6461" cy="3566"/>
+          </a:xfrm>
+        </p:grpSpPr>
+        <p:sp>
+          <p:nvSpPr>
+            <p:cNvPr id="20" name="矩形 19"/>
+            <p:cNvSpPr/>
+            <p:nvPr>
+              <p:custDataLst>
+                <p:tags r:id="rId4"/>
+              </p:custDataLst>
+            </p:nvPr>
+          </p:nvSpPr>
+          <p:spPr>
+            <a:xfrm>
+              <a:off x="1920" y="5498"/>
+              <a:ext cx="6461" cy="3566"/>
+            </a:xfrm>
+            <a:prstGeom prst="rect">
+              <a:avLst/>
+            </a:prstGeom>
+            <a:solidFill>
+              <a:schemeClr val="bg1"/>
+            </a:solidFill>
+            <a:ln w="28575" cmpd="sng">
+              <a:solidFill>
+                <a:schemeClr val="accent1">
+                  <a:shade val="50000"/>
+                </a:schemeClr>
+              </a:solidFill>
+              <a:prstDash val="sysDot"/>
+            </a:ln>
+          </p:spPr>
+          <p:style>
+            <a:lnRef idx="2">
+              <a:schemeClr val="accent1">
+                <a:lumMod val="75000"/>
+              </a:schemeClr>
+            </a:lnRef>
+            <a:fillRef idx="1">
+              <a:schemeClr val="accent1"/>
+            </a:fillRef>
+            <a:effectRef idx="0">
+              <a:srgbClr val="FFFFFF"/>
+            </a:effectRef>
+            <a:fontRef idx="minor">
+              <a:schemeClr val="lt1"/>
+            </a:fontRef>
+          </p:style>
+          <p:txBody>
+            <a:bodyPr rtlCol="0" anchor="ctr"/>
+            <a:p>
+              <a:pPr algn="ctr"/>
+              <a:endParaRPr lang="zh-CN" altLang="en-US"/>
+            </a:p>
+          </p:txBody>
+        </p:sp>
+        <p:sp>
+          <p:nvSpPr>
+            <p:cNvPr id="21" name="文本框 20"/>
+            <p:cNvSpPr txBox="1"/>
+            <p:nvPr/>
+          </p:nvSpPr>
+          <p:spPr>
+            <a:xfrm>
+              <a:off x="1974" y="5640"/>
+              <a:ext cx="6406" cy="664"/>
+            </a:xfrm>
+            <a:prstGeom prst="rect">
+              <a:avLst/>
+            </a:prstGeom>
+            <a:noFill/>
+          </p:spPr>
+          <p:txBody>
+            <a:bodyPr wrap="square" rtlCol="0">
+              <a:noAutofit/>
+            </a:bodyPr>
+            <a:p>
+              <a:r>
+                <a:rPr lang="en-US" altLang="zh-CN" sz="1600"/>
+                <a:t>C-PortReceiver</a:t>
+              </a:r>
+              <a:endParaRPr lang="en-US" altLang="zh-CN" sz="1600"/>
+            </a:p>
+          </p:txBody>
+        </p:sp>
+      </p:grpSp>
+      <p:grpSp>
+        <p:nvGrpSpPr>
+          <p:cNvPr id="22" name="组合 21"/>
+          <p:cNvGrpSpPr/>
+          <p:nvPr/>
+        </p:nvGrpSpPr>
+        <p:grpSpPr>
+          <a:xfrm>
+            <a:off x="2868295" y="1011555"/>
+            <a:ext cx="5799455" cy="2103755"/>
+            <a:chOff x="1920" y="5498"/>
+            <a:chExt cx="6461" cy="3566"/>
+          </a:xfrm>
+        </p:grpSpPr>
+        <p:sp>
+          <p:nvSpPr>
+            <p:cNvPr id="24" name="矩形 23"/>
+            <p:cNvSpPr/>
+            <p:nvPr>
+              <p:custDataLst>
+                <p:tags r:id="rId5"/>
+              </p:custDataLst>
+            </p:nvPr>
+          </p:nvSpPr>
+          <p:spPr>
+            <a:xfrm>
+              <a:off x="1920" y="5498"/>
+              <a:ext cx="6461" cy="3566"/>
+            </a:xfrm>
+            <a:prstGeom prst="rect">
+              <a:avLst/>
+            </a:prstGeom>
+            <a:solidFill>
+              <a:schemeClr val="bg1"/>
+            </a:solidFill>
+            <a:ln w="28575" cmpd="sng">
+              <a:solidFill>
+                <a:schemeClr val="accent1">
+                  <a:shade val="50000"/>
+                </a:schemeClr>
+              </a:solidFill>
+              <a:prstDash val="sysDot"/>
+            </a:ln>
+          </p:spPr>
+          <p:style>
+            <a:lnRef idx="2">
+              <a:schemeClr val="accent1">
+                <a:lumMod val="75000"/>
+              </a:schemeClr>
+            </a:lnRef>
+            <a:fillRef idx="1">
+              <a:schemeClr val="accent1"/>
+            </a:fillRef>
+            <a:effectRef idx="0">
+              <a:srgbClr val="FFFFFF"/>
+            </a:effectRef>
+            <a:fontRef idx="minor">
+              <a:schemeClr val="lt1"/>
+            </a:fontRef>
+          </p:style>
+          <p:txBody>
+            <a:bodyPr rtlCol="0" anchor="ctr"/>
+            <a:p>
+              <a:pPr algn="ctr"/>
+              <a:endParaRPr lang="zh-CN" altLang="en-US"/>
+            </a:p>
+          </p:txBody>
+        </p:sp>
+        <p:sp>
+          <p:nvSpPr>
+            <p:cNvPr id="25" name="文本框 24"/>
+            <p:cNvSpPr txBox="1"/>
+            <p:nvPr/>
+          </p:nvSpPr>
+          <p:spPr>
+            <a:xfrm>
+              <a:off x="1974" y="5640"/>
+              <a:ext cx="6406" cy="664"/>
+            </a:xfrm>
+            <a:prstGeom prst="rect">
+              <a:avLst/>
+            </a:prstGeom>
+            <a:noFill/>
+          </p:spPr>
+          <p:txBody>
+            <a:bodyPr wrap="square" rtlCol="0">
+              <a:noAutofit/>
+            </a:bodyPr>
+            <a:p>
+              <a:r>
+                <a:rPr lang="en-US" altLang="zh-CN" sz="1600"/>
+                <a:t>ServerSessionService</a:t>
+              </a:r>
+              <a:endParaRPr lang="en-US" altLang="zh-CN" sz="1600"/>
+            </a:p>
+          </p:txBody>
+        </p:sp>
+      </p:grpSp>
+      <p:grpSp>
+        <p:nvGrpSpPr>
+          <p:cNvPr id="26" name="组合 25"/>
+          <p:cNvGrpSpPr/>
+          <p:nvPr/>
+        </p:nvGrpSpPr>
+        <p:grpSpPr>
+          <a:xfrm>
+            <a:off x="3030220" y="1501775"/>
+            <a:ext cx="5490210" cy="1445260"/>
+            <a:chOff x="1920" y="5498"/>
+            <a:chExt cx="6461" cy="3566"/>
+          </a:xfrm>
+        </p:grpSpPr>
+        <p:sp>
+          <p:nvSpPr>
+            <p:cNvPr id="27" name="矩形 26"/>
+            <p:cNvSpPr/>
+            <p:nvPr>
+              <p:custDataLst>
+                <p:tags r:id="rId6"/>
+              </p:custDataLst>
+            </p:nvPr>
+          </p:nvSpPr>
+          <p:spPr>
+            <a:xfrm>
+              <a:off x="1920" y="5498"/>
+              <a:ext cx="6461" cy="3566"/>
+            </a:xfrm>
+            <a:prstGeom prst="rect">
+              <a:avLst/>
+            </a:prstGeom>
+            <a:solidFill>
+              <a:schemeClr val="bg1"/>
+            </a:solidFill>
+            <a:ln w="28575" cmpd="sng">
+              <a:solidFill>
+                <a:schemeClr val="accent1">
+                  <a:shade val="50000"/>
+                </a:schemeClr>
+              </a:solidFill>
+              <a:prstDash val="sysDot"/>
+            </a:ln>
+          </p:spPr>
+          <p:style>
+            <a:lnRef idx="2">
+              <a:schemeClr val="accent1">
+                <a:lumMod val="75000"/>
+              </a:schemeClr>
+            </a:lnRef>
+            <a:fillRef idx="1">
+              <a:schemeClr val="accent1"/>
+            </a:fillRef>
+            <a:effectRef idx="0">
+              <a:srgbClr val="FFFFFF"/>
+            </a:effectRef>
+            <a:fontRef idx="minor">
+              <a:schemeClr val="lt1"/>
+            </a:fontRef>
+          </p:style>
+          <p:txBody>
+            <a:bodyPr rtlCol="0" anchor="ctr"/>
+            <a:p>
+              <a:pPr algn="ctr"/>
+              <a:endParaRPr lang="zh-CN" altLang="en-US"/>
+            </a:p>
+          </p:txBody>
+        </p:sp>
+        <p:sp>
+          <p:nvSpPr>
+            <p:cNvPr id="28" name="文本框 27"/>
+            <p:cNvSpPr txBox="1"/>
+            <p:nvPr/>
+          </p:nvSpPr>
+          <p:spPr>
+            <a:xfrm>
+              <a:off x="1974" y="5640"/>
+              <a:ext cx="6406" cy="664"/>
+            </a:xfrm>
+            <a:prstGeom prst="rect">
+              <a:avLst/>
+            </a:prstGeom>
+            <a:noFill/>
+          </p:spPr>
+          <p:txBody>
+            <a:bodyPr wrap="square" rtlCol="0">
+              <a:noAutofit/>
+            </a:bodyPr>
+            <a:p>
+              <a:r>
+                <a:rPr lang="en-US" altLang="zh-CN" sz="1600"/>
+                <a:t>S-SsReceiver</a:t>
+              </a:r>
+              <a:endParaRPr lang="en-US" altLang="zh-CN" sz="1600"/>
+            </a:p>
+          </p:txBody>
+        </p:sp>
+      </p:grpSp>
+      <p:grpSp>
+        <p:nvGrpSpPr>
+          <p:cNvPr id="29" name="组合 28"/>
+          <p:cNvGrpSpPr/>
+          <p:nvPr/>
+        </p:nvGrpSpPr>
+        <p:grpSpPr>
+          <a:xfrm>
+            <a:off x="4281805" y="1559560"/>
+            <a:ext cx="3095625" cy="1329690"/>
+            <a:chOff x="1920" y="5498"/>
+            <a:chExt cx="6461" cy="3566"/>
+          </a:xfrm>
+        </p:grpSpPr>
+        <p:sp>
+          <p:nvSpPr>
+            <p:cNvPr id="30" name="矩形 29"/>
+            <p:cNvSpPr/>
+            <p:nvPr>
+              <p:custDataLst>
+                <p:tags r:id="rId7"/>
+              </p:custDataLst>
+            </p:nvPr>
+          </p:nvSpPr>
+          <p:spPr>
+            <a:xfrm>
+              <a:off x="1920" y="5498"/>
+              <a:ext cx="6461" cy="3566"/>
+            </a:xfrm>
+            <a:prstGeom prst="rect">
+              <a:avLst/>
+            </a:prstGeom>
+            <a:solidFill>
+              <a:schemeClr val="bg1"/>
+            </a:solidFill>
+            <a:ln w="28575" cmpd="sng">
+              <a:solidFill>
+                <a:schemeClr val="accent1">
+                  <a:shade val="50000"/>
+                </a:schemeClr>
+              </a:solidFill>
+              <a:prstDash val="sysDot"/>
+            </a:ln>
+          </p:spPr>
+          <p:style>
+            <a:lnRef idx="2">
+              <a:schemeClr val="accent1">
+                <a:lumMod val="75000"/>
+              </a:schemeClr>
+            </a:lnRef>
+            <a:fillRef idx="1">
+              <a:schemeClr val="accent1"/>
+            </a:fillRef>
+            <a:effectRef idx="0">
+              <a:srgbClr val="FFFFFF"/>
+            </a:effectRef>
+            <a:fontRef idx="minor">
+              <a:schemeClr val="lt1"/>
+            </a:fontRef>
+          </p:style>
+          <p:txBody>
+            <a:bodyPr rtlCol="0" anchor="ctr"/>
+            <a:p>
+              <a:pPr algn="ctr"/>
+              <a:endParaRPr lang="zh-CN" altLang="en-US"/>
+            </a:p>
+          </p:txBody>
+        </p:sp>
+        <p:sp>
+          <p:nvSpPr>
+            <p:cNvPr id="31" name="文本框 30"/>
+            <p:cNvSpPr txBox="1"/>
+            <p:nvPr/>
+          </p:nvSpPr>
+          <p:spPr>
+            <a:xfrm>
+              <a:off x="1974" y="5640"/>
+              <a:ext cx="6406" cy="664"/>
+            </a:xfrm>
+            <a:prstGeom prst="rect">
+              <a:avLst/>
+            </a:prstGeom>
+            <a:noFill/>
+          </p:spPr>
+          <p:txBody>
+            <a:bodyPr wrap="square" rtlCol="0">
+              <a:noAutofit/>
+            </a:bodyPr>
+            <a:p>
+              <a:r>
+                <a:rPr lang="en-US" altLang="zh-CN" sz="1600">
+                  <a:solidFill>
+                    <a:srgbClr val="FF0000"/>
+                  </a:solidFill>
+                  <a:sym typeface="+mn-ea"/>
+                </a:rPr>
+                <a:t>1:n </a:t>
+              </a:r>
+              <a:r>
+                <a:rPr lang="en-US" altLang="zh-CN" sz="1600"/>
+                <a:t>ClientSessionService </a:t>
+              </a:r>
+              <a:endParaRPr lang="en-US" altLang="zh-CN" sz="1600">
+                <a:solidFill>
+                  <a:srgbClr val="FF0000"/>
+                </a:solidFill>
+              </a:endParaRPr>
+            </a:p>
+          </p:txBody>
+        </p:sp>
+      </p:grpSp>
+      <p:grpSp>
+        <p:nvGrpSpPr>
+          <p:cNvPr id="32" name="组合 31"/>
+          <p:cNvGrpSpPr/>
+          <p:nvPr/>
+        </p:nvGrpSpPr>
+        <p:grpSpPr>
+          <a:xfrm>
+            <a:off x="4411980" y="1929130"/>
+            <a:ext cx="2573655" cy="795655"/>
+            <a:chOff x="1920" y="5498"/>
+            <a:chExt cx="6461" cy="2657"/>
+          </a:xfrm>
+        </p:grpSpPr>
+        <p:sp>
+          <p:nvSpPr>
+            <p:cNvPr id="33" name="矩形 32"/>
+            <p:cNvSpPr/>
+            <p:nvPr>
+              <p:custDataLst>
+                <p:tags r:id="rId8"/>
+              </p:custDataLst>
+            </p:nvPr>
+          </p:nvSpPr>
+          <p:spPr>
+            <a:xfrm>
+              <a:off x="1920" y="5498"/>
+              <a:ext cx="6461" cy="2657"/>
+            </a:xfrm>
+            <a:prstGeom prst="rect">
+              <a:avLst/>
+            </a:prstGeom>
+            <a:solidFill>
+              <a:schemeClr val="bg1"/>
+            </a:solidFill>
+            <a:ln w="28575" cmpd="sng">
+              <a:solidFill>
+                <a:schemeClr val="accent1">
+                  <a:shade val="50000"/>
+                </a:schemeClr>
+              </a:solidFill>
+              <a:prstDash val="sysDot"/>
+            </a:ln>
+          </p:spPr>
+          <p:style>
+            <a:lnRef idx="2">
+              <a:schemeClr val="accent1">
+                <a:lumMod val="75000"/>
+              </a:schemeClr>
+            </a:lnRef>
+            <a:fillRef idx="1">
+              <a:schemeClr val="accent1"/>
+            </a:fillRef>
+            <a:effectRef idx="0">
+              <a:srgbClr val="FFFFFF"/>
+            </a:effectRef>
+            <a:fontRef idx="minor">
+              <a:schemeClr val="lt1"/>
+            </a:fontRef>
+          </p:style>
+          <p:txBody>
+            <a:bodyPr rtlCol="0" anchor="ctr"/>
+            <a:p>
+              <a:pPr algn="ctr"/>
+              <a:endParaRPr lang="zh-CN" altLang="en-US"/>
+            </a:p>
+          </p:txBody>
+        </p:sp>
+        <p:sp>
+          <p:nvSpPr>
+            <p:cNvPr id="34" name="文本框 33"/>
+            <p:cNvSpPr txBox="1"/>
+            <p:nvPr/>
+          </p:nvSpPr>
+          <p:spPr>
+            <a:xfrm>
+              <a:off x="1974" y="5640"/>
+              <a:ext cx="6406" cy="664"/>
+            </a:xfrm>
+            <a:prstGeom prst="rect">
+              <a:avLst/>
+            </a:prstGeom>
+            <a:noFill/>
+          </p:spPr>
+          <p:txBody>
+            <a:bodyPr wrap="square" rtlCol="0">
+              <a:noAutofit/>
+            </a:bodyPr>
+            <a:p>
+              <a:r>
+                <a:rPr lang="en-US" altLang="zh-CN" sz="1600"/>
+                <a:t>C-SsReceiver</a:t>
+              </a:r>
+              <a:endParaRPr lang="en-US" altLang="zh-CN" sz="1600"/>
+            </a:p>
+          </p:txBody>
+        </p:sp>
+      </p:grpSp>
+      <p:grpSp>
+        <p:nvGrpSpPr>
+          <p:cNvPr id="35" name="组合 34"/>
+          <p:cNvGrpSpPr/>
+          <p:nvPr/>
+        </p:nvGrpSpPr>
+        <p:grpSpPr>
+          <a:xfrm>
+            <a:off x="6595110" y="4030980"/>
+            <a:ext cx="4102100" cy="2264410"/>
+            <a:chOff x="1920" y="5498"/>
+            <a:chExt cx="6460" cy="3566"/>
+          </a:xfrm>
+        </p:grpSpPr>
+        <p:sp>
+          <p:nvSpPr>
+            <p:cNvPr id="36" name="矩形 35"/>
+            <p:cNvSpPr/>
+            <p:nvPr>
+              <p:custDataLst>
+                <p:tags r:id="rId9"/>
+              </p:custDataLst>
+            </p:nvPr>
+          </p:nvSpPr>
+          <p:spPr>
+            <a:xfrm>
+              <a:off x="1920" y="5498"/>
+              <a:ext cx="6461" cy="3566"/>
+            </a:xfrm>
+            <a:prstGeom prst="rect">
+              <a:avLst/>
+            </a:prstGeom>
+            <a:solidFill>
+              <a:schemeClr val="bg1"/>
+            </a:solidFill>
+            <a:ln w="28575" cmpd="sng">
+              <a:solidFill>
+                <a:schemeClr val="accent1">
+                  <a:shade val="50000"/>
+                </a:schemeClr>
+              </a:solidFill>
+              <a:prstDash val="sysDot"/>
+            </a:ln>
+          </p:spPr>
+          <p:style>
+            <a:lnRef idx="2">
+              <a:schemeClr val="accent1">
+                <a:lumMod val="75000"/>
+              </a:schemeClr>
+            </a:lnRef>
+            <a:fillRef idx="1">
+              <a:schemeClr val="accent1"/>
+            </a:fillRef>
+            <a:effectRef idx="0">
+              <a:srgbClr val="FFFFFF"/>
+            </a:effectRef>
+            <a:fontRef idx="minor">
+              <a:schemeClr val="lt1"/>
+            </a:fontRef>
+          </p:style>
+          <p:txBody>
+            <a:bodyPr rtlCol="0" anchor="ctr"/>
+            <a:p>
+              <a:pPr algn="ctr"/>
+              <a:endParaRPr lang="zh-CN" altLang="en-US"/>
+            </a:p>
+          </p:txBody>
+        </p:sp>
+        <p:sp>
+          <p:nvSpPr>
+            <p:cNvPr id="37" name="文本框 36"/>
+            <p:cNvSpPr txBox="1"/>
+            <p:nvPr/>
+          </p:nvSpPr>
+          <p:spPr>
+            <a:xfrm>
+              <a:off x="1974" y="5639"/>
+              <a:ext cx="2397" cy="497"/>
+            </a:xfrm>
+            <a:prstGeom prst="rect">
+              <a:avLst/>
+            </a:prstGeom>
+            <a:noFill/>
+          </p:spPr>
+          <p:txBody>
+            <a:bodyPr wrap="square" rtlCol="0">
+              <a:noAutofit/>
+            </a:bodyPr>
+            <a:p>
+              <a:r>
+                <a:rPr lang="en-US" altLang="zh-CN"/>
+                <a:t>SS</a:t>
+              </a:r>
+              <a:endParaRPr lang="en-US" altLang="zh-CN"/>
+            </a:p>
+          </p:txBody>
+        </p:sp>
+      </p:grpSp>
+      <p:grpSp>
+        <p:nvGrpSpPr>
+          <p:cNvPr id="38" name="组合 37"/>
+          <p:cNvGrpSpPr/>
+          <p:nvPr/>
+        </p:nvGrpSpPr>
+        <p:grpSpPr>
+          <a:xfrm>
+            <a:off x="7350760" y="4227195"/>
+            <a:ext cx="3095625" cy="1871345"/>
+            <a:chOff x="1920" y="5498"/>
+            <a:chExt cx="6461" cy="3566"/>
+          </a:xfrm>
+        </p:grpSpPr>
+        <p:sp>
+          <p:nvSpPr>
+            <p:cNvPr id="39" name="矩形 38"/>
+            <p:cNvSpPr/>
+            <p:nvPr>
+              <p:custDataLst>
+                <p:tags r:id="rId10"/>
+              </p:custDataLst>
+            </p:nvPr>
+          </p:nvSpPr>
+          <p:spPr>
+            <a:xfrm>
+              <a:off x="1920" y="5498"/>
+              <a:ext cx="6461" cy="3566"/>
+            </a:xfrm>
+            <a:prstGeom prst="rect">
+              <a:avLst/>
+            </a:prstGeom>
+            <a:solidFill>
+              <a:schemeClr val="bg1"/>
+            </a:solidFill>
+            <a:ln w="28575" cmpd="sng">
+              <a:solidFill>
+                <a:schemeClr val="accent1">
+                  <a:shade val="50000"/>
+                </a:schemeClr>
+              </a:solidFill>
+              <a:prstDash val="sysDot"/>
+            </a:ln>
+          </p:spPr>
+          <p:style>
+            <a:lnRef idx="2">
+              <a:schemeClr val="accent1">
+                <a:lumMod val="75000"/>
+              </a:schemeClr>
+            </a:lnRef>
+            <a:fillRef idx="1">
+              <a:schemeClr val="accent1"/>
+            </a:fillRef>
+            <a:effectRef idx="0">
+              <a:srgbClr val="FFFFFF"/>
+            </a:effectRef>
+            <a:fontRef idx="minor">
+              <a:schemeClr val="lt1"/>
+            </a:fontRef>
+          </p:style>
+          <p:txBody>
+            <a:bodyPr rtlCol="0" anchor="ctr"/>
+            <a:p>
+              <a:pPr algn="ctr"/>
+              <a:endParaRPr lang="zh-CN" altLang="en-US"/>
+            </a:p>
+          </p:txBody>
+        </p:sp>
+        <p:sp>
+          <p:nvSpPr>
+            <p:cNvPr id="40" name="文本框 39"/>
+            <p:cNvSpPr txBox="1"/>
+            <p:nvPr/>
+          </p:nvSpPr>
+          <p:spPr>
+            <a:xfrm>
+              <a:off x="1974" y="5640"/>
+              <a:ext cx="6406" cy="664"/>
+            </a:xfrm>
+            <a:prstGeom prst="rect">
+              <a:avLst/>
+            </a:prstGeom>
+            <a:noFill/>
+          </p:spPr>
+          <p:txBody>
+            <a:bodyPr wrap="square" rtlCol="0">
+              <a:noAutofit/>
+            </a:bodyPr>
+            <a:p>
+              <a:r>
+                <a:rPr lang="en-US" altLang="zh-CN" sz="1600">
+                  <a:sym typeface="+mn-ea"/>
+                </a:rPr>
+                <a:t>ServerSessionService</a:t>
+              </a:r>
+              <a:endParaRPr lang="en-US" altLang="zh-CN" sz="1600"/>
+            </a:p>
+          </p:txBody>
+        </p:sp>
+      </p:grpSp>
+      <p:grpSp>
+        <p:nvGrpSpPr>
+          <p:cNvPr id="41" name="组合 40"/>
+          <p:cNvGrpSpPr/>
+          <p:nvPr/>
+        </p:nvGrpSpPr>
+        <p:grpSpPr>
+          <a:xfrm>
+            <a:off x="8033385" y="4596765"/>
+            <a:ext cx="2021205" cy="1445260"/>
+            <a:chOff x="1920" y="5498"/>
+            <a:chExt cx="6461" cy="3566"/>
+          </a:xfrm>
+        </p:grpSpPr>
+        <p:sp>
+          <p:nvSpPr>
+            <p:cNvPr id="42" name="矩形 41"/>
+            <p:cNvSpPr/>
+            <p:nvPr>
+              <p:custDataLst>
+                <p:tags r:id="rId11"/>
+              </p:custDataLst>
+            </p:nvPr>
+          </p:nvSpPr>
+          <p:spPr>
+            <a:xfrm>
+              <a:off x="1920" y="5498"/>
+              <a:ext cx="6461" cy="3566"/>
+            </a:xfrm>
+            <a:prstGeom prst="rect">
+              <a:avLst/>
+            </a:prstGeom>
+            <a:solidFill>
+              <a:schemeClr val="bg1"/>
+            </a:solidFill>
+            <a:ln w="28575" cmpd="sng">
+              <a:solidFill>
+                <a:schemeClr val="accent1">
+                  <a:shade val="50000"/>
+                </a:schemeClr>
+              </a:solidFill>
+              <a:prstDash val="sysDot"/>
+            </a:ln>
+          </p:spPr>
+          <p:style>
+            <a:lnRef idx="2">
+              <a:schemeClr val="accent1">
+                <a:lumMod val="75000"/>
+              </a:schemeClr>
+            </a:lnRef>
+            <a:fillRef idx="1">
+              <a:schemeClr val="accent1"/>
+            </a:fillRef>
+            <a:effectRef idx="0">
+              <a:srgbClr val="FFFFFF"/>
+            </a:effectRef>
+            <a:fontRef idx="minor">
+              <a:schemeClr val="lt1"/>
+            </a:fontRef>
+          </p:style>
+          <p:txBody>
+            <a:bodyPr rtlCol="0" anchor="ctr"/>
+            <a:p>
+              <a:pPr algn="ctr"/>
+              <a:endParaRPr lang="zh-CN" altLang="en-US"/>
+            </a:p>
+          </p:txBody>
+        </p:sp>
+        <p:sp>
+          <p:nvSpPr>
+            <p:cNvPr id="43" name="文本框 42"/>
+            <p:cNvSpPr txBox="1"/>
+            <p:nvPr/>
+          </p:nvSpPr>
+          <p:spPr>
+            <a:xfrm>
+              <a:off x="1974" y="5640"/>
+              <a:ext cx="6406" cy="664"/>
+            </a:xfrm>
+            <a:prstGeom prst="rect">
+              <a:avLst/>
+            </a:prstGeom>
+            <a:noFill/>
+          </p:spPr>
+          <p:txBody>
+            <a:bodyPr wrap="square" rtlCol="0">
+              <a:noAutofit/>
+            </a:bodyPr>
+            <a:p>
+              <a:r>
+                <a:rPr lang="en-US" altLang="zh-CN" sz="1600">
+                  <a:sym typeface="+mn-ea"/>
+                </a:rPr>
+                <a:t>S-PortReceiver</a:t>
+              </a:r>
+              <a:endParaRPr lang="en-US" altLang="zh-CN" sz="1600"/>
+            </a:p>
+          </p:txBody>
+        </p:sp>
+      </p:grpSp>
+      <p:sp>
+        <p:nvSpPr>
+          <p:cNvPr id="23" name="矩形 22"/>
+          <p:cNvSpPr/>
+          <p:nvPr/>
+        </p:nvSpPr>
+        <p:spPr>
+          <a:xfrm>
+            <a:off x="2651125" y="5083175"/>
+            <a:ext cx="506095" cy="473075"/>
+          </a:xfrm>
+          <a:prstGeom prst="rect">
+            <a:avLst/>
+          </a:prstGeom>
+        </p:spPr>
+        <p:style>
+          <a:lnRef idx="2">
+            <a:schemeClr val="accent1">
+              <a:lumMod val="75000"/>
+            </a:schemeClr>
+          </a:lnRef>
+          <a:fillRef idx="1">
+            <a:schemeClr val="accent1"/>
+          </a:fillRef>
+          <a:effectRef idx="0">
+            <a:srgbClr val="FFFFFF"/>
+          </a:effectRef>
+          <a:fontRef idx="minor">
+            <a:schemeClr val="lt1"/>
+          </a:fontRef>
+        </p:style>
+        <p:txBody>
+          <a:bodyPr rtlCol="0" anchor="ctr"/>
+          <a:p>
+            <a:pPr algn="ctr"/>
+            <a:endParaRPr lang="en-US" altLang="zh-CN"/>
+          </a:p>
+        </p:txBody>
+      </p:sp>
+      <p:sp>
+        <p:nvSpPr>
+          <p:cNvPr id="44" name="矩形 43"/>
+          <p:cNvSpPr/>
+          <p:nvPr/>
+        </p:nvSpPr>
+        <p:spPr>
+          <a:xfrm>
+            <a:off x="3388995" y="2170430"/>
+            <a:ext cx="506095" cy="473075"/>
+          </a:xfrm>
+          <a:prstGeom prst="rect">
+            <a:avLst/>
+          </a:prstGeom>
+        </p:spPr>
+        <p:style>
+          <a:lnRef idx="2">
+            <a:schemeClr val="accent1">
+              <a:lumMod val="75000"/>
+            </a:schemeClr>
+          </a:lnRef>
+          <a:fillRef idx="1">
+            <a:schemeClr val="accent1"/>
+          </a:fillRef>
+          <a:effectRef idx="0">
+            <a:srgbClr val="FFFFFF"/>
+          </a:effectRef>
+          <a:fontRef idx="minor">
+            <a:schemeClr val="lt1"/>
+          </a:fontRef>
+        </p:style>
+        <p:txBody>
+          <a:bodyPr rtlCol="0" anchor="ctr"/>
+          <a:p>
+            <a:pPr algn="ctr"/>
+            <a:endParaRPr lang="en-US" altLang="zh-CN"/>
+          </a:p>
+        </p:txBody>
+      </p:sp>
+      <p:cxnSp>
+        <p:nvCxnSpPr>
+          <p:cNvPr id="46" name="直接箭头连接符 45"/>
+          <p:cNvCxnSpPr>
+            <a:stCxn id="23" idx="0"/>
+            <a:endCxn id="44" idx="2"/>
+          </p:cNvCxnSpPr>
+          <p:nvPr/>
+        </p:nvCxnSpPr>
+        <p:spPr>
+          <a:xfrm flipV="1">
+            <a:off x="2904490" y="2643505"/>
+            <a:ext cx="737870" cy="2439670"/>
+          </a:xfrm>
+          <a:prstGeom prst="straightConnector1">
+            <a:avLst/>
+          </a:prstGeom>
+          <a:ln>
+            <a:tailEnd type="arrow"/>
+          </a:ln>
+        </p:spPr>
+        <p:style>
+          <a:lnRef idx="2">
+            <a:schemeClr val="accent1"/>
+          </a:lnRef>
+          <a:fillRef idx="0">
+            <a:srgbClr val="FFFFFF"/>
+          </a:fillRef>
+          <a:effectRef idx="0">
+            <a:srgbClr val="FFFFFF"/>
+          </a:effectRef>
+          <a:fontRef idx="minor">
+            <a:schemeClr val="tx1"/>
+          </a:fontRef>
+        </p:style>
+      </p:cxnSp>
+      <p:sp>
+        <p:nvSpPr>
+          <p:cNvPr id="47" name="矩形 46"/>
+          <p:cNvSpPr/>
+          <p:nvPr/>
+        </p:nvSpPr>
+        <p:spPr>
+          <a:xfrm>
+            <a:off x="5677535" y="2170430"/>
+            <a:ext cx="506095" cy="473075"/>
+          </a:xfrm>
+          <a:prstGeom prst="rect">
+            <a:avLst/>
+          </a:prstGeom>
+        </p:spPr>
+        <p:style>
+          <a:lnRef idx="2">
+            <a:schemeClr val="accent1">
+              <a:lumMod val="75000"/>
+            </a:schemeClr>
+          </a:lnRef>
+          <a:fillRef idx="1">
+            <a:schemeClr val="accent1"/>
+          </a:fillRef>
+          <a:effectRef idx="0">
+            <a:srgbClr val="FFFFFF"/>
+          </a:effectRef>
+          <a:fontRef idx="minor">
+            <a:schemeClr val="lt1"/>
+          </a:fontRef>
+        </p:style>
+        <p:txBody>
+          <a:bodyPr rtlCol="0" anchor="ctr"/>
+          <a:p>
+            <a:pPr algn="ctr"/>
+            <a:endParaRPr lang="en-US" altLang="zh-CN"/>
+          </a:p>
+        </p:txBody>
+      </p:sp>
+      <p:cxnSp>
+        <p:nvCxnSpPr>
+          <p:cNvPr id="48" name="直接箭头连接符 47"/>
+          <p:cNvCxnSpPr>
+            <a:stCxn id="44" idx="3"/>
+            <a:endCxn id="47" idx="1"/>
+          </p:cNvCxnSpPr>
+          <p:nvPr/>
+        </p:nvCxnSpPr>
+        <p:spPr>
+          <a:xfrm>
+            <a:off x="3895090" y="2407285"/>
+            <a:ext cx="1782445" cy="0"/>
+          </a:xfrm>
+          <a:prstGeom prst="straightConnector1">
+            <a:avLst/>
+          </a:prstGeom>
+          <a:ln>
+            <a:tailEnd type="arrow"/>
+          </a:ln>
+        </p:spPr>
+        <p:style>
+          <a:lnRef idx="2">
+            <a:schemeClr val="accent1"/>
+          </a:lnRef>
+          <a:fillRef idx="0">
+            <a:srgbClr val="FFFFFF"/>
+          </a:fillRef>
+          <a:effectRef idx="0">
+            <a:srgbClr val="FFFFFF"/>
+          </a:effectRef>
+          <a:fontRef idx="minor">
+            <a:schemeClr val="tx1"/>
+          </a:fontRef>
+        </p:style>
+      </p:cxnSp>
+      <p:sp>
+        <p:nvSpPr>
+          <p:cNvPr id="49" name="矩形 48"/>
+          <p:cNvSpPr/>
+          <p:nvPr/>
+        </p:nvSpPr>
+        <p:spPr>
+          <a:xfrm>
+            <a:off x="8161020" y="5204460"/>
+            <a:ext cx="506095" cy="473075"/>
+          </a:xfrm>
+          <a:prstGeom prst="rect">
+            <a:avLst/>
+          </a:prstGeom>
+        </p:spPr>
+        <p:style>
+          <a:lnRef idx="2">
+            <a:schemeClr val="accent1">
+              <a:lumMod val="75000"/>
+            </a:schemeClr>
+          </a:lnRef>
+          <a:fillRef idx="1">
+            <a:schemeClr val="accent1"/>
+          </a:fillRef>
+          <a:effectRef idx="0">
+            <a:srgbClr val="FFFFFF"/>
+          </a:effectRef>
+          <a:fontRef idx="minor">
+            <a:schemeClr val="lt1"/>
+          </a:fontRef>
+        </p:style>
+        <p:txBody>
+          <a:bodyPr rtlCol="0" anchor="ctr"/>
+          <a:p>
+            <a:pPr algn="ctr"/>
+            <a:endParaRPr lang="en-US" altLang="zh-CN"/>
+          </a:p>
+        </p:txBody>
+      </p:sp>
+      <p:cxnSp>
+        <p:nvCxnSpPr>
+          <p:cNvPr id="50" name="直接箭头连接符 49"/>
+          <p:cNvCxnSpPr>
+            <a:stCxn id="47" idx="2"/>
+            <a:endCxn id="49" idx="1"/>
+          </p:cNvCxnSpPr>
+          <p:nvPr/>
+        </p:nvCxnSpPr>
+        <p:spPr>
+          <a:xfrm>
+            <a:off x="5930900" y="2643505"/>
+            <a:ext cx="2230120" cy="2797810"/>
+          </a:xfrm>
+          <a:prstGeom prst="straightConnector1">
+            <a:avLst/>
+          </a:prstGeom>
+          <a:ln>
+            <a:tailEnd type="arrow"/>
+          </a:ln>
+        </p:spPr>
+        <p:style>
+          <a:lnRef idx="2">
+            <a:schemeClr val="accent1"/>
+          </a:lnRef>
+          <a:fillRef idx="0">
+            <a:srgbClr val="FFFFFF"/>
+          </a:fillRef>
+          <a:effectRef idx="0">
+            <a:srgbClr val="FFFFFF"/>
+          </a:effectRef>
+          <a:fontRef idx="minor">
+            <a:schemeClr val="tx1"/>
+          </a:fontRef>
+        </p:style>
+      </p:cxnSp>
+      <p:sp>
+        <p:nvSpPr>
+          <p:cNvPr id="51" name="矩形 50"/>
+          <p:cNvSpPr/>
+          <p:nvPr/>
+        </p:nvSpPr>
+        <p:spPr>
+          <a:xfrm>
+            <a:off x="6351905" y="2170430"/>
+            <a:ext cx="506095" cy="473075"/>
+          </a:xfrm>
+          <a:prstGeom prst="rect">
+            <a:avLst/>
+          </a:prstGeom>
+          <a:solidFill>
+            <a:schemeClr val="accent4"/>
+          </a:solidFill>
+        </p:spPr>
+        <p:style>
+          <a:lnRef idx="2">
+            <a:schemeClr val="accent1">
+              <a:lumMod val="75000"/>
+            </a:schemeClr>
+          </a:lnRef>
+          <a:fillRef idx="1">
+            <a:schemeClr val="accent1"/>
+          </a:fillRef>
+          <a:effectRef idx="0">
+            <a:srgbClr val="FFFFFF"/>
+          </a:effectRef>
+          <a:fontRef idx="minor">
+            <a:schemeClr val="lt1"/>
+          </a:fontRef>
+        </p:style>
+        <p:txBody>
+          <a:bodyPr rtlCol="0" anchor="ctr"/>
+          <a:p>
+            <a:pPr algn="ctr"/>
+            <a:endParaRPr lang="en-US" altLang="zh-CN"/>
+          </a:p>
+        </p:txBody>
+      </p:sp>
+      <p:sp>
+        <p:nvSpPr>
+          <p:cNvPr id="52" name="矩形 51"/>
+          <p:cNvSpPr/>
+          <p:nvPr/>
+        </p:nvSpPr>
+        <p:spPr>
+          <a:xfrm>
+            <a:off x="9166860" y="5141595"/>
+            <a:ext cx="506095" cy="473075"/>
+          </a:xfrm>
+          <a:prstGeom prst="rect">
+            <a:avLst/>
+          </a:prstGeom>
+          <a:solidFill>
+            <a:schemeClr val="accent4"/>
+          </a:solidFill>
+        </p:spPr>
+        <p:style>
+          <a:lnRef idx="2">
+            <a:schemeClr val="accent1">
+              <a:lumMod val="75000"/>
+            </a:schemeClr>
+          </a:lnRef>
+          <a:fillRef idx="1">
+            <a:schemeClr val="accent1"/>
+          </a:fillRef>
+          <a:effectRef idx="0">
+            <a:srgbClr val="FFFFFF"/>
+          </a:effectRef>
+          <a:fontRef idx="minor">
+            <a:schemeClr val="lt1"/>
+          </a:fontRef>
+        </p:style>
+        <p:txBody>
+          <a:bodyPr rtlCol="0" anchor="ctr"/>
+          <a:p>
+            <a:pPr algn="ctr"/>
+            <a:endParaRPr lang="en-US" altLang="zh-CN"/>
+          </a:p>
+        </p:txBody>
+      </p:sp>
+      <p:sp>
+        <p:nvSpPr>
+          <p:cNvPr id="53" name="矩形 52"/>
+          <p:cNvSpPr/>
+          <p:nvPr/>
+        </p:nvSpPr>
+        <p:spPr>
+          <a:xfrm>
+            <a:off x="7632065" y="2170430"/>
+            <a:ext cx="506095" cy="473075"/>
+          </a:xfrm>
+          <a:prstGeom prst="rect">
+            <a:avLst/>
+          </a:prstGeom>
+          <a:solidFill>
+            <a:schemeClr val="accent4"/>
+          </a:solidFill>
+        </p:spPr>
+        <p:style>
+          <a:lnRef idx="2">
+            <a:schemeClr val="accent1">
+              <a:lumMod val="75000"/>
+            </a:schemeClr>
+          </a:lnRef>
+          <a:fillRef idx="1">
+            <a:schemeClr val="accent1"/>
+          </a:fillRef>
+          <a:effectRef idx="0">
+            <a:srgbClr val="FFFFFF"/>
+          </a:effectRef>
+          <a:fontRef idx="minor">
+            <a:schemeClr val="lt1"/>
+          </a:fontRef>
+        </p:style>
+        <p:txBody>
+          <a:bodyPr rtlCol="0" anchor="ctr"/>
+          <a:p>
+            <a:pPr algn="ctr"/>
+            <a:endParaRPr lang="en-US" altLang="zh-CN"/>
+          </a:p>
+        </p:txBody>
+      </p:sp>
+      <p:sp>
+        <p:nvSpPr>
+          <p:cNvPr id="54" name="矩形 53"/>
+          <p:cNvSpPr/>
+          <p:nvPr/>
+        </p:nvSpPr>
+        <p:spPr>
+          <a:xfrm>
+            <a:off x="3504565" y="5083175"/>
+            <a:ext cx="506095" cy="473075"/>
+          </a:xfrm>
+          <a:prstGeom prst="rect">
+            <a:avLst/>
+          </a:prstGeom>
+          <a:solidFill>
+            <a:schemeClr val="accent4"/>
+          </a:solidFill>
+        </p:spPr>
+        <p:style>
+          <a:lnRef idx="2">
+            <a:schemeClr val="accent1">
+              <a:lumMod val="75000"/>
+            </a:schemeClr>
+          </a:lnRef>
+          <a:fillRef idx="1">
+            <a:schemeClr val="accent1"/>
+          </a:fillRef>
+          <a:effectRef idx="0">
+            <a:srgbClr val="FFFFFF"/>
+          </a:effectRef>
+          <a:fontRef idx="minor">
+            <a:schemeClr val="lt1"/>
+          </a:fontRef>
+        </p:style>
+        <p:txBody>
+          <a:bodyPr rtlCol="0" anchor="ctr"/>
+          <a:p>
+            <a:pPr algn="ctr"/>
+            <a:endParaRPr lang="en-US" altLang="zh-CN"/>
+          </a:p>
+        </p:txBody>
+      </p:sp>
+      <p:cxnSp>
+        <p:nvCxnSpPr>
+          <p:cNvPr id="55" name="直接箭头连接符 54"/>
+          <p:cNvCxnSpPr>
+            <a:stCxn id="52" idx="0"/>
+            <a:endCxn id="51" idx="2"/>
+          </p:cNvCxnSpPr>
+          <p:nvPr/>
+        </p:nvCxnSpPr>
+        <p:spPr>
+          <a:xfrm flipH="1" flipV="1">
+            <a:off x="6605270" y="2643505"/>
+            <a:ext cx="2814955" cy="2498090"/>
+          </a:xfrm>
+          <a:prstGeom prst="straightConnector1">
+            <a:avLst/>
+          </a:prstGeom>
+          <a:ln>
+            <a:solidFill>
+              <a:schemeClr val="accent4"/>
+            </a:solidFill>
+            <a:tailEnd type="arrow"/>
+          </a:ln>
+        </p:spPr>
+        <p:style>
+          <a:lnRef idx="2">
+            <a:schemeClr val="accent1"/>
+          </a:lnRef>
+          <a:fillRef idx="0">
+            <a:srgbClr val="FFFFFF"/>
+          </a:fillRef>
+          <a:effectRef idx="0">
+            <a:srgbClr val="FFFFFF"/>
+          </a:effectRef>
+          <a:fontRef idx="minor">
+            <a:schemeClr val="tx1"/>
+          </a:fontRef>
+        </p:style>
+      </p:cxnSp>
+      <p:cxnSp>
+        <p:nvCxnSpPr>
+          <p:cNvPr id="57" name="直接箭头连接符 56"/>
+          <p:cNvCxnSpPr>
+            <a:stCxn id="51" idx="3"/>
+            <a:endCxn id="53" idx="1"/>
+          </p:cNvCxnSpPr>
+          <p:nvPr/>
+        </p:nvCxnSpPr>
+        <p:spPr>
+          <a:xfrm>
+            <a:off x="6858000" y="2407285"/>
+            <a:ext cx="774065" cy="0"/>
+          </a:xfrm>
+          <a:prstGeom prst="straightConnector1">
+            <a:avLst/>
+          </a:prstGeom>
+          <a:ln>
+            <a:solidFill>
+              <a:schemeClr val="accent4"/>
+            </a:solidFill>
+            <a:tailEnd type="arrow"/>
+          </a:ln>
+        </p:spPr>
+        <p:style>
+          <a:lnRef idx="2">
+            <a:schemeClr val="accent1"/>
+          </a:lnRef>
+          <a:fillRef idx="0">
+            <a:srgbClr val="FFFFFF"/>
+          </a:fillRef>
+          <a:effectRef idx="0">
+            <a:srgbClr val="FFFFFF"/>
+          </a:effectRef>
+          <a:fontRef idx="minor">
+            <a:schemeClr val="tx1"/>
+          </a:fontRef>
+        </p:style>
+      </p:cxnSp>
+      <p:cxnSp>
+        <p:nvCxnSpPr>
+          <p:cNvPr id="58" name="直接箭头连接符 57"/>
+          <p:cNvCxnSpPr>
+            <a:stCxn id="53" idx="2"/>
+            <a:endCxn id="54" idx="0"/>
+          </p:cNvCxnSpPr>
+          <p:nvPr/>
+        </p:nvCxnSpPr>
+        <p:spPr>
+          <a:xfrm flipH="1">
+            <a:off x="3757930" y="2643505"/>
+            <a:ext cx="4127500" cy="2439670"/>
+          </a:xfrm>
+          <a:prstGeom prst="straightConnector1">
+            <a:avLst/>
+          </a:prstGeom>
+          <a:ln>
+            <a:solidFill>
+              <a:schemeClr val="accent4"/>
+            </a:solidFill>
+            <a:tailEnd type="arrow"/>
+          </a:ln>
+        </p:spPr>
+        <p:style>
+          <a:lnRef idx="2">
+            <a:schemeClr val="accent1"/>
+          </a:lnRef>
+          <a:fillRef idx="0">
+            <a:srgbClr val="FFFFFF"/>
+          </a:fillRef>
+          <a:effectRef idx="0">
+            <a:srgbClr val="FFFFFF"/>
+          </a:effectRef>
+          <a:fontRef idx="minor">
+            <a:schemeClr val="tx1"/>
+          </a:fontRef>
+        </p:style>
+      </p:cxnSp>
+    </p:spTree>
+  </p:cSld>
+  <p:clrMapOvr>
+    <a:masterClrMapping/>
+  </p:clrMapOvr>
+  <mc:AlternateContent xmlns:mc="http://schemas.openxmlformats.org/markup-compatibility/2006">
+    <mc:Choice xmlns:p14="http://schemas.microsoft.com/office/powerpoint/2010/main" Requires="p14">
+      <p:transition p14:dur="500"/>
+    </mc:Choice>
+    <mc:Fallback>
+      <p:transition/>
+    </mc:Fallback>
+  </mc:AlternateContent>
+</p:sld>
+</file>
+
 <file path=ppt/slides/slide2.xml><?xml version="1.0" encoding="utf-8"?>
 <p:sld xmlns:a="http://schemas.openxmlformats.org/drawingml/2006/main" xmlns:r="http://schemas.openxmlformats.org/officeDocument/2006/relationships" xmlns:p="http://schemas.openxmlformats.org/presentationml/2006/main">
   <p:cSld>
@@ -19733,8 +21404,55 @@
 
 <file path=ppt/tags/tag201.xml><?xml version="1.0" encoding="utf-8"?>
 <p:tagLst xmlns:p="http://schemas.openxmlformats.org/presentationml/2006/main">
-  <p:tag name="commondata" val="eyJoZGlkIjoiODM2YWE3ZWUwNjY3YTM3NzRhMTVkMGUxZmFhMTA5ZDAifQ=="/>
-  <p:tag name="resource_record_key" val="{&quot;13&quot;:[20482073]}"/>
+  <p:tag name="KSO_WM_BEAUTIFY_FLAG" val=""/>
+</p:tagLst>
+</file>
+
+<file path=ppt/tags/tag202.xml><?xml version="1.0" encoding="utf-8"?>
+<p:tagLst xmlns:p="http://schemas.openxmlformats.org/presentationml/2006/main">
+  <p:tag name="KSO_WM_BEAUTIFY_FLAG" val=""/>
+</p:tagLst>
+</file>
+
+<file path=ppt/tags/tag203.xml><?xml version="1.0" encoding="utf-8"?>
+<p:tagLst xmlns:p="http://schemas.openxmlformats.org/presentationml/2006/main">
+  <p:tag name="KSO_WM_BEAUTIFY_FLAG" val=""/>
+</p:tagLst>
+</file>
+
+<file path=ppt/tags/tag204.xml><?xml version="1.0" encoding="utf-8"?>
+<p:tagLst xmlns:p="http://schemas.openxmlformats.org/presentationml/2006/main">
+  <p:tag name="KSO_WM_BEAUTIFY_FLAG" val=""/>
+</p:tagLst>
+</file>
+
+<file path=ppt/tags/tag205.xml><?xml version="1.0" encoding="utf-8"?>
+<p:tagLst xmlns:p="http://schemas.openxmlformats.org/presentationml/2006/main">
+  <p:tag name="KSO_WM_BEAUTIFY_FLAG" val=""/>
+</p:tagLst>
+</file>
+
+<file path=ppt/tags/tag206.xml><?xml version="1.0" encoding="utf-8"?>
+<p:tagLst xmlns:p="http://schemas.openxmlformats.org/presentationml/2006/main">
+  <p:tag name="KSO_WM_BEAUTIFY_FLAG" val=""/>
+</p:tagLst>
+</file>
+
+<file path=ppt/tags/tag207.xml><?xml version="1.0" encoding="utf-8"?>
+<p:tagLst xmlns:p="http://schemas.openxmlformats.org/presentationml/2006/main">
+  <p:tag name="KSO_WM_BEAUTIFY_FLAG" val=""/>
+</p:tagLst>
+</file>
+
+<file path=ppt/tags/tag208.xml><?xml version="1.0" encoding="utf-8"?>
+<p:tagLst xmlns:p="http://schemas.openxmlformats.org/presentationml/2006/main">
+  <p:tag name="KSO_WM_BEAUTIFY_FLAG" val=""/>
+</p:tagLst>
+</file>
+
+<file path=ppt/tags/tag209.xml><?xml version="1.0" encoding="utf-8"?>
+<p:tagLst xmlns:p="http://schemas.openxmlformats.org/presentationml/2006/main">
+  <p:tag name="KSO_WM_BEAUTIFY_FLAG" val=""/>
 </p:tagLst>
 </file>
 
@@ -19748,6 +21466,25 @@
   <p:tag name="KSO_WM_UNIT_LAYERLEVEL" val="1"/>
   <p:tag name="KSO_WM_TAG_VERSION" val="1.0"/>
   <p:tag name="KSO_WM_BEAUTIFY_FLAG" val="#wm#"/>
+</p:tagLst>
+</file>
+
+<file path=ppt/tags/tag210.xml><?xml version="1.0" encoding="utf-8"?>
+<p:tagLst xmlns:p="http://schemas.openxmlformats.org/presentationml/2006/main">
+  <p:tag name="KSO_WM_BEAUTIFY_FLAG" val=""/>
+</p:tagLst>
+</file>
+
+<file path=ppt/tags/tag211.xml><?xml version="1.0" encoding="utf-8"?>
+<p:tagLst xmlns:p="http://schemas.openxmlformats.org/presentationml/2006/main">
+  <p:tag name="KSO_WM_BEAUTIFY_FLAG" val=""/>
+</p:tagLst>
+</file>
+
+<file path=ppt/tags/tag212.xml><?xml version="1.0" encoding="utf-8"?>
+<p:tagLst xmlns:p="http://schemas.openxmlformats.org/presentationml/2006/main">
+  <p:tag name="commondata" val="eyJoZGlkIjoiODM2YWE3ZWUwNjY3YTM3NzRhMTVkMGUxZmFhMTA5ZDAifQ=="/>
+  <p:tag name="resource_record_key" val="{&quot;13&quot;:[20482073]}"/>
 </p:tagLst>
 </file>
 

--- a/_doc/readme.pptx
+++ b/_doc/readme.pptx
@@ -11610,6 +11610,39 @@
           </a:fontRef>
         </p:style>
       </p:cxnSp>
+      <p:sp>
+        <p:nvSpPr>
+          <p:cNvPr id="2" name="文本框 1"/>
+          <p:cNvSpPr txBox="1"/>
+          <p:nvPr/>
+        </p:nvSpPr>
+        <p:spPr>
+          <a:xfrm>
+            <a:off x="9817735" y="746125"/>
+            <a:ext cx="4064000" cy="368300"/>
+          </a:xfrm>
+          <a:prstGeom prst="rect">
+            <a:avLst/>
+          </a:prstGeom>
+          <a:noFill/>
+        </p:spPr>
+        <p:txBody>
+          <a:bodyPr wrap="square" rtlCol="0">
+            <a:spAutoFit/>
+          </a:bodyPr>
+          <a:p>
+            <a:r>
+              <a:rPr lang="en-US" altLang="zh-CN"/>
+              <a:t>1:n client</a:t>
+            </a:r>
+            <a:r>
+              <a:rPr lang="zh-CN" altLang="en-US"/>
+              <a:t>太重，考虑</a:t>
+            </a:r>
+            <a:endParaRPr lang="zh-CN" altLang="en-US"/>
+          </a:p>
+        </p:txBody>
+      </p:sp>
     </p:spTree>
   </p:cSld>
   <p:clrMapOvr>
